--- a/resume.pptx
+++ b/resume.pptx
@@ -130,10 +130,10 @@
   </p:defaultTextStyle>
   <p:extLst>
     <p:ext uri="{EFAFB233-063F-42B5-8137-9DF3F51BA10A}">
-      <p15:sldGuideLst xmlns:p15="http://schemas.microsoft.com/office/powerpoint/2012/main"/>
+      <p15:sldGuideLst xmlns:p15="http://schemas.microsoft.com/office/powerpoint/2012/main" xmlns=""/>
     </p:ext>
     <p:ext uri="{2D200454-40CA-4A62-9FC3-DE9A4176ACB9}">
-      <p15:notesGuideLst xmlns:p15="http://schemas.microsoft.com/office/powerpoint/2012/main"/>
+      <p15:notesGuideLst xmlns:p15="http://schemas.microsoft.com/office/powerpoint/2012/main" xmlns=""/>
     </p:ext>
   </p:extLst>
 </p:presentation>
@@ -1189,6 +1189,13 @@
         </dgm:presLayoutVars>
       </dgm:prSet>
       <dgm:spPr/>
+      <dgm:t>
+        <a:bodyPr/>
+        <a:lstStyle/>
+        <a:p>
+          <a:endParaRPr lang="en-US"/>
+        </a:p>
+      </dgm:t>
     </dgm:pt>
     <dgm:pt modelId="{98B0D8FA-33BD-482B-B6F4-3F5E0198F6C8}" type="pres">
       <dgm:prSet presAssocID="{FA16F164-7E64-4B90-A525-8E0B2A2DD444}" presName="sibTrans" presStyleCnt="0"/>
@@ -1201,6 +1208,13 @@
         </dgm:presLayoutVars>
       </dgm:prSet>
       <dgm:spPr/>
+      <dgm:t>
+        <a:bodyPr/>
+        <a:lstStyle/>
+        <a:p>
+          <a:endParaRPr lang="en-US"/>
+        </a:p>
+      </dgm:t>
     </dgm:pt>
     <dgm:pt modelId="{051DD4FC-166F-4F02-A39E-A452BC910E06}" type="pres">
       <dgm:prSet presAssocID="{55DCBB83-7C6D-46A7-82CA-027E0B477E95}" presName="sibTrans" presStyleCnt="0"/>
@@ -1213,6 +1227,13 @@
         </dgm:presLayoutVars>
       </dgm:prSet>
       <dgm:spPr/>
+      <dgm:t>
+        <a:bodyPr/>
+        <a:lstStyle/>
+        <a:p>
+          <a:endParaRPr lang="en-US"/>
+        </a:p>
+      </dgm:t>
     </dgm:pt>
     <dgm:pt modelId="{77643FC8-7395-470F-A138-D10FAD0F0C7F}" type="pres">
       <dgm:prSet presAssocID="{C9026DD8-2164-4B97-A10F-513BD9C5AE66}" presName="sibTrans" presStyleCnt="0"/>
@@ -1225,6 +1246,13 @@
         </dgm:presLayoutVars>
       </dgm:prSet>
       <dgm:spPr/>
+      <dgm:t>
+        <a:bodyPr/>
+        <a:lstStyle/>
+        <a:p>
+          <a:endParaRPr lang="en-US"/>
+        </a:p>
+      </dgm:t>
     </dgm:pt>
   </dgm:ptLst>
   <dgm:cxnLst>
@@ -1265,454 +1293,6 @@
       <dsp:cNvGrpSpPr/>
     </dsp:nvGrpSpPr>
     <dsp:grpSpPr/>
-    <dsp:sp modelId="{C19FBA30-382B-44E2-8C1D-137A6F897C28}">
-      <dsp:nvSpPr>
-        <dsp:cNvPr id="0" name=""/>
-        <dsp:cNvSpPr/>
-      </dsp:nvSpPr>
-      <dsp:spPr>
-        <a:xfrm>
-          <a:off x="619648" y="0"/>
-          <a:ext cx="7022680" cy="2448272"/>
-        </a:xfrm>
-        <a:prstGeom prst="rightArrow">
-          <a:avLst/>
-        </a:prstGeom>
-        <a:solidFill>
-          <a:schemeClr val="accent3">
-            <a:tint val="40000"/>
-            <a:hueOff val="0"/>
-            <a:satOff val="0"/>
-            <a:lumOff val="0"/>
-            <a:alphaOff val="0"/>
-          </a:schemeClr>
-        </a:solidFill>
-        <a:ln>
-          <a:noFill/>
-        </a:ln>
-        <a:effectLst/>
-      </dsp:spPr>
-      <dsp:style>
-        <a:lnRef idx="0">
-          <a:scrgbClr r="0" g="0" b="0"/>
-        </a:lnRef>
-        <a:fillRef idx="1">
-          <a:scrgbClr r="0" g="0" b="0"/>
-        </a:fillRef>
-        <a:effectRef idx="2">
-          <a:scrgbClr r="0" g="0" b="0"/>
-        </a:effectRef>
-        <a:fontRef idx="minor"/>
-      </dsp:style>
-    </dsp:sp>
-    <dsp:sp modelId="{3BE67301-9880-4FEC-99F7-88569348EA0D}">
-      <dsp:nvSpPr>
-        <dsp:cNvPr id="0" name=""/>
-        <dsp:cNvSpPr/>
-      </dsp:nvSpPr>
-      <dsp:spPr>
-        <a:xfrm>
-          <a:off x="2823" y="734481"/>
-          <a:ext cx="1834739" cy="979308"/>
-        </a:xfrm>
-        <a:prstGeom prst="roundRect">
-          <a:avLst/>
-        </a:prstGeom>
-        <a:gradFill rotWithShape="0">
-          <a:gsLst>
-            <a:gs pos="0">
-              <a:schemeClr val="accent3">
-                <a:shade val="80000"/>
-                <a:hueOff val="0"/>
-                <a:satOff val="0"/>
-                <a:lumOff val="0"/>
-                <a:alphaOff val="0"/>
-                <a:satMod val="103000"/>
-                <a:lumMod val="102000"/>
-                <a:tint val="94000"/>
-              </a:schemeClr>
-            </a:gs>
-            <a:gs pos="50000">
-              <a:schemeClr val="accent3">
-                <a:shade val="80000"/>
-                <a:hueOff val="0"/>
-                <a:satOff val="0"/>
-                <a:lumOff val="0"/>
-                <a:alphaOff val="0"/>
-                <a:satMod val="110000"/>
-                <a:lumMod val="100000"/>
-                <a:shade val="100000"/>
-              </a:schemeClr>
-            </a:gs>
-            <a:gs pos="100000">
-              <a:schemeClr val="accent3">
-                <a:shade val="80000"/>
-                <a:hueOff val="0"/>
-                <a:satOff val="0"/>
-                <a:lumOff val="0"/>
-                <a:alphaOff val="0"/>
-                <a:lumMod val="99000"/>
-                <a:satMod val="120000"/>
-                <a:shade val="78000"/>
-              </a:schemeClr>
-            </a:gs>
-          </a:gsLst>
-          <a:lin ang="5400000" scaled="0"/>
-        </a:gradFill>
-        <a:ln>
-          <a:noFill/>
-        </a:ln>
-        <a:effectLst/>
-      </dsp:spPr>
-      <dsp:style>
-        <a:lnRef idx="0">
-          <a:scrgbClr r="0" g="0" b="0"/>
-        </a:lnRef>
-        <a:fillRef idx="3">
-          <a:scrgbClr r="0" g="0" b="0"/>
-        </a:fillRef>
-        <a:effectRef idx="2">
-          <a:scrgbClr r="0" g="0" b="0"/>
-        </a:effectRef>
-        <a:fontRef idx="minor">
-          <a:schemeClr val="lt1"/>
-        </a:fontRef>
-      </dsp:style>
-      <dsp:txBody>
-        <a:bodyPr spcFirstLastPara="0" vert="horz" wrap="square" lIns="76200" tIns="76200" rIns="76200" bIns="76200" numCol="1" spcCol="1270" anchor="ctr" anchorCtr="0">
-          <a:noAutofit/>
-        </a:bodyPr>
-        <a:lstStyle/>
-        <a:p>
-          <a:pPr marL="0" lvl="0" indent="0" algn="ctr" defTabSz="889000">
-            <a:lnSpc>
-              <a:spcPct val="90000"/>
-            </a:lnSpc>
-            <a:spcBef>
-              <a:spcPct val="0"/>
-            </a:spcBef>
-            <a:spcAft>
-              <a:spcPct val="35000"/>
-            </a:spcAft>
-            <a:buNone/>
-          </a:pPr>
-          <a:r>
-            <a:rPr lang="es-ES" sz="2000" kern="1200" dirty="0"/>
-            <a:t>SPRINT 1</a:t>
-          </a:r>
-        </a:p>
-      </dsp:txBody>
-      <dsp:txXfrm>
-        <a:off x="50629" y="782287"/>
-        <a:ext cx="1739127" cy="883696"/>
-      </dsp:txXfrm>
-    </dsp:sp>
-    <dsp:sp modelId="{41F7C86B-E9DC-4364-8A2B-DD3371CBF3D3}">
-      <dsp:nvSpPr>
-        <dsp:cNvPr id="0" name=""/>
-        <dsp:cNvSpPr/>
-      </dsp:nvSpPr>
-      <dsp:spPr>
-        <a:xfrm>
-          <a:off x="2143353" y="734481"/>
-          <a:ext cx="1834739" cy="979308"/>
-        </a:xfrm>
-        <a:prstGeom prst="roundRect">
-          <a:avLst/>
-        </a:prstGeom>
-        <a:gradFill rotWithShape="0">
-          <a:gsLst>
-            <a:gs pos="0">
-              <a:schemeClr val="accent3">
-                <a:shade val="80000"/>
-                <a:hueOff val="0"/>
-                <a:satOff val="0"/>
-                <a:lumOff val="6364"/>
-                <a:alphaOff val="0"/>
-                <a:satMod val="103000"/>
-                <a:lumMod val="102000"/>
-                <a:tint val="94000"/>
-              </a:schemeClr>
-            </a:gs>
-            <a:gs pos="50000">
-              <a:schemeClr val="accent3">
-                <a:shade val="80000"/>
-                <a:hueOff val="0"/>
-                <a:satOff val="0"/>
-                <a:lumOff val="6364"/>
-                <a:alphaOff val="0"/>
-                <a:satMod val="110000"/>
-                <a:lumMod val="100000"/>
-                <a:shade val="100000"/>
-              </a:schemeClr>
-            </a:gs>
-            <a:gs pos="100000">
-              <a:schemeClr val="accent3">
-                <a:shade val="80000"/>
-                <a:hueOff val="0"/>
-                <a:satOff val="0"/>
-                <a:lumOff val="6364"/>
-                <a:alphaOff val="0"/>
-                <a:lumMod val="99000"/>
-                <a:satMod val="120000"/>
-                <a:shade val="78000"/>
-              </a:schemeClr>
-            </a:gs>
-          </a:gsLst>
-          <a:lin ang="5400000" scaled="0"/>
-        </a:gradFill>
-        <a:ln>
-          <a:noFill/>
-        </a:ln>
-        <a:effectLst/>
-      </dsp:spPr>
-      <dsp:style>
-        <a:lnRef idx="0">
-          <a:scrgbClr r="0" g="0" b="0"/>
-        </a:lnRef>
-        <a:fillRef idx="3">
-          <a:scrgbClr r="0" g="0" b="0"/>
-        </a:fillRef>
-        <a:effectRef idx="2">
-          <a:scrgbClr r="0" g="0" b="0"/>
-        </a:effectRef>
-        <a:fontRef idx="minor">
-          <a:schemeClr val="lt1"/>
-        </a:fontRef>
-      </dsp:style>
-      <dsp:txBody>
-        <a:bodyPr spcFirstLastPara="0" vert="horz" wrap="square" lIns="76200" tIns="76200" rIns="76200" bIns="76200" numCol="1" spcCol="1270" anchor="ctr" anchorCtr="0">
-          <a:noAutofit/>
-        </a:bodyPr>
-        <a:lstStyle/>
-        <a:p>
-          <a:pPr marL="0" lvl="0" indent="0" algn="ctr" defTabSz="889000">
-            <a:lnSpc>
-              <a:spcPct val="90000"/>
-            </a:lnSpc>
-            <a:spcBef>
-              <a:spcPct val="0"/>
-            </a:spcBef>
-            <a:spcAft>
-              <a:spcPct val="35000"/>
-            </a:spcAft>
-            <a:buNone/>
-          </a:pPr>
-          <a:r>
-            <a:rPr lang="es-ES" sz="2000" kern="1200" dirty="0"/>
-            <a:t>SPRINT 2</a:t>
-          </a:r>
-        </a:p>
-      </dsp:txBody>
-      <dsp:txXfrm>
-        <a:off x="2191159" y="782287"/>
-        <a:ext cx="1739127" cy="883696"/>
-      </dsp:txXfrm>
-    </dsp:sp>
-    <dsp:sp modelId="{4BAD5466-94E1-47CA-9FAA-DDD3B7595BCC}">
-      <dsp:nvSpPr>
-        <dsp:cNvPr id="0" name=""/>
-        <dsp:cNvSpPr/>
-      </dsp:nvSpPr>
-      <dsp:spPr>
-        <a:xfrm>
-          <a:off x="4283883" y="734481"/>
-          <a:ext cx="1834739" cy="979308"/>
-        </a:xfrm>
-        <a:prstGeom prst="roundRect">
-          <a:avLst/>
-        </a:prstGeom>
-        <a:gradFill rotWithShape="0">
-          <a:gsLst>
-            <a:gs pos="0">
-              <a:schemeClr val="accent3">
-                <a:shade val="80000"/>
-                <a:hueOff val="0"/>
-                <a:satOff val="0"/>
-                <a:lumOff val="12728"/>
-                <a:alphaOff val="0"/>
-                <a:satMod val="103000"/>
-                <a:lumMod val="102000"/>
-                <a:tint val="94000"/>
-              </a:schemeClr>
-            </a:gs>
-            <a:gs pos="50000">
-              <a:schemeClr val="accent3">
-                <a:shade val="80000"/>
-                <a:hueOff val="0"/>
-                <a:satOff val="0"/>
-                <a:lumOff val="12728"/>
-                <a:alphaOff val="0"/>
-                <a:satMod val="110000"/>
-                <a:lumMod val="100000"/>
-                <a:shade val="100000"/>
-              </a:schemeClr>
-            </a:gs>
-            <a:gs pos="100000">
-              <a:schemeClr val="accent3">
-                <a:shade val="80000"/>
-                <a:hueOff val="0"/>
-                <a:satOff val="0"/>
-                <a:lumOff val="12728"/>
-                <a:alphaOff val="0"/>
-                <a:lumMod val="99000"/>
-                <a:satMod val="120000"/>
-                <a:shade val="78000"/>
-              </a:schemeClr>
-            </a:gs>
-          </a:gsLst>
-          <a:lin ang="5400000" scaled="0"/>
-        </a:gradFill>
-        <a:ln>
-          <a:noFill/>
-        </a:ln>
-        <a:effectLst/>
-      </dsp:spPr>
-      <dsp:style>
-        <a:lnRef idx="0">
-          <a:scrgbClr r="0" g="0" b="0"/>
-        </a:lnRef>
-        <a:fillRef idx="3">
-          <a:scrgbClr r="0" g="0" b="0"/>
-        </a:fillRef>
-        <a:effectRef idx="2">
-          <a:scrgbClr r="0" g="0" b="0"/>
-        </a:effectRef>
-        <a:fontRef idx="minor">
-          <a:schemeClr val="lt1"/>
-        </a:fontRef>
-      </dsp:style>
-      <dsp:txBody>
-        <a:bodyPr spcFirstLastPara="0" vert="horz" wrap="square" lIns="76200" tIns="76200" rIns="76200" bIns="76200" numCol="1" spcCol="1270" anchor="ctr" anchorCtr="0">
-          <a:noAutofit/>
-        </a:bodyPr>
-        <a:lstStyle/>
-        <a:p>
-          <a:pPr marL="0" lvl="0" indent="0" algn="ctr" defTabSz="889000">
-            <a:lnSpc>
-              <a:spcPct val="90000"/>
-            </a:lnSpc>
-            <a:spcBef>
-              <a:spcPct val="0"/>
-            </a:spcBef>
-            <a:spcAft>
-              <a:spcPct val="35000"/>
-            </a:spcAft>
-            <a:buNone/>
-          </a:pPr>
-          <a:r>
-            <a:rPr lang="es-ES" sz="2000" kern="1200" dirty="0"/>
-            <a:t>SPRINT…</a:t>
-          </a:r>
-        </a:p>
-      </dsp:txBody>
-      <dsp:txXfrm>
-        <a:off x="4331689" y="782287"/>
-        <a:ext cx="1739127" cy="883696"/>
-      </dsp:txXfrm>
-    </dsp:sp>
-    <dsp:sp modelId="{467EE60E-61AA-427F-A830-D12F30BF2A28}">
-      <dsp:nvSpPr>
-        <dsp:cNvPr id="0" name=""/>
-        <dsp:cNvSpPr/>
-      </dsp:nvSpPr>
-      <dsp:spPr>
-        <a:xfrm>
-          <a:off x="6424413" y="734481"/>
-          <a:ext cx="1834739" cy="979308"/>
-        </a:xfrm>
-        <a:prstGeom prst="roundRect">
-          <a:avLst/>
-        </a:prstGeom>
-        <a:gradFill rotWithShape="0">
-          <a:gsLst>
-            <a:gs pos="0">
-              <a:schemeClr val="accent3">
-                <a:shade val="80000"/>
-                <a:hueOff val="0"/>
-                <a:satOff val="0"/>
-                <a:lumOff val="19092"/>
-                <a:alphaOff val="0"/>
-                <a:satMod val="103000"/>
-                <a:lumMod val="102000"/>
-                <a:tint val="94000"/>
-              </a:schemeClr>
-            </a:gs>
-            <a:gs pos="50000">
-              <a:schemeClr val="accent3">
-                <a:shade val="80000"/>
-                <a:hueOff val="0"/>
-                <a:satOff val="0"/>
-                <a:lumOff val="19092"/>
-                <a:alphaOff val="0"/>
-                <a:satMod val="110000"/>
-                <a:lumMod val="100000"/>
-                <a:shade val="100000"/>
-              </a:schemeClr>
-            </a:gs>
-            <a:gs pos="100000">
-              <a:schemeClr val="accent3">
-                <a:shade val="80000"/>
-                <a:hueOff val="0"/>
-                <a:satOff val="0"/>
-                <a:lumOff val="19092"/>
-                <a:alphaOff val="0"/>
-                <a:lumMod val="99000"/>
-                <a:satMod val="120000"/>
-                <a:shade val="78000"/>
-              </a:schemeClr>
-            </a:gs>
-          </a:gsLst>
-          <a:lin ang="5400000" scaled="0"/>
-        </a:gradFill>
-        <a:ln>
-          <a:noFill/>
-        </a:ln>
-        <a:effectLst/>
-      </dsp:spPr>
-      <dsp:style>
-        <a:lnRef idx="0">
-          <a:scrgbClr r="0" g="0" b="0"/>
-        </a:lnRef>
-        <a:fillRef idx="3">
-          <a:scrgbClr r="0" g="0" b="0"/>
-        </a:fillRef>
-        <a:effectRef idx="2">
-          <a:scrgbClr r="0" g="0" b="0"/>
-        </a:effectRef>
-        <a:fontRef idx="minor">
-          <a:schemeClr val="lt1"/>
-        </a:fontRef>
-      </dsp:style>
-      <dsp:txBody>
-        <a:bodyPr spcFirstLastPara="0" vert="horz" wrap="square" lIns="76200" tIns="76200" rIns="76200" bIns="76200" numCol="1" spcCol="1270" anchor="ctr" anchorCtr="0">
-          <a:noAutofit/>
-        </a:bodyPr>
-        <a:lstStyle/>
-        <a:p>
-          <a:pPr marL="0" lvl="0" indent="0" algn="ctr" defTabSz="889000">
-            <a:lnSpc>
-              <a:spcPct val="90000"/>
-            </a:lnSpc>
-            <a:spcBef>
-              <a:spcPct val="0"/>
-            </a:spcBef>
-            <a:spcAft>
-              <a:spcPct val="35000"/>
-            </a:spcAft>
-            <a:buNone/>
-          </a:pPr>
-          <a:r>
-            <a:rPr lang="es-ES" sz="2000" kern="1200" dirty="0"/>
-            <a:t>SPRINT N</a:t>
-          </a:r>
-        </a:p>
-      </dsp:txBody>
-      <dsp:txXfrm>
-        <a:off x="6472219" y="782287"/>
-        <a:ext cx="1739127" cy="883696"/>
-      </dsp:txXfrm>
-    </dsp:sp>
   </dsp:spTree>
 </dsp:drawing>
 </file>
@@ -2987,7 +2567,7 @@
           <a:p>
             <a:fld id="{1524C607-EC43-4D45-819C-01ED569A62A9}" type="datetimeFigureOut">
               <a:rPr lang="es-ES_tradnl" smtClean="0"/>
-              <a:t>12/06/2016</a:t>
+              <a:t>13/06/2016</a:t>
             </a:fld>
             <a:endParaRPr lang="es-ES_tradnl" dirty="0"/>
           </a:p>
@@ -3053,7 +2633,7 @@
           <a:p>
             <a:fld id="{22FF3C80-5006-4947-B2EA-4A4A50684FF5}" type="slidenum">
               <a:rPr lang="es-ES_tradnl" smtClean="0"/>
-              <a:t>‹Nº›</a:t>
+              <a:t>‹#›</a:t>
             </a:fld>
             <a:endParaRPr lang="es-ES_tradnl" dirty="0"/>
           </a:p>
@@ -3152,7 +2732,7 @@
           <a:p>
             <a:fld id="{26D2F09D-BAE4-494B-8CCF-2A216F98B43B}" type="datetimeFigureOut">
               <a:rPr lang="es-ES_tradnl" smtClean="0"/>
-              <a:t>12/06/2016</a:t>
+              <a:t>13/06/2016</a:t>
             </a:fld>
             <a:endParaRPr lang="es-ES_tradnl" dirty="0"/>
           </a:p>
@@ -3311,7 +2891,7 @@
           <a:p>
             <a:fld id="{2062F163-3063-474E-9A8A-E961A784F045}" type="slidenum">
               <a:rPr lang="es-ES_tradnl" smtClean="0"/>
-              <a:t>‹Nº›</a:t>
+              <a:t>‹#›</a:t>
             </a:fld>
             <a:endParaRPr lang="es-ES_tradnl" dirty="0"/>
           </a:p>
@@ -16147,8 +15727,23 @@
               <a:t>, typescript, </a:t>
             </a:r>
             <a:r>
-              <a:rPr lang="en-US" dirty="0" err="1"/>
+              <a:rPr lang="en-US" dirty="0" err="1" smtClean="0"/>
               <a:t>angularJS</a:t>
+            </a:r>
+            <a:endParaRPr lang="en-US" dirty="0" smtClean="0"/>
+          </a:p>
+          <a:p>
+            <a:r>
+              <a:rPr lang="en-US" dirty="0" smtClean="0"/>
+              <a:t>Testing with </a:t>
+            </a:r>
+            <a:r>
+              <a:rPr lang="en-US" dirty="0" smtClean="0"/>
+              <a:t>jasmine </a:t>
+            </a:r>
+            <a:r>
+              <a:rPr lang="en-US" smtClean="0"/>
+              <a:t>and karma</a:t>
             </a:r>
             <a:endParaRPr lang="en-US" dirty="0"/>
           </a:p>
@@ -18115,7 +17710,7 @@
   <a:extraClrSchemeLst/>
   <a:extLst>
     <a:ext uri="{05A4C25C-085E-4340-85A3-A5531E510DB2}">
-      <thm15:themeFamily xmlns:thm15="http://schemas.microsoft.com/office/thememl/2012/main" name="Office Theme" id="{62F939B6-93AF-4DB8-9C6B-D6C7DFDC589F}" vid="{4A3C46E8-61CC-4603-A589-7422A47A8E4A}"/>
+      <thm15:themeFamily xmlns:thm15="http://schemas.microsoft.com/office/thememl/2012/main" xmlns="" name="Office Theme" id="{62F939B6-93AF-4DB8-9C6B-D6C7DFDC589F}" vid="{4A3C46E8-61CC-4603-A589-7422A47A8E4A}"/>
     </a:ext>
   </a:extLst>
 </a:theme>
@@ -18376,7 +17971,7 @@
   <a:extraClrSchemeLst/>
   <a:extLst>
     <a:ext uri="{05A4C25C-085E-4340-85A3-A5531E510DB2}">
-      <thm15:themeFamily xmlns:thm15="http://schemas.microsoft.com/office/thememl/2012/main" name="Office Theme" id="{62F939B6-93AF-4DB8-9C6B-D6C7DFDC589F}" vid="{4A3C46E8-61CC-4603-A589-7422A47A8E4A}"/>
+      <thm15:themeFamily xmlns:thm15="http://schemas.microsoft.com/office/thememl/2012/main" xmlns="" name="Office Theme" id="{62F939B6-93AF-4DB8-9C6B-D6C7DFDC589F}" vid="{4A3C46E8-61CC-4603-A589-7422A47A8E4A}"/>
     </a:ext>
   </a:extLst>
 </a:theme>
@@ -18637,7 +18232,7 @@
   <a:extraClrSchemeLst/>
   <a:extLst>
     <a:ext uri="{05A4C25C-085E-4340-85A3-A5531E510DB2}">
-      <thm15:themeFamily xmlns:thm15="http://schemas.microsoft.com/office/thememl/2012/main" name="Office Theme" id="{62F939B6-93AF-4DB8-9C6B-D6C7DFDC589F}" vid="{4A3C46E8-61CC-4603-A589-7422A47A8E4A}"/>
+      <thm15:themeFamily xmlns:thm15="http://schemas.microsoft.com/office/thememl/2012/main" xmlns="" name="Office Theme" id="{62F939B6-93AF-4DB8-9C6B-D6C7DFDC589F}" vid="{4A3C46E8-61CC-4603-A589-7422A47A8E4A}"/>
     </a:ext>
   </a:extLst>
 </a:theme>
@@ -18898,7 +18493,7 @@
   <a:extraClrSchemeLst/>
   <a:extLst>
     <a:ext uri="{05A4C25C-085E-4340-85A3-A5531E510DB2}">
-      <thm15:themeFamily xmlns:thm15="http://schemas.microsoft.com/office/thememl/2012/main" name="Office Theme" id="{62F939B6-93AF-4DB8-9C6B-D6C7DFDC589F}" vid="{4A3C46E8-61CC-4603-A589-7422A47A8E4A}"/>
+      <thm15:themeFamily xmlns:thm15="http://schemas.microsoft.com/office/thememl/2012/main" xmlns="" name="Office Theme" id="{62F939B6-93AF-4DB8-9C6B-D6C7DFDC589F}" vid="{4A3C46E8-61CC-4603-A589-7422A47A8E4A}"/>
     </a:ext>
   </a:extLst>
 </a:theme>
@@ -19159,7 +18754,7 @@
   <a:extraClrSchemeLst/>
   <a:extLst>
     <a:ext uri="{05A4C25C-085E-4340-85A3-A5531E510DB2}">
-      <thm15:themeFamily xmlns:thm15="http://schemas.microsoft.com/office/thememl/2012/main" name="Office Theme" id="{62F939B6-93AF-4DB8-9C6B-D6C7DFDC589F}" vid="{4A3C46E8-61CC-4603-A589-7422A47A8E4A}"/>
+      <thm15:themeFamily xmlns:thm15="http://schemas.microsoft.com/office/thememl/2012/main" xmlns="" name="Office Theme" id="{62F939B6-93AF-4DB8-9C6B-D6C7DFDC589F}" vid="{4A3C46E8-61CC-4603-A589-7422A47A8E4A}"/>
     </a:ext>
   </a:extLst>
 </a:theme>
@@ -19420,7 +19015,7 @@
   <a:extraClrSchemeLst/>
   <a:extLst>
     <a:ext uri="{05A4C25C-085E-4340-85A3-A5531E510DB2}">
-      <thm15:themeFamily xmlns:thm15="http://schemas.microsoft.com/office/thememl/2012/main" name="Office Theme" id="{62F939B6-93AF-4DB8-9C6B-D6C7DFDC589F}" vid="{4A3C46E8-61CC-4603-A589-7422A47A8E4A}"/>
+      <thm15:themeFamily xmlns:thm15="http://schemas.microsoft.com/office/thememl/2012/main" xmlns="" name="Office Theme" id="{62F939B6-93AF-4DB8-9C6B-D6C7DFDC589F}" vid="{4A3C46E8-61CC-4603-A589-7422A47A8E4A}"/>
     </a:ext>
   </a:extLst>
 </a:theme>
@@ -19681,7 +19276,7 @@
   <a:extraClrSchemeLst/>
   <a:extLst>
     <a:ext uri="{05A4C25C-085E-4340-85A3-A5531E510DB2}">
-      <thm15:themeFamily xmlns:thm15="http://schemas.microsoft.com/office/thememl/2012/main" name="Office Theme" id="{62F939B6-93AF-4DB8-9C6B-D6C7DFDC589F}" vid="{4A3C46E8-61CC-4603-A589-7422A47A8E4A}"/>
+      <thm15:themeFamily xmlns:thm15="http://schemas.microsoft.com/office/thememl/2012/main" xmlns="" name="Office Theme" id="{62F939B6-93AF-4DB8-9C6B-D6C7DFDC589F}" vid="{4A3C46E8-61CC-4603-A589-7422A47A8E4A}"/>
     </a:ext>
   </a:extLst>
 </a:theme>
@@ -19942,7 +19537,7 @@
   <a:extraClrSchemeLst/>
   <a:extLst>
     <a:ext uri="{05A4C25C-085E-4340-85A3-A5531E510DB2}">
-      <thm15:themeFamily xmlns:thm15="http://schemas.microsoft.com/office/thememl/2012/main" name="Office Theme" id="{62F939B6-93AF-4DB8-9C6B-D6C7DFDC589F}" vid="{4A3C46E8-61CC-4603-A589-7422A47A8E4A}"/>
+      <thm15:themeFamily xmlns:thm15="http://schemas.microsoft.com/office/thememl/2012/main" xmlns="" name="Office Theme" id="{62F939B6-93AF-4DB8-9C6B-D6C7DFDC589F}" vid="{4A3C46E8-61CC-4603-A589-7422A47A8E4A}"/>
     </a:ext>
   </a:extLst>
 </a:theme>
@@ -20203,7 +19798,7 @@
   <a:extraClrSchemeLst/>
   <a:extLst>
     <a:ext uri="{05A4C25C-085E-4340-85A3-A5531E510DB2}">
-      <thm15:themeFamily xmlns:thm15="http://schemas.microsoft.com/office/thememl/2012/main" name="Office Theme" id="{62F939B6-93AF-4DB8-9C6B-D6C7DFDC589F}" vid="{4A3C46E8-61CC-4603-A589-7422A47A8E4A}"/>
+      <thm15:themeFamily xmlns:thm15="http://schemas.microsoft.com/office/thememl/2012/main" xmlns="" name="Office Theme" id="{62F939B6-93AF-4DB8-9C6B-D6C7DFDC589F}" vid="{4A3C46E8-61CC-4603-A589-7422A47A8E4A}"/>
     </a:ext>
   </a:extLst>
 </a:theme>
@@ -20464,19 +20059,25 @@
   <a:extraClrSchemeLst/>
   <a:extLst>
     <a:ext uri="{05A4C25C-085E-4340-85A3-A5531E510DB2}">
-      <thm15:themeFamily xmlns:thm15="http://schemas.microsoft.com/office/thememl/2012/main" name="Office Theme" id="{62F939B6-93AF-4DB8-9C6B-D6C7DFDC589F}" vid="{4A3C46E8-61CC-4603-A589-7422A47A8E4A}"/>
+      <thm15:themeFamily xmlns:thm15="http://schemas.microsoft.com/office/thememl/2012/main" xmlns="" name="Office Theme" id="{62F939B6-93AF-4DB8-9C6B-D6C7DFDC589F}" vid="{4A3C46E8-61CC-4603-A589-7422A47A8E4A}"/>
     </a:ext>
   </a:extLst>
 </a:theme>
 </file>
 
 <file path=customXml/item1.xml><?xml version="1.0" encoding="utf-8"?>
-<?mso-contentType ?>
-<FormTemplates xmlns="http://schemas.microsoft.com/sharepoint/v3/contenttype/forms">
-  <Display>DocumentLibraryForm</Display>
-  <Edit>DocumentLibraryForm</Edit>
-  <New>DocumentLibraryForm</New>
-</FormTemplates>
+<p:properties xmlns:p="http://schemas.microsoft.com/office/2006/metadata/properties" xmlns:xsi="http://www.w3.org/2001/XMLSchema-instance" xmlns:pc="http://schemas.microsoft.com/office/infopath/2007/PartnerControls">
+  <documentManagement>
+    <TaxCatchAll xmlns="a55c6545-c4b0-41ba-b65e-41037e7c803f"/>
+    <SharedWithUsers xmlns="b048c077-1ef5-43d8-8cbe-0087f6733556">
+      <UserInfo>
+        <DisplayName>Todos excepto los usuarios externos</DisplayName>
+        <AccountId>181</AccountId>
+        <AccountType/>
+      </UserInfo>
+    </SharedWithUsers>
+  </documentManagement>
+</p:properties>
 </file>
 
 <file path=customXml/item2.xml><?xml version="1.0" encoding="utf-8"?>
@@ -20651,24 +20252,27 @@
 </file>
 
 <file path=customXml/item3.xml><?xml version="1.0" encoding="utf-8"?>
-<p:properties xmlns:p="http://schemas.microsoft.com/office/2006/metadata/properties" xmlns:xsi="http://www.w3.org/2001/XMLSchema-instance" xmlns:pc="http://schemas.microsoft.com/office/infopath/2007/PartnerControls">
-  <documentManagement>
-    <TaxCatchAll xmlns="a55c6545-c4b0-41ba-b65e-41037e7c803f"/>
-    <SharedWithUsers xmlns="b048c077-1ef5-43d8-8cbe-0087f6733556">
-      <UserInfo>
-        <DisplayName>Todos excepto los usuarios externos</DisplayName>
-        <AccountId>181</AccountId>
-        <AccountType/>
-      </UserInfo>
-    </SharedWithUsers>
-  </documentManagement>
-</p:properties>
+<?mso-contentType ?>
+<FormTemplates xmlns="http://schemas.microsoft.com/sharepoint/v3/contenttype/forms">
+  <Display>DocumentLibraryForm</Display>
+  <Edit>DocumentLibraryForm</Edit>
+  <New>DocumentLibraryForm</New>
+</FormTemplates>
 </file>
 
 <file path=customXml/itemProps1.xml><?xml version="1.0" encoding="utf-8"?>
-<ds:datastoreItem xmlns:ds="http://schemas.openxmlformats.org/officeDocument/2006/customXml" ds:itemID="{5313EA09-C0DC-4015-ABE0-A5612D75F864}">
+<ds:datastoreItem xmlns:ds="http://schemas.openxmlformats.org/officeDocument/2006/customXml" ds:itemID="{6C60FA3A-4249-4D6E-A9A8-3B7219DF275B}">
   <ds:schemaRefs>
-    <ds:schemaRef ds:uri="http://schemas.microsoft.com/sharepoint/v3/contenttype/forms"/>
+    <ds:schemaRef ds:uri="http://schemas.microsoft.com/office/2006/documentManagement/types"/>
+    <ds:schemaRef ds:uri="a55c6545-c4b0-41ba-b65e-41037e7c803f"/>
+    <ds:schemaRef ds:uri="http://purl.org/dc/elements/1.1/"/>
+    <ds:schemaRef ds:uri="http://schemas.microsoft.com/office/2006/metadata/properties"/>
+    <ds:schemaRef ds:uri="b048c077-1ef5-43d8-8cbe-0087f6733556"/>
+    <ds:schemaRef ds:uri="http://purl.org/dc/terms/"/>
+    <ds:schemaRef ds:uri="http://schemas.microsoft.com/office/infopath/2007/PartnerControls"/>
+    <ds:schemaRef ds:uri="http://schemas.openxmlformats.org/package/2006/metadata/core-properties"/>
+    <ds:schemaRef ds:uri="http://www.w3.org/XML/1998/namespace"/>
+    <ds:schemaRef ds:uri="http://purl.org/dc/dcmitype/"/>
   </ds:schemaRefs>
 </ds:datastoreItem>
 </file>
@@ -20693,18 +20297,9 @@
 </file>
 
 <file path=customXml/itemProps3.xml><?xml version="1.0" encoding="utf-8"?>
-<ds:datastoreItem xmlns:ds="http://schemas.openxmlformats.org/officeDocument/2006/customXml" ds:itemID="{6C60FA3A-4249-4D6E-A9A8-3B7219DF275B}">
+<ds:datastoreItem xmlns:ds="http://schemas.openxmlformats.org/officeDocument/2006/customXml" ds:itemID="{5313EA09-C0DC-4015-ABE0-A5612D75F864}">
   <ds:schemaRefs>
-    <ds:schemaRef ds:uri="http://schemas.microsoft.com/office/2006/documentManagement/types"/>
-    <ds:schemaRef ds:uri="a55c6545-c4b0-41ba-b65e-41037e7c803f"/>
-    <ds:schemaRef ds:uri="http://purl.org/dc/elements/1.1/"/>
-    <ds:schemaRef ds:uri="http://schemas.microsoft.com/office/2006/metadata/properties"/>
-    <ds:schemaRef ds:uri="b048c077-1ef5-43d8-8cbe-0087f6733556"/>
-    <ds:schemaRef ds:uri="http://purl.org/dc/terms/"/>
-    <ds:schemaRef ds:uri="http://schemas.microsoft.com/office/infopath/2007/PartnerControls"/>
-    <ds:schemaRef ds:uri="http://schemas.openxmlformats.org/package/2006/metadata/core-properties"/>
-    <ds:schemaRef ds:uri="http://www.w3.org/XML/1998/namespace"/>
-    <ds:schemaRef ds:uri="http://purl.org/dc/dcmitype/"/>
+    <ds:schemaRef ds:uri="http://schemas.microsoft.com/sharepoint/v3/contenttype/forms"/>
   </ds:schemaRefs>
 </ds:datastoreItem>
 </file>
--- a/resume.pptx
+++ b/resume.pptx
@@ -12,10 +12,10 @@
     <p:sldMasterId id="2147483696" r:id="rId11"/>
   </p:sldMasterIdLst>
   <p:notesMasterIdLst>
-    <p:notesMasterId r:id="rId24"/>
+    <p:notesMasterId r:id="rId28"/>
   </p:notesMasterIdLst>
   <p:handoutMasterIdLst>
-    <p:handoutMasterId r:id="rId25"/>
+    <p:handoutMasterId r:id="rId29"/>
   </p:handoutMasterIdLst>
   <p:sldIdLst>
     <p:sldId id="256" r:id="rId12"/>
@@ -27,9 +27,13 @@
     <p:sldId id="287" r:id="rId18"/>
     <p:sldId id="288" r:id="rId19"/>
     <p:sldId id="289" r:id="rId20"/>
-    <p:sldId id="291" r:id="rId21"/>
-    <p:sldId id="290" r:id="rId22"/>
-    <p:sldId id="272" r:id="rId23"/>
+    <p:sldId id="295" r:id="rId21"/>
+    <p:sldId id="294" r:id="rId22"/>
+    <p:sldId id="293" r:id="rId23"/>
+    <p:sldId id="291" r:id="rId24"/>
+    <p:sldId id="290" r:id="rId25"/>
+    <p:sldId id="292" r:id="rId26"/>
+    <p:sldId id="272" r:id="rId27"/>
   </p:sldIdLst>
   <p:sldSz cx="12192000" cy="6858000"/>
   <p:notesSz cx="6858000" cy="9144000"/>
@@ -130,10 +134,21 @@
   </p:defaultTextStyle>
   <p:extLst>
     <p:ext uri="{EFAFB233-063F-42B5-8137-9DF3F51BA10A}">
-      <p15:sldGuideLst xmlns:p15="http://schemas.microsoft.com/office/powerpoint/2012/main" xmlns=""/>
+      <p15:sldGuideLst xmlns:p15="http://schemas.microsoft.com/office/powerpoint/2012/main">
+        <p15:guide id="1" orient="horz" pos="2160">
+          <p15:clr>
+            <a:srgbClr val="A4A3A4"/>
+          </p15:clr>
+        </p15:guide>
+        <p15:guide id="2" pos="3840">
+          <p15:clr>
+            <a:srgbClr val="A4A3A4"/>
+          </p15:clr>
+        </p15:guide>
+      </p15:sldGuideLst>
     </p:ext>
     <p:ext uri="{2D200454-40CA-4A62-9FC3-DE9A4176ACB9}">
-      <p15:notesGuideLst xmlns:p15="http://schemas.microsoft.com/office/powerpoint/2012/main" xmlns=""/>
+      <p15:notesGuideLst xmlns:p15="http://schemas.microsoft.com/office/powerpoint/2012/main"/>
     </p:ext>
   </p:extLst>
 </p:presentation>
@@ -1189,13 +1204,6 @@
         </dgm:presLayoutVars>
       </dgm:prSet>
       <dgm:spPr/>
-      <dgm:t>
-        <a:bodyPr/>
-        <a:lstStyle/>
-        <a:p>
-          <a:endParaRPr lang="en-US"/>
-        </a:p>
-      </dgm:t>
     </dgm:pt>
     <dgm:pt modelId="{98B0D8FA-33BD-482B-B6F4-3F5E0198F6C8}" type="pres">
       <dgm:prSet presAssocID="{FA16F164-7E64-4B90-A525-8E0B2A2DD444}" presName="sibTrans" presStyleCnt="0"/>
@@ -1208,13 +1216,6 @@
         </dgm:presLayoutVars>
       </dgm:prSet>
       <dgm:spPr/>
-      <dgm:t>
-        <a:bodyPr/>
-        <a:lstStyle/>
-        <a:p>
-          <a:endParaRPr lang="en-US"/>
-        </a:p>
-      </dgm:t>
     </dgm:pt>
     <dgm:pt modelId="{051DD4FC-166F-4F02-A39E-A452BC910E06}" type="pres">
       <dgm:prSet presAssocID="{55DCBB83-7C6D-46A7-82CA-027E0B477E95}" presName="sibTrans" presStyleCnt="0"/>
@@ -1227,13 +1228,6 @@
         </dgm:presLayoutVars>
       </dgm:prSet>
       <dgm:spPr/>
-      <dgm:t>
-        <a:bodyPr/>
-        <a:lstStyle/>
-        <a:p>
-          <a:endParaRPr lang="en-US"/>
-        </a:p>
-      </dgm:t>
     </dgm:pt>
     <dgm:pt modelId="{77643FC8-7395-470F-A138-D10FAD0F0C7F}" type="pres">
       <dgm:prSet presAssocID="{C9026DD8-2164-4B97-A10F-513BD9C5AE66}" presName="sibTrans" presStyleCnt="0"/>
@@ -1246,13 +1240,6 @@
         </dgm:presLayoutVars>
       </dgm:prSet>
       <dgm:spPr/>
-      <dgm:t>
-        <a:bodyPr/>
-        <a:lstStyle/>
-        <a:p>
-          <a:endParaRPr lang="en-US"/>
-        </a:p>
-      </dgm:t>
     </dgm:pt>
   </dgm:ptLst>
   <dgm:cxnLst>
@@ -1293,6 +1280,454 @@
       <dsp:cNvGrpSpPr/>
     </dsp:nvGrpSpPr>
     <dsp:grpSpPr/>
+    <dsp:sp modelId="{C19FBA30-382B-44E2-8C1D-137A6F897C28}">
+      <dsp:nvSpPr>
+        <dsp:cNvPr id="0" name=""/>
+        <dsp:cNvSpPr/>
+      </dsp:nvSpPr>
+      <dsp:spPr>
+        <a:xfrm>
+          <a:off x="619648" y="0"/>
+          <a:ext cx="7022680" cy="2448272"/>
+        </a:xfrm>
+        <a:prstGeom prst="rightArrow">
+          <a:avLst/>
+        </a:prstGeom>
+        <a:solidFill>
+          <a:schemeClr val="accent3">
+            <a:tint val="40000"/>
+            <a:hueOff val="0"/>
+            <a:satOff val="0"/>
+            <a:lumOff val="0"/>
+            <a:alphaOff val="0"/>
+          </a:schemeClr>
+        </a:solidFill>
+        <a:ln>
+          <a:noFill/>
+        </a:ln>
+        <a:effectLst/>
+      </dsp:spPr>
+      <dsp:style>
+        <a:lnRef idx="0">
+          <a:scrgbClr r="0" g="0" b="0"/>
+        </a:lnRef>
+        <a:fillRef idx="1">
+          <a:scrgbClr r="0" g="0" b="0"/>
+        </a:fillRef>
+        <a:effectRef idx="2">
+          <a:scrgbClr r="0" g="0" b="0"/>
+        </a:effectRef>
+        <a:fontRef idx="minor"/>
+      </dsp:style>
+    </dsp:sp>
+    <dsp:sp modelId="{3BE67301-9880-4FEC-99F7-88569348EA0D}">
+      <dsp:nvSpPr>
+        <dsp:cNvPr id="0" name=""/>
+        <dsp:cNvSpPr/>
+      </dsp:nvSpPr>
+      <dsp:spPr>
+        <a:xfrm>
+          <a:off x="2823" y="734481"/>
+          <a:ext cx="1834739" cy="979308"/>
+        </a:xfrm>
+        <a:prstGeom prst="roundRect">
+          <a:avLst/>
+        </a:prstGeom>
+        <a:gradFill rotWithShape="0">
+          <a:gsLst>
+            <a:gs pos="0">
+              <a:schemeClr val="accent3">
+                <a:shade val="80000"/>
+                <a:hueOff val="0"/>
+                <a:satOff val="0"/>
+                <a:lumOff val="0"/>
+                <a:alphaOff val="0"/>
+                <a:satMod val="103000"/>
+                <a:lumMod val="102000"/>
+                <a:tint val="94000"/>
+              </a:schemeClr>
+            </a:gs>
+            <a:gs pos="50000">
+              <a:schemeClr val="accent3">
+                <a:shade val="80000"/>
+                <a:hueOff val="0"/>
+                <a:satOff val="0"/>
+                <a:lumOff val="0"/>
+                <a:alphaOff val="0"/>
+                <a:satMod val="110000"/>
+                <a:lumMod val="100000"/>
+                <a:shade val="100000"/>
+              </a:schemeClr>
+            </a:gs>
+            <a:gs pos="100000">
+              <a:schemeClr val="accent3">
+                <a:shade val="80000"/>
+                <a:hueOff val="0"/>
+                <a:satOff val="0"/>
+                <a:lumOff val="0"/>
+                <a:alphaOff val="0"/>
+                <a:lumMod val="99000"/>
+                <a:satMod val="120000"/>
+                <a:shade val="78000"/>
+              </a:schemeClr>
+            </a:gs>
+          </a:gsLst>
+          <a:lin ang="5400000" scaled="0"/>
+        </a:gradFill>
+        <a:ln>
+          <a:noFill/>
+        </a:ln>
+        <a:effectLst/>
+      </dsp:spPr>
+      <dsp:style>
+        <a:lnRef idx="0">
+          <a:scrgbClr r="0" g="0" b="0"/>
+        </a:lnRef>
+        <a:fillRef idx="3">
+          <a:scrgbClr r="0" g="0" b="0"/>
+        </a:fillRef>
+        <a:effectRef idx="2">
+          <a:scrgbClr r="0" g="0" b="0"/>
+        </a:effectRef>
+        <a:fontRef idx="minor">
+          <a:schemeClr val="lt1"/>
+        </a:fontRef>
+      </dsp:style>
+      <dsp:txBody>
+        <a:bodyPr spcFirstLastPara="0" vert="horz" wrap="square" lIns="76200" tIns="76200" rIns="76200" bIns="76200" numCol="1" spcCol="1270" anchor="ctr" anchorCtr="0">
+          <a:noAutofit/>
+        </a:bodyPr>
+        <a:lstStyle/>
+        <a:p>
+          <a:pPr marL="0" lvl="0" indent="0" algn="ctr" defTabSz="889000">
+            <a:lnSpc>
+              <a:spcPct val="90000"/>
+            </a:lnSpc>
+            <a:spcBef>
+              <a:spcPct val="0"/>
+            </a:spcBef>
+            <a:spcAft>
+              <a:spcPct val="35000"/>
+            </a:spcAft>
+            <a:buNone/>
+          </a:pPr>
+          <a:r>
+            <a:rPr lang="es-ES" sz="2000" kern="1200" dirty="0"/>
+            <a:t>SPRINT 1</a:t>
+          </a:r>
+        </a:p>
+      </dsp:txBody>
+      <dsp:txXfrm>
+        <a:off x="50629" y="782287"/>
+        <a:ext cx="1739127" cy="883696"/>
+      </dsp:txXfrm>
+    </dsp:sp>
+    <dsp:sp modelId="{41F7C86B-E9DC-4364-8A2B-DD3371CBF3D3}">
+      <dsp:nvSpPr>
+        <dsp:cNvPr id="0" name=""/>
+        <dsp:cNvSpPr/>
+      </dsp:nvSpPr>
+      <dsp:spPr>
+        <a:xfrm>
+          <a:off x="2143353" y="734481"/>
+          <a:ext cx="1834739" cy="979308"/>
+        </a:xfrm>
+        <a:prstGeom prst="roundRect">
+          <a:avLst/>
+        </a:prstGeom>
+        <a:gradFill rotWithShape="0">
+          <a:gsLst>
+            <a:gs pos="0">
+              <a:schemeClr val="accent3">
+                <a:shade val="80000"/>
+                <a:hueOff val="0"/>
+                <a:satOff val="0"/>
+                <a:lumOff val="6364"/>
+                <a:alphaOff val="0"/>
+                <a:satMod val="103000"/>
+                <a:lumMod val="102000"/>
+                <a:tint val="94000"/>
+              </a:schemeClr>
+            </a:gs>
+            <a:gs pos="50000">
+              <a:schemeClr val="accent3">
+                <a:shade val="80000"/>
+                <a:hueOff val="0"/>
+                <a:satOff val="0"/>
+                <a:lumOff val="6364"/>
+                <a:alphaOff val="0"/>
+                <a:satMod val="110000"/>
+                <a:lumMod val="100000"/>
+                <a:shade val="100000"/>
+              </a:schemeClr>
+            </a:gs>
+            <a:gs pos="100000">
+              <a:schemeClr val="accent3">
+                <a:shade val="80000"/>
+                <a:hueOff val="0"/>
+                <a:satOff val="0"/>
+                <a:lumOff val="6364"/>
+                <a:alphaOff val="0"/>
+                <a:lumMod val="99000"/>
+                <a:satMod val="120000"/>
+                <a:shade val="78000"/>
+              </a:schemeClr>
+            </a:gs>
+          </a:gsLst>
+          <a:lin ang="5400000" scaled="0"/>
+        </a:gradFill>
+        <a:ln>
+          <a:noFill/>
+        </a:ln>
+        <a:effectLst/>
+      </dsp:spPr>
+      <dsp:style>
+        <a:lnRef idx="0">
+          <a:scrgbClr r="0" g="0" b="0"/>
+        </a:lnRef>
+        <a:fillRef idx="3">
+          <a:scrgbClr r="0" g="0" b="0"/>
+        </a:fillRef>
+        <a:effectRef idx="2">
+          <a:scrgbClr r="0" g="0" b="0"/>
+        </a:effectRef>
+        <a:fontRef idx="minor">
+          <a:schemeClr val="lt1"/>
+        </a:fontRef>
+      </dsp:style>
+      <dsp:txBody>
+        <a:bodyPr spcFirstLastPara="0" vert="horz" wrap="square" lIns="76200" tIns="76200" rIns="76200" bIns="76200" numCol="1" spcCol="1270" anchor="ctr" anchorCtr="0">
+          <a:noAutofit/>
+        </a:bodyPr>
+        <a:lstStyle/>
+        <a:p>
+          <a:pPr marL="0" lvl="0" indent="0" algn="ctr" defTabSz="889000">
+            <a:lnSpc>
+              <a:spcPct val="90000"/>
+            </a:lnSpc>
+            <a:spcBef>
+              <a:spcPct val="0"/>
+            </a:spcBef>
+            <a:spcAft>
+              <a:spcPct val="35000"/>
+            </a:spcAft>
+            <a:buNone/>
+          </a:pPr>
+          <a:r>
+            <a:rPr lang="es-ES" sz="2000" kern="1200" dirty="0"/>
+            <a:t>SPRINT 2</a:t>
+          </a:r>
+        </a:p>
+      </dsp:txBody>
+      <dsp:txXfrm>
+        <a:off x="2191159" y="782287"/>
+        <a:ext cx="1739127" cy="883696"/>
+      </dsp:txXfrm>
+    </dsp:sp>
+    <dsp:sp modelId="{4BAD5466-94E1-47CA-9FAA-DDD3B7595BCC}">
+      <dsp:nvSpPr>
+        <dsp:cNvPr id="0" name=""/>
+        <dsp:cNvSpPr/>
+      </dsp:nvSpPr>
+      <dsp:spPr>
+        <a:xfrm>
+          <a:off x="4283883" y="734481"/>
+          <a:ext cx="1834739" cy="979308"/>
+        </a:xfrm>
+        <a:prstGeom prst="roundRect">
+          <a:avLst/>
+        </a:prstGeom>
+        <a:gradFill rotWithShape="0">
+          <a:gsLst>
+            <a:gs pos="0">
+              <a:schemeClr val="accent3">
+                <a:shade val="80000"/>
+                <a:hueOff val="0"/>
+                <a:satOff val="0"/>
+                <a:lumOff val="12728"/>
+                <a:alphaOff val="0"/>
+                <a:satMod val="103000"/>
+                <a:lumMod val="102000"/>
+                <a:tint val="94000"/>
+              </a:schemeClr>
+            </a:gs>
+            <a:gs pos="50000">
+              <a:schemeClr val="accent3">
+                <a:shade val="80000"/>
+                <a:hueOff val="0"/>
+                <a:satOff val="0"/>
+                <a:lumOff val="12728"/>
+                <a:alphaOff val="0"/>
+                <a:satMod val="110000"/>
+                <a:lumMod val="100000"/>
+                <a:shade val="100000"/>
+              </a:schemeClr>
+            </a:gs>
+            <a:gs pos="100000">
+              <a:schemeClr val="accent3">
+                <a:shade val="80000"/>
+                <a:hueOff val="0"/>
+                <a:satOff val="0"/>
+                <a:lumOff val="12728"/>
+                <a:alphaOff val="0"/>
+                <a:lumMod val="99000"/>
+                <a:satMod val="120000"/>
+                <a:shade val="78000"/>
+              </a:schemeClr>
+            </a:gs>
+          </a:gsLst>
+          <a:lin ang="5400000" scaled="0"/>
+        </a:gradFill>
+        <a:ln>
+          <a:noFill/>
+        </a:ln>
+        <a:effectLst/>
+      </dsp:spPr>
+      <dsp:style>
+        <a:lnRef idx="0">
+          <a:scrgbClr r="0" g="0" b="0"/>
+        </a:lnRef>
+        <a:fillRef idx="3">
+          <a:scrgbClr r="0" g="0" b="0"/>
+        </a:fillRef>
+        <a:effectRef idx="2">
+          <a:scrgbClr r="0" g="0" b="0"/>
+        </a:effectRef>
+        <a:fontRef idx="minor">
+          <a:schemeClr val="lt1"/>
+        </a:fontRef>
+      </dsp:style>
+      <dsp:txBody>
+        <a:bodyPr spcFirstLastPara="0" vert="horz" wrap="square" lIns="76200" tIns="76200" rIns="76200" bIns="76200" numCol="1" spcCol="1270" anchor="ctr" anchorCtr="0">
+          <a:noAutofit/>
+        </a:bodyPr>
+        <a:lstStyle/>
+        <a:p>
+          <a:pPr marL="0" lvl="0" indent="0" algn="ctr" defTabSz="889000">
+            <a:lnSpc>
+              <a:spcPct val="90000"/>
+            </a:lnSpc>
+            <a:spcBef>
+              <a:spcPct val="0"/>
+            </a:spcBef>
+            <a:spcAft>
+              <a:spcPct val="35000"/>
+            </a:spcAft>
+            <a:buNone/>
+          </a:pPr>
+          <a:r>
+            <a:rPr lang="es-ES" sz="2000" kern="1200" dirty="0"/>
+            <a:t>SPRINT…</a:t>
+          </a:r>
+        </a:p>
+      </dsp:txBody>
+      <dsp:txXfrm>
+        <a:off x="4331689" y="782287"/>
+        <a:ext cx="1739127" cy="883696"/>
+      </dsp:txXfrm>
+    </dsp:sp>
+    <dsp:sp modelId="{467EE60E-61AA-427F-A830-D12F30BF2A28}">
+      <dsp:nvSpPr>
+        <dsp:cNvPr id="0" name=""/>
+        <dsp:cNvSpPr/>
+      </dsp:nvSpPr>
+      <dsp:spPr>
+        <a:xfrm>
+          <a:off x="6424413" y="734481"/>
+          <a:ext cx="1834739" cy="979308"/>
+        </a:xfrm>
+        <a:prstGeom prst="roundRect">
+          <a:avLst/>
+        </a:prstGeom>
+        <a:gradFill rotWithShape="0">
+          <a:gsLst>
+            <a:gs pos="0">
+              <a:schemeClr val="accent3">
+                <a:shade val="80000"/>
+                <a:hueOff val="0"/>
+                <a:satOff val="0"/>
+                <a:lumOff val="19092"/>
+                <a:alphaOff val="0"/>
+                <a:satMod val="103000"/>
+                <a:lumMod val="102000"/>
+                <a:tint val="94000"/>
+              </a:schemeClr>
+            </a:gs>
+            <a:gs pos="50000">
+              <a:schemeClr val="accent3">
+                <a:shade val="80000"/>
+                <a:hueOff val="0"/>
+                <a:satOff val="0"/>
+                <a:lumOff val="19092"/>
+                <a:alphaOff val="0"/>
+                <a:satMod val="110000"/>
+                <a:lumMod val="100000"/>
+                <a:shade val="100000"/>
+              </a:schemeClr>
+            </a:gs>
+            <a:gs pos="100000">
+              <a:schemeClr val="accent3">
+                <a:shade val="80000"/>
+                <a:hueOff val="0"/>
+                <a:satOff val="0"/>
+                <a:lumOff val="19092"/>
+                <a:alphaOff val="0"/>
+                <a:lumMod val="99000"/>
+                <a:satMod val="120000"/>
+                <a:shade val="78000"/>
+              </a:schemeClr>
+            </a:gs>
+          </a:gsLst>
+          <a:lin ang="5400000" scaled="0"/>
+        </a:gradFill>
+        <a:ln>
+          <a:noFill/>
+        </a:ln>
+        <a:effectLst/>
+      </dsp:spPr>
+      <dsp:style>
+        <a:lnRef idx="0">
+          <a:scrgbClr r="0" g="0" b="0"/>
+        </a:lnRef>
+        <a:fillRef idx="3">
+          <a:scrgbClr r="0" g="0" b="0"/>
+        </a:fillRef>
+        <a:effectRef idx="2">
+          <a:scrgbClr r="0" g="0" b="0"/>
+        </a:effectRef>
+        <a:fontRef idx="minor">
+          <a:schemeClr val="lt1"/>
+        </a:fontRef>
+      </dsp:style>
+      <dsp:txBody>
+        <a:bodyPr spcFirstLastPara="0" vert="horz" wrap="square" lIns="76200" tIns="76200" rIns="76200" bIns="76200" numCol="1" spcCol="1270" anchor="ctr" anchorCtr="0">
+          <a:noAutofit/>
+        </a:bodyPr>
+        <a:lstStyle/>
+        <a:p>
+          <a:pPr marL="0" lvl="0" indent="0" algn="ctr" defTabSz="889000">
+            <a:lnSpc>
+              <a:spcPct val="90000"/>
+            </a:lnSpc>
+            <a:spcBef>
+              <a:spcPct val="0"/>
+            </a:spcBef>
+            <a:spcAft>
+              <a:spcPct val="35000"/>
+            </a:spcAft>
+            <a:buNone/>
+          </a:pPr>
+          <a:r>
+            <a:rPr lang="es-ES" sz="2000" kern="1200" dirty="0"/>
+            <a:t>SPRINT N</a:t>
+          </a:r>
+        </a:p>
+      </dsp:txBody>
+      <dsp:txXfrm>
+        <a:off x="6472219" y="782287"/>
+        <a:ext cx="1739127" cy="883696"/>
+      </dsp:txXfrm>
+    </dsp:sp>
   </dsp:spTree>
 </dsp:drawing>
 </file>
@@ -2633,7 +3068,7 @@
           <a:p>
             <a:fld id="{22FF3C80-5006-4947-B2EA-4A4A50684FF5}" type="slidenum">
               <a:rPr lang="es-ES_tradnl" smtClean="0"/>
-              <a:t>‹#›</a:t>
+              <a:t>‹Nº›</a:t>
             </a:fld>
             <a:endParaRPr lang="es-ES_tradnl" dirty="0"/>
           </a:p>
@@ -2891,7 +3326,7 @@
           <a:p>
             <a:fld id="{2062F163-3063-474E-9A8A-E961A784F045}" type="slidenum">
               <a:rPr lang="es-ES_tradnl" smtClean="0"/>
-              <a:t>‹#›</a:t>
+              <a:t>‹Nº›</a:t>
             </a:fld>
             <a:endParaRPr lang="es-ES_tradnl" dirty="0"/>
           </a:p>
@@ -8193,6 +8628,81 @@
 </file>
 
 <file path=ppt/slideLayouts/slideLayout28.xml><?xml version="1.0" encoding="utf-8"?>
+<p:sldLayout xmlns:a="http://schemas.openxmlformats.org/drawingml/2006/main" xmlns:r="http://schemas.openxmlformats.org/officeDocument/2006/relationships" xmlns:p="http://schemas.openxmlformats.org/presentationml/2006/main" type="titleOnly">
+  <p:cSld name="Title Only">
+    <p:spTree>
+      <p:nvGrpSpPr>
+        <p:cNvPr id="1" name=""/>
+        <p:cNvGrpSpPr/>
+        <p:nvPr/>
+      </p:nvGrpSpPr>
+      <p:grpSpPr>
+        <a:xfrm>
+          <a:off x="0" y="0"/>
+          <a:ext cx="0" cy="0"/>
+          <a:chOff x="0" y="0"/>
+          <a:chExt cx="0" cy="0"/>
+        </a:xfrm>
+      </p:grpSpPr>
+      <p:sp>
+        <p:nvSpPr>
+          <p:cNvPr id="2" name="Title 1"/>
+          <p:cNvSpPr>
+            <a:spLocks noGrp="1"/>
+          </p:cNvSpPr>
+          <p:nvPr>
+            <p:ph type="title"/>
+          </p:nvPr>
+        </p:nvSpPr>
+        <p:spPr>
+          <a:xfrm>
+            <a:off x="838200" y="365125"/>
+            <a:ext cx="10515600" cy="1325563"/>
+          </a:xfrm>
+          <a:prstGeom prst="rect">
+            <a:avLst/>
+          </a:prstGeom>
+          <a:noFill/>
+        </p:spPr>
+        <p:txBody>
+          <a:bodyPr vert="horz" lIns="91440" tIns="45720" rIns="91440" bIns="45720" rtlCol="0" anchor="ctr">
+            <a:normAutofit/>
+          </a:bodyPr>
+          <a:lstStyle>
+            <a:lvl1pPr>
+              <a:defRPr lang="en-GB">
+                <a:solidFill>
+                  <a:srgbClr val="C00000"/>
+                </a:solidFill>
+                <a:latin typeface="Calibri Light" panose="020F0302020204030204" pitchFamily="34" charset="0"/>
+                <a:cs typeface="Segoe UI Light" panose="020B0502040204020203" pitchFamily="34" charset="0"/>
+              </a:defRPr>
+            </a:lvl1pPr>
+          </a:lstStyle>
+          <a:p>
+            <a:pPr marL="0" lvl="0"/>
+            <a:r>
+              <a:rPr lang="en-US"/>
+              <a:t>Click to edit Master title style</a:t>
+            </a:r>
+            <a:endParaRPr lang="en-GB"/>
+          </a:p>
+        </p:txBody>
+      </p:sp>
+    </p:spTree>
+    <p:extLst>
+      <p:ext uri="{BB962C8B-B14F-4D97-AF65-F5344CB8AC3E}">
+        <p14:creationId xmlns:p14="http://schemas.microsoft.com/office/powerpoint/2010/main" val="3857364672"/>
+      </p:ext>
+    </p:extLst>
+  </p:cSld>
+  <p:clrMapOvr>
+    <a:masterClrMapping/>
+  </p:clrMapOvr>
+</p:sldLayout>
+</file>
+
+<file path=ppt/slideLayouts/slideLayout29.xml><?xml version="1.0" encoding="utf-8"?>
 <p:sldLayout xmlns:a="http://schemas.openxmlformats.org/drawingml/2006/main" xmlns:r="http://schemas.openxmlformats.org/officeDocument/2006/relationships" xmlns:p="http://schemas.openxmlformats.org/presentationml/2006/main" type="title" preserve="1">
   <p:cSld name="Title Slide">
     <p:spTree>
@@ -8326,172 +8836,6 @@
     <p:extLst>
       <p:ext uri="{BB962C8B-B14F-4D97-AF65-F5344CB8AC3E}">
         <p14:creationId xmlns:p14="http://schemas.microsoft.com/office/powerpoint/2010/main" val="4153648771"/>
-      </p:ext>
-    </p:extLst>
-  </p:cSld>
-  <p:clrMapOvr>
-    <a:masterClrMapping/>
-  </p:clrMapOvr>
-</p:sldLayout>
-</file>
-
-<file path=ppt/slideLayouts/slideLayout29.xml><?xml version="1.0" encoding="utf-8"?>
-<p:sldLayout xmlns:a="http://schemas.openxmlformats.org/drawingml/2006/main" xmlns:r="http://schemas.openxmlformats.org/officeDocument/2006/relationships" xmlns:p="http://schemas.openxmlformats.org/presentationml/2006/main" type="obj" preserve="1">
-  <p:cSld name="Title and Content">
-    <p:spTree>
-      <p:nvGrpSpPr>
-        <p:cNvPr id="1" name=""/>
-        <p:cNvGrpSpPr/>
-        <p:nvPr/>
-      </p:nvGrpSpPr>
-      <p:grpSpPr>
-        <a:xfrm>
-          <a:off x="0" y="0"/>
-          <a:ext cx="0" cy="0"/>
-          <a:chOff x="0" y="0"/>
-          <a:chExt cx="0" cy="0"/>
-        </a:xfrm>
-      </p:grpSpPr>
-      <p:sp>
-        <p:nvSpPr>
-          <p:cNvPr id="2" name="Title 1"/>
-          <p:cNvSpPr>
-            <a:spLocks noGrp="1"/>
-          </p:cNvSpPr>
-          <p:nvPr>
-            <p:ph type="title"/>
-          </p:nvPr>
-        </p:nvSpPr>
-        <p:spPr>
-          <a:xfrm>
-            <a:off x="838200" y="365125"/>
-            <a:ext cx="10515600" cy="1325563"/>
-          </a:xfrm>
-          <a:prstGeom prst="rect">
-            <a:avLst/>
-          </a:prstGeom>
-          <a:noFill/>
-        </p:spPr>
-        <p:txBody>
-          <a:bodyPr vert="horz" lIns="91440" tIns="45720" rIns="91440" bIns="45720" rtlCol="0" anchor="ctr">
-            <a:normAutofit/>
-          </a:bodyPr>
-          <a:lstStyle>
-            <a:lvl1pPr>
-              <a:defRPr lang="en-GB">
-                <a:solidFill>
-                  <a:srgbClr val="C00000"/>
-                </a:solidFill>
-                <a:latin typeface="Calibri Light" panose="020F0302020204030204" pitchFamily="34" charset="0"/>
-                <a:cs typeface="Segoe UI Light" panose="020B0502040204020203" pitchFamily="34" charset="0"/>
-              </a:defRPr>
-            </a:lvl1pPr>
-          </a:lstStyle>
-          <a:p>
-            <a:pPr marL="0" lvl="0"/>
-            <a:r>
-              <a:rPr lang="en-US" dirty="0"/>
-              <a:t>Click to edit Master title style</a:t>
-            </a:r>
-            <a:endParaRPr lang="en-GB" dirty="0"/>
-          </a:p>
-        </p:txBody>
-      </p:sp>
-      <p:sp>
-        <p:nvSpPr>
-          <p:cNvPr id="3" name="Content Placeholder 2"/>
-          <p:cNvSpPr>
-            <a:spLocks noGrp="1"/>
-          </p:cNvSpPr>
-          <p:nvPr>
-            <p:ph idx="1"/>
-          </p:nvPr>
-        </p:nvSpPr>
-        <p:spPr>
-          <a:xfrm>
-            <a:off x="838200" y="1825625"/>
-            <a:ext cx="10515600" cy="4351338"/>
-          </a:xfrm>
-          <a:prstGeom prst="rect">
-            <a:avLst/>
-          </a:prstGeom>
-        </p:spPr>
-        <p:txBody>
-          <a:bodyPr/>
-          <a:lstStyle>
-            <a:lvl1pPr>
-              <a:defRPr>
-                <a:latin typeface="Segoe UI Light" panose="020B0502040204020203" pitchFamily="34" charset="0"/>
-                <a:cs typeface="Segoe UI Light" panose="020B0502040204020203" pitchFamily="34" charset="0"/>
-              </a:defRPr>
-            </a:lvl1pPr>
-            <a:lvl2pPr>
-              <a:defRPr>
-                <a:latin typeface="Segoe UI Light" panose="020B0502040204020203" pitchFamily="34" charset="0"/>
-                <a:cs typeface="Segoe UI Light" panose="020B0502040204020203" pitchFamily="34" charset="0"/>
-              </a:defRPr>
-            </a:lvl2pPr>
-            <a:lvl3pPr>
-              <a:defRPr>
-                <a:latin typeface="Segoe UI Light" panose="020B0502040204020203" pitchFamily="34" charset="0"/>
-                <a:cs typeface="Segoe UI Light" panose="020B0502040204020203" pitchFamily="34" charset="0"/>
-              </a:defRPr>
-            </a:lvl3pPr>
-            <a:lvl4pPr>
-              <a:defRPr>
-                <a:latin typeface="Segoe UI Light" panose="020B0502040204020203" pitchFamily="34" charset="0"/>
-                <a:cs typeface="Segoe UI Light" panose="020B0502040204020203" pitchFamily="34" charset="0"/>
-              </a:defRPr>
-            </a:lvl4pPr>
-            <a:lvl5pPr>
-              <a:defRPr>
-                <a:latin typeface="Segoe UI Light" panose="020B0502040204020203" pitchFamily="34" charset="0"/>
-                <a:cs typeface="Segoe UI Light" panose="020B0502040204020203" pitchFamily="34" charset="0"/>
-              </a:defRPr>
-            </a:lvl5pPr>
-          </a:lstStyle>
-          <a:p>
-            <a:pPr lvl="0"/>
-            <a:r>
-              <a:rPr lang="en-US" dirty="0"/>
-              <a:t>Click to edit Master text styles</a:t>
-            </a:r>
-          </a:p>
-          <a:p>
-            <a:pPr lvl="1"/>
-            <a:r>
-              <a:rPr lang="en-US" dirty="0"/>
-              <a:t>Second level</a:t>
-            </a:r>
-          </a:p>
-          <a:p>
-            <a:pPr lvl="2"/>
-            <a:r>
-              <a:rPr lang="en-US" dirty="0"/>
-              <a:t>Third level</a:t>
-            </a:r>
-          </a:p>
-          <a:p>
-            <a:pPr lvl="3"/>
-            <a:r>
-              <a:rPr lang="en-US" dirty="0"/>
-              <a:t>Fourth level</a:t>
-            </a:r>
-          </a:p>
-          <a:p>
-            <a:pPr lvl="4"/>
-            <a:r>
-              <a:rPr lang="en-US" dirty="0"/>
-              <a:t>Fifth level</a:t>
-            </a:r>
-            <a:endParaRPr lang="en-GB" dirty="0"/>
-          </a:p>
-        </p:txBody>
-      </p:sp>
-    </p:spTree>
-    <p:extLst>
-      <p:ext uri="{BB962C8B-B14F-4D97-AF65-F5344CB8AC3E}">
-        <p14:creationId xmlns:p14="http://schemas.microsoft.com/office/powerpoint/2010/main" val="1489303769"/>
       </p:ext>
     </p:extLst>
   </p:cSld>
@@ -9106,6 +9450,172 @@
 </file>
 
 <file path=ppt/slideLayouts/slideLayout30.xml><?xml version="1.0" encoding="utf-8"?>
+<p:sldLayout xmlns:a="http://schemas.openxmlformats.org/drawingml/2006/main" xmlns:r="http://schemas.openxmlformats.org/officeDocument/2006/relationships" xmlns:p="http://schemas.openxmlformats.org/presentationml/2006/main" type="obj" preserve="1">
+  <p:cSld name="Title and Content">
+    <p:spTree>
+      <p:nvGrpSpPr>
+        <p:cNvPr id="1" name=""/>
+        <p:cNvGrpSpPr/>
+        <p:nvPr/>
+      </p:nvGrpSpPr>
+      <p:grpSpPr>
+        <a:xfrm>
+          <a:off x="0" y="0"/>
+          <a:ext cx="0" cy="0"/>
+          <a:chOff x="0" y="0"/>
+          <a:chExt cx="0" cy="0"/>
+        </a:xfrm>
+      </p:grpSpPr>
+      <p:sp>
+        <p:nvSpPr>
+          <p:cNvPr id="2" name="Title 1"/>
+          <p:cNvSpPr>
+            <a:spLocks noGrp="1"/>
+          </p:cNvSpPr>
+          <p:nvPr>
+            <p:ph type="title"/>
+          </p:nvPr>
+        </p:nvSpPr>
+        <p:spPr>
+          <a:xfrm>
+            <a:off x="838200" y="365125"/>
+            <a:ext cx="10515600" cy="1325563"/>
+          </a:xfrm>
+          <a:prstGeom prst="rect">
+            <a:avLst/>
+          </a:prstGeom>
+          <a:noFill/>
+        </p:spPr>
+        <p:txBody>
+          <a:bodyPr vert="horz" lIns="91440" tIns="45720" rIns="91440" bIns="45720" rtlCol="0" anchor="ctr">
+            <a:normAutofit/>
+          </a:bodyPr>
+          <a:lstStyle>
+            <a:lvl1pPr>
+              <a:defRPr lang="en-GB">
+                <a:solidFill>
+                  <a:srgbClr val="C00000"/>
+                </a:solidFill>
+                <a:latin typeface="Calibri Light" panose="020F0302020204030204" pitchFamily="34" charset="0"/>
+                <a:cs typeface="Segoe UI Light" panose="020B0502040204020203" pitchFamily="34" charset="0"/>
+              </a:defRPr>
+            </a:lvl1pPr>
+          </a:lstStyle>
+          <a:p>
+            <a:pPr marL="0" lvl="0"/>
+            <a:r>
+              <a:rPr lang="en-US" dirty="0"/>
+              <a:t>Click to edit Master title style</a:t>
+            </a:r>
+            <a:endParaRPr lang="en-GB" dirty="0"/>
+          </a:p>
+        </p:txBody>
+      </p:sp>
+      <p:sp>
+        <p:nvSpPr>
+          <p:cNvPr id="3" name="Content Placeholder 2"/>
+          <p:cNvSpPr>
+            <a:spLocks noGrp="1"/>
+          </p:cNvSpPr>
+          <p:nvPr>
+            <p:ph idx="1"/>
+          </p:nvPr>
+        </p:nvSpPr>
+        <p:spPr>
+          <a:xfrm>
+            <a:off x="838200" y="1825625"/>
+            <a:ext cx="10515600" cy="4351338"/>
+          </a:xfrm>
+          <a:prstGeom prst="rect">
+            <a:avLst/>
+          </a:prstGeom>
+        </p:spPr>
+        <p:txBody>
+          <a:bodyPr/>
+          <a:lstStyle>
+            <a:lvl1pPr>
+              <a:defRPr>
+                <a:latin typeface="Segoe UI Light" panose="020B0502040204020203" pitchFamily="34" charset="0"/>
+                <a:cs typeface="Segoe UI Light" panose="020B0502040204020203" pitchFamily="34" charset="0"/>
+              </a:defRPr>
+            </a:lvl1pPr>
+            <a:lvl2pPr>
+              <a:defRPr>
+                <a:latin typeface="Segoe UI Light" panose="020B0502040204020203" pitchFamily="34" charset="0"/>
+                <a:cs typeface="Segoe UI Light" panose="020B0502040204020203" pitchFamily="34" charset="0"/>
+              </a:defRPr>
+            </a:lvl2pPr>
+            <a:lvl3pPr>
+              <a:defRPr>
+                <a:latin typeface="Segoe UI Light" panose="020B0502040204020203" pitchFamily="34" charset="0"/>
+                <a:cs typeface="Segoe UI Light" panose="020B0502040204020203" pitchFamily="34" charset="0"/>
+              </a:defRPr>
+            </a:lvl3pPr>
+            <a:lvl4pPr>
+              <a:defRPr>
+                <a:latin typeface="Segoe UI Light" panose="020B0502040204020203" pitchFamily="34" charset="0"/>
+                <a:cs typeface="Segoe UI Light" panose="020B0502040204020203" pitchFamily="34" charset="0"/>
+              </a:defRPr>
+            </a:lvl4pPr>
+            <a:lvl5pPr>
+              <a:defRPr>
+                <a:latin typeface="Segoe UI Light" panose="020B0502040204020203" pitchFamily="34" charset="0"/>
+                <a:cs typeface="Segoe UI Light" panose="020B0502040204020203" pitchFamily="34" charset="0"/>
+              </a:defRPr>
+            </a:lvl5pPr>
+          </a:lstStyle>
+          <a:p>
+            <a:pPr lvl="0"/>
+            <a:r>
+              <a:rPr lang="en-US" dirty="0"/>
+              <a:t>Click to edit Master text styles</a:t>
+            </a:r>
+          </a:p>
+          <a:p>
+            <a:pPr lvl="1"/>
+            <a:r>
+              <a:rPr lang="en-US" dirty="0"/>
+              <a:t>Second level</a:t>
+            </a:r>
+          </a:p>
+          <a:p>
+            <a:pPr lvl="2"/>
+            <a:r>
+              <a:rPr lang="en-US" dirty="0"/>
+              <a:t>Third level</a:t>
+            </a:r>
+          </a:p>
+          <a:p>
+            <a:pPr lvl="3"/>
+            <a:r>
+              <a:rPr lang="en-US" dirty="0"/>
+              <a:t>Fourth level</a:t>
+            </a:r>
+          </a:p>
+          <a:p>
+            <a:pPr lvl="4"/>
+            <a:r>
+              <a:rPr lang="en-US" dirty="0"/>
+              <a:t>Fifth level</a:t>
+            </a:r>
+            <a:endParaRPr lang="en-GB" dirty="0"/>
+          </a:p>
+        </p:txBody>
+      </p:sp>
+    </p:spTree>
+    <p:extLst>
+      <p:ext uri="{BB962C8B-B14F-4D97-AF65-F5344CB8AC3E}">
+        <p14:creationId xmlns:p14="http://schemas.microsoft.com/office/powerpoint/2010/main" val="1489303769"/>
+      </p:ext>
+    </p:extLst>
+  </p:cSld>
+  <p:clrMapOvr>
+    <a:masterClrMapping/>
+  </p:clrMapOvr>
+</p:sldLayout>
+</file>
+
+<file path=ppt/slideLayouts/slideLayout31.xml><?xml version="1.0" encoding="utf-8"?>
 <p:sldLayout xmlns:a="http://schemas.openxmlformats.org/drawingml/2006/main" xmlns:r="http://schemas.openxmlformats.org/officeDocument/2006/relationships" xmlns:p="http://schemas.openxmlformats.org/presentationml/2006/main" type="twoObj" preserve="1">
   <p:cSld name="Two Content">
     <p:spTree>
@@ -9300,7 +9810,7 @@
 </p:sldLayout>
 </file>
 
-<file path=ppt/slideLayouts/slideLayout31.xml><?xml version="1.0" encoding="utf-8"?>
+<file path=ppt/slideLayouts/slideLayout32.xml><?xml version="1.0" encoding="utf-8"?>
 <p:sldLayout xmlns:a="http://schemas.openxmlformats.org/drawingml/2006/main" xmlns:r="http://schemas.openxmlformats.org/officeDocument/2006/relationships" xmlns:p="http://schemas.openxmlformats.org/presentationml/2006/main" type="titleOnly" preserve="1">
   <p:cSld name="Title Only">
     <p:spTree>
@@ -14003,6 +14513,7 @@
     <p:sldLayoutId id="2147483689" r:id="rId9"/>
     <p:sldLayoutId id="2147483690" r:id="rId10"/>
     <p:sldLayoutId id="2147483703" r:id="rId11"/>
+    <p:sldLayoutId id="2147483704" r:id="rId12"/>
   </p:sldLayoutIdLst>
   <p:txStyles>
     <p:titleStyle>
@@ -15307,9 +15818,18 @@
           <a:lstStyle/>
           <a:p>
             <a:r>
+              <a:rPr lang="en-US" dirty="0" err="1"/>
+              <a:t>Debuging</a:t>
+            </a:r>
+            <a:r>
               <a:rPr lang="en-US" dirty="0"/>
-              <a:t>Using  ES6 I</a:t>
-            </a:r>
+              <a:t> with </a:t>
+            </a:r>
+            <a:r>
+              <a:rPr lang="en-US" dirty="0" err="1"/>
+              <a:t>webpack</a:t>
+            </a:r>
+            <a:endParaRPr lang="en-US" dirty="0"/>
           </a:p>
         </p:txBody>
       </p:sp>
@@ -15322,7 +15842,7 @@
         <p:spPr>
           <a:xfrm>
             <a:off x="1232647" y="1690688"/>
-            <a:ext cx="10291482" cy="1538883"/>
+            <a:ext cx="10291482" cy="3139321"/>
           </a:xfrm>
           <a:prstGeom prst="rect">
             <a:avLst/>
@@ -15339,77 +15859,257 @@
                 <a:latin typeface="Segoe UI Light" panose="020B0502040204020203" pitchFamily="34" charset="0"/>
                 <a:cs typeface="Segoe UI Light" panose="020B0502040204020203" pitchFamily="34" charset="0"/>
               </a:rPr>
-              <a:t>Do Exercise 2.</a:t>
-            </a:r>
-          </a:p>
-          <a:p>
-            <a:pPr lvl="1"/>
-            <a:r>
-              <a:rPr lang="en-US" dirty="0">
+              <a:t>Exercise 4. Enable </a:t>
+            </a:r>
+            <a:r>
+              <a:rPr lang="en-US" sz="2200" dirty="0" err="1">
                 <a:latin typeface="Segoe UI Light" panose="020B0502040204020203" pitchFamily="34" charset="0"/>
                 <a:cs typeface="Segoe UI Light" panose="020B0502040204020203" pitchFamily="34" charset="0"/>
               </a:rPr>
-              <a:t>Modify Exercise 1 to use ECMAScript 6 syntax instead </a:t>
-            </a:r>
-            <a:r>
-              <a:rPr lang="en-US" dirty="0" err="1">
+              <a:t>sourcemaps</a:t>
+            </a:r>
+            <a:r>
+              <a:rPr lang="en-US" sz="2200" dirty="0">
                 <a:latin typeface="Segoe UI Light" panose="020B0502040204020203" pitchFamily="34" charset="0"/>
                 <a:cs typeface="Segoe UI Light" panose="020B0502040204020203" pitchFamily="34" charset="0"/>
               </a:rPr>
-              <a:t>requireJS</a:t>
-            </a:r>
-            <a:endParaRPr lang="en-US" dirty="0">
+              <a:t> and  HMR *hot module replacement(</a:t>
+            </a:r>
+          </a:p>
+          <a:p>
+            <a:pPr marL="457200" indent="-457200">
+              <a:buFont typeface="+mj-lt"/>
+              <a:buAutoNum type="arabicPeriod"/>
+            </a:pPr>
+            <a:r>
+              <a:rPr lang="en-US" sz="2200" dirty="0">
+                <a:latin typeface="Segoe UI Light" panose="020B0502040204020203" pitchFamily="34" charset="0"/>
+                <a:cs typeface="Segoe UI Light" panose="020B0502040204020203" pitchFamily="34" charset="0"/>
+              </a:rPr>
+              <a:t>install </a:t>
+            </a:r>
+            <a:r>
+              <a:rPr lang="en-US" sz="2200" dirty="0" err="1">
+                <a:latin typeface="Segoe UI Light" panose="020B0502040204020203" pitchFamily="34" charset="0"/>
+                <a:cs typeface="Segoe UI Light" panose="020B0502040204020203" pitchFamily="34" charset="0"/>
+              </a:rPr>
+              <a:t>webpack</a:t>
+            </a:r>
+            <a:r>
+              <a:rPr lang="en-US" sz="2200" dirty="0">
+                <a:latin typeface="Segoe UI Light" panose="020B0502040204020203" pitchFamily="34" charset="0"/>
+                <a:cs typeface="Segoe UI Light" panose="020B0502040204020203" pitchFamily="34" charset="0"/>
+              </a:rPr>
+              <a:t>-dev-server </a:t>
+            </a:r>
+            <a:r>
+              <a:rPr lang="en-US" sz="2200" dirty="0" err="1">
+                <a:latin typeface="Segoe UI Light" panose="020B0502040204020203" pitchFamily="34" charset="0"/>
+                <a:cs typeface="Segoe UI Light" panose="020B0502040204020203" pitchFamily="34" charset="0"/>
+              </a:rPr>
+              <a:t>npm</a:t>
+            </a:r>
+            <a:r>
+              <a:rPr lang="en-US" sz="2200" dirty="0">
+                <a:latin typeface="Segoe UI Light" panose="020B0502040204020203" pitchFamily="34" charset="0"/>
+                <a:cs typeface="Segoe UI Light" panose="020B0502040204020203" pitchFamily="34" charset="0"/>
+              </a:rPr>
+              <a:t> install </a:t>
+            </a:r>
+            <a:r>
+              <a:rPr lang="en-US" sz="2200" dirty="0" err="1">
+                <a:latin typeface="Segoe UI Light" panose="020B0502040204020203" pitchFamily="34" charset="0"/>
+                <a:cs typeface="Segoe UI Light" panose="020B0502040204020203" pitchFamily="34" charset="0"/>
+              </a:rPr>
+              <a:t>webpack</a:t>
+            </a:r>
+            <a:r>
+              <a:rPr lang="en-US" sz="2200" dirty="0">
+                <a:latin typeface="Segoe UI Light" panose="020B0502040204020203" pitchFamily="34" charset="0"/>
+                <a:cs typeface="Segoe UI Light" panose="020B0502040204020203" pitchFamily="34" charset="0"/>
+              </a:rPr>
+              <a:t>-dev-server --save-dev</a:t>
+            </a:r>
+          </a:p>
+          <a:p>
+            <a:pPr marL="457200" indent="-457200">
+              <a:buFont typeface="+mj-lt"/>
+              <a:buAutoNum type="arabicPeriod"/>
+            </a:pPr>
+            <a:r>
+              <a:rPr lang="es-ES" sz="2200" dirty="0" err="1">
+                <a:latin typeface="Segoe UI Light" panose="020B0502040204020203" pitchFamily="34" charset="0"/>
+                <a:cs typeface="Segoe UI Light" panose="020B0502040204020203" pitchFamily="34" charset="0"/>
+              </a:rPr>
+              <a:t>Add</a:t>
+            </a:r>
+            <a:r>
+              <a:rPr lang="es-ES" sz="2200" dirty="0">
+                <a:latin typeface="Segoe UI Light" panose="020B0502040204020203" pitchFamily="34" charset="0"/>
+                <a:cs typeface="Segoe UI Light" panose="020B0502040204020203" pitchFamily="34" charset="0"/>
+              </a:rPr>
+              <a:t> </a:t>
+            </a:r>
+            <a:r>
+              <a:rPr lang="es-ES" sz="2200" dirty="0" err="1">
+                <a:latin typeface="Segoe UI Light" panose="020B0502040204020203" pitchFamily="34" charset="0"/>
+                <a:cs typeface="Segoe UI Light" panose="020B0502040204020203" pitchFamily="34" charset="0"/>
+              </a:rPr>
+              <a:t>source-maps</a:t>
+            </a:r>
+            <a:r>
+              <a:rPr lang="es-ES" sz="2200" dirty="0">
+                <a:latin typeface="Segoe UI Light" panose="020B0502040204020203" pitchFamily="34" charset="0"/>
+                <a:cs typeface="Segoe UI Light" panose="020B0502040204020203" pitchFamily="34" charset="0"/>
+              </a:rPr>
+              <a:t> in </a:t>
+            </a:r>
+            <a:r>
+              <a:rPr lang="es-ES" sz="2200" dirty="0" err="1">
+                <a:latin typeface="Segoe UI Light" panose="020B0502040204020203" pitchFamily="34" charset="0"/>
+                <a:cs typeface="Segoe UI Light" panose="020B0502040204020203" pitchFamily="34" charset="0"/>
+              </a:rPr>
+              <a:t>the</a:t>
+            </a:r>
+            <a:r>
+              <a:rPr lang="es-ES" sz="2200" dirty="0">
+                <a:latin typeface="Segoe UI Light" panose="020B0502040204020203" pitchFamily="34" charset="0"/>
+                <a:cs typeface="Segoe UI Light" panose="020B0502040204020203" pitchFamily="34" charset="0"/>
+              </a:rPr>
+              <a:t> </a:t>
+            </a:r>
+            <a:r>
+              <a:rPr lang="es-ES" sz="2200" dirty="0" err="1">
+                <a:latin typeface="Segoe UI Light" panose="020B0502040204020203" pitchFamily="34" charset="0"/>
+                <a:cs typeface="Segoe UI Light" panose="020B0502040204020203" pitchFamily="34" charset="0"/>
+              </a:rPr>
+              <a:t>devtool</a:t>
+            </a:r>
+            <a:r>
+              <a:rPr lang="es-ES" sz="2200" dirty="0">
+                <a:latin typeface="Segoe UI Light" panose="020B0502040204020203" pitchFamily="34" charset="0"/>
+                <a:cs typeface="Segoe UI Light" panose="020B0502040204020203" pitchFamily="34" charset="0"/>
+              </a:rPr>
+              <a:t> </a:t>
+            </a:r>
+            <a:r>
+              <a:rPr lang="es-ES" sz="2200" dirty="0" err="1">
+                <a:latin typeface="Segoe UI Light" panose="020B0502040204020203" pitchFamily="34" charset="0"/>
+                <a:cs typeface="Segoe UI Light" panose="020B0502040204020203" pitchFamily="34" charset="0"/>
+              </a:rPr>
+              <a:t>options</a:t>
+            </a:r>
+            <a:r>
+              <a:rPr lang="es-ES" sz="2200" dirty="0">
+                <a:latin typeface="Segoe UI Light" panose="020B0502040204020203" pitchFamily="34" charset="0"/>
+                <a:cs typeface="Segoe UI Light" panose="020B0502040204020203" pitchFamily="34" charset="0"/>
+              </a:rPr>
+              <a:t> webpack.config.js</a:t>
+            </a:r>
+          </a:p>
+          <a:p>
+            <a:pPr marL="457200" indent="-457200">
+              <a:buFont typeface="+mj-lt"/>
+              <a:buAutoNum type="arabicPeriod"/>
+            </a:pPr>
+            <a:r>
+              <a:rPr lang="es-ES" sz="2200" dirty="0" err="1">
+                <a:latin typeface="Segoe UI Light" panose="020B0502040204020203" pitchFamily="34" charset="0"/>
+                <a:cs typeface="Segoe UI Light" panose="020B0502040204020203" pitchFamily="34" charset="0"/>
+              </a:rPr>
+              <a:t>Install</a:t>
+            </a:r>
+            <a:r>
+              <a:rPr lang="es-ES" sz="2200" dirty="0">
+                <a:latin typeface="Segoe UI Light" panose="020B0502040204020203" pitchFamily="34" charset="0"/>
+                <a:cs typeface="Segoe UI Light" panose="020B0502040204020203" pitchFamily="34" charset="0"/>
+              </a:rPr>
+              <a:t> Browser-</a:t>
+            </a:r>
+            <a:r>
+              <a:rPr lang="es-ES" sz="2200" dirty="0" err="1">
+                <a:latin typeface="Segoe UI Light" panose="020B0502040204020203" pitchFamily="34" charset="0"/>
+                <a:cs typeface="Segoe UI Light" panose="020B0502040204020203" pitchFamily="34" charset="0"/>
+              </a:rPr>
+              <a:t>sync</a:t>
+            </a:r>
+            <a:r>
+              <a:rPr lang="es-ES" sz="2200" dirty="0">
+                <a:latin typeface="Segoe UI Light" panose="020B0502040204020203" pitchFamily="34" charset="0"/>
+                <a:cs typeface="Segoe UI Light" panose="020B0502040204020203" pitchFamily="34" charset="0"/>
+              </a:rPr>
+              <a:t>-</a:t>
+            </a:r>
+            <a:r>
+              <a:rPr lang="es-ES" sz="2200" dirty="0" err="1">
+                <a:latin typeface="Segoe UI Light" panose="020B0502040204020203" pitchFamily="34" charset="0"/>
+                <a:cs typeface="Segoe UI Light" panose="020B0502040204020203" pitchFamily="34" charset="0"/>
+              </a:rPr>
+              <a:t>plugin</a:t>
+            </a:r>
+            <a:endParaRPr lang="es-ES" sz="2200" dirty="0">
               <a:latin typeface="Segoe UI Light" panose="020B0502040204020203" pitchFamily="34" charset="0"/>
               <a:cs typeface="Segoe UI Light" panose="020B0502040204020203" pitchFamily="34" charset="0"/>
             </a:endParaRPr>
           </a:p>
           <a:p>
-            <a:pPr marL="742950" lvl="1" indent="-285750">
-              <a:buFont typeface="Arial" panose="020B0604020202020204" pitchFamily="34" charset="0"/>
-              <a:buChar char="•"/>
+            <a:pPr marL="457200" indent="-457200">
+              <a:buFont typeface="+mj-lt"/>
+              <a:buAutoNum type="arabicPeriod"/>
             </a:pPr>
-            <a:r>
-              <a:rPr lang="en-US" dirty="0">
-                <a:latin typeface="Segoe UI Light" panose="020B0502040204020203" pitchFamily="34" charset="0"/>
-                <a:cs typeface="Segoe UI Light" panose="020B0502040204020203" pitchFamily="34" charset="0"/>
-              </a:rPr>
-              <a:t>Import</a:t>
-            </a:r>
-          </a:p>
-          <a:p>
-            <a:pPr lvl="1"/>
-            <a:r>
-              <a:rPr lang="en-US" dirty="0">
-                <a:latin typeface="Segoe UI Light" panose="020B0502040204020203" pitchFamily="34" charset="0"/>
-                <a:cs typeface="Segoe UI Light" panose="020B0502040204020203" pitchFamily="34" charset="0"/>
-              </a:rPr>
-              <a:t>As the not all the browsers support  ECMAScript 6 we have to translate it using Babel</a:t>
-            </a:r>
-          </a:p>
-          <a:p>
-            <a:pPr lvl="1"/>
-            <a:r>
-              <a:rPr lang="en-US" dirty="0">
+            <a:endParaRPr lang="es-ES" sz="2200" dirty="0">
+              <a:latin typeface="Segoe UI Light" panose="020B0502040204020203" pitchFamily="34" charset="0"/>
+              <a:cs typeface="Segoe UI Light" panose="020B0502040204020203" pitchFamily="34" charset="0"/>
+            </a:endParaRPr>
+          </a:p>
+          <a:p>
+            <a:r>
+              <a:rPr lang="en-US" sz="2200" dirty="0">
                 <a:latin typeface="Segoe UI Light" panose="020B0502040204020203" pitchFamily="34" charset="0"/>
                 <a:cs typeface="Segoe UI Light" panose="020B0502040204020203" pitchFamily="34" charset="0"/>
                 <a:hlinkClick r:id="rId2"/>
               </a:rPr>
-              <a:t>https://babeljs.io/docs/setup/#webpack</a:t>
-            </a:r>
-            <a:r>
-              <a:rPr lang="en-US" dirty="0">
+              <a:t>http://webpack.github.io/docs/hot-module-replacement-with-webpack.html</a:t>
+            </a:r>
+            <a:endParaRPr lang="en-US" sz="2200" dirty="0">
+              <a:latin typeface="Segoe UI Light" panose="020B0502040204020203" pitchFamily="34" charset="0"/>
+              <a:cs typeface="Segoe UI Light" panose="020B0502040204020203" pitchFamily="34" charset="0"/>
+            </a:endParaRPr>
+          </a:p>
+          <a:p>
+            <a:r>
+              <a:rPr lang="en-US" sz="2200" dirty="0">
                 <a:latin typeface="Segoe UI Light" panose="020B0502040204020203" pitchFamily="34" charset="0"/>
                 <a:cs typeface="Segoe UI Light" panose="020B0502040204020203" pitchFamily="34" charset="0"/>
               </a:rPr>
-              <a:t> &amp; https://github.com/babel/babel-loader</a:t>
-            </a:r>
+              <a:t>http://www.jbrantly.com/typescript-and-webpack/</a:t>
+            </a:r>
+          </a:p>
+          <a:p>
+            <a:r>
+              <a:rPr lang="en-US" sz="2200" dirty="0">
+                <a:latin typeface="Segoe UI Light" panose="020B0502040204020203" pitchFamily="34" charset="0"/>
+                <a:cs typeface="Segoe UI Light" panose="020B0502040204020203" pitchFamily="34" charset="0"/>
+              </a:rPr>
+              <a:t>https://www.npmjs.com/package/browser-sync-webpack-plugin</a:t>
+            </a:r>
+          </a:p>
+          <a:p>
+            <a:pPr marL="457200" indent="-457200">
+              <a:buFont typeface="+mj-lt"/>
+              <a:buAutoNum type="arabicPeriod"/>
+            </a:pPr>
+            <a:endParaRPr lang="en-US" sz="2200" dirty="0">
+              <a:latin typeface="Segoe UI Light" panose="020B0502040204020203" pitchFamily="34" charset="0"/>
+              <a:cs typeface="Segoe UI Light" panose="020B0502040204020203" pitchFamily="34" charset="0"/>
+            </a:endParaRPr>
           </a:p>
         </p:txBody>
       </p:sp>
     </p:spTree>
     <p:extLst>
       <p:ext uri="{BB962C8B-B14F-4D97-AF65-F5344CB8AC3E}">
-        <p14:creationId xmlns:p14="http://schemas.microsoft.com/office/powerpoint/2010/main" val="818877214"/>
+        <p14:creationId xmlns:p14="http://schemas.microsoft.com/office/powerpoint/2010/main" val="3046009718"/>
       </p:ext>
     </p:extLst>
   </p:cSld>
@@ -15452,9 +16152,10 @@
           <a:lstStyle/>
           <a:p>
             <a:r>
-              <a:rPr lang="en-US" dirty="0"/>
-              <a:t>Using  ES6 I</a:t>
-            </a:r>
+              <a:rPr lang="en-US"/>
+              <a:t>Using  Angular</a:t>
+            </a:r>
+            <a:endParaRPr lang="en-US" dirty="0"/>
           </a:p>
         </p:txBody>
       </p:sp>
@@ -15554,6 +16255,441 @@
     </p:spTree>
     <p:extLst>
       <p:ext uri="{BB962C8B-B14F-4D97-AF65-F5344CB8AC3E}">
+        <p14:creationId xmlns:p14="http://schemas.microsoft.com/office/powerpoint/2010/main" val="3484170114"/>
+      </p:ext>
+    </p:extLst>
+  </p:cSld>
+  <p:clrMapOvr>
+    <a:masterClrMapping/>
+  </p:clrMapOvr>
+</p:sld>
+</file>
+
+<file path=ppt/slides/slide12.xml><?xml version="1.0" encoding="utf-8"?>
+<p:sld xmlns:a="http://schemas.openxmlformats.org/drawingml/2006/main" xmlns:r="http://schemas.openxmlformats.org/officeDocument/2006/relationships" xmlns:p="http://schemas.openxmlformats.org/presentationml/2006/main">
+  <p:cSld>
+    <p:spTree>
+      <p:nvGrpSpPr>
+        <p:cNvPr id="1" name=""/>
+        <p:cNvGrpSpPr/>
+        <p:nvPr/>
+      </p:nvGrpSpPr>
+      <p:grpSpPr>
+        <a:xfrm>
+          <a:off x="0" y="0"/>
+          <a:ext cx="0" cy="0"/>
+          <a:chOff x="0" y="0"/>
+          <a:chExt cx="0" cy="0"/>
+        </a:xfrm>
+      </p:grpSpPr>
+      <p:sp>
+        <p:nvSpPr>
+          <p:cNvPr id="2" name="Título 1"/>
+          <p:cNvSpPr>
+            <a:spLocks noGrp="1"/>
+          </p:cNvSpPr>
+          <p:nvPr>
+            <p:ph type="title"/>
+          </p:nvPr>
+        </p:nvSpPr>
+        <p:spPr/>
+        <p:txBody>
+          <a:bodyPr/>
+          <a:lstStyle/>
+          <a:p>
+            <a:r>
+              <a:rPr lang="en-US" dirty="0"/>
+              <a:t>Using  ES6 I</a:t>
+            </a:r>
+          </a:p>
+        </p:txBody>
+      </p:sp>
+      <p:sp>
+        <p:nvSpPr>
+          <p:cNvPr id="3" name="Rectángulo 2"/>
+          <p:cNvSpPr/>
+          <p:nvPr/>
+        </p:nvSpPr>
+        <p:spPr>
+          <a:xfrm>
+            <a:off x="1232647" y="1690688"/>
+            <a:ext cx="10291482" cy="1538883"/>
+          </a:xfrm>
+          <a:prstGeom prst="rect">
+            <a:avLst/>
+          </a:prstGeom>
+        </p:spPr>
+        <p:txBody>
+          <a:bodyPr wrap="square">
+            <a:spAutoFit/>
+          </a:bodyPr>
+          <a:lstStyle/>
+          <a:p>
+            <a:r>
+              <a:rPr lang="en-US" sz="2200" dirty="0">
+                <a:latin typeface="Segoe UI Light" panose="020B0502040204020203" pitchFamily="34" charset="0"/>
+                <a:cs typeface="Segoe UI Light" panose="020B0502040204020203" pitchFamily="34" charset="0"/>
+              </a:rPr>
+              <a:t>Do Exercise 2.</a:t>
+            </a:r>
+          </a:p>
+          <a:p>
+            <a:pPr lvl="1"/>
+            <a:r>
+              <a:rPr lang="en-US" dirty="0">
+                <a:latin typeface="Segoe UI Light" panose="020B0502040204020203" pitchFamily="34" charset="0"/>
+                <a:cs typeface="Segoe UI Light" panose="020B0502040204020203" pitchFamily="34" charset="0"/>
+              </a:rPr>
+              <a:t>Modify Exercise 1 to use ECMAScript 6 syntax instead </a:t>
+            </a:r>
+            <a:r>
+              <a:rPr lang="en-US" dirty="0" err="1">
+                <a:latin typeface="Segoe UI Light" panose="020B0502040204020203" pitchFamily="34" charset="0"/>
+                <a:cs typeface="Segoe UI Light" panose="020B0502040204020203" pitchFamily="34" charset="0"/>
+              </a:rPr>
+              <a:t>requireJS</a:t>
+            </a:r>
+            <a:endParaRPr lang="en-US" dirty="0">
+              <a:latin typeface="Segoe UI Light" panose="020B0502040204020203" pitchFamily="34" charset="0"/>
+              <a:cs typeface="Segoe UI Light" panose="020B0502040204020203" pitchFamily="34" charset="0"/>
+            </a:endParaRPr>
+          </a:p>
+          <a:p>
+            <a:pPr marL="742950" lvl="1" indent="-285750">
+              <a:buFont typeface="Arial" panose="020B0604020202020204" pitchFamily="34" charset="0"/>
+              <a:buChar char="•"/>
+            </a:pPr>
+            <a:r>
+              <a:rPr lang="en-US" dirty="0">
+                <a:latin typeface="Segoe UI Light" panose="020B0502040204020203" pitchFamily="34" charset="0"/>
+                <a:cs typeface="Segoe UI Light" panose="020B0502040204020203" pitchFamily="34" charset="0"/>
+              </a:rPr>
+              <a:t>Import</a:t>
+            </a:r>
+          </a:p>
+          <a:p>
+            <a:pPr lvl="1"/>
+            <a:r>
+              <a:rPr lang="en-US" dirty="0">
+                <a:latin typeface="Segoe UI Light" panose="020B0502040204020203" pitchFamily="34" charset="0"/>
+                <a:cs typeface="Segoe UI Light" panose="020B0502040204020203" pitchFamily="34" charset="0"/>
+              </a:rPr>
+              <a:t>As the not all the browsers support  ECMAScript 6 we have to translate it using Babel</a:t>
+            </a:r>
+          </a:p>
+          <a:p>
+            <a:pPr lvl="1"/>
+            <a:r>
+              <a:rPr lang="en-US" dirty="0">
+                <a:latin typeface="Segoe UI Light" panose="020B0502040204020203" pitchFamily="34" charset="0"/>
+                <a:cs typeface="Segoe UI Light" panose="020B0502040204020203" pitchFamily="34" charset="0"/>
+                <a:hlinkClick r:id="rId2"/>
+              </a:rPr>
+              <a:t>https://babeljs.io/docs/setup/#webpack</a:t>
+            </a:r>
+            <a:r>
+              <a:rPr lang="en-US" dirty="0">
+                <a:latin typeface="Segoe UI Light" panose="020B0502040204020203" pitchFamily="34" charset="0"/>
+                <a:cs typeface="Segoe UI Light" panose="020B0502040204020203" pitchFamily="34" charset="0"/>
+              </a:rPr>
+              <a:t> &amp; https://github.com/babel/babel-loader</a:t>
+            </a:r>
+          </a:p>
+        </p:txBody>
+      </p:sp>
+    </p:spTree>
+    <p:extLst>
+      <p:ext uri="{BB962C8B-B14F-4D97-AF65-F5344CB8AC3E}">
+        <p14:creationId xmlns:p14="http://schemas.microsoft.com/office/powerpoint/2010/main" val="2766884440"/>
+      </p:ext>
+    </p:extLst>
+  </p:cSld>
+  <p:clrMapOvr>
+    <a:masterClrMapping/>
+  </p:clrMapOvr>
+</p:sld>
+</file>
+
+<file path=ppt/slides/slide13.xml><?xml version="1.0" encoding="utf-8"?>
+<p:sld xmlns:a="http://schemas.openxmlformats.org/drawingml/2006/main" xmlns:r="http://schemas.openxmlformats.org/officeDocument/2006/relationships" xmlns:p="http://schemas.openxmlformats.org/presentationml/2006/main">
+  <p:cSld>
+    <p:spTree>
+      <p:nvGrpSpPr>
+        <p:cNvPr id="1" name=""/>
+        <p:cNvGrpSpPr/>
+        <p:nvPr/>
+      </p:nvGrpSpPr>
+      <p:grpSpPr>
+        <a:xfrm>
+          <a:off x="0" y="0"/>
+          <a:ext cx="0" cy="0"/>
+          <a:chOff x="0" y="0"/>
+          <a:chExt cx="0" cy="0"/>
+        </a:xfrm>
+      </p:grpSpPr>
+      <p:sp>
+        <p:nvSpPr>
+          <p:cNvPr id="2" name="Título 1"/>
+          <p:cNvSpPr>
+            <a:spLocks noGrp="1"/>
+          </p:cNvSpPr>
+          <p:nvPr>
+            <p:ph type="title"/>
+          </p:nvPr>
+        </p:nvSpPr>
+        <p:spPr/>
+        <p:txBody>
+          <a:bodyPr/>
+          <a:lstStyle/>
+          <a:p>
+            <a:r>
+              <a:rPr lang="en-US" dirty="0"/>
+              <a:t>Using  ES6 I</a:t>
+            </a:r>
+          </a:p>
+        </p:txBody>
+      </p:sp>
+      <p:sp>
+        <p:nvSpPr>
+          <p:cNvPr id="3" name="Rectángulo 2"/>
+          <p:cNvSpPr/>
+          <p:nvPr/>
+        </p:nvSpPr>
+        <p:spPr>
+          <a:xfrm>
+            <a:off x="1232647" y="1690688"/>
+            <a:ext cx="10291482" cy="1538883"/>
+          </a:xfrm>
+          <a:prstGeom prst="rect">
+            <a:avLst/>
+          </a:prstGeom>
+        </p:spPr>
+        <p:txBody>
+          <a:bodyPr wrap="square">
+            <a:spAutoFit/>
+          </a:bodyPr>
+          <a:lstStyle/>
+          <a:p>
+            <a:r>
+              <a:rPr lang="en-US" sz="2200" dirty="0">
+                <a:latin typeface="Segoe UI Light" panose="020B0502040204020203" pitchFamily="34" charset="0"/>
+                <a:cs typeface="Segoe UI Light" panose="020B0502040204020203" pitchFamily="34" charset="0"/>
+              </a:rPr>
+              <a:t>Do Exercise 2.</a:t>
+            </a:r>
+          </a:p>
+          <a:p>
+            <a:pPr lvl="1"/>
+            <a:r>
+              <a:rPr lang="en-US" dirty="0">
+                <a:latin typeface="Segoe UI Light" panose="020B0502040204020203" pitchFamily="34" charset="0"/>
+                <a:cs typeface="Segoe UI Light" panose="020B0502040204020203" pitchFamily="34" charset="0"/>
+              </a:rPr>
+              <a:t>Modify Exercise 1 to use ECMAScript 6 syntax instead </a:t>
+            </a:r>
+            <a:r>
+              <a:rPr lang="en-US" dirty="0" err="1">
+                <a:latin typeface="Segoe UI Light" panose="020B0502040204020203" pitchFamily="34" charset="0"/>
+                <a:cs typeface="Segoe UI Light" panose="020B0502040204020203" pitchFamily="34" charset="0"/>
+              </a:rPr>
+              <a:t>requireJS</a:t>
+            </a:r>
+            <a:endParaRPr lang="en-US" dirty="0">
+              <a:latin typeface="Segoe UI Light" panose="020B0502040204020203" pitchFamily="34" charset="0"/>
+              <a:cs typeface="Segoe UI Light" panose="020B0502040204020203" pitchFamily="34" charset="0"/>
+            </a:endParaRPr>
+          </a:p>
+          <a:p>
+            <a:pPr marL="742950" lvl="1" indent="-285750">
+              <a:buFont typeface="Arial" panose="020B0604020202020204" pitchFamily="34" charset="0"/>
+              <a:buChar char="•"/>
+            </a:pPr>
+            <a:r>
+              <a:rPr lang="en-US" dirty="0">
+                <a:latin typeface="Segoe UI Light" panose="020B0502040204020203" pitchFamily="34" charset="0"/>
+                <a:cs typeface="Segoe UI Light" panose="020B0502040204020203" pitchFamily="34" charset="0"/>
+              </a:rPr>
+              <a:t>Import</a:t>
+            </a:r>
+          </a:p>
+          <a:p>
+            <a:pPr lvl="1"/>
+            <a:r>
+              <a:rPr lang="en-US" dirty="0">
+                <a:latin typeface="Segoe UI Light" panose="020B0502040204020203" pitchFamily="34" charset="0"/>
+                <a:cs typeface="Segoe UI Light" panose="020B0502040204020203" pitchFamily="34" charset="0"/>
+              </a:rPr>
+              <a:t>As the not all the browsers support  ECMAScript 6 we have to translate it using Babel</a:t>
+            </a:r>
+          </a:p>
+          <a:p>
+            <a:pPr lvl="1"/>
+            <a:r>
+              <a:rPr lang="en-US" dirty="0">
+                <a:latin typeface="Segoe UI Light" panose="020B0502040204020203" pitchFamily="34" charset="0"/>
+                <a:cs typeface="Segoe UI Light" panose="020B0502040204020203" pitchFamily="34" charset="0"/>
+                <a:hlinkClick r:id="rId2"/>
+              </a:rPr>
+              <a:t>https://babeljs.io/docs/setup/#webpack</a:t>
+            </a:r>
+            <a:r>
+              <a:rPr lang="en-US" dirty="0">
+                <a:latin typeface="Segoe UI Light" panose="020B0502040204020203" pitchFamily="34" charset="0"/>
+                <a:cs typeface="Segoe UI Light" panose="020B0502040204020203" pitchFamily="34" charset="0"/>
+              </a:rPr>
+              <a:t> &amp; https://github.com/babel/babel-loader</a:t>
+            </a:r>
+          </a:p>
+        </p:txBody>
+      </p:sp>
+    </p:spTree>
+    <p:extLst>
+      <p:ext uri="{BB962C8B-B14F-4D97-AF65-F5344CB8AC3E}">
+        <p14:creationId xmlns:p14="http://schemas.microsoft.com/office/powerpoint/2010/main" val="818877214"/>
+      </p:ext>
+    </p:extLst>
+  </p:cSld>
+  <p:clrMapOvr>
+    <a:masterClrMapping/>
+  </p:clrMapOvr>
+</p:sld>
+</file>
+
+<file path=ppt/slides/slide14.xml><?xml version="1.0" encoding="utf-8"?>
+<p:sld xmlns:a="http://schemas.openxmlformats.org/drawingml/2006/main" xmlns:r="http://schemas.openxmlformats.org/officeDocument/2006/relationships" xmlns:p="http://schemas.openxmlformats.org/presentationml/2006/main">
+  <p:cSld>
+    <p:spTree>
+      <p:nvGrpSpPr>
+        <p:cNvPr id="1" name=""/>
+        <p:cNvGrpSpPr/>
+        <p:nvPr/>
+      </p:nvGrpSpPr>
+      <p:grpSpPr>
+        <a:xfrm>
+          <a:off x="0" y="0"/>
+          <a:ext cx="0" cy="0"/>
+          <a:chOff x="0" y="0"/>
+          <a:chExt cx="0" cy="0"/>
+        </a:xfrm>
+      </p:grpSpPr>
+      <p:sp>
+        <p:nvSpPr>
+          <p:cNvPr id="2" name="Título 1"/>
+          <p:cNvSpPr>
+            <a:spLocks noGrp="1"/>
+          </p:cNvSpPr>
+          <p:nvPr>
+            <p:ph type="title"/>
+          </p:nvPr>
+        </p:nvSpPr>
+        <p:spPr/>
+        <p:txBody>
+          <a:bodyPr/>
+          <a:lstStyle/>
+          <a:p>
+            <a:r>
+              <a:rPr lang="en-US" dirty="0"/>
+              <a:t>Using  ES6 I</a:t>
+            </a:r>
+          </a:p>
+        </p:txBody>
+      </p:sp>
+      <p:sp>
+        <p:nvSpPr>
+          <p:cNvPr id="3" name="Rectángulo 2"/>
+          <p:cNvSpPr/>
+          <p:nvPr/>
+        </p:nvSpPr>
+        <p:spPr>
+          <a:xfrm>
+            <a:off x="1232647" y="1690688"/>
+            <a:ext cx="10291482" cy="1538883"/>
+          </a:xfrm>
+          <a:prstGeom prst="rect">
+            <a:avLst/>
+          </a:prstGeom>
+        </p:spPr>
+        <p:txBody>
+          <a:bodyPr wrap="square">
+            <a:spAutoFit/>
+          </a:bodyPr>
+          <a:lstStyle/>
+          <a:p>
+            <a:r>
+              <a:rPr lang="en-US" sz="2200" dirty="0">
+                <a:latin typeface="Segoe UI Light" panose="020B0502040204020203" pitchFamily="34" charset="0"/>
+                <a:cs typeface="Segoe UI Light" panose="020B0502040204020203" pitchFamily="34" charset="0"/>
+              </a:rPr>
+              <a:t>Do Exercise 2.</a:t>
+            </a:r>
+          </a:p>
+          <a:p>
+            <a:pPr lvl="1"/>
+            <a:r>
+              <a:rPr lang="en-US" dirty="0">
+                <a:latin typeface="Segoe UI Light" panose="020B0502040204020203" pitchFamily="34" charset="0"/>
+                <a:cs typeface="Segoe UI Light" panose="020B0502040204020203" pitchFamily="34" charset="0"/>
+              </a:rPr>
+              <a:t>Modify Exercise 1 to use ECMAScript 6 syntax instead </a:t>
+            </a:r>
+            <a:r>
+              <a:rPr lang="en-US" dirty="0" err="1">
+                <a:latin typeface="Segoe UI Light" panose="020B0502040204020203" pitchFamily="34" charset="0"/>
+                <a:cs typeface="Segoe UI Light" panose="020B0502040204020203" pitchFamily="34" charset="0"/>
+              </a:rPr>
+              <a:t>requireJS</a:t>
+            </a:r>
+            <a:endParaRPr lang="en-US" dirty="0">
+              <a:latin typeface="Segoe UI Light" panose="020B0502040204020203" pitchFamily="34" charset="0"/>
+              <a:cs typeface="Segoe UI Light" panose="020B0502040204020203" pitchFamily="34" charset="0"/>
+            </a:endParaRPr>
+          </a:p>
+          <a:p>
+            <a:pPr marL="742950" lvl="1" indent="-285750">
+              <a:buFont typeface="Arial" panose="020B0604020202020204" pitchFamily="34" charset="0"/>
+              <a:buChar char="•"/>
+            </a:pPr>
+            <a:r>
+              <a:rPr lang="en-US" dirty="0">
+                <a:latin typeface="Segoe UI Light" panose="020B0502040204020203" pitchFamily="34" charset="0"/>
+                <a:cs typeface="Segoe UI Light" panose="020B0502040204020203" pitchFamily="34" charset="0"/>
+              </a:rPr>
+              <a:t>Import</a:t>
+            </a:r>
+          </a:p>
+          <a:p>
+            <a:pPr lvl="1"/>
+            <a:r>
+              <a:rPr lang="en-US" dirty="0">
+                <a:latin typeface="Segoe UI Light" panose="020B0502040204020203" pitchFamily="34" charset="0"/>
+                <a:cs typeface="Segoe UI Light" panose="020B0502040204020203" pitchFamily="34" charset="0"/>
+              </a:rPr>
+              <a:t>As the not all the browsers support  ECMAScript 6 we have to translate it using Babel</a:t>
+            </a:r>
+          </a:p>
+          <a:p>
+            <a:pPr lvl="1"/>
+            <a:r>
+              <a:rPr lang="en-US" dirty="0">
+                <a:latin typeface="Segoe UI Light" panose="020B0502040204020203" pitchFamily="34" charset="0"/>
+                <a:cs typeface="Segoe UI Light" panose="020B0502040204020203" pitchFamily="34" charset="0"/>
+                <a:hlinkClick r:id="rId2"/>
+              </a:rPr>
+              <a:t>https://babeljs.io/docs/setup/#webpack</a:t>
+            </a:r>
+            <a:r>
+              <a:rPr lang="en-US" dirty="0">
+                <a:latin typeface="Segoe UI Light" panose="020B0502040204020203" pitchFamily="34" charset="0"/>
+                <a:cs typeface="Segoe UI Light" panose="020B0502040204020203" pitchFamily="34" charset="0"/>
+              </a:rPr>
+              <a:t> &amp; https://github.com/babel/babel-loader</a:t>
+            </a:r>
+          </a:p>
+        </p:txBody>
+      </p:sp>
+    </p:spTree>
+    <p:extLst>
+      <p:ext uri="{BB962C8B-B14F-4D97-AF65-F5344CB8AC3E}">
         <p14:creationId xmlns:p14="http://schemas.microsoft.com/office/powerpoint/2010/main" val="3737749433"/>
       </p:ext>
     </p:extLst>
@@ -15564,7 +16700,152 @@
 </p:sld>
 </file>
 
-<file path=ppt/slides/slide12.xml><?xml version="1.0" encoding="utf-8"?>
+<file path=ppt/slides/slide15.xml><?xml version="1.0" encoding="utf-8"?>
+<p:sld xmlns:a="http://schemas.openxmlformats.org/drawingml/2006/main" xmlns:r="http://schemas.openxmlformats.org/officeDocument/2006/relationships" xmlns:p="http://schemas.openxmlformats.org/presentationml/2006/main">
+  <p:cSld>
+    <p:spTree>
+      <p:nvGrpSpPr>
+        <p:cNvPr id="1" name=""/>
+        <p:cNvGrpSpPr/>
+        <p:nvPr/>
+      </p:nvGrpSpPr>
+      <p:grpSpPr>
+        <a:xfrm>
+          <a:off x="0" y="0"/>
+          <a:ext cx="0" cy="0"/>
+          <a:chOff x="0" y="0"/>
+          <a:chExt cx="0" cy="0"/>
+        </a:xfrm>
+      </p:grpSpPr>
+      <p:sp>
+        <p:nvSpPr>
+          <p:cNvPr id="2" name="Título 1"/>
+          <p:cNvSpPr>
+            <a:spLocks noGrp="1"/>
+          </p:cNvSpPr>
+          <p:nvPr>
+            <p:ph type="title"/>
+          </p:nvPr>
+        </p:nvSpPr>
+        <p:spPr/>
+        <p:txBody>
+          <a:bodyPr/>
+          <a:lstStyle/>
+          <a:p>
+            <a:r>
+              <a:rPr lang="en-US" dirty="0"/>
+              <a:t>Using  ES6 I</a:t>
+            </a:r>
+          </a:p>
+        </p:txBody>
+      </p:sp>
+      <p:sp>
+        <p:nvSpPr>
+          <p:cNvPr id="3" name="Rectángulo 2"/>
+          <p:cNvSpPr/>
+          <p:nvPr/>
+        </p:nvSpPr>
+        <p:spPr>
+          <a:xfrm>
+            <a:off x="1232647" y="1690688"/>
+            <a:ext cx="10291482" cy="1538883"/>
+          </a:xfrm>
+          <a:prstGeom prst="rect">
+            <a:avLst/>
+          </a:prstGeom>
+        </p:spPr>
+        <p:txBody>
+          <a:bodyPr wrap="square">
+            <a:spAutoFit/>
+          </a:bodyPr>
+          <a:lstStyle/>
+          <a:p>
+            <a:r>
+              <a:rPr lang="en-US" sz="2200" dirty="0">
+                <a:latin typeface="Segoe UI Light" panose="020B0502040204020203" pitchFamily="34" charset="0"/>
+                <a:cs typeface="Segoe UI Light" panose="020B0502040204020203" pitchFamily="34" charset="0"/>
+              </a:rPr>
+              <a:t>Do Exercise 2.</a:t>
+            </a:r>
+          </a:p>
+          <a:p>
+            <a:pPr lvl="1"/>
+            <a:r>
+              <a:rPr lang="en-US" dirty="0">
+                <a:latin typeface="Segoe UI Light" panose="020B0502040204020203" pitchFamily="34" charset="0"/>
+                <a:cs typeface="Segoe UI Light" panose="020B0502040204020203" pitchFamily="34" charset="0"/>
+              </a:rPr>
+              <a:t>Modify Exercise 1 to use ECMAScript 6 syntax instead </a:t>
+            </a:r>
+            <a:r>
+              <a:rPr lang="en-US" dirty="0" err="1">
+                <a:latin typeface="Segoe UI Light" panose="020B0502040204020203" pitchFamily="34" charset="0"/>
+                <a:cs typeface="Segoe UI Light" panose="020B0502040204020203" pitchFamily="34" charset="0"/>
+              </a:rPr>
+              <a:t>requireJS</a:t>
+            </a:r>
+            <a:endParaRPr lang="en-US" dirty="0">
+              <a:latin typeface="Segoe UI Light" panose="020B0502040204020203" pitchFamily="34" charset="0"/>
+              <a:cs typeface="Segoe UI Light" panose="020B0502040204020203" pitchFamily="34" charset="0"/>
+            </a:endParaRPr>
+          </a:p>
+          <a:p>
+            <a:pPr marL="742950" lvl="1" indent="-285750">
+              <a:buFont typeface="Arial" panose="020B0604020202020204" pitchFamily="34" charset="0"/>
+              <a:buChar char="•"/>
+            </a:pPr>
+            <a:r>
+              <a:rPr lang="en-US" dirty="0">
+                <a:latin typeface="Segoe UI Light" panose="020B0502040204020203" pitchFamily="34" charset="0"/>
+                <a:cs typeface="Segoe UI Light" panose="020B0502040204020203" pitchFamily="34" charset="0"/>
+              </a:rPr>
+              <a:t>Import</a:t>
+            </a:r>
+          </a:p>
+          <a:p>
+            <a:pPr lvl="1"/>
+            <a:r>
+              <a:rPr lang="en-US" dirty="0">
+                <a:latin typeface="Segoe UI Light" panose="020B0502040204020203" pitchFamily="34" charset="0"/>
+                <a:cs typeface="Segoe UI Light" panose="020B0502040204020203" pitchFamily="34" charset="0"/>
+              </a:rPr>
+              <a:t>As the not all the browsers support  ECMAScript 6 we have to translate it using Babel</a:t>
+            </a:r>
+          </a:p>
+          <a:p>
+            <a:pPr lvl="1"/>
+            <a:r>
+              <a:rPr lang="en-US" dirty="0">
+                <a:latin typeface="Segoe UI Light" panose="020B0502040204020203" pitchFamily="34" charset="0"/>
+                <a:cs typeface="Segoe UI Light" panose="020B0502040204020203" pitchFamily="34" charset="0"/>
+                <a:hlinkClick r:id="rId2"/>
+              </a:rPr>
+              <a:t>https://babeljs.io/docs/setup/#webpack</a:t>
+            </a:r>
+            <a:r>
+              <a:rPr lang="en-US" dirty="0">
+                <a:latin typeface="Segoe UI Light" panose="020B0502040204020203" pitchFamily="34" charset="0"/>
+                <a:cs typeface="Segoe UI Light" panose="020B0502040204020203" pitchFamily="34" charset="0"/>
+              </a:rPr>
+              <a:t> &amp; https://github.com/babel/babel-loader</a:t>
+            </a:r>
+          </a:p>
+        </p:txBody>
+      </p:sp>
+    </p:spTree>
+    <p:extLst>
+      <p:ext uri="{BB962C8B-B14F-4D97-AF65-F5344CB8AC3E}">
+        <p14:creationId xmlns:p14="http://schemas.microsoft.com/office/powerpoint/2010/main" val="4106624266"/>
+      </p:ext>
+    </p:extLst>
+  </p:cSld>
+  <p:clrMapOvr>
+    <a:masterClrMapping/>
+  </p:clrMapOvr>
+</p:sld>
+</file>
+
+<file path=ppt/slides/slide16.xml><?xml version="1.0" encoding="utf-8"?>
 <p:sld xmlns:a="http://schemas.openxmlformats.org/drawingml/2006/main" xmlns:r="http://schemas.openxmlformats.org/officeDocument/2006/relationships" xmlns:p="http://schemas.openxmlformats.org/presentationml/2006/main">
   <p:cSld>
     <p:spTree>
@@ -15727,22 +17008,18 @@
               <a:t>, typescript, </a:t>
             </a:r>
             <a:r>
-              <a:rPr lang="en-US" dirty="0" err="1" smtClean="0"/>
+              <a:rPr lang="en-US" dirty="0" err="1"/>
               <a:t>angularJS</a:t>
             </a:r>
-            <a:endParaRPr lang="en-US" dirty="0" smtClean="0"/>
-          </a:p>
-          <a:p>
-            <a:r>
-              <a:rPr lang="en-US" dirty="0" smtClean="0"/>
-              <a:t>Testing with </a:t>
-            </a:r>
-            <a:r>
-              <a:rPr lang="en-US" dirty="0" smtClean="0"/>
-              <a:t>jasmine </a:t>
-            </a:r>
-            <a:r>
-              <a:rPr lang="en-US" smtClean="0"/>
+            <a:endParaRPr lang="en-US" dirty="0"/>
+          </a:p>
+          <a:p>
+            <a:r>
+              <a:rPr lang="en-US" dirty="0"/>
+              <a:t>Testing with jasmine </a:t>
+            </a:r>
+            <a:r>
+              <a:rPr lang="en-US"/>
               <a:t>and karma</a:t>
             </a:r>
             <a:endParaRPr lang="en-US" dirty="0"/>
@@ -16715,7 +17992,7 @@
           <a:p>
             <a:r>
               <a:rPr lang="en-US" dirty="0"/>
-              <a:t>Using  ES6 I</a:t>
+              <a:t>Using  ES6 II</a:t>
             </a:r>
           </a:p>
         </p:txBody>
@@ -16746,7 +18023,7 @@
                 <a:latin typeface="Segoe UI Light" panose="020B0502040204020203" pitchFamily="34" charset="0"/>
                 <a:cs typeface="Segoe UI Light" panose="020B0502040204020203" pitchFamily="34" charset="0"/>
               </a:rPr>
-              <a:t>Do Exercise 2.</a:t>
+              <a:t>Exercise 2.</a:t>
             </a:r>
           </a:p>
           <a:p>
@@ -17136,13 +18413,8 @@
             </a:pPr>
             <a:r>
               <a:rPr lang="en-US" sz="1400" dirty="0"/>
-              <a:t>Overloaded </a:t>
-            </a:r>
-            <a:r>
-              <a:rPr lang="en-US" sz="1400" dirty="0" err="1"/>
-              <a:t>fucntions</a:t>
-            </a:r>
-            <a:endParaRPr lang="en-US" sz="1400" dirty="0"/>
+              <a:t>Overloaded functions</a:t>
+            </a:r>
           </a:p>
           <a:p>
             <a:pPr marL="285750" indent="-285750" algn="l">
@@ -17204,6 +18476,16 @@
               <a:t>Enumerables</a:t>
             </a:r>
             <a:endParaRPr lang="en-US" sz="1400" dirty="0"/>
+          </a:p>
+          <a:p>
+            <a:pPr marL="285750" indent="-285750" algn="l">
+              <a:buFont typeface="Arial" panose="020B0604020202020204" pitchFamily="34" charset="0"/>
+              <a:buChar char="•"/>
+            </a:pPr>
+            <a:r>
+              <a:rPr lang="en-US" sz="1800" dirty="0"/>
+              <a:t>https://www.typescriptlang.org/docs/tutorial.html</a:t>
+            </a:r>
           </a:p>
           <a:p>
             <a:pPr marL="285750" indent="-285750" algn="l">
@@ -17710,7 +18992,7 @@
   <a:extraClrSchemeLst/>
   <a:extLst>
     <a:ext uri="{05A4C25C-085E-4340-85A3-A5531E510DB2}">
-      <thm15:themeFamily xmlns:thm15="http://schemas.microsoft.com/office/thememl/2012/main" xmlns="" name="Office Theme" id="{62F939B6-93AF-4DB8-9C6B-D6C7DFDC589F}" vid="{4A3C46E8-61CC-4603-A589-7422A47A8E4A}"/>
+      <thm15:themeFamily xmlns:thm15="http://schemas.microsoft.com/office/thememl/2012/main" name="Office Theme" id="{62F939B6-93AF-4DB8-9C6B-D6C7DFDC589F}" vid="{4A3C46E8-61CC-4603-A589-7422A47A8E4A}"/>
     </a:ext>
   </a:extLst>
 </a:theme>
@@ -17971,7 +19253,7 @@
   <a:extraClrSchemeLst/>
   <a:extLst>
     <a:ext uri="{05A4C25C-085E-4340-85A3-A5531E510DB2}">
-      <thm15:themeFamily xmlns:thm15="http://schemas.microsoft.com/office/thememl/2012/main" xmlns="" name="Office Theme" id="{62F939B6-93AF-4DB8-9C6B-D6C7DFDC589F}" vid="{4A3C46E8-61CC-4603-A589-7422A47A8E4A}"/>
+      <thm15:themeFamily xmlns:thm15="http://schemas.microsoft.com/office/thememl/2012/main" name="Office Theme" id="{62F939B6-93AF-4DB8-9C6B-D6C7DFDC589F}" vid="{4A3C46E8-61CC-4603-A589-7422A47A8E4A}"/>
     </a:ext>
   </a:extLst>
 </a:theme>
@@ -18232,7 +19514,7 @@
   <a:extraClrSchemeLst/>
   <a:extLst>
     <a:ext uri="{05A4C25C-085E-4340-85A3-A5531E510DB2}">
-      <thm15:themeFamily xmlns:thm15="http://schemas.microsoft.com/office/thememl/2012/main" xmlns="" name="Office Theme" id="{62F939B6-93AF-4DB8-9C6B-D6C7DFDC589F}" vid="{4A3C46E8-61CC-4603-A589-7422A47A8E4A}"/>
+      <thm15:themeFamily xmlns:thm15="http://schemas.microsoft.com/office/thememl/2012/main" name="Office Theme" id="{62F939B6-93AF-4DB8-9C6B-D6C7DFDC589F}" vid="{4A3C46E8-61CC-4603-A589-7422A47A8E4A}"/>
     </a:ext>
   </a:extLst>
 </a:theme>
@@ -18493,7 +19775,7 @@
   <a:extraClrSchemeLst/>
   <a:extLst>
     <a:ext uri="{05A4C25C-085E-4340-85A3-A5531E510DB2}">
-      <thm15:themeFamily xmlns:thm15="http://schemas.microsoft.com/office/thememl/2012/main" xmlns="" name="Office Theme" id="{62F939B6-93AF-4DB8-9C6B-D6C7DFDC589F}" vid="{4A3C46E8-61CC-4603-A589-7422A47A8E4A}"/>
+      <thm15:themeFamily xmlns:thm15="http://schemas.microsoft.com/office/thememl/2012/main" name="Office Theme" id="{62F939B6-93AF-4DB8-9C6B-D6C7DFDC589F}" vid="{4A3C46E8-61CC-4603-A589-7422A47A8E4A}"/>
     </a:ext>
   </a:extLst>
 </a:theme>
@@ -18754,7 +20036,7 @@
   <a:extraClrSchemeLst/>
   <a:extLst>
     <a:ext uri="{05A4C25C-085E-4340-85A3-A5531E510DB2}">
-      <thm15:themeFamily xmlns:thm15="http://schemas.microsoft.com/office/thememl/2012/main" xmlns="" name="Office Theme" id="{62F939B6-93AF-4DB8-9C6B-D6C7DFDC589F}" vid="{4A3C46E8-61CC-4603-A589-7422A47A8E4A}"/>
+      <thm15:themeFamily xmlns:thm15="http://schemas.microsoft.com/office/thememl/2012/main" name="Office Theme" id="{62F939B6-93AF-4DB8-9C6B-D6C7DFDC589F}" vid="{4A3C46E8-61CC-4603-A589-7422A47A8E4A}"/>
     </a:ext>
   </a:extLst>
 </a:theme>
@@ -19015,7 +20297,7 @@
   <a:extraClrSchemeLst/>
   <a:extLst>
     <a:ext uri="{05A4C25C-085E-4340-85A3-A5531E510DB2}">
-      <thm15:themeFamily xmlns:thm15="http://schemas.microsoft.com/office/thememl/2012/main" xmlns="" name="Office Theme" id="{62F939B6-93AF-4DB8-9C6B-D6C7DFDC589F}" vid="{4A3C46E8-61CC-4603-A589-7422A47A8E4A}"/>
+      <thm15:themeFamily xmlns:thm15="http://schemas.microsoft.com/office/thememl/2012/main" name="Office Theme" id="{62F939B6-93AF-4DB8-9C6B-D6C7DFDC589F}" vid="{4A3C46E8-61CC-4603-A589-7422A47A8E4A}"/>
     </a:ext>
   </a:extLst>
 </a:theme>
@@ -19276,7 +20558,7 @@
   <a:extraClrSchemeLst/>
   <a:extLst>
     <a:ext uri="{05A4C25C-085E-4340-85A3-A5531E510DB2}">
-      <thm15:themeFamily xmlns:thm15="http://schemas.microsoft.com/office/thememl/2012/main" xmlns="" name="Office Theme" id="{62F939B6-93AF-4DB8-9C6B-D6C7DFDC589F}" vid="{4A3C46E8-61CC-4603-A589-7422A47A8E4A}"/>
+      <thm15:themeFamily xmlns:thm15="http://schemas.microsoft.com/office/thememl/2012/main" name="Office Theme" id="{62F939B6-93AF-4DB8-9C6B-D6C7DFDC589F}" vid="{4A3C46E8-61CC-4603-A589-7422A47A8E4A}"/>
     </a:ext>
   </a:extLst>
 </a:theme>
@@ -19537,7 +20819,7 @@
   <a:extraClrSchemeLst/>
   <a:extLst>
     <a:ext uri="{05A4C25C-085E-4340-85A3-A5531E510DB2}">
-      <thm15:themeFamily xmlns:thm15="http://schemas.microsoft.com/office/thememl/2012/main" xmlns="" name="Office Theme" id="{62F939B6-93AF-4DB8-9C6B-D6C7DFDC589F}" vid="{4A3C46E8-61CC-4603-A589-7422A47A8E4A}"/>
+      <thm15:themeFamily xmlns:thm15="http://schemas.microsoft.com/office/thememl/2012/main" name="Office Theme" id="{62F939B6-93AF-4DB8-9C6B-D6C7DFDC589F}" vid="{4A3C46E8-61CC-4603-A589-7422A47A8E4A}"/>
     </a:ext>
   </a:extLst>
 </a:theme>
@@ -19798,7 +21080,7 @@
   <a:extraClrSchemeLst/>
   <a:extLst>
     <a:ext uri="{05A4C25C-085E-4340-85A3-A5531E510DB2}">
-      <thm15:themeFamily xmlns:thm15="http://schemas.microsoft.com/office/thememl/2012/main" xmlns="" name="Office Theme" id="{62F939B6-93AF-4DB8-9C6B-D6C7DFDC589F}" vid="{4A3C46E8-61CC-4603-A589-7422A47A8E4A}"/>
+      <thm15:themeFamily xmlns:thm15="http://schemas.microsoft.com/office/thememl/2012/main" name="Office Theme" id="{62F939B6-93AF-4DB8-9C6B-D6C7DFDC589F}" vid="{4A3C46E8-61CC-4603-A589-7422A47A8E4A}"/>
     </a:ext>
   </a:extLst>
 </a:theme>
@@ -20059,28 +21341,13 @@
   <a:extraClrSchemeLst/>
   <a:extLst>
     <a:ext uri="{05A4C25C-085E-4340-85A3-A5531E510DB2}">
-      <thm15:themeFamily xmlns:thm15="http://schemas.microsoft.com/office/thememl/2012/main" xmlns="" name="Office Theme" id="{62F939B6-93AF-4DB8-9C6B-D6C7DFDC589F}" vid="{4A3C46E8-61CC-4603-A589-7422A47A8E4A}"/>
+      <thm15:themeFamily xmlns:thm15="http://schemas.microsoft.com/office/thememl/2012/main" name="Office Theme" id="{62F939B6-93AF-4DB8-9C6B-D6C7DFDC589F}" vid="{4A3C46E8-61CC-4603-A589-7422A47A8E4A}"/>
     </a:ext>
   </a:extLst>
 </a:theme>
 </file>
 
 <file path=customXml/item1.xml><?xml version="1.0" encoding="utf-8"?>
-<p:properties xmlns:p="http://schemas.microsoft.com/office/2006/metadata/properties" xmlns:xsi="http://www.w3.org/2001/XMLSchema-instance" xmlns:pc="http://schemas.microsoft.com/office/infopath/2007/PartnerControls">
-  <documentManagement>
-    <TaxCatchAll xmlns="a55c6545-c4b0-41ba-b65e-41037e7c803f"/>
-    <SharedWithUsers xmlns="b048c077-1ef5-43d8-8cbe-0087f6733556">
-      <UserInfo>
-        <DisplayName>Todos excepto los usuarios externos</DisplayName>
-        <AccountId>181</AccountId>
-        <AccountType/>
-      </UserInfo>
-    </SharedWithUsers>
-  </documentManagement>
-</p:properties>
-</file>
-
-<file path=customXml/item2.xml><?xml version="1.0" encoding="utf-8"?>
 <ct:contentTypeSchema xmlns:ct="http://schemas.microsoft.com/office/2006/metadata/contentType" xmlns:ma="http://schemas.microsoft.com/office/2006/metadata/properties/metaAttributes" ct:_="" ma:_="" ma:contentTypeName="Documento" ma:contentTypeID="0x01010011374B617ED0E840AAD9696600400A02" ma:contentTypeVersion="9" ma:contentTypeDescription="Crear nuevo documento." ma:contentTypeScope="" ma:versionID="250dcc0a2ebb02d44b4ddffdd32b7dd2">
   <xsd:schema xmlns:xsd="http://www.w3.org/2001/XMLSchema" xmlns:xs="http://www.w3.org/2001/XMLSchema" xmlns:p="http://schemas.microsoft.com/office/2006/metadata/properties" xmlns:ns2="a55c6545-c4b0-41ba-b65e-41037e7c803f" xmlns:ns3="b048c077-1ef5-43d8-8cbe-0087f6733556" targetNamespace="http://schemas.microsoft.com/office/2006/metadata/properties" ma:root="true" ma:fieldsID="7a367e56634011d3948e6870b2482d1c" ns2:_="" ns3:_="">
     <xsd:import namespace="a55c6545-c4b0-41ba-b65e-41037e7c803f"/>
@@ -20251,6 +21518,21 @@
 </ct:contentTypeSchema>
 </file>
 
+<file path=customXml/item2.xml><?xml version="1.0" encoding="utf-8"?>
+<p:properties xmlns:p="http://schemas.microsoft.com/office/2006/metadata/properties" xmlns:xsi="http://www.w3.org/2001/XMLSchema-instance" xmlns:pc="http://schemas.microsoft.com/office/infopath/2007/PartnerControls">
+  <documentManagement>
+    <TaxCatchAll xmlns="a55c6545-c4b0-41ba-b65e-41037e7c803f"/>
+    <SharedWithUsers xmlns="b048c077-1ef5-43d8-8cbe-0087f6733556">
+      <UserInfo>
+        <DisplayName>Todos excepto los usuarios externos</DisplayName>
+        <AccountId>181</AccountId>
+        <AccountType/>
+      </UserInfo>
+    </SharedWithUsers>
+  </documentManagement>
+</p:properties>
+</file>
+
 <file path=customXml/item3.xml><?xml version="1.0" encoding="utf-8"?>
 <?mso-contentType ?>
 <FormTemplates xmlns="http://schemas.microsoft.com/sharepoint/v3/contenttype/forms">
@@ -20261,23 +21543,6 @@
 </file>
 
 <file path=customXml/itemProps1.xml><?xml version="1.0" encoding="utf-8"?>
-<ds:datastoreItem xmlns:ds="http://schemas.openxmlformats.org/officeDocument/2006/customXml" ds:itemID="{6C60FA3A-4249-4D6E-A9A8-3B7219DF275B}">
-  <ds:schemaRefs>
-    <ds:schemaRef ds:uri="http://schemas.microsoft.com/office/2006/documentManagement/types"/>
-    <ds:schemaRef ds:uri="a55c6545-c4b0-41ba-b65e-41037e7c803f"/>
-    <ds:schemaRef ds:uri="http://purl.org/dc/elements/1.1/"/>
-    <ds:schemaRef ds:uri="http://schemas.microsoft.com/office/2006/metadata/properties"/>
-    <ds:schemaRef ds:uri="b048c077-1ef5-43d8-8cbe-0087f6733556"/>
-    <ds:schemaRef ds:uri="http://purl.org/dc/terms/"/>
-    <ds:schemaRef ds:uri="http://schemas.microsoft.com/office/infopath/2007/PartnerControls"/>
-    <ds:schemaRef ds:uri="http://schemas.openxmlformats.org/package/2006/metadata/core-properties"/>
-    <ds:schemaRef ds:uri="http://www.w3.org/XML/1998/namespace"/>
-    <ds:schemaRef ds:uri="http://purl.org/dc/dcmitype/"/>
-  </ds:schemaRefs>
-</ds:datastoreItem>
-</file>
-
-<file path=customXml/itemProps2.xml><?xml version="1.0" encoding="utf-8"?>
 <ds:datastoreItem xmlns:ds="http://schemas.openxmlformats.org/officeDocument/2006/customXml" ds:itemID="{40B01907-E433-4243-9A3E-9E9101133288}">
   <ds:schemaRefs>
     <ds:schemaRef ds:uri="http://schemas.microsoft.com/office/2006/metadata/contentType"/>
@@ -20296,6 +21561,23 @@
 </ds:datastoreItem>
 </file>
 
+<file path=customXml/itemProps2.xml><?xml version="1.0" encoding="utf-8"?>
+<ds:datastoreItem xmlns:ds="http://schemas.openxmlformats.org/officeDocument/2006/customXml" ds:itemID="{6C60FA3A-4249-4D6E-A9A8-3B7219DF275B}">
+  <ds:schemaRefs>
+    <ds:schemaRef ds:uri="http://schemas.microsoft.com/office/2006/documentManagement/types"/>
+    <ds:schemaRef ds:uri="a55c6545-c4b0-41ba-b65e-41037e7c803f"/>
+    <ds:schemaRef ds:uri="http://purl.org/dc/elements/1.1/"/>
+    <ds:schemaRef ds:uri="http://schemas.microsoft.com/office/2006/metadata/properties"/>
+    <ds:schemaRef ds:uri="b048c077-1ef5-43d8-8cbe-0087f6733556"/>
+    <ds:schemaRef ds:uri="http://purl.org/dc/terms/"/>
+    <ds:schemaRef ds:uri="http://schemas.microsoft.com/office/infopath/2007/PartnerControls"/>
+    <ds:schemaRef ds:uri="http://schemas.openxmlformats.org/package/2006/metadata/core-properties"/>
+    <ds:schemaRef ds:uri="http://www.w3.org/XML/1998/namespace"/>
+    <ds:schemaRef ds:uri="http://purl.org/dc/dcmitype/"/>
+  </ds:schemaRefs>
+</ds:datastoreItem>
+</file>
+
 <file path=customXml/itemProps3.xml><?xml version="1.0" encoding="utf-8"?>
 <ds:datastoreItem xmlns:ds="http://schemas.openxmlformats.org/officeDocument/2006/customXml" ds:itemID="{5313EA09-C0DC-4015-ABE0-A5612D75F864}">
   <ds:schemaRefs>

--- a/resume.pptx
+++ b/resume.pptx
@@ -12,10 +12,10 @@
     <p:sldMasterId id="2147483696" r:id="rId11"/>
   </p:sldMasterIdLst>
   <p:notesMasterIdLst>
-    <p:notesMasterId r:id="rId28"/>
+    <p:notesMasterId r:id="rId29"/>
   </p:notesMasterIdLst>
   <p:handoutMasterIdLst>
-    <p:handoutMasterId r:id="rId29"/>
+    <p:handoutMasterId r:id="rId30"/>
   </p:handoutMasterIdLst>
   <p:sldIdLst>
     <p:sldId id="256" r:id="rId12"/>
@@ -33,7 +33,8 @@
     <p:sldId id="291" r:id="rId24"/>
     <p:sldId id="290" r:id="rId25"/>
     <p:sldId id="292" r:id="rId26"/>
-    <p:sldId id="272" r:id="rId27"/>
+    <p:sldId id="296" r:id="rId27"/>
+    <p:sldId id="272" r:id="rId28"/>
   </p:sldIdLst>
   <p:sldSz cx="12192000" cy="6858000"/>
   <p:notesSz cx="6858000" cy="9144000"/>
@@ -134,7 +135,7 @@
   </p:defaultTextStyle>
   <p:extLst>
     <p:ext uri="{EFAFB233-063F-42B5-8137-9DF3F51BA10A}">
-      <p15:sldGuideLst xmlns:p15="http://schemas.microsoft.com/office/powerpoint/2012/main">
+      <p15:sldGuideLst xmlns:p15="http://schemas.microsoft.com/office/powerpoint/2012/main" xmlns="">
         <p15:guide id="1" orient="horz" pos="2160">
           <p15:clr>
             <a:srgbClr val="A4A3A4"/>
@@ -148,7 +149,7 @@
       </p15:sldGuideLst>
     </p:ext>
     <p:ext uri="{2D200454-40CA-4A62-9FC3-DE9A4176ACB9}">
-      <p15:notesGuideLst xmlns:p15="http://schemas.microsoft.com/office/powerpoint/2012/main"/>
+      <p15:notesGuideLst xmlns:p15="http://schemas.microsoft.com/office/powerpoint/2012/main" xmlns=""/>
     </p:ext>
   </p:extLst>
 </p:presentation>
@@ -1204,6 +1205,13 @@
         </dgm:presLayoutVars>
       </dgm:prSet>
       <dgm:spPr/>
+      <dgm:t>
+        <a:bodyPr/>
+        <a:lstStyle/>
+        <a:p>
+          <a:endParaRPr lang="en-US"/>
+        </a:p>
+      </dgm:t>
     </dgm:pt>
     <dgm:pt modelId="{98B0D8FA-33BD-482B-B6F4-3F5E0198F6C8}" type="pres">
       <dgm:prSet presAssocID="{FA16F164-7E64-4B90-A525-8E0B2A2DD444}" presName="sibTrans" presStyleCnt="0"/>
@@ -1216,6 +1224,13 @@
         </dgm:presLayoutVars>
       </dgm:prSet>
       <dgm:spPr/>
+      <dgm:t>
+        <a:bodyPr/>
+        <a:lstStyle/>
+        <a:p>
+          <a:endParaRPr lang="en-US"/>
+        </a:p>
+      </dgm:t>
     </dgm:pt>
     <dgm:pt modelId="{051DD4FC-166F-4F02-A39E-A452BC910E06}" type="pres">
       <dgm:prSet presAssocID="{55DCBB83-7C6D-46A7-82CA-027E0B477E95}" presName="sibTrans" presStyleCnt="0"/>
@@ -1228,6 +1243,13 @@
         </dgm:presLayoutVars>
       </dgm:prSet>
       <dgm:spPr/>
+      <dgm:t>
+        <a:bodyPr/>
+        <a:lstStyle/>
+        <a:p>
+          <a:endParaRPr lang="en-US"/>
+        </a:p>
+      </dgm:t>
     </dgm:pt>
     <dgm:pt modelId="{77643FC8-7395-470F-A138-D10FAD0F0C7F}" type="pres">
       <dgm:prSet presAssocID="{C9026DD8-2164-4B97-A10F-513BD9C5AE66}" presName="sibTrans" presStyleCnt="0"/>
@@ -1240,6 +1262,13 @@
         </dgm:presLayoutVars>
       </dgm:prSet>
       <dgm:spPr/>
+      <dgm:t>
+        <a:bodyPr/>
+        <a:lstStyle/>
+        <a:p>
+          <a:endParaRPr lang="en-US"/>
+        </a:p>
+      </dgm:t>
     </dgm:pt>
   </dgm:ptLst>
   <dgm:cxnLst>
@@ -1280,454 +1309,6 @@
       <dsp:cNvGrpSpPr/>
     </dsp:nvGrpSpPr>
     <dsp:grpSpPr/>
-    <dsp:sp modelId="{C19FBA30-382B-44E2-8C1D-137A6F897C28}">
-      <dsp:nvSpPr>
-        <dsp:cNvPr id="0" name=""/>
-        <dsp:cNvSpPr/>
-      </dsp:nvSpPr>
-      <dsp:spPr>
-        <a:xfrm>
-          <a:off x="619648" y="0"/>
-          <a:ext cx="7022680" cy="2448272"/>
-        </a:xfrm>
-        <a:prstGeom prst="rightArrow">
-          <a:avLst/>
-        </a:prstGeom>
-        <a:solidFill>
-          <a:schemeClr val="accent3">
-            <a:tint val="40000"/>
-            <a:hueOff val="0"/>
-            <a:satOff val="0"/>
-            <a:lumOff val="0"/>
-            <a:alphaOff val="0"/>
-          </a:schemeClr>
-        </a:solidFill>
-        <a:ln>
-          <a:noFill/>
-        </a:ln>
-        <a:effectLst/>
-      </dsp:spPr>
-      <dsp:style>
-        <a:lnRef idx="0">
-          <a:scrgbClr r="0" g="0" b="0"/>
-        </a:lnRef>
-        <a:fillRef idx="1">
-          <a:scrgbClr r="0" g="0" b="0"/>
-        </a:fillRef>
-        <a:effectRef idx="2">
-          <a:scrgbClr r="0" g="0" b="0"/>
-        </a:effectRef>
-        <a:fontRef idx="minor"/>
-      </dsp:style>
-    </dsp:sp>
-    <dsp:sp modelId="{3BE67301-9880-4FEC-99F7-88569348EA0D}">
-      <dsp:nvSpPr>
-        <dsp:cNvPr id="0" name=""/>
-        <dsp:cNvSpPr/>
-      </dsp:nvSpPr>
-      <dsp:spPr>
-        <a:xfrm>
-          <a:off x="2823" y="734481"/>
-          <a:ext cx="1834739" cy="979308"/>
-        </a:xfrm>
-        <a:prstGeom prst="roundRect">
-          <a:avLst/>
-        </a:prstGeom>
-        <a:gradFill rotWithShape="0">
-          <a:gsLst>
-            <a:gs pos="0">
-              <a:schemeClr val="accent3">
-                <a:shade val="80000"/>
-                <a:hueOff val="0"/>
-                <a:satOff val="0"/>
-                <a:lumOff val="0"/>
-                <a:alphaOff val="0"/>
-                <a:satMod val="103000"/>
-                <a:lumMod val="102000"/>
-                <a:tint val="94000"/>
-              </a:schemeClr>
-            </a:gs>
-            <a:gs pos="50000">
-              <a:schemeClr val="accent3">
-                <a:shade val="80000"/>
-                <a:hueOff val="0"/>
-                <a:satOff val="0"/>
-                <a:lumOff val="0"/>
-                <a:alphaOff val="0"/>
-                <a:satMod val="110000"/>
-                <a:lumMod val="100000"/>
-                <a:shade val="100000"/>
-              </a:schemeClr>
-            </a:gs>
-            <a:gs pos="100000">
-              <a:schemeClr val="accent3">
-                <a:shade val="80000"/>
-                <a:hueOff val="0"/>
-                <a:satOff val="0"/>
-                <a:lumOff val="0"/>
-                <a:alphaOff val="0"/>
-                <a:lumMod val="99000"/>
-                <a:satMod val="120000"/>
-                <a:shade val="78000"/>
-              </a:schemeClr>
-            </a:gs>
-          </a:gsLst>
-          <a:lin ang="5400000" scaled="0"/>
-        </a:gradFill>
-        <a:ln>
-          <a:noFill/>
-        </a:ln>
-        <a:effectLst/>
-      </dsp:spPr>
-      <dsp:style>
-        <a:lnRef idx="0">
-          <a:scrgbClr r="0" g="0" b="0"/>
-        </a:lnRef>
-        <a:fillRef idx="3">
-          <a:scrgbClr r="0" g="0" b="0"/>
-        </a:fillRef>
-        <a:effectRef idx="2">
-          <a:scrgbClr r="0" g="0" b="0"/>
-        </a:effectRef>
-        <a:fontRef idx="minor">
-          <a:schemeClr val="lt1"/>
-        </a:fontRef>
-      </dsp:style>
-      <dsp:txBody>
-        <a:bodyPr spcFirstLastPara="0" vert="horz" wrap="square" lIns="76200" tIns="76200" rIns="76200" bIns="76200" numCol="1" spcCol="1270" anchor="ctr" anchorCtr="0">
-          <a:noAutofit/>
-        </a:bodyPr>
-        <a:lstStyle/>
-        <a:p>
-          <a:pPr marL="0" lvl="0" indent="0" algn="ctr" defTabSz="889000">
-            <a:lnSpc>
-              <a:spcPct val="90000"/>
-            </a:lnSpc>
-            <a:spcBef>
-              <a:spcPct val="0"/>
-            </a:spcBef>
-            <a:spcAft>
-              <a:spcPct val="35000"/>
-            </a:spcAft>
-            <a:buNone/>
-          </a:pPr>
-          <a:r>
-            <a:rPr lang="es-ES" sz="2000" kern="1200" dirty="0"/>
-            <a:t>SPRINT 1</a:t>
-          </a:r>
-        </a:p>
-      </dsp:txBody>
-      <dsp:txXfrm>
-        <a:off x="50629" y="782287"/>
-        <a:ext cx="1739127" cy="883696"/>
-      </dsp:txXfrm>
-    </dsp:sp>
-    <dsp:sp modelId="{41F7C86B-E9DC-4364-8A2B-DD3371CBF3D3}">
-      <dsp:nvSpPr>
-        <dsp:cNvPr id="0" name=""/>
-        <dsp:cNvSpPr/>
-      </dsp:nvSpPr>
-      <dsp:spPr>
-        <a:xfrm>
-          <a:off x="2143353" y="734481"/>
-          <a:ext cx="1834739" cy="979308"/>
-        </a:xfrm>
-        <a:prstGeom prst="roundRect">
-          <a:avLst/>
-        </a:prstGeom>
-        <a:gradFill rotWithShape="0">
-          <a:gsLst>
-            <a:gs pos="0">
-              <a:schemeClr val="accent3">
-                <a:shade val="80000"/>
-                <a:hueOff val="0"/>
-                <a:satOff val="0"/>
-                <a:lumOff val="6364"/>
-                <a:alphaOff val="0"/>
-                <a:satMod val="103000"/>
-                <a:lumMod val="102000"/>
-                <a:tint val="94000"/>
-              </a:schemeClr>
-            </a:gs>
-            <a:gs pos="50000">
-              <a:schemeClr val="accent3">
-                <a:shade val="80000"/>
-                <a:hueOff val="0"/>
-                <a:satOff val="0"/>
-                <a:lumOff val="6364"/>
-                <a:alphaOff val="0"/>
-                <a:satMod val="110000"/>
-                <a:lumMod val="100000"/>
-                <a:shade val="100000"/>
-              </a:schemeClr>
-            </a:gs>
-            <a:gs pos="100000">
-              <a:schemeClr val="accent3">
-                <a:shade val="80000"/>
-                <a:hueOff val="0"/>
-                <a:satOff val="0"/>
-                <a:lumOff val="6364"/>
-                <a:alphaOff val="0"/>
-                <a:lumMod val="99000"/>
-                <a:satMod val="120000"/>
-                <a:shade val="78000"/>
-              </a:schemeClr>
-            </a:gs>
-          </a:gsLst>
-          <a:lin ang="5400000" scaled="0"/>
-        </a:gradFill>
-        <a:ln>
-          <a:noFill/>
-        </a:ln>
-        <a:effectLst/>
-      </dsp:spPr>
-      <dsp:style>
-        <a:lnRef idx="0">
-          <a:scrgbClr r="0" g="0" b="0"/>
-        </a:lnRef>
-        <a:fillRef idx="3">
-          <a:scrgbClr r="0" g="0" b="0"/>
-        </a:fillRef>
-        <a:effectRef idx="2">
-          <a:scrgbClr r="0" g="0" b="0"/>
-        </a:effectRef>
-        <a:fontRef idx="minor">
-          <a:schemeClr val="lt1"/>
-        </a:fontRef>
-      </dsp:style>
-      <dsp:txBody>
-        <a:bodyPr spcFirstLastPara="0" vert="horz" wrap="square" lIns="76200" tIns="76200" rIns="76200" bIns="76200" numCol="1" spcCol="1270" anchor="ctr" anchorCtr="0">
-          <a:noAutofit/>
-        </a:bodyPr>
-        <a:lstStyle/>
-        <a:p>
-          <a:pPr marL="0" lvl="0" indent="0" algn="ctr" defTabSz="889000">
-            <a:lnSpc>
-              <a:spcPct val="90000"/>
-            </a:lnSpc>
-            <a:spcBef>
-              <a:spcPct val="0"/>
-            </a:spcBef>
-            <a:spcAft>
-              <a:spcPct val="35000"/>
-            </a:spcAft>
-            <a:buNone/>
-          </a:pPr>
-          <a:r>
-            <a:rPr lang="es-ES" sz="2000" kern="1200" dirty="0"/>
-            <a:t>SPRINT 2</a:t>
-          </a:r>
-        </a:p>
-      </dsp:txBody>
-      <dsp:txXfrm>
-        <a:off x="2191159" y="782287"/>
-        <a:ext cx="1739127" cy="883696"/>
-      </dsp:txXfrm>
-    </dsp:sp>
-    <dsp:sp modelId="{4BAD5466-94E1-47CA-9FAA-DDD3B7595BCC}">
-      <dsp:nvSpPr>
-        <dsp:cNvPr id="0" name=""/>
-        <dsp:cNvSpPr/>
-      </dsp:nvSpPr>
-      <dsp:spPr>
-        <a:xfrm>
-          <a:off x="4283883" y="734481"/>
-          <a:ext cx="1834739" cy="979308"/>
-        </a:xfrm>
-        <a:prstGeom prst="roundRect">
-          <a:avLst/>
-        </a:prstGeom>
-        <a:gradFill rotWithShape="0">
-          <a:gsLst>
-            <a:gs pos="0">
-              <a:schemeClr val="accent3">
-                <a:shade val="80000"/>
-                <a:hueOff val="0"/>
-                <a:satOff val="0"/>
-                <a:lumOff val="12728"/>
-                <a:alphaOff val="0"/>
-                <a:satMod val="103000"/>
-                <a:lumMod val="102000"/>
-                <a:tint val="94000"/>
-              </a:schemeClr>
-            </a:gs>
-            <a:gs pos="50000">
-              <a:schemeClr val="accent3">
-                <a:shade val="80000"/>
-                <a:hueOff val="0"/>
-                <a:satOff val="0"/>
-                <a:lumOff val="12728"/>
-                <a:alphaOff val="0"/>
-                <a:satMod val="110000"/>
-                <a:lumMod val="100000"/>
-                <a:shade val="100000"/>
-              </a:schemeClr>
-            </a:gs>
-            <a:gs pos="100000">
-              <a:schemeClr val="accent3">
-                <a:shade val="80000"/>
-                <a:hueOff val="0"/>
-                <a:satOff val="0"/>
-                <a:lumOff val="12728"/>
-                <a:alphaOff val="0"/>
-                <a:lumMod val="99000"/>
-                <a:satMod val="120000"/>
-                <a:shade val="78000"/>
-              </a:schemeClr>
-            </a:gs>
-          </a:gsLst>
-          <a:lin ang="5400000" scaled="0"/>
-        </a:gradFill>
-        <a:ln>
-          <a:noFill/>
-        </a:ln>
-        <a:effectLst/>
-      </dsp:spPr>
-      <dsp:style>
-        <a:lnRef idx="0">
-          <a:scrgbClr r="0" g="0" b="0"/>
-        </a:lnRef>
-        <a:fillRef idx="3">
-          <a:scrgbClr r="0" g="0" b="0"/>
-        </a:fillRef>
-        <a:effectRef idx="2">
-          <a:scrgbClr r="0" g="0" b="0"/>
-        </a:effectRef>
-        <a:fontRef idx="minor">
-          <a:schemeClr val="lt1"/>
-        </a:fontRef>
-      </dsp:style>
-      <dsp:txBody>
-        <a:bodyPr spcFirstLastPara="0" vert="horz" wrap="square" lIns="76200" tIns="76200" rIns="76200" bIns="76200" numCol="1" spcCol="1270" anchor="ctr" anchorCtr="0">
-          <a:noAutofit/>
-        </a:bodyPr>
-        <a:lstStyle/>
-        <a:p>
-          <a:pPr marL="0" lvl="0" indent="0" algn="ctr" defTabSz="889000">
-            <a:lnSpc>
-              <a:spcPct val="90000"/>
-            </a:lnSpc>
-            <a:spcBef>
-              <a:spcPct val="0"/>
-            </a:spcBef>
-            <a:spcAft>
-              <a:spcPct val="35000"/>
-            </a:spcAft>
-            <a:buNone/>
-          </a:pPr>
-          <a:r>
-            <a:rPr lang="es-ES" sz="2000" kern="1200" dirty="0"/>
-            <a:t>SPRINT…</a:t>
-          </a:r>
-        </a:p>
-      </dsp:txBody>
-      <dsp:txXfrm>
-        <a:off x="4331689" y="782287"/>
-        <a:ext cx="1739127" cy="883696"/>
-      </dsp:txXfrm>
-    </dsp:sp>
-    <dsp:sp modelId="{467EE60E-61AA-427F-A830-D12F30BF2A28}">
-      <dsp:nvSpPr>
-        <dsp:cNvPr id="0" name=""/>
-        <dsp:cNvSpPr/>
-      </dsp:nvSpPr>
-      <dsp:spPr>
-        <a:xfrm>
-          <a:off x="6424413" y="734481"/>
-          <a:ext cx="1834739" cy="979308"/>
-        </a:xfrm>
-        <a:prstGeom prst="roundRect">
-          <a:avLst/>
-        </a:prstGeom>
-        <a:gradFill rotWithShape="0">
-          <a:gsLst>
-            <a:gs pos="0">
-              <a:schemeClr val="accent3">
-                <a:shade val="80000"/>
-                <a:hueOff val="0"/>
-                <a:satOff val="0"/>
-                <a:lumOff val="19092"/>
-                <a:alphaOff val="0"/>
-                <a:satMod val="103000"/>
-                <a:lumMod val="102000"/>
-                <a:tint val="94000"/>
-              </a:schemeClr>
-            </a:gs>
-            <a:gs pos="50000">
-              <a:schemeClr val="accent3">
-                <a:shade val="80000"/>
-                <a:hueOff val="0"/>
-                <a:satOff val="0"/>
-                <a:lumOff val="19092"/>
-                <a:alphaOff val="0"/>
-                <a:satMod val="110000"/>
-                <a:lumMod val="100000"/>
-                <a:shade val="100000"/>
-              </a:schemeClr>
-            </a:gs>
-            <a:gs pos="100000">
-              <a:schemeClr val="accent3">
-                <a:shade val="80000"/>
-                <a:hueOff val="0"/>
-                <a:satOff val="0"/>
-                <a:lumOff val="19092"/>
-                <a:alphaOff val="0"/>
-                <a:lumMod val="99000"/>
-                <a:satMod val="120000"/>
-                <a:shade val="78000"/>
-              </a:schemeClr>
-            </a:gs>
-          </a:gsLst>
-          <a:lin ang="5400000" scaled="0"/>
-        </a:gradFill>
-        <a:ln>
-          <a:noFill/>
-        </a:ln>
-        <a:effectLst/>
-      </dsp:spPr>
-      <dsp:style>
-        <a:lnRef idx="0">
-          <a:scrgbClr r="0" g="0" b="0"/>
-        </a:lnRef>
-        <a:fillRef idx="3">
-          <a:scrgbClr r="0" g="0" b="0"/>
-        </a:fillRef>
-        <a:effectRef idx="2">
-          <a:scrgbClr r="0" g="0" b="0"/>
-        </a:effectRef>
-        <a:fontRef idx="minor">
-          <a:schemeClr val="lt1"/>
-        </a:fontRef>
-      </dsp:style>
-      <dsp:txBody>
-        <a:bodyPr spcFirstLastPara="0" vert="horz" wrap="square" lIns="76200" tIns="76200" rIns="76200" bIns="76200" numCol="1" spcCol="1270" anchor="ctr" anchorCtr="0">
-          <a:noAutofit/>
-        </a:bodyPr>
-        <a:lstStyle/>
-        <a:p>
-          <a:pPr marL="0" lvl="0" indent="0" algn="ctr" defTabSz="889000">
-            <a:lnSpc>
-              <a:spcPct val="90000"/>
-            </a:lnSpc>
-            <a:spcBef>
-              <a:spcPct val="0"/>
-            </a:spcBef>
-            <a:spcAft>
-              <a:spcPct val="35000"/>
-            </a:spcAft>
-            <a:buNone/>
-          </a:pPr>
-          <a:r>
-            <a:rPr lang="es-ES" sz="2000" kern="1200" dirty="0"/>
-            <a:t>SPRINT N</a:t>
-          </a:r>
-        </a:p>
-      </dsp:txBody>
-      <dsp:txXfrm>
-        <a:off x="6472219" y="782287"/>
-        <a:ext cx="1739127" cy="883696"/>
-      </dsp:txXfrm>
-    </dsp:sp>
   </dsp:spTree>
 </dsp:drawing>
 </file>
@@ -3002,7 +2583,7 @@
           <a:p>
             <a:fld id="{1524C607-EC43-4D45-819C-01ED569A62A9}" type="datetimeFigureOut">
               <a:rPr lang="es-ES_tradnl" smtClean="0"/>
-              <a:t>13/06/2016</a:t>
+              <a:t>14/06/2016</a:t>
             </a:fld>
             <a:endParaRPr lang="es-ES_tradnl" dirty="0"/>
           </a:p>
@@ -3068,7 +2649,7 @@
           <a:p>
             <a:fld id="{22FF3C80-5006-4947-B2EA-4A4A50684FF5}" type="slidenum">
               <a:rPr lang="es-ES_tradnl" smtClean="0"/>
-              <a:t>‹Nº›</a:t>
+              <a:t>‹#›</a:t>
             </a:fld>
             <a:endParaRPr lang="es-ES_tradnl" dirty="0"/>
           </a:p>
@@ -3167,7 +2748,7 @@
           <a:p>
             <a:fld id="{26D2F09D-BAE4-494B-8CCF-2A216F98B43B}" type="datetimeFigureOut">
               <a:rPr lang="es-ES_tradnl" smtClean="0"/>
-              <a:t>13/06/2016</a:t>
+              <a:t>14/06/2016</a:t>
             </a:fld>
             <a:endParaRPr lang="es-ES_tradnl" dirty="0"/>
           </a:p>
@@ -3326,7 +2907,7 @@
           <a:p>
             <a:fld id="{2062F163-3063-474E-9A8A-E961A784F045}" type="slidenum">
               <a:rPr lang="es-ES_tradnl" smtClean="0"/>
-              <a:t>‹Nº›</a:t>
+              <a:t>‹#›</a:t>
             </a:fld>
             <a:endParaRPr lang="es-ES_tradnl" dirty="0"/>
           </a:p>
@@ -15842,7 +15423,7 @@
         <p:spPr>
           <a:xfrm>
             <a:off x="1232647" y="1690688"/>
-            <a:ext cx="10291482" cy="3139321"/>
+            <a:ext cx="10291482" cy="3816429"/>
           </a:xfrm>
           <a:prstGeom prst="rect">
             <a:avLst/>
@@ -16024,28 +15605,80 @@
                 <a:latin typeface="Segoe UI Light" panose="020B0502040204020203" pitchFamily="34" charset="0"/>
                 <a:cs typeface="Segoe UI Light" panose="020B0502040204020203" pitchFamily="34" charset="0"/>
               </a:rPr>
-              <a:t> Browser-</a:t>
-            </a:r>
-            <a:r>
-              <a:rPr lang="es-ES" sz="2200" dirty="0" err="1">
+              <a:t> </a:t>
+            </a:r>
+            <a:r>
+              <a:rPr lang="es-ES" sz="2200" dirty="0" smtClean="0">
                 <a:latin typeface="Segoe UI Light" panose="020B0502040204020203" pitchFamily="34" charset="0"/>
                 <a:cs typeface="Segoe UI Light" panose="020B0502040204020203" pitchFamily="34" charset="0"/>
               </a:rPr>
-              <a:t>sync</a:t>
-            </a:r>
-            <a:r>
-              <a:rPr lang="es-ES" sz="2200" dirty="0">
+              <a:t>Browser-</a:t>
+            </a:r>
+            <a:r>
+              <a:rPr lang="es-ES" sz="2200" dirty="0" err="1" smtClean="0">
                 <a:latin typeface="Segoe UI Light" panose="020B0502040204020203" pitchFamily="34" charset="0"/>
                 <a:cs typeface="Segoe UI Light" panose="020B0502040204020203" pitchFamily="34" charset="0"/>
               </a:rPr>
-              <a:t>-</a:t>
-            </a:r>
-            <a:r>
-              <a:rPr lang="es-ES" sz="2200" dirty="0" err="1">
+              <a:t>sync</a:t>
+            </a:r>
+            <a:r>
+              <a:rPr lang="es-ES" sz="2200" dirty="0" smtClean="0">
                 <a:latin typeface="Segoe UI Light" panose="020B0502040204020203" pitchFamily="34" charset="0"/>
                 <a:cs typeface="Segoe UI Light" panose="020B0502040204020203" pitchFamily="34" charset="0"/>
               </a:rPr>
+              <a:t>-</a:t>
+            </a:r>
+            <a:r>
+              <a:rPr lang="es-ES" sz="2200" dirty="0" err="1" smtClean="0">
+                <a:latin typeface="Segoe UI Light" panose="020B0502040204020203" pitchFamily="34" charset="0"/>
+                <a:cs typeface="Segoe UI Light" panose="020B0502040204020203" pitchFamily="34" charset="0"/>
+              </a:rPr>
               <a:t>plugin</a:t>
+            </a:r>
+            <a:endParaRPr lang="es-ES" sz="2200" dirty="0" smtClean="0">
+              <a:latin typeface="Segoe UI Light" panose="020B0502040204020203" pitchFamily="34" charset="0"/>
+              <a:cs typeface="Segoe UI Light" panose="020B0502040204020203" pitchFamily="34" charset="0"/>
+            </a:endParaRPr>
+          </a:p>
+          <a:p>
+            <a:pPr marL="457200" indent="-457200">
+              <a:buFont typeface="+mj-lt"/>
+              <a:buAutoNum type="arabicPeriod"/>
+            </a:pPr>
+            <a:r>
+              <a:rPr lang="es-ES" sz="2200" dirty="0" err="1" smtClean="0">
+                <a:latin typeface="Segoe UI Light" panose="020B0502040204020203" pitchFamily="34" charset="0"/>
+                <a:cs typeface="Segoe UI Light" panose="020B0502040204020203" pitchFamily="34" charset="0"/>
+              </a:rPr>
+              <a:t>Add</a:t>
+            </a:r>
+            <a:r>
+              <a:rPr lang="es-ES" sz="2200" dirty="0" smtClean="0">
+                <a:latin typeface="Segoe UI Light" panose="020B0502040204020203" pitchFamily="34" charset="0"/>
+                <a:cs typeface="Segoe UI Light" panose="020B0502040204020203" pitchFamily="34" charset="0"/>
+              </a:rPr>
+              <a:t> </a:t>
+            </a:r>
+            <a:r>
+              <a:rPr lang="es-ES" sz="2200" dirty="0" err="1" smtClean="0">
+                <a:latin typeface="Segoe UI Light" panose="020B0502040204020203" pitchFamily="34" charset="0"/>
+                <a:cs typeface="Segoe UI Light" panose="020B0502040204020203" pitchFamily="34" charset="0"/>
+              </a:rPr>
+              <a:t>npm</a:t>
+            </a:r>
+            <a:r>
+              <a:rPr lang="es-ES" sz="2200" dirty="0" smtClean="0">
+                <a:latin typeface="Segoe UI Light" panose="020B0502040204020203" pitchFamily="34" charset="0"/>
+                <a:cs typeface="Segoe UI Light" panose="020B0502040204020203" pitchFamily="34" charset="0"/>
+              </a:rPr>
+              <a:t> script to </a:t>
+            </a:r>
+            <a:r>
+              <a:rPr lang="es-ES" sz="2200" dirty="0" err="1" smtClean="0">
+                <a:latin typeface="Segoe UI Light" panose="020B0502040204020203" pitchFamily="34" charset="0"/>
+                <a:cs typeface="Segoe UI Light" panose="020B0502040204020203" pitchFamily="34" charset="0"/>
+              </a:rPr>
+              <a:t>start</a:t>
             </a:r>
             <a:endParaRPr lang="es-ES" sz="2200" dirty="0">
               <a:latin typeface="Segoe UI Light" panose="020B0502040204020203" pitchFamily="34" charset="0"/>
@@ -16090,9 +15723,35 @@
               <a:rPr lang="en-US" sz="2200" dirty="0">
                 <a:latin typeface="Segoe UI Light" panose="020B0502040204020203" pitchFamily="34" charset="0"/>
                 <a:cs typeface="Segoe UI Light" panose="020B0502040204020203" pitchFamily="34" charset="0"/>
-              </a:rPr>
-              <a:t>https://www.npmjs.com/package/browser-sync-webpack-plugin</a:t>
-            </a:r>
+                <a:hlinkClick r:id="rId3"/>
+              </a:rPr>
+              <a:t>https://</a:t>
+            </a:r>
+            <a:r>
+              <a:rPr lang="en-US" sz="2200" dirty="0" smtClean="0">
+                <a:latin typeface="Segoe UI Light" panose="020B0502040204020203" pitchFamily="34" charset="0"/>
+                <a:cs typeface="Segoe UI Light" panose="020B0502040204020203" pitchFamily="34" charset="0"/>
+                <a:hlinkClick r:id="rId3"/>
+              </a:rPr>
+              <a:t>www.npmjs.com/package/browser-sync-webpack-plugin</a:t>
+            </a:r>
+            <a:endParaRPr lang="en-US" sz="2200" dirty="0" smtClean="0">
+              <a:latin typeface="Segoe UI Light" panose="020B0502040204020203" pitchFamily="34" charset="0"/>
+              <a:cs typeface="Segoe UI Light" panose="020B0502040204020203" pitchFamily="34" charset="0"/>
+            </a:endParaRPr>
+          </a:p>
+          <a:p>
+            <a:r>
+              <a:rPr lang="en-US" sz="2200" dirty="0">
+                <a:latin typeface="Segoe UI Light" panose="020B0502040204020203" pitchFamily="34" charset="0"/>
+                <a:cs typeface="Segoe UI Light" panose="020B0502040204020203" pitchFamily="34" charset="0"/>
+              </a:rPr>
+              <a:t>https://docs.npmjs.com/misc/scripts</a:t>
+            </a:r>
+            <a:endParaRPr lang="en-US" sz="2200" dirty="0">
+              <a:latin typeface="Segoe UI Light" panose="020B0502040204020203" pitchFamily="34" charset="0"/>
+              <a:cs typeface="Segoe UI Light" panose="020B0502040204020203" pitchFamily="34" charset="0"/>
+            </a:endParaRPr>
           </a:p>
           <a:p>
             <a:pPr marL="457200" indent="-457200">
@@ -16152,8 +15811,8 @@
           <a:lstStyle/>
           <a:p>
             <a:r>
-              <a:rPr lang="en-US"/>
-              <a:t>Using  Angular</a:t>
+              <a:rPr lang="en-US" dirty="0" smtClean="0"/>
+              <a:t>Angular</a:t>
             </a:r>
             <a:endParaRPr lang="en-US" dirty="0"/>
           </a:p>
@@ -16168,7 +15827,7 @@
         <p:spPr>
           <a:xfrm>
             <a:off x="1232647" y="1690688"/>
-            <a:ext cx="10291482" cy="1538883"/>
+            <a:ext cx="10291482" cy="2462213"/>
           </a:xfrm>
           <a:prstGeom prst="rect">
             <a:avLst/>
@@ -16180,75 +15839,88 @@
           </a:bodyPr>
           <a:lstStyle/>
           <a:p>
+            <a:pPr marL="342900" indent="-342900">
+              <a:buFont typeface="Arial" panose="020B0604020202020204" pitchFamily="34" charset="0"/>
+              <a:buChar char="•"/>
+            </a:pPr>
+            <a:r>
+              <a:rPr lang="en-US" sz="2200" dirty="0" smtClean="0">
+                <a:latin typeface="Segoe UI Light" panose="020B0502040204020203" pitchFamily="34" charset="0"/>
+                <a:cs typeface="Segoe UI Light" panose="020B0502040204020203" pitchFamily="34" charset="0"/>
+              </a:rPr>
+              <a:t>It is a structural framework for dynamic web apps</a:t>
+            </a:r>
+          </a:p>
+          <a:p>
+            <a:pPr marL="342900" indent="-342900">
+              <a:buFont typeface="Arial" panose="020B0604020202020204" pitchFamily="34" charset="0"/>
+              <a:buChar char="•"/>
+            </a:pPr>
+            <a:r>
+              <a:rPr lang="en-US" sz="2200" dirty="0" smtClean="0">
+                <a:latin typeface="Segoe UI Light" panose="020B0502040204020203" pitchFamily="34" charset="0"/>
+                <a:cs typeface="Segoe UI Light" panose="020B0502040204020203" pitchFamily="34" charset="0"/>
+              </a:rPr>
+              <a:t>It is focused in declarative programming over imperative programming</a:t>
+            </a:r>
+          </a:p>
+          <a:p>
+            <a:pPr marL="342900" indent="-342900">
+              <a:buFont typeface="Arial" panose="020B0604020202020204" pitchFamily="34" charset="0"/>
+              <a:buChar char="•"/>
+            </a:pPr>
+            <a:r>
+              <a:rPr lang="en-US" sz="2200" dirty="0" smtClean="0">
+                <a:latin typeface="Segoe UI Light" panose="020B0502040204020203" pitchFamily="34" charset="0"/>
+                <a:cs typeface="Segoe UI Light" panose="020B0502040204020203" pitchFamily="34" charset="0"/>
+              </a:rPr>
+              <a:t>Unit testing and dependency injection are core concepts</a:t>
+            </a:r>
+          </a:p>
+          <a:p>
+            <a:pPr marL="342900" indent="-342900">
+              <a:buFont typeface="Arial" panose="020B0604020202020204" pitchFamily="34" charset="0"/>
+              <a:buChar char="•"/>
+            </a:pPr>
+            <a:r>
+              <a:rPr lang="en-US" sz="2200" dirty="0" smtClean="0">
+                <a:latin typeface="Segoe UI Light" panose="020B0502040204020203" pitchFamily="34" charset="0"/>
+                <a:cs typeface="Segoe UI Light" panose="020B0502040204020203" pitchFamily="34" charset="0"/>
+              </a:rPr>
+              <a:t>It is switching from a MVW approach to a component based architecture</a:t>
+            </a:r>
+          </a:p>
+          <a:p>
+            <a:pPr marL="342900" indent="-342900">
+              <a:buFont typeface="Arial" panose="020B0604020202020204" pitchFamily="34" charset="0"/>
+              <a:buChar char="•"/>
+            </a:pPr>
+            <a:endParaRPr lang="es-ES" sz="2200" dirty="0" smtClean="0">
+              <a:latin typeface="Segoe UI Light" panose="020B0502040204020203" pitchFamily="34" charset="0"/>
+              <a:cs typeface="Segoe UI Light" panose="020B0502040204020203" pitchFamily="34" charset="0"/>
+            </a:endParaRPr>
+          </a:p>
+          <a:p>
             <a:r>
               <a:rPr lang="en-US" sz="2200" dirty="0">
                 <a:latin typeface="Segoe UI Light" panose="020B0502040204020203" pitchFamily="34" charset="0"/>
                 <a:cs typeface="Segoe UI Light" panose="020B0502040204020203" pitchFamily="34" charset="0"/>
               </a:rPr>
-              <a:t>Do Exercise 2.</a:t>
-            </a:r>
-          </a:p>
-          <a:p>
-            <a:pPr lvl="1"/>
-            <a:r>
-              <a:rPr lang="en-US" dirty="0">
+              <a:t>https://docs.angularjs.org/guide/introduction</a:t>
+            </a:r>
+          </a:p>
+          <a:p>
+            <a:r>
+              <a:rPr lang="en-US" sz="2200" dirty="0">
                 <a:latin typeface="Segoe UI Light" panose="020B0502040204020203" pitchFamily="34" charset="0"/>
                 <a:cs typeface="Segoe UI Light" panose="020B0502040204020203" pitchFamily="34" charset="0"/>
               </a:rPr>
-              <a:t>Modify Exercise 1 to use ECMAScript 6 syntax instead </a:t>
-            </a:r>
-            <a:r>
-              <a:rPr lang="en-US" dirty="0" err="1">
-                <a:latin typeface="Segoe UI Light" panose="020B0502040204020203" pitchFamily="34" charset="0"/>
-                <a:cs typeface="Segoe UI Light" panose="020B0502040204020203" pitchFamily="34" charset="0"/>
-              </a:rPr>
-              <a:t>requireJS</a:t>
-            </a:r>
-            <a:endParaRPr lang="en-US" dirty="0">
+              <a:t>https://docs.angularjs.org/guide/component </a:t>
+            </a:r>
+            <a:endParaRPr lang="en-US" sz="2200" dirty="0">
               <a:latin typeface="Segoe UI Light" panose="020B0502040204020203" pitchFamily="34" charset="0"/>
               <a:cs typeface="Segoe UI Light" panose="020B0502040204020203" pitchFamily="34" charset="0"/>
             </a:endParaRPr>
-          </a:p>
-          <a:p>
-            <a:pPr marL="742950" lvl="1" indent="-285750">
-              <a:buFont typeface="Arial" panose="020B0604020202020204" pitchFamily="34" charset="0"/>
-              <a:buChar char="•"/>
-            </a:pPr>
-            <a:r>
-              <a:rPr lang="en-US" dirty="0">
-                <a:latin typeface="Segoe UI Light" panose="020B0502040204020203" pitchFamily="34" charset="0"/>
-                <a:cs typeface="Segoe UI Light" panose="020B0502040204020203" pitchFamily="34" charset="0"/>
-              </a:rPr>
-              <a:t>Import</a:t>
-            </a:r>
-          </a:p>
-          <a:p>
-            <a:pPr lvl="1"/>
-            <a:r>
-              <a:rPr lang="en-US" dirty="0">
-                <a:latin typeface="Segoe UI Light" panose="020B0502040204020203" pitchFamily="34" charset="0"/>
-                <a:cs typeface="Segoe UI Light" panose="020B0502040204020203" pitchFamily="34" charset="0"/>
-              </a:rPr>
-              <a:t>As the not all the browsers support  ECMAScript 6 we have to translate it using Babel</a:t>
-            </a:r>
-          </a:p>
-          <a:p>
-            <a:pPr lvl="1"/>
-            <a:r>
-              <a:rPr lang="en-US" dirty="0">
-                <a:latin typeface="Segoe UI Light" panose="020B0502040204020203" pitchFamily="34" charset="0"/>
-                <a:cs typeface="Segoe UI Light" panose="020B0502040204020203" pitchFamily="34" charset="0"/>
-                <a:hlinkClick r:id="rId2"/>
-              </a:rPr>
-              <a:t>https://babeljs.io/docs/setup/#webpack</a:t>
-            </a:r>
-            <a:r>
-              <a:rPr lang="en-US" dirty="0">
-                <a:latin typeface="Segoe UI Light" panose="020B0502040204020203" pitchFamily="34" charset="0"/>
-                <a:cs typeface="Segoe UI Light" panose="020B0502040204020203" pitchFamily="34" charset="0"/>
-              </a:rPr>
-              <a:t> &amp; https://github.com/babel/babel-loader</a:t>
-            </a:r>
           </a:p>
         </p:txBody>
       </p:sp>
@@ -16262,6 +15934,13 @@
   <p:clrMapOvr>
     <a:masterClrMapping/>
   </p:clrMapOvr>
+  <p:timing>
+    <p:tnLst>
+      <p:par>
+        <p:cTn id="1" dur="indefinite" restart="never" nodeType="tmRoot"/>
+      </p:par>
+    </p:tnLst>
+  </p:timing>
 </p:sld>
 </file>
 
@@ -16298,9 +15977,10 @@
           <a:lstStyle/>
           <a:p>
             <a:r>
-              <a:rPr lang="en-US" dirty="0"/>
-              <a:t>Using  ES6 I</a:t>
-            </a:r>
+              <a:rPr lang="en-US" dirty="0" smtClean="0"/>
+              <a:t>Add angular</a:t>
+            </a:r>
+            <a:endParaRPr lang="en-US" dirty="0"/>
           </a:p>
         </p:txBody>
       </p:sp>
@@ -16313,7 +15993,7 @@
         <p:spPr>
           <a:xfrm>
             <a:off x="1232647" y="1690688"/>
-            <a:ext cx="10291482" cy="1538883"/>
+            <a:ext cx="10291482" cy="2092881"/>
           </a:xfrm>
           <a:prstGeom prst="rect">
             <a:avLst/>
@@ -16326,28 +16006,107 @@
           <a:lstStyle/>
           <a:p>
             <a:r>
-              <a:rPr lang="en-US" sz="2200" dirty="0">
+              <a:rPr lang="en-US" sz="2200" dirty="0" smtClean="0">
                 <a:latin typeface="Segoe UI Light" panose="020B0502040204020203" pitchFamily="34" charset="0"/>
                 <a:cs typeface="Segoe UI Light" panose="020B0502040204020203" pitchFamily="34" charset="0"/>
               </a:rPr>
-              <a:t>Do Exercise 2.</a:t>
-            </a:r>
-          </a:p>
-          <a:p>
-            <a:pPr lvl="1"/>
-            <a:r>
-              <a:rPr lang="en-US" dirty="0">
+              <a:t>Exercise 5. Add angular</a:t>
+            </a:r>
+          </a:p>
+          <a:p>
+            <a:pPr marL="742950" lvl="1" indent="-285750">
+              <a:buFont typeface="Arial" panose="020B0604020202020204" pitchFamily="34" charset="0"/>
+              <a:buChar char="•"/>
+            </a:pPr>
+            <a:r>
+              <a:rPr lang="en-US" dirty="0" smtClean="0">
                 <a:latin typeface="Segoe UI Light" panose="020B0502040204020203" pitchFamily="34" charset="0"/>
                 <a:cs typeface="Segoe UI Light" panose="020B0502040204020203" pitchFamily="34" charset="0"/>
               </a:rPr>
-              <a:t>Modify Exercise 1 to use ECMAScript 6 syntax instead </a:t>
-            </a:r>
-            <a:r>
-              <a:rPr lang="en-US" dirty="0" err="1">
+              <a:t>Install angular through </a:t>
+            </a:r>
+            <a:r>
+              <a:rPr lang="en-US" dirty="0" err="1" smtClean="0">
                 <a:latin typeface="Segoe UI Light" panose="020B0502040204020203" pitchFamily="34" charset="0"/>
                 <a:cs typeface="Segoe UI Light" panose="020B0502040204020203" pitchFamily="34" charset="0"/>
               </a:rPr>
-              <a:t>requireJS</a:t>
+              <a:t>npm</a:t>
+            </a:r>
+            <a:endParaRPr lang="en-US" dirty="0" smtClean="0">
+              <a:latin typeface="Segoe UI Light" panose="020B0502040204020203" pitchFamily="34" charset="0"/>
+              <a:cs typeface="Segoe UI Light" panose="020B0502040204020203" pitchFamily="34" charset="0"/>
+            </a:endParaRPr>
+          </a:p>
+          <a:p>
+            <a:pPr marL="742950" lvl="1" indent="-285750">
+              <a:buFont typeface="Arial" panose="020B0604020202020204" pitchFamily="34" charset="0"/>
+              <a:buChar char="•"/>
+            </a:pPr>
+            <a:r>
+              <a:rPr lang="en-US" dirty="0" smtClean="0">
+                <a:latin typeface="Segoe UI Light" panose="020B0502040204020203" pitchFamily="34" charset="0"/>
+                <a:cs typeface="Segoe UI Light" panose="020B0502040204020203" pitchFamily="34" charset="0"/>
+              </a:rPr>
+              <a:t>Import from </a:t>
+            </a:r>
+            <a:r>
+              <a:rPr lang="en-US" dirty="0" err="1" smtClean="0">
+                <a:latin typeface="Segoe UI Light" panose="020B0502040204020203" pitchFamily="34" charset="0"/>
+                <a:cs typeface="Segoe UI Light" panose="020B0502040204020203" pitchFamily="34" charset="0"/>
+              </a:rPr>
+              <a:t>index.ts</a:t>
+            </a:r>
+            <a:endParaRPr lang="en-US" dirty="0" smtClean="0">
+              <a:latin typeface="Segoe UI Light" panose="020B0502040204020203" pitchFamily="34" charset="0"/>
+              <a:cs typeface="Segoe UI Light" panose="020B0502040204020203" pitchFamily="34" charset="0"/>
+            </a:endParaRPr>
+          </a:p>
+          <a:p>
+            <a:pPr marL="742950" lvl="1" indent="-285750">
+              <a:buFont typeface="Arial" panose="020B0604020202020204" pitchFamily="34" charset="0"/>
+              <a:buChar char="•"/>
+            </a:pPr>
+            <a:r>
+              <a:rPr lang="en-US" dirty="0" smtClean="0">
+                <a:latin typeface="Segoe UI Light" panose="020B0502040204020203" pitchFamily="34" charset="0"/>
+                <a:cs typeface="Segoe UI Light" panose="020B0502040204020203" pitchFamily="34" charset="0"/>
+              </a:rPr>
+              <a:t>Modify </a:t>
+            </a:r>
+            <a:r>
+              <a:rPr lang="en-US" dirty="0" err="1" smtClean="0">
+                <a:latin typeface="Segoe UI Light" panose="020B0502040204020203" pitchFamily="34" charset="0"/>
+                <a:cs typeface="Segoe UI Light" panose="020B0502040204020203" pitchFamily="34" charset="0"/>
+              </a:rPr>
+              <a:t>webpack.config</a:t>
+            </a:r>
+            <a:r>
+              <a:rPr lang="en-US" dirty="0" smtClean="0">
+                <a:latin typeface="Segoe UI Light" panose="020B0502040204020203" pitchFamily="34" charset="0"/>
+                <a:cs typeface="Segoe UI Light" panose="020B0502040204020203" pitchFamily="34" charset="0"/>
+              </a:rPr>
+              <a:t> to add </a:t>
+            </a:r>
+            <a:r>
+              <a:rPr lang="en-US" dirty="0" err="1" smtClean="0">
+                <a:latin typeface="Segoe UI Light" panose="020B0502040204020203" pitchFamily="34" charset="0"/>
+                <a:cs typeface="Segoe UI Light" panose="020B0502040204020203" pitchFamily="34" charset="0"/>
+              </a:rPr>
+              <a:t>resolveloader</a:t>
+            </a:r>
+            <a:r>
+              <a:rPr lang="en-US" dirty="0" smtClean="0">
+                <a:latin typeface="Segoe UI Light" panose="020B0502040204020203" pitchFamily="34" charset="0"/>
+                <a:cs typeface="Segoe UI Light" panose="020B0502040204020203" pitchFamily="34" charset="0"/>
+              </a:rPr>
+              <a:t> through </a:t>
+            </a:r>
+            <a:r>
+              <a:rPr lang="en-US" dirty="0" err="1" smtClean="0">
+                <a:latin typeface="Segoe UI Light" panose="020B0502040204020203" pitchFamily="34" charset="0"/>
+                <a:cs typeface="Segoe UI Light" panose="020B0502040204020203" pitchFamily="34" charset="0"/>
+              </a:rPr>
+              <a:t>nodeModules</a:t>
             </a:r>
             <a:endParaRPr lang="en-US" dirty="0">
               <a:latin typeface="Segoe UI Light" panose="020B0502040204020203" pitchFamily="34" charset="0"/>
@@ -16355,44 +16114,112 @@
             </a:endParaRPr>
           </a:p>
           <a:p>
+            <a:r>
+              <a:rPr lang="en-US" dirty="0" err="1" smtClean="0">
+                <a:latin typeface="Segoe UI Light" panose="020B0502040204020203" pitchFamily="34" charset="0"/>
+                <a:cs typeface="Segoe UI Light" panose="020B0502040204020203" pitchFamily="34" charset="0"/>
+              </a:rPr>
+              <a:t>Instalar</a:t>
+            </a:r>
+            <a:r>
+              <a:rPr lang="en-US" dirty="0" smtClean="0">
+                <a:latin typeface="Segoe UI Light" panose="020B0502040204020203" pitchFamily="34" charset="0"/>
+                <a:cs typeface="Segoe UI Light" panose="020B0502040204020203" pitchFamily="34" charset="0"/>
+              </a:rPr>
+              <a:t> </a:t>
+            </a:r>
+            <a:r>
+              <a:rPr lang="en-US" dirty="0" err="1" smtClean="0">
+                <a:latin typeface="Segoe UI Light" panose="020B0502040204020203" pitchFamily="34" charset="0"/>
+                <a:cs typeface="Segoe UI Light" panose="020B0502040204020203" pitchFamily="34" charset="0"/>
+              </a:rPr>
+              <a:t>typings</a:t>
+            </a:r>
+            <a:endParaRPr lang="en-US" dirty="0" smtClean="0">
+              <a:latin typeface="Segoe UI Light" panose="020B0502040204020203" pitchFamily="34" charset="0"/>
+              <a:cs typeface="Segoe UI Light" panose="020B0502040204020203" pitchFamily="34" charset="0"/>
+            </a:endParaRPr>
+          </a:p>
+          <a:p>
             <a:pPr marL="742950" lvl="1" indent="-285750">
               <a:buFont typeface="Arial" panose="020B0604020202020204" pitchFamily="34" charset="0"/>
               <a:buChar char="•"/>
             </a:pPr>
             <a:r>
+              <a:rPr lang="en-US" dirty="0" err="1" smtClean="0">
+                <a:latin typeface="Segoe UI Light" panose="020B0502040204020203" pitchFamily="34" charset="0"/>
+                <a:cs typeface="Segoe UI Light" panose="020B0502040204020203" pitchFamily="34" charset="0"/>
+              </a:rPr>
+              <a:t>typings</a:t>
+            </a:r>
+            <a:r>
+              <a:rPr lang="en-US" dirty="0" smtClean="0">
+                <a:latin typeface="Segoe UI Light" panose="020B0502040204020203" pitchFamily="34" charset="0"/>
+                <a:cs typeface="Segoe UI Light" panose="020B0502040204020203" pitchFamily="34" charset="0"/>
+              </a:rPr>
+              <a:t> </a:t>
+            </a:r>
+            <a:r>
               <a:rPr lang="en-US" dirty="0">
                 <a:latin typeface="Segoe UI Light" panose="020B0502040204020203" pitchFamily="34" charset="0"/>
                 <a:cs typeface="Segoe UI Light" panose="020B0502040204020203" pitchFamily="34" charset="0"/>
               </a:rPr>
-              <a:t>Import</a:t>
-            </a:r>
-          </a:p>
-          <a:p>
-            <a:pPr lvl="1"/>
+              <a:t>install </a:t>
+            </a:r>
+            <a:r>
+              <a:rPr lang="en-US" dirty="0" err="1">
+                <a:latin typeface="Segoe UI Light" panose="020B0502040204020203" pitchFamily="34" charset="0"/>
+                <a:cs typeface="Segoe UI Light" panose="020B0502040204020203" pitchFamily="34" charset="0"/>
+              </a:rPr>
+              <a:t>dt~angular</a:t>
+            </a:r>
             <a:r>
               <a:rPr lang="en-US" dirty="0">
                 <a:latin typeface="Segoe UI Light" panose="020B0502040204020203" pitchFamily="34" charset="0"/>
                 <a:cs typeface="Segoe UI Light" panose="020B0502040204020203" pitchFamily="34" charset="0"/>
               </a:rPr>
-              <a:t>As the not all the browsers support  ECMAScript 6 we have to translate it using Babel</a:t>
-            </a:r>
-          </a:p>
-          <a:p>
-            <a:pPr lvl="1"/>
+              <a:t> --global --save</a:t>
+            </a:r>
+          </a:p>
+          <a:p>
+            <a:pPr marL="742950" lvl="1" indent="-285750">
+              <a:buFont typeface="Arial" panose="020B0604020202020204" pitchFamily="34" charset="0"/>
+              <a:buChar char="•"/>
+            </a:pPr>
+            <a:r>
+              <a:rPr lang="en-US" dirty="0" err="1" smtClean="0">
+                <a:latin typeface="Segoe UI Light" panose="020B0502040204020203" pitchFamily="34" charset="0"/>
+                <a:cs typeface="Segoe UI Light" panose="020B0502040204020203" pitchFamily="34" charset="0"/>
+              </a:rPr>
+              <a:t>typings</a:t>
+            </a:r>
+            <a:r>
+              <a:rPr lang="en-US" dirty="0" smtClean="0">
+                <a:latin typeface="Segoe UI Light" panose="020B0502040204020203" pitchFamily="34" charset="0"/>
+                <a:cs typeface="Segoe UI Light" panose="020B0502040204020203" pitchFamily="34" charset="0"/>
+              </a:rPr>
+              <a:t> </a:t>
+            </a:r>
             <a:r>
               <a:rPr lang="en-US" dirty="0">
                 <a:latin typeface="Segoe UI Light" panose="020B0502040204020203" pitchFamily="34" charset="0"/>
                 <a:cs typeface="Segoe UI Light" panose="020B0502040204020203" pitchFamily="34" charset="0"/>
-                <a:hlinkClick r:id="rId2"/>
-              </a:rPr>
-              <a:t>https://babeljs.io/docs/setup/#webpack</a:t>
+              </a:rPr>
+              <a:t>install </a:t>
+            </a:r>
+            <a:r>
+              <a:rPr lang="en-US" dirty="0" err="1">
+                <a:latin typeface="Segoe UI Light" panose="020B0502040204020203" pitchFamily="34" charset="0"/>
+                <a:cs typeface="Segoe UI Light" panose="020B0502040204020203" pitchFamily="34" charset="0"/>
+              </a:rPr>
+              <a:t>dt~jquery</a:t>
             </a:r>
             <a:r>
               <a:rPr lang="en-US" dirty="0">
                 <a:latin typeface="Segoe UI Light" panose="020B0502040204020203" pitchFamily="34" charset="0"/>
                 <a:cs typeface="Segoe UI Light" panose="020B0502040204020203" pitchFamily="34" charset="0"/>
               </a:rPr>
-              <a:t> &amp; https://github.com/babel/babel-loader</a:t>
+              <a:t> --global --save</a:t>
             </a:r>
           </a:p>
         </p:txBody>
@@ -16407,6 +16234,13 @@
   <p:clrMapOvr>
     <a:masterClrMapping/>
   </p:clrMapOvr>
+  <p:timing>
+    <p:tnLst>
+      <p:par>
+        <p:cTn id="1" dur="indefinite" restart="never" nodeType="tmRoot"/>
+      </p:par>
+    </p:tnLst>
+  </p:timing>
 </p:sld>
 </file>
 
@@ -16443,9 +16277,10 @@
           <a:lstStyle/>
           <a:p>
             <a:r>
-              <a:rPr lang="en-US" dirty="0"/>
-              <a:t>Using  ES6 I</a:t>
-            </a:r>
+              <a:rPr lang="es-ES" dirty="0" smtClean="0"/>
+              <a:t>Angular MVW</a:t>
+            </a:r>
+            <a:endParaRPr lang="en-US" dirty="0"/>
           </a:p>
         </p:txBody>
       </p:sp>
@@ -16458,7 +16293,7 @@
         <p:spPr>
           <a:xfrm>
             <a:off x="1232647" y="1690688"/>
-            <a:ext cx="10291482" cy="1538883"/>
+            <a:ext cx="10291482" cy="1785104"/>
           </a:xfrm>
           <a:prstGeom prst="rect">
             <a:avLst/>
@@ -16471,74 +16306,169 @@
           <a:lstStyle/>
           <a:p>
             <a:r>
+              <a:rPr lang="en-US" sz="2200" dirty="0" smtClean="0">
+                <a:latin typeface="Segoe UI Light" panose="020B0502040204020203" pitchFamily="34" charset="0"/>
+                <a:cs typeface="Segoe UI Light" panose="020B0502040204020203" pitchFamily="34" charset="0"/>
+              </a:rPr>
+              <a:t>Exercise </a:t>
+            </a:r>
+            <a:r>
               <a:rPr lang="en-US" sz="2200" dirty="0">
                 <a:latin typeface="Segoe UI Light" panose="020B0502040204020203" pitchFamily="34" charset="0"/>
                 <a:cs typeface="Segoe UI Light" panose="020B0502040204020203" pitchFamily="34" charset="0"/>
               </a:rPr>
-              <a:t>Do Exercise 2.</a:t>
-            </a:r>
-          </a:p>
-          <a:p>
-            <a:pPr lvl="1"/>
-            <a:r>
-              <a:rPr lang="en-US" dirty="0">
+              <a:t>6</a:t>
+            </a:r>
+            <a:r>
+              <a:rPr lang="en-US" sz="2200" dirty="0" smtClean="0">
                 <a:latin typeface="Segoe UI Light" panose="020B0502040204020203" pitchFamily="34" charset="0"/>
                 <a:cs typeface="Segoe UI Light" panose="020B0502040204020203" pitchFamily="34" charset="0"/>
               </a:rPr>
-              <a:t>Modify Exercise 1 to use ECMAScript 6 syntax instead </a:t>
-            </a:r>
-            <a:r>
-              <a:rPr lang="en-US" dirty="0" err="1">
+              <a:t>. Show a list of movies (</a:t>
+            </a:r>
+            <a:r>
+              <a:rPr lang="en-US" sz="2200" dirty="0" err="1" smtClean="0">
                 <a:latin typeface="Segoe UI Light" panose="020B0502040204020203" pitchFamily="34" charset="0"/>
                 <a:cs typeface="Segoe UI Light" panose="020B0502040204020203" pitchFamily="34" charset="0"/>
               </a:rPr>
-              <a:t>requireJS</a:t>
-            </a:r>
-            <a:endParaRPr lang="en-US" dirty="0">
+              <a:t>movies.json</a:t>
+            </a:r>
+            <a:r>
+              <a:rPr lang="en-US" sz="2200" dirty="0" smtClean="0">
+                <a:latin typeface="Segoe UI Light" panose="020B0502040204020203" pitchFamily="34" charset="0"/>
+                <a:cs typeface="Segoe UI Light" panose="020B0502040204020203" pitchFamily="34" charset="0"/>
+              </a:rPr>
+              <a:t>)</a:t>
+            </a:r>
+          </a:p>
+          <a:p>
+            <a:pPr marL="342900" indent="-342900">
+              <a:buFont typeface="Arial" panose="020B0604020202020204" pitchFamily="34" charset="0"/>
+              <a:buChar char="•"/>
+            </a:pPr>
+            <a:r>
+              <a:rPr lang="es-ES" sz="2200" dirty="0" smtClean="0">
+                <a:latin typeface="Segoe UI Light" panose="020B0502040204020203" pitchFamily="34" charset="0"/>
+                <a:cs typeface="Segoe UI Light" panose="020B0502040204020203" pitchFamily="34" charset="0"/>
+              </a:rPr>
+              <a:t>Use </a:t>
+            </a:r>
+            <a:r>
+              <a:rPr lang="es-ES" sz="2200" dirty="0" err="1" smtClean="0">
+                <a:latin typeface="Segoe UI Light" panose="020B0502040204020203" pitchFamily="34" charset="0"/>
+                <a:cs typeface="Segoe UI Light" panose="020B0502040204020203" pitchFamily="34" charset="0"/>
+              </a:rPr>
+              <a:t>controller</a:t>
+            </a:r>
+            <a:r>
+              <a:rPr lang="es-ES" sz="2200" dirty="0" smtClean="0">
+                <a:latin typeface="Segoe UI Light" panose="020B0502040204020203" pitchFamily="34" charset="0"/>
+                <a:cs typeface="Segoe UI Light" panose="020B0502040204020203" pitchFamily="34" charset="0"/>
+              </a:rPr>
+              <a:t> </a:t>
+            </a:r>
+            <a:r>
+              <a:rPr lang="es-ES" sz="2200" dirty="0" err="1" smtClean="0">
+                <a:latin typeface="Segoe UI Light" panose="020B0502040204020203" pitchFamily="34" charset="0"/>
+                <a:cs typeface="Segoe UI Light" panose="020B0502040204020203" pitchFamily="34" charset="0"/>
+              </a:rPr>
+              <a:t>syntax</a:t>
+            </a:r>
+            <a:r>
+              <a:rPr lang="es-ES" sz="2200" dirty="0">
+                <a:latin typeface="Segoe UI Light" panose="020B0502040204020203" pitchFamily="34" charset="0"/>
+                <a:cs typeface="Segoe UI Light" panose="020B0502040204020203" pitchFamily="34" charset="0"/>
+              </a:rPr>
+              <a:t>. </a:t>
+            </a:r>
+            <a:r>
+              <a:rPr lang="es-ES" sz="2200" dirty="0">
+                <a:latin typeface="Segoe UI Light" panose="020B0502040204020203" pitchFamily="34" charset="0"/>
+                <a:cs typeface="Segoe UI Light" panose="020B0502040204020203" pitchFamily="34" charset="0"/>
+                <a:hlinkClick r:id="rId2"/>
+              </a:rPr>
+              <a:t>https://</a:t>
+            </a:r>
+            <a:r>
+              <a:rPr lang="es-ES" sz="2200" dirty="0" smtClean="0">
+                <a:latin typeface="Segoe UI Light" panose="020B0502040204020203" pitchFamily="34" charset="0"/>
+                <a:cs typeface="Segoe UI Light" panose="020B0502040204020203" pitchFamily="34" charset="0"/>
+                <a:hlinkClick r:id="rId2"/>
+              </a:rPr>
+              <a:t>docs.angularjs.org/guide/controller</a:t>
+            </a:r>
+            <a:endParaRPr lang="es-ES" sz="2200" dirty="0" smtClean="0">
               <a:latin typeface="Segoe UI Light" panose="020B0502040204020203" pitchFamily="34" charset="0"/>
               <a:cs typeface="Segoe UI Light" panose="020B0502040204020203" pitchFamily="34" charset="0"/>
             </a:endParaRPr>
           </a:p>
           <a:p>
-            <a:pPr marL="742950" lvl="1" indent="-285750">
+            <a:pPr marL="342900" indent="-342900">
               <a:buFont typeface="Arial" panose="020B0604020202020204" pitchFamily="34" charset="0"/>
               <a:buChar char="•"/>
             </a:pPr>
             <a:r>
-              <a:rPr lang="en-US" dirty="0">
+              <a:rPr lang="es-ES" sz="2200" dirty="0" smtClean="0">
                 <a:latin typeface="Segoe UI Light" panose="020B0502040204020203" pitchFamily="34" charset="0"/>
                 <a:cs typeface="Segoe UI Light" panose="020B0502040204020203" pitchFamily="34" charset="0"/>
               </a:rPr>
-              <a:t>Import</a:t>
-            </a:r>
-          </a:p>
-          <a:p>
-            <a:pPr lvl="1"/>
-            <a:r>
-              <a:rPr lang="en-US" dirty="0">
+              <a:t>Use </a:t>
+            </a:r>
+            <a:r>
+              <a:rPr lang="es-ES" sz="2200" dirty="0" err="1" smtClean="0">
                 <a:latin typeface="Segoe UI Light" panose="020B0502040204020203" pitchFamily="34" charset="0"/>
                 <a:cs typeface="Segoe UI Light" panose="020B0502040204020203" pitchFamily="34" charset="0"/>
               </a:rPr>
-              <a:t>As the not all the browsers support  ECMAScript 6 we have to translate it using Babel</a:t>
-            </a:r>
-          </a:p>
-          <a:p>
-            <a:pPr lvl="1"/>
-            <a:r>
-              <a:rPr lang="en-US" dirty="0">
+              <a:t>ng-repeat</a:t>
+            </a:r>
+            <a:r>
+              <a:rPr lang="es-ES" sz="2200" dirty="0">
                 <a:latin typeface="Segoe UI Light" panose="020B0502040204020203" pitchFamily="34" charset="0"/>
                 <a:cs typeface="Segoe UI Light" panose="020B0502040204020203" pitchFamily="34" charset="0"/>
-                <a:hlinkClick r:id="rId2"/>
-              </a:rPr>
-              <a:t>https://babeljs.io/docs/setup/#webpack</a:t>
-            </a:r>
-            <a:r>
-              <a:rPr lang="en-US" dirty="0">
+              </a:rPr>
+              <a:t>. http://www.w3schools.com/angular/ng_ng-repeat.asp</a:t>
+            </a:r>
+            <a:endParaRPr lang="es-ES" sz="2200" dirty="0" smtClean="0">
+              <a:latin typeface="Segoe UI Light" panose="020B0502040204020203" pitchFamily="34" charset="0"/>
+              <a:cs typeface="Segoe UI Light" panose="020B0502040204020203" pitchFamily="34" charset="0"/>
+            </a:endParaRPr>
+          </a:p>
+          <a:p>
+            <a:pPr marL="342900" indent="-342900">
+              <a:buFont typeface="Arial" panose="020B0604020202020204" pitchFamily="34" charset="0"/>
+              <a:buChar char="•"/>
+            </a:pPr>
+            <a:r>
+              <a:rPr lang="es-ES" sz="2200" dirty="0" err="1" smtClean="0">
                 <a:latin typeface="Segoe UI Light" panose="020B0502040204020203" pitchFamily="34" charset="0"/>
                 <a:cs typeface="Segoe UI Light" panose="020B0502040204020203" pitchFamily="34" charset="0"/>
               </a:rPr>
-              <a:t> &amp; https://github.com/babel/babel-loader</a:t>
-            </a:r>
+              <a:t>Example</a:t>
+            </a:r>
+            <a:r>
+              <a:rPr lang="es-ES" sz="2200" dirty="0" smtClean="0">
+                <a:latin typeface="Segoe UI Light" panose="020B0502040204020203" pitchFamily="34" charset="0"/>
+                <a:cs typeface="Segoe UI Light" panose="020B0502040204020203" pitchFamily="34" charset="0"/>
+              </a:rPr>
+              <a:t>. http</a:t>
+            </a:r>
+            <a:r>
+              <a:rPr lang="es-ES" sz="2200" dirty="0">
+                <a:latin typeface="Segoe UI Light" panose="020B0502040204020203" pitchFamily="34" charset="0"/>
+                <a:cs typeface="Segoe UI Light" panose="020B0502040204020203" pitchFamily="34" charset="0"/>
+              </a:rPr>
+              <a:t>://jsfiddle.net/austinnoronha/RkykR/</a:t>
+            </a:r>
+            <a:endParaRPr lang="es-ES" sz="2200" dirty="0" smtClean="0">
+              <a:latin typeface="Segoe UI Light" panose="020B0502040204020203" pitchFamily="34" charset="0"/>
+              <a:cs typeface="Segoe UI Light" panose="020B0502040204020203" pitchFamily="34" charset="0"/>
+            </a:endParaRPr>
+          </a:p>
+          <a:p>
+            <a:endParaRPr lang="en-US" sz="2200" dirty="0">
+              <a:latin typeface="Segoe UI Light" panose="020B0502040204020203" pitchFamily="34" charset="0"/>
+              <a:cs typeface="Segoe UI Light" panose="020B0502040204020203" pitchFamily="34" charset="0"/>
+            </a:endParaRPr>
           </a:p>
         </p:txBody>
       </p:sp>
@@ -16552,6 +16482,13 @@
   <p:clrMapOvr>
     <a:masterClrMapping/>
   </p:clrMapOvr>
+  <p:timing>
+    <p:tnLst>
+      <p:par>
+        <p:cTn id="1" dur="indefinite" restart="never" nodeType="tmRoot"/>
+      </p:par>
+    </p:tnLst>
+  </p:timing>
 </p:sld>
 </file>
 
@@ -16588,9 +16525,10 @@
           <a:lstStyle/>
           <a:p>
             <a:r>
-              <a:rPr lang="en-US" dirty="0"/>
-              <a:t>Using  ES6 I</a:t>
-            </a:r>
+              <a:rPr lang="en-US" dirty="0" smtClean="0"/>
+              <a:t>Unit testing. Jasmine</a:t>
+            </a:r>
+            <a:endParaRPr lang="en-US" dirty="0"/>
           </a:p>
         </p:txBody>
       </p:sp>
@@ -16603,7 +16541,7 @@
         <p:spPr>
           <a:xfrm>
             <a:off x="1232647" y="1690688"/>
-            <a:ext cx="10291482" cy="1538883"/>
+            <a:ext cx="10291482" cy="1754326"/>
           </a:xfrm>
           <a:prstGeom prst="rect">
             <a:avLst/>
@@ -16615,75 +16553,143 @@
           </a:bodyPr>
           <a:lstStyle/>
           <a:p>
-            <a:r>
-              <a:rPr lang="en-US" sz="2200" dirty="0">
-                <a:latin typeface="Segoe UI Light" panose="020B0502040204020203" pitchFamily="34" charset="0"/>
-                <a:cs typeface="Segoe UI Light" panose="020B0502040204020203" pitchFamily="34" charset="0"/>
-              </a:rPr>
-              <a:t>Do Exercise 2.</a:t>
-            </a:r>
-          </a:p>
-          <a:p>
-            <a:pPr lvl="1"/>
+            <a:pPr marL="285750" indent="-285750">
+              <a:buFont typeface="Arial" panose="020B0604020202020204" pitchFamily="34" charset="0"/>
+              <a:buChar char="•"/>
+            </a:pPr>
             <a:r>
               <a:rPr lang="en-US" dirty="0">
                 <a:latin typeface="Segoe UI Light" panose="020B0502040204020203" pitchFamily="34" charset="0"/>
                 <a:cs typeface="Segoe UI Light" panose="020B0502040204020203" pitchFamily="34" charset="0"/>
               </a:rPr>
-              <a:t>Modify Exercise 1 to use ECMAScript 6 syntax instead </a:t>
-            </a:r>
-            <a:r>
-              <a:rPr lang="en-US" dirty="0" err="1">
+              <a:t>Unit testing is </a:t>
+            </a:r>
+            <a:r>
+              <a:rPr lang="en-US" dirty="0" smtClean="0">
                 <a:latin typeface="Segoe UI Light" panose="020B0502040204020203" pitchFamily="34" charset="0"/>
                 <a:cs typeface="Segoe UI Light" panose="020B0502040204020203" pitchFamily="34" charset="0"/>
               </a:rPr>
-              <a:t>requireJS</a:t>
-            </a:r>
+              <a:t>a software testing method by </a:t>
+            </a:r>
+            <a:r>
+              <a:rPr lang="en-US" dirty="0">
+                <a:latin typeface="Segoe UI Light" panose="020B0502040204020203" pitchFamily="34" charset="0"/>
+                <a:cs typeface="Segoe UI Light" panose="020B0502040204020203" pitchFamily="34" charset="0"/>
+              </a:rPr>
+              <a:t>which individual units </a:t>
+            </a:r>
+            <a:r>
+              <a:rPr lang="en-US" dirty="0" smtClean="0">
+                <a:latin typeface="Segoe UI Light" panose="020B0502040204020203" pitchFamily="34" charset="0"/>
+                <a:cs typeface="Segoe UI Light" panose="020B0502040204020203" pitchFamily="34" charset="0"/>
+              </a:rPr>
+              <a:t>of source code, </a:t>
+            </a:r>
+            <a:r>
+              <a:rPr lang="en-US" dirty="0">
+                <a:latin typeface="Segoe UI Light" panose="020B0502040204020203" pitchFamily="34" charset="0"/>
+                <a:cs typeface="Segoe UI Light" panose="020B0502040204020203" pitchFamily="34" charset="0"/>
+              </a:rPr>
+              <a:t>sets of one or more computer program modules </a:t>
+            </a:r>
+            <a:r>
+              <a:rPr lang="en-US" dirty="0">
+                <a:latin typeface="Segoe UI Light" panose="020B0502040204020203" pitchFamily="34" charset="0"/>
+                <a:cs typeface="Segoe UI Light" panose="020B0502040204020203" pitchFamily="34" charset="0"/>
+              </a:rPr>
+              <a:t>together, </a:t>
+            </a:r>
+            <a:r>
+              <a:rPr lang="en-US" dirty="0">
+                <a:latin typeface="Segoe UI Light" panose="020B0502040204020203" pitchFamily="34" charset="0"/>
+                <a:cs typeface="Segoe UI Light" panose="020B0502040204020203" pitchFamily="34" charset="0"/>
+              </a:rPr>
+              <a:t>are tested to determine whether they are fit for use</a:t>
+            </a:r>
+            <a:r>
+              <a:rPr lang="en-US" dirty="0" smtClean="0">
+                <a:latin typeface="Segoe UI Light" panose="020B0502040204020203" pitchFamily="34" charset="0"/>
+                <a:cs typeface="Segoe UI Light" panose="020B0502040204020203" pitchFamily="34" charset="0"/>
+              </a:rPr>
+              <a:t>.</a:t>
+            </a:r>
+          </a:p>
+          <a:p>
+            <a:pPr marL="285750" indent="-285750">
+              <a:buFont typeface="Arial" panose="020B0604020202020204" pitchFamily="34" charset="0"/>
+              <a:buChar char="•"/>
+            </a:pPr>
+            <a:r>
+              <a:rPr lang="en-US" dirty="0">
+                <a:latin typeface="Segoe UI Light" panose="020B0502040204020203" pitchFamily="34" charset="0"/>
+                <a:cs typeface="Segoe UI Light" panose="020B0502040204020203" pitchFamily="34" charset="0"/>
+              </a:rPr>
+              <a:t>Jasmine is a </a:t>
+            </a:r>
+            <a:r>
+              <a:rPr lang="en-US" b="1" dirty="0">
+                <a:latin typeface="Segoe UI Light" panose="020B0502040204020203" pitchFamily="34" charset="0"/>
+                <a:cs typeface="Segoe UI Light" panose="020B0502040204020203" pitchFamily="34" charset="0"/>
+              </a:rPr>
+              <a:t>behavior-driven development </a:t>
+            </a:r>
+            <a:r>
+              <a:rPr lang="en-US" dirty="0">
+                <a:latin typeface="Segoe UI Light" panose="020B0502040204020203" pitchFamily="34" charset="0"/>
+                <a:cs typeface="Segoe UI Light" panose="020B0502040204020203" pitchFamily="34" charset="0"/>
+              </a:rPr>
+              <a:t>framework for testing JavaScript </a:t>
+            </a:r>
+            <a:r>
+              <a:rPr lang="en-US" dirty="0" smtClean="0">
+                <a:latin typeface="Segoe UI Light" panose="020B0502040204020203" pitchFamily="34" charset="0"/>
+                <a:cs typeface="Segoe UI Light" panose="020B0502040204020203" pitchFamily="34" charset="0"/>
+              </a:rPr>
+              <a:t>code</a:t>
+            </a:r>
+          </a:p>
+          <a:p>
+            <a:pPr marL="285750" indent="-285750">
+              <a:buFont typeface="Arial" panose="020B0604020202020204" pitchFamily="34" charset="0"/>
+              <a:buChar char="•"/>
+            </a:pPr>
+            <a:r>
+              <a:rPr lang="en-US" dirty="0" smtClean="0">
+                <a:latin typeface="Segoe UI Light" panose="020B0502040204020203" pitchFamily="34" charset="0"/>
+                <a:cs typeface="Segoe UI Light" panose="020B0502040204020203" pitchFamily="34" charset="0"/>
+              </a:rPr>
+              <a:t>Suites, specifications and </a:t>
+            </a:r>
+            <a:r>
+              <a:rPr lang="en-US" dirty="0" err="1" smtClean="0">
+                <a:latin typeface="Segoe UI Light" panose="020B0502040204020203" pitchFamily="34" charset="0"/>
+                <a:cs typeface="Segoe UI Light" panose="020B0502040204020203" pitchFamily="34" charset="0"/>
+              </a:rPr>
+              <a:t>expectactions</a:t>
+            </a:r>
+            <a:endParaRPr lang="en-US" dirty="0" smtClean="0">
+              <a:latin typeface="Segoe UI Light" panose="020B0502040204020203" pitchFamily="34" charset="0"/>
+              <a:cs typeface="Segoe UI Light" panose="020B0502040204020203" pitchFamily="34" charset="0"/>
+            </a:endParaRPr>
+          </a:p>
+          <a:p>
+            <a:pPr marL="285750" indent="-285750">
+              <a:buFont typeface="Arial" panose="020B0604020202020204" pitchFamily="34" charset="0"/>
+              <a:buChar char="•"/>
+            </a:pPr>
+            <a:r>
+              <a:rPr lang="en-US" dirty="0">
+                <a:latin typeface="Segoe UI Light" panose="020B0502040204020203" pitchFamily="34" charset="0"/>
+                <a:cs typeface="Segoe UI Light" panose="020B0502040204020203" pitchFamily="34" charset="0"/>
+              </a:rPr>
+              <a:t>http://jasmine.github.io/edge/introduction.html</a:t>
+            </a:r>
+          </a:p>
+          <a:p>
             <a:endParaRPr lang="en-US" dirty="0">
               <a:latin typeface="Segoe UI Light" panose="020B0502040204020203" pitchFamily="34" charset="0"/>
               <a:cs typeface="Segoe UI Light" panose="020B0502040204020203" pitchFamily="34" charset="0"/>
             </a:endParaRPr>
-          </a:p>
-          <a:p>
-            <a:pPr marL="742950" lvl="1" indent="-285750">
-              <a:buFont typeface="Arial" panose="020B0604020202020204" pitchFamily="34" charset="0"/>
-              <a:buChar char="•"/>
-            </a:pPr>
-            <a:r>
-              <a:rPr lang="en-US" dirty="0">
-                <a:latin typeface="Segoe UI Light" panose="020B0502040204020203" pitchFamily="34" charset="0"/>
-                <a:cs typeface="Segoe UI Light" panose="020B0502040204020203" pitchFamily="34" charset="0"/>
-              </a:rPr>
-              <a:t>Import</a:t>
-            </a:r>
-          </a:p>
-          <a:p>
-            <a:pPr lvl="1"/>
-            <a:r>
-              <a:rPr lang="en-US" dirty="0">
-                <a:latin typeface="Segoe UI Light" panose="020B0502040204020203" pitchFamily="34" charset="0"/>
-                <a:cs typeface="Segoe UI Light" panose="020B0502040204020203" pitchFamily="34" charset="0"/>
-              </a:rPr>
-              <a:t>As the not all the browsers support  ECMAScript 6 we have to translate it using Babel</a:t>
-            </a:r>
-          </a:p>
-          <a:p>
-            <a:pPr lvl="1"/>
-            <a:r>
-              <a:rPr lang="en-US" dirty="0">
-                <a:latin typeface="Segoe UI Light" panose="020B0502040204020203" pitchFamily="34" charset="0"/>
-                <a:cs typeface="Segoe UI Light" panose="020B0502040204020203" pitchFamily="34" charset="0"/>
-                <a:hlinkClick r:id="rId2"/>
-              </a:rPr>
-              <a:t>https://babeljs.io/docs/setup/#webpack</a:t>
-            </a:r>
-            <a:r>
-              <a:rPr lang="en-US" dirty="0">
-                <a:latin typeface="Segoe UI Light" panose="020B0502040204020203" pitchFamily="34" charset="0"/>
-                <a:cs typeface="Segoe UI Light" panose="020B0502040204020203" pitchFamily="34" charset="0"/>
-              </a:rPr>
-              <a:t> &amp; https://github.com/babel/babel-loader</a:t>
-            </a:r>
           </a:p>
         </p:txBody>
       </p:sp>
@@ -16697,6 +16703,13 @@
   <p:clrMapOvr>
     <a:masterClrMapping/>
   </p:clrMapOvr>
+  <p:timing>
+    <p:tnLst>
+      <p:par>
+        <p:cTn id="1" dur="indefinite" restart="never" nodeType="tmRoot"/>
+      </p:par>
+    </p:tnLst>
+  </p:timing>
 </p:sld>
 </file>
 
@@ -16734,8 +16747,13 @@
           <a:p>
             <a:r>
               <a:rPr lang="en-US" dirty="0"/>
-              <a:t>Using  ES6 I</a:t>
-            </a:r>
+              <a:t>Using  </a:t>
+            </a:r>
+            <a:r>
+              <a:rPr lang="en-US" dirty="0" smtClean="0"/>
+              <a:t>Jasmine</a:t>
+            </a:r>
+            <a:endParaRPr lang="en-US" dirty="0"/>
           </a:p>
         </p:txBody>
       </p:sp>
@@ -16748,7 +16766,7 @@
         <p:spPr>
           <a:xfrm>
             <a:off x="1232647" y="1690688"/>
-            <a:ext cx="10291482" cy="1538883"/>
+            <a:ext cx="10291482" cy="1785104"/>
           </a:xfrm>
           <a:prstGeom prst="rect">
             <a:avLst/>
@@ -16761,74 +16779,86 @@
           <a:lstStyle/>
           <a:p>
             <a:r>
+              <a:rPr lang="en-US" sz="2200" dirty="0" smtClean="0">
+                <a:latin typeface="Segoe UI Light" panose="020B0502040204020203" pitchFamily="34" charset="0"/>
+                <a:cs typeface="Segoe UI Light" panose="020B0502040204020203" pitchFamily="34" charset="0"/>
+              </a:rPr>
+              <a:t>Exercise 7a. Unit test that the </a:t>
+            </a:r>
+            <a:r>
+              <a:rPr lang="en-US" sz="2200" dirty="0" err="1" smtClean="0">
+                <a:latin typeface="Segoe UI Light" panose="020B0502040204020203" pitchFamily="34" charset="0"/>
+                <a:cs typeface="Segoe UI Light" panose="020B0502040204020203" pitchFamily="34" charset="0"/>
+              </a:rPr>
+              <a:t>moviesListControler</a:t>
+            </a:r>
+            <a:r>
+              <a:rPr lang="en-US" sz="2200" dirty="0" smtClean="0">
+                <a:latin typeface="Segoe UI Light" panose="020B0502040204020203" pitchFamily="34" charset="0"/>
+                <a:cs typeface="Segoe UI Light" panose="020B0502040204020203" pitchFamily="34" charset="0"/>
+              </a:rPr>
+              <a:t> has three movies</a:t>
+            </a:r>
+          </a:p>
+          <a:p>
+            <a:pPr marL="800100" lvl="1" indent="-342900">
+              <a:buFont typeface="Arial" panose="020B0604020202020204" pitchFamily="34" charset="0"/>
+              <a:buChar char="•"/>
+            </a:pPr>
+            <a:r>
+              <a:rPr lang="en-US" sz="2200" dirty="0" smtClean="0">
+                <a:latin typeface="Segoe UI Light" panose="020B0502040204020203" pitchFamily="34" charset="0"/>
+                <a:cs typeface="Segoe UI Light" panose="020B0502040204020203" pitchFamily="34" charset="0"/>
+              </a:rPr>
+              <a:t>Install jasmine, jasmine-core</a:t>
+            </a:r>
+          </a:p>
+          <a:p>
+            <a:pPr marL="800100" lvl="1" indent="-342900">
+              <a:buFont typeface="Arial" panose="020B0604020202020204" pitchFamily="34" charset="0"/>
+              <a:buChar char="•"/>
+            </a:pPr>
+            <a:r>
+              <a:rPr lang="en-US" sz="2200" dirty="0" smtClean="0">
+                <a:latin typeface="Segoe UI Light" panose="020B0502040204020203" pitchFamily="34" charset="0"/>
+                <a:cs typeface="Segoe UI Light" panose="020B0502040204020203" pitchFamily="34" charset="0"/>
+              </a:rPr>
+              <a:t>Install angular-mocks</a:t>
+            </a:r>
+          </a:p>
+          <a:p>
+            <a:pPr marL="800100" lvl="1" indent="-342900">
+              <a:buFont typeface="Arial" panose="020B0604020202020204" pitchFamily="34" charset="0"/>
+              <a:buChar char="•"/>
+            </a:pPr>
+            <a:r>
               <a:rPr lang="en-US" sz="2200" dirty="0">
                 <a:latin typeface="Segoe UI Light" panose="020B0502040204020203" pitchFamily="34" charset="0"/>
                 <a:cs typeface="Segoe UI Light" panose="020B0502040204020203" pitchFamily="34" charset="0"/>
               </a:rPr>
-              <a:t>Do Exercise 2.</a:t>
-            </a:r>
-          </a:p>
-          <a:p>
-            <a:pPr lvl="1"/>
-            <a:r>
-              <a:rPr lang="en-US" dirty="0">
-                <a:latin typeface="Segoe UI Light" panose="020B0502040204020203" pitchFamily="34" charset="0"/>
-                <a:cs typeface="Segoe UI Light" panose="020B0502040204020203" pitchFamily="34" charset="0"/>
-              </a:rPr>
-              <a:t>Modify Exercise 1 to use ECMAScript 6 syntax instead </a:t>
-            </a:r>
-            <a:r>
-              <a:rPr lang="en-US" dirty="0" err="1">
-                <a:latin typeface="Segoe UI Light" panose="020B0502040204020203" pitchFamily="34" charset="0"/>
-                <a:cs typeface="Segoe UI Light" panose="020B0502040204020203" pitchFamily="34" charset="0"/>
-              </a:rPr>
-              <a:t>requireJS</a:t>
-            </a:r>
-            <a:endParaRPr lang="en-US" dirty="0">
+              <a:t>https://docs.angularjs.org/guide/unit-testing</a:t>
+            </a:r>
+            <a:endParaRPr lang="en-US" sz="2200" dirty="0" smtClean="0">
               <a:latin typeface="Segoe UI Light" panose="020B0502040204020203" pitchFamily="34" charset="0"/>
               <a:cs typeface="Segoe UI Light" panose="020B0502040204020203" pitchFamily="34" charset="0"/>
             </a:endParaRPr>
           </a:p>
           <a:p>
-            <a:pPr marL="742950" lvl="1" indent="-285750">
+            <a:pPr marL="342900" indent="-342900">
               <a:buFont typeface="Arial" panose="020B0604020202020204" pitchFamily="34" charset="0"/>
               <a:buChar char="•"/>
             </a:pPr>
             <a:r>
-              <a:rPr lang="en-US" dirty="0">
+              <a:rPr lang="en-US" sz="2200" dirty="0" smtClean="0">
                 <a:latin typeface="Segoe UI Light" panose="020B0502040204020203" pitchFamily="34" charset="0"/>
                 <a:cs typeface="Segoe UI Light" panose="020B0502040204020203" pitchFamily="34" charset="0"/>
               </a:rPr>
-              <a:t>Import</a:t>
-            </a:r>
-          </a:p>
-          <a:p>
-            <a:pPr lvl="1"/>
-            <a:r>
-              <a:rPr lang="en-US" dirty="0">
-                <a:latin typeface="Segoe UI Light" panose="020B0502040204020203" pitchFamily="34" charset="0"/>
-                <a:cs typeface="Segoe UI Light" panose="020B0502040204020203" pitchFamily="34" charset="0"/>
-              </a:rPr>
-              <a:t>As the not all the browsers support  ECMAScript 6 we have to translate it using Babel</a:t>
-            </a:r>
-          </a:p>
-          <a:p>
-            <a:pPr lvl="1"/>
-            <a:r>
-              <a:rPr lang="en-US" dirty="0">
-                <a:latin typeface="Segoe UI Light" panose="020B0502040204020203" pitchFamily="34" charset="0"/>
-                <a:cs typeface="Segoe UI Light" panose="020B0502040204020203" pitchFamily="34" charset="0"/>
-                <a:hlinkClick r:id="rId2"/>
-              </a:rPr>
-              <a:t>https://babeljs.io/docs/setup/#webpack</a:t>
-            </a:r>
-            <a:r>
-              <a:rPr lang="en-US" dirty="0">
-                <a:latin typeface="Segoe UI Light" panose="020B0502040204020203" pitchFamily="34" charset="0"/>
-                <a:cs typeface="Segoe UI Light" panose="020B0502040204020203" pitchFamily="34" charset="0"/>
-              </a:rPr>
-              <a:t> &amp; https://github.com/babel/babel-loader</a:t>
-            </a:r>
+              <a:t>Execute through jasmine-standalone</a:t>
+            </a:r>
+            <a:endParaRPr lang="en-US" sz="2200" dirty="0">
+              <a:latin typeface="Segoe UI Light" panose="020B0502040204020203" pitchFamily="34" charset="0"/>
+              <a:cs typeface="Segoe UI Light" panose="020B0502040204020203" pitchFamily="34" charset="0"/>
+            </a:endParaRPr>
           </a:p>
         </p:txBody>
       </p:sp>
@@ -16842,10 +16872,240 @@
   <p:clrMapOvr>
     <a:masterClrMapping/>
   </p:clrMapOvr>
+  <p:timing>
+    <p:tnLst>
+      <p:par>
+        <p:cTn id="1" dur="indefinite" restart="never" nodeType="tmRoot"/>
+      </p:par>
+    </p:tnLst>
+  </p:timing>
 </p:sld>
 </file>
 
 <file path=ppt/slides/slide16.xml><?xml version="1.0" encoding="utf-8"?>
+<p:sld xmlns:a="http://schemas.openxmlformats.org/drawingml/2006/main" xmlns:r="http://schemas.openxmlformats.org/officeDocument/2006/relationships" xmlns:p="http://schemas.openxmlformats.org/presentationml/2006/main">
+  <p:cSld>
+    <p:spTree>
+      <p:nvGrpSpPr>
+        <p:cNvPr id="1" name=""/>
+        <p:cNvGrpSpPr/>
+        <p:nvPr/>
+      </p:nvGrpSpPr>
+      <p:grpSpPr>
+        <a:xfrm>
+          <a:off x="0" y="0"/>
+          <a:ext cx="0" cy="0"/>
+          <a:chOff x="0" y="0"/>
+          <a:chExt cx="0" cy="0"/>
+        </a:xfrm>
+      </p:grpSpPr>
+      <p:sp>
+        <p:nvSpPr>
+          <p:cNvPr id="2" name="Título 1"/>
+          <p:cNvSpPr>
+            <a:spLocks noGrp="1"/>
+          </p:cNvSpPr>
+          <p:nvPr>
+            <p:ph type="title"/>
+          </p:nvPr>
+        </p:nvSpPr>
+        <p:spPr/>
+        <p:txBody>
+          <a:bodyPr/>
+          <a:lstStyle/>
+          <a:p>
+            <a:r>
+              <a:rPr lang="en-US" dirty="0"/>
+              <a:t>Using  </a:t>
+            </a:r>
+            <a:r>
+              <a:rPr lang="en-US" dirty="0" smtClean="0"/>
+              <a:t>karma</a:t>
+            </a:r>
+            <a:endParaRPr lang="en-US" dirty="0"/>
+          </a:p>
+        </p:txBody>
+      </p:sp>
+      <p:sp>
+        <p:nvSpPr>
+          <p:cNvPr id="3" name="Rectángulo 2"/>
+          <p:cNvSpPr/>
+          <p:nvPr/>
+        </p:nvSpPr>
+        <p:spPr>
+          <a:xfrm>
+            <a:off x="1232647" y="1690688"/>
+            <a:ext cx="10291482" cy="2123658"/>
+          </a:xfrm>
+          <a:prstGeom prst="rect">
+            <a:avLst/>
+          </a:prstGeom>
+        </p:spPr>
+        <p:txBody>
+          <a:bodyPr wrap="square">
+            <a:spAutoFit/>
+          </a:bodyPr>
+          <a:lstStyle/>
+          <a:p>
+            <a:r>
+              <a:rPr lang="en-US" sz="2200" dirty="0" smtClean="0">
+                <a:latin typeface="Segoe UI Light" panose="020B0502040204020203" pitchFamily="34" charset="0"/>
+                <a:cs typeface="Segoe UI Light" panose="020B0502040204020203" pitchFamily="34" charset="0"/>
+              </a:rPr>
+              <a:t>Karma is a test runner. A tool that </a:t>
+            </a:r>
+            <a:r>
+              <a:rPr lang="en-US" sz="2200" dirty="0" err="1" smtClean="0">
+                <a:latin typeface="Segoe UI Light" panose="020B0502040204020203" pitchFamily="34" charset="0"/>
+                <a:cs typeface="Segoe UI Light" panose="020B0502040204020203" pitchFamily="34" charset="0"/>
+              </a:rPr>
+              <a:t>automatices</a:t>
+            </a:r>
+            <a:r>
+              <a:rPr lang="en-US" sz="2200" dirty="0" smtClean="0">
+                <a:latin typeface="Segoe UI Light" panose="020B0502040204020203" pitchFamily="34" charset="0"/>
+                <a:cs typeface="Segoe UI Light" panose="020B0502040204020203" pitchFamily="34" charset="0"/>
+              </a:rPr>
+              <a:t> the task of discover and execute tests</a:t>
+            </a:r>
+          </a:p>
+          <a:p>
+            <a:r>
+              <a:rPr lang="en-US" sz="2200" dirty="0" smtClean="0">
+                <a:latin typeface="Segoe UI Light" panose="020B0502040204020203" pitchFamily="34" charset="0"/>
+                <a:cs typeface="Segoe UI Light" panose="020B0502040204020203" pitchFamily="34" charset="0"/>
+              </a:rPr>
+              <a:t>Exercise 7b. </a:t>
+            </a:r>
+            <a:r>
+              <a:rPr lang="en-US" sz="2200" dirty="0" smtClean="0">
+                <a:latin typeface="Segoe UI Light" panose="020B0502040204020203" pitchFamily="34" charset="0"/>
+                <a:cs typeface="Segoe UI Light" panose="020B0502040204020203" pitchFamily="34" charset="0"/>
+              </a:rPr>
+              <a:t>Execute test create in exercise 7a to run through karma</a:t>
+            </a:r>
+          </a:p>
+          <a:p>
+            <a:pPr marL="342900" indent="-342900">
+              <a:buFont typeface="Arial" panose="020B0604020202020204" pitchFamily="34" charset="0"/>
+              <a:buChar char="•"/>
+            </a:pPr>
+            <a:r>
+              <a:rPr lang="en-US" sz="2200" dirty="0">
+                <a:latin typeface="Segoe UI Light" panose="020B0502040204020203" pitchFamily="34" charset="0"/>
+                <a:cs typeface="Segoe UI Light" panose="020B0502040204020203" pitchFamily="34" charset="0"/>
+              </a:rPr>
+              <a:t>Install karma </a:t>
+            </a:r>
+            <a:r>
+              <a:rPr lang="en-US" sz="2200" dirty="0">
+                <a:latin typeface="Segoe UI Light" panose="020B0502040204020203" pitchFamily="34" charset="0"/>
+                <a:cs typeface="Segoe UI Light" panose="020B0502040204020203" pitchFamily="34" charset="0"/>
+                <a:hlinkClick r:id="rId2"/>
+              </a:rPr>
+              <a:t>https://</a:t>
+            </a:r>
+            <a:r>
+              <a:rPr lang="en-US" sz="2200" dirty="0" smtClean="0">
+                <a:latin typeface="Segoe UI Light" panose="020B0502040204020203" pitchFamily="34" charset="0"/>
+                <a:cs typeface="Segoe UI Light" panose="020B0502040204020203" pitchFamily="34" charset="0"/>
+                <a:hlinkClick r:id="rId2"/>
+              </a:rPr>
+              <a:t>karma-runner.github.io/0.13/intro/installation.html</a:t>
+            </a:r>
+            <a:endParaRPr lang="en-US" sz="2200" dirty="0" smtClean="0">
+              <a:latin typeface="Segoe UI Light" panose="020B0502040204020203" pitchFamily="34" charset="0"/>
+              <a:cs typeface="Segoe UI Light" panose="020B0502040204020203" pitchFamily="34" charset="0"/>
+            </a:endParaRPr>
+          </a:p>
+          <a:p>
+            <a:pPr marL="342900" indent="-342900">
+              <a:buFont typeface="Arial" panose="020B0604020202020204" pitchFamily="34" charset="0"/>
+              <a:buChar char="•"/>
+            </a:pPr>
+            <a:r>
+              <a:rPr lang="en-US" sz="2200" dirty="0">
+                <a:latin typeface="Segoe UI Light" panose="020B0502040204020203" pitchFamily="34" charset="0"/>
+                <a:cs typeface="Segoe UI Light" panose="020B0502040204020203" pitchFamily="34" charset="0"/>
+              </a:rPr>
+              <a:t>Add </a:t>
+            </a:r>
+            <a:r>
+              <a:rPr lang="en-US" sz="2200" dirty="0" smtClean="0">
+                <a:latin typeface="Segoe UI Light" panose="020B0502040204020203" pitchFamily="34" charset="0"/>
+                <a:cs typeface="Segoe UI Light" panose="020B0502040204020203" pitchFamily="34" charset="0"/>
+              </a:rPr>
+              <a:t>karma-</a:t>
+            </a:r>
+            <a:r>
+              <a:rPr lang="en-US" sz="2200" dirty="0" err="1" smtClean="0">
+                <a:latin typeface="Segoe UI Light" panose="020B0502040204020203" pitchFamily="34" charset="0"/>
+                <a:cs typeface="Segoe UI Light" panose="020B0502040204020203" pitchFamily="34" charset="0"/>
+              </a:rPr>
+              <a:t>webpack</a:t>
+            </a:r>
+            <a:endParaRPr lang="en-US" sz="2200" dirty="0" smtClean="0">
+              <a:latin typeface="Segoe UI Light" panose="020B0502040204020203" pitchFamily="34" charset="0"/>
+              <a:cs typeface="Segoe UI Light" panose="020B0502040204020203" pitchFamily="34" charset="0"/>
+            </a:endParaRPr>
+          </a:p>
+          <a:p>
+            <a:pPr marL="342900" indent="-342900">
+              <a:buFont typeface="Arial" panose="020B0604020202020204" pitchFamily="34" charset="0"/>
+              <a:buChar char="•"/>
+            </a:pPr>
+            <a:r>
+              <a:rPr lang="en-US" sz="2200" dirty="0" smtClean="0">
+                <a:latin typeface="Segoe UI Light" panose="020B0502040204020203" pitchFamily="34" charset="0"/>
+                <a:cs typeface="Segoe UI Light" panose="020B0502040204020203" pitchFamily="34" charset="0"/>
+              </a:rPr>
+              <a:t>Modify karma to load angular-mocks and jasmine </a:t>
+            </a:r>
+            <a:r>
+              <a:rPr lang="en-US" sz="2200" dirty="0" err="1" smtClean="0">
+                <a:latin typeface="Segoe UI Light" panose="020B0502040204020203" pitchFamily="34" charset="0"/>
+                <a:cs typeface="Segoe UI Light" panose="020B0502040204020203" pitchFamily="34" charset="0"/>
+              </a:rPr>
+              <a:t>lybrary</a:t>
+            </a:r>
+            <a:endParaRPr lang="en-US" sz="2200" dirty="0" smtClean="0">
+              <a:latin typeface="Segoe UI Light" panose="020B0502040204020203" pitchFamily="34" charset="0"/>
+              <a:cs typeface="Segoe UI Light" panose="020B0502040204020203" pitchFamily="34" charset="0"/>
+            </a:endParaRPr>
+          </a:p>
+          <a:p>
+            <a:pPr marL="342900" indent="-342900">
+              <a:buFont typeface="Arial" panose="020B0604020202020204" pitchFamily="34" charset="0"/>
+              <a:buChar char="•"/>
+            </a:pPr>
+            <a:endParaRPr lang="en-US" sz="2200" dirty="0" smtClean="0">
+              <a:latin typeface="Segoe UI Light" panose="020B0502040204020203" pitchFamily="34" charset="0"/>
+              <a:cs typeface="Segoe UI Light" panose="020B0502040204020203" pitchFamily="34" charset="0"/>
+            </a:endParaRPr>
+          </a:p>
+        </p:txBody>
+      </p:sp>
+    </p:spTree>
+    <p:extLst>
+      <p:ext uri="{BB962C8B-B14F-4D97-AF65-F5344CB8AC3E}">
+        <p14:creationId xmlns:p14="http://schemas.microsoft.com/office/powerpoint/2010/main" val="413772261"/>
+      </p:ext>
+    </p:extLst>
+  </p:cSld>
+  <p:clrMapOvr>
+    <a:masterClrMapping/>
+  </p:clrMapOvr>
+  <p:timing>
+    <p:tnLst>
+      <p:par>
+        <p:cTn id="1" dur="indefinite" restart="never" nodeType="tmRoot"/>
+      </p:par>
+    </p:tnLst>
+  </p:timing>
+</p:sld>
+</file>
+
+<file path=ppt/slides/slide17.xml><?xml version="1.0" encoding="utf-8"?>
 <p:sld xmlns:a="http://schemas.openxmlformats.org/drawingml/2006/main" xmlns:r="http://schemas.openxmlformats.org/officeDocument/2006/relationships" xmlns:p="http://schemas.openxmlformats.org/presentationml/2006/main">
   <p:cSld>
     <p:spTree>
@@ -18992,7 +19252,7 @@
   <a:extraClrSchemeLst/>
   <a:extLst>
     <a:ext uri="{05A4C25C-085E-4340-85A3-A5531E510DB2}">
-      <thm15:themeFamily xmlns:thm15="http://schemas.microsoft.com/office/thememl/2012/main" name="Office Theme" id="{62F939B6-93AF-4DB8-9C6B-D6C7DFDC589F}" vid="{4A3C46E8-61CC-4603-A589-7422A47A8E4A}"/>
+      <thm15:themeFamily xmlns:thm15="http://schemas.microsoft.com/office/thememl/2012/main" xmlns="" name="Office Theme" id="{62F939B6-93AF-4DB8-9C6B-D6C7DFDC589F}" vid="{4A3C46E8-61CC-4603-A589-7422A47A8E4A}"/>
     </a:ext>
   </a:extLst>
 </a:theme>
@@ -19253,7 +19513,7 @@
   <a:extraClrSchemeLst/>
   <a:extLst>
     <a:ext uri="{05A4C25C-085E-4340-85A3-A5531E510DB2}">
-      <thm15:themeFamily xmlns:thm15="http://schemas.microsoft.com/office/thememl/2012/main" name="Office Theme" id="{62F939B6-93AF-4DB8-9C6B-D6C7DFDC589F}" vid="{4A3C46E8-61CC-4603-A589-7422A47A8E4A}"/>
+      <thm15:themeFamily xmlns:thm15="http://schemas.microsoft.com/office/thememl/2012/main" xmlns="" name="Office Theme" id="{62F939B6-93AF-4DB8-9C6B-D6C7DFDC589F}" vid="{4A3C46E8-61CC-4603-A589-7422A47A8E4A}"/>
     </a:ext>
   </a:extLst>
 </a:theme>
@@ -19514,7 +19774,7 @@
   <a:extraClrSchemeLst/>
   <a:extLst>
     <a:ext uri="{05A4C25C-085E-4340-85A3-A5531E510DB2}">
-      <thm15:themeFamily xmlns:thm15="http://schemas.microsoft.com/office/thememl/2012/main" name="Office Theme" id="{62F939B6-93AF-4DB8-9C6B-D6C7DFDC589F}" vid="{4A3C46E8-61CC-4603-A589-7422A47A8E4A}"/>
+      <thm15:themeFamily xmlns:thm15="http://schemas.microsoft.com/office/thememl/2012/main" xmlns="" name="Office Theme" id="{62F939B6-93AF-4DB8-9C6B-D6C7DFDC589F}" vid="{4A3C46E8-61CC-4603-A589-7422A47A8E4A}"/>
     </a:ext>
   </a:extLst>
 </a:theme>
@@ -19775,7 +20035,7 @@
   <a:extraClrSchemeLst/>
   <a:extLst>
     <a:ext uri="{05A4C25C-085E-4340-85A3-A5531E510DB2}">
-      <thm15:themeFamily xmlns:thm15="http://schemas.microsoft.com/office/thememl/2012/main" name="Office Theme" id="{62F939B6-93AF-4DB8-9C6B-D6C7DFDC589F}" vid="{4A3C46E8-61CC-4603-A589-7422A47A8E4A}"/>
+      <thm15:themeFamily xmlns:thm15="http://schemas.microsoft.com/office/thememl/2012/main" xmlns="" name="Office Theme" id="{62F939B6-93AF-4DB8-9C6B-D6C7DFDC589F}" vid="{4A3C46E8-61CC-4603-A589-7422A47A8E4A}"/>
     </a:ext>
   </a:extLst>
 </a:theme>
@@ -20036,7 +20296,7 @@
   <a:extraClrSchemeLst/>
   <a:extLst>
     <a:ext uri="{05A4C25C-085E-4340-85A3-A5531E510DB2}">
-      <thm15:themeFamily xmlns:thm15="http://schemas.microsoft.com/office/thememl/2012/main" name="Office Theme" id="{62F939B6-93AF-4DB8-9C6B-D6C7DFDC589F}" vid="{4A3C46E8-61CC-4603-A589-7422A47A8E4A}"/>
+      <thm15:themeFamily xmlns:thm15="http://schemas.microsoft.com/office/thememl/2012/main" xmlns="" name="Office Theme" id="{62F939B6-93AF-4DB8-9C6B-D6C7DFDC589F}" vid="{4A3C46E8-61CC-4603-A589-7422A47A8E4A}"/>
     </a:ext>
   </a:extLst>
 </a:theme>
@@ -20297,7 +20557,7 @@
   <a:extraClrSchemeLst/>
   <a:extLst>
     <a:ext uri="{05A4C25C-085E-4340-85A3-A5531E510DB2}">
-      <thm15:themeFamily xmlns:thm15="http://schemas.microsoft.com/office/thememl/2012/main" name="Office Theme" id="{62F939B6-93AF-4DB8-9C6B-D6C7DFDC589F}" vid="{4A3C46E8-61CC-4603-A589-7422A47A8E4A}"/>
+      <thm15:themeFamily xmlns:thm15="http://schemas.microsoft.com/office/thememl/2012/main" xmlns="" name="Office Theme" id="{62F939B6-93AF-4DB8-9C6B-D6C7DFDC589F}" vid="{4A3C46E8-61CC-4603-A589-7422A47A8E4A}"/>
     </a:ext>
   </a:extLst>
 </a:theme>
@@ -20558,7 +20818,7 @@
   <a:extraClrSchemeLst/>
   <a:extLst>
     <a:ext uri="{05A4C25C-085E-4340-85A3-A5531E510DB2}">
-      <thm15:themeFamily xmlns:thm15="http://schemas.microsoft.com/office/thememl/2012/main" name="Office Theme" id="{62F939B6-93AF-4DB8-9C6B-D6C7DFDC589F}" vid="{4A3C46E8-61CC-4603-A589-7422A47A8E4A}"/>
+      <thm15:themeFamily xmlns:thm15="http://schemas.microsoft.com/office/thememl/2012/main" xmlns="" name="Office Theme" id="{62F939B6-93AF-4DB8-9C6B-D6C7DFDC589F}" vid="{4A3C46E8-61CC-4603-A589-7422A47A8E4A}"/>
     </a:ext>
   </a:extLst>
 </a:theme>
@@ -20819,7 +21079,7 @@
   <a:extraClrSchemeLst/>
   <a:extLst>
     <a:ext uri="{05A4C25C-085E-4340-85A3-A5531E510DB2}">
-      <thm15:themeFamily xmlns:thm15="http://schemas.microsoft.com/office/thememl/2012/main" name="Office Theme" id="{62F939B6-93AF-4DB8-9C6B-D6C7DFDC589F}" vid="{4A3C46E8-61CC-4603-A589-7422A47A8E4A}"/>
+      <thm15:themeFamily xmlns:thm15="http://schemas.microsoft.com/office/thememl/2012/main" xmlns="" name="Office Theme" id="{62F939B6-93AF-4DB8-9C6B-D6C7DFDC589F}" vid="{4A3C46E8-61CC-4603-A589-7422A47A8E4A}"/>
     </a:ext>
   </a:extLst>
 </a:theme>
@@ -21080,7 +21340,7 @@
   <a:extraClrSchemeLst/>
   <a:extLst>
     <a:ext uri="{05A4C25C-085E-4340-85A3-A5531E510DB2}">
-      <thm15:themeFamily xmlns:thm15="http://schemas.microsoft.com/office/thememl/2012/main" name="Office Theme" id="{62F939B6-93AF-4DB8-9C6B-D6C7DFDC589F}" vid="{4A3C46E8-61CC-4603-A589-7422A47A8E4A}"/>
+      <thm15:themeFamily xmlns:thm15="http://schemas.microsoft.com/office/thememl/2012/main" xmlns="" name="Office Theme" id="{62F939B6-93AF-4DB8-9C6B-D6C7DFDC589F}" vid="{4A3C46E8-61CC-4603-A589-7422A47A8E4A}"/>
     </a:ext>
   </a:extLst>
 </a:theme>
@@ -21341,13 +21601,37 @@
   <a:extraClrSchemeLst/>
   <a:extLst>
     <a:ext uri="{05A4C25C-085E-4340-85A3-A5531E510DB2}">
-      <thm15:themeFamily xmlns:thm15="http://schemas.microsoft.com/office/thememl/2012/main" name="Office Theme" id="{62F939B6-93AF-4DB8-9C6B-D6C7DFDC589F}" vid="{4A3C46E8-61CC-4603-A589-7422A47A8E4A}"/>
+      <thm15:themeFamily xmlns:thm15="http://schemas.microsoft.com/office/thememl/2012/main" xmlns="" name="Office Theme" id="{62F939B6-93AF-4DB8-9C6B-D6C7DFDC589F}" vid="{4A3C46E8-61CC-4603-A589-7422A47A8E4A}"/>
     </a:ext>
   </a:extLst>
 </a:theme>
 </file>
 
 <file path=customXml/item1.xml><?xml version="1.0" encoding="utf-8"?>
+<?mso-contentType ?>
+<FormTemplates xmlns="http://schemas.microsoft.com/sharepoint/v3/contenttype/forms">
+  <Display>DocumentLibraryForm</Display>
+  <Edit>DocumentLibraryForm</Edit>
+  <New>DocumentLibraryForm</New>
+</FormTemplates>
+</file>
+
+<file path=customXml/item2.xml><?xml version="1.0" encoding="utf-8"?>
+<p:properties xmlns:p="http://schemas.microsoft.com/office/2006/metadata/properties" xmlns:xsi="http://www.w3.org/2001/XMLSchema-instance" xmlns:pc="http://schemas.microsoft.com/office/infopath/2007/PartnerControls">
+  <documentManagement>
+    <TaxCatchAll xmlns="a55c6545-c4b0-41ba-b65e-41037e7c803f"/>
+    <SharedWithUsers xmlns="b048c077-1ef5-43d8-8cbe-0087f6733556">
+      <UserInfo>
+        <DisplayName>Todos excepto los usuarios externos</DisplayName>
+        <AccountId>181</AccountId>
+        <AccountType/>
+      </UserInfo>
+    </SharedWithUsers>
+  </documentManagement>
+</p:properties>
+</file>
+
+<file path=customXml/item3.xml><?xml version="1.0" encoding="utf-8"?>
 <ct:contentTypeSchema xmlns:ct="http://schemas.microsoft.com/office/2006/metadata/contentType" xmlns:ma="http://schemas.microsoft.com/office/2006/metadata/properties/metaAttributes" ct:_="" ma:_="" ma:contentTypeName="Documento" ma:contentTypeID="0x01010011374B617ED0E840AAD9696600400A02" ma:contentTypeVersion="9" ma:contentTypeDescription="Crear nuevo documento." ma:contentTypeScope="" ma:versionID="250dcc0a2ebb02d44b4ddffdd32b7dd2">
   <xsd:schema xmlns:xsd="http://www.w3.org/2001/XMLSchema" xmlns:xs="http://www.w3.org/2001/XMLSchema" xmlns:p="http://schemas.microsoft.com/office/2006/metadata/properties" xmlns:ns2="a55c6545-c4b0-41ba-b65e-41037e7c803f" xmlns:ns3="b048c077-1ef5-43d8-8cbe-0087f6733556" targetNamespace="http://schemas.microsoft.com/office/2006/metadata/properties" ma:root="true" ma:fieldsID="7a367e56634011d3948e6870b2482d1c" ns2:_="" ns3:_="">
     <xsd:import namespace="a55c6545-c4b0-41ba-b65e-41037e7c803f"/>
@@ -21518,45 +21802,10 @@
 </ct:contentTypeSchema>
 </file>
 
-<file path=customXml/item2.xml><?xml version="1.0" encoding="utf-8"?>
-<p:properties xmlns:p="http://schemas.microsoft.com/office/2006/metadata/properties" xmlns:xsi="http://www.w3.org/2001/XMLSchema-instance" xmlns:pc="http://schemas.microsoft.com/office/infopath/2007/PartnerControls">
-  <documentManagement>
-    <TaxCatchAll xmlns="a55c6545-c4b0-41ba-b65e-41037e7c803f"/>
-    <SharedWithUsers xmlns="b048c077-1ef5-43d8-8cbe-0087f6733556">
-      <UserInfo>
-        <DisplayName>Todos excepto los usuarios externos</DisplayName>
-        <AccountId>181</AccountId>
-        <AccountType/>
-      </UserInfo>
-    </SharedWithUsers>
-  </documentManagement>
-</p:properties>
-</file>
-
-<file path=customXml/item3.xml><?xml version="1.0" encoding="utf-8"?>
-<?mso-contentType ?>
-<FormTemplates xmlns="http://schemas.microsoft.com/sharepoint/v3/contenttype/forms">
-  <Display>DocumentLibraryForm</Display>
-  <Edit>DocumentLibraryForm</Edit>
-  <New>DocumentLibraryForm</New>
-</FormTemplates>
-</file>
-
 <file path=customXml/itemProps1.xml><?xml version="1.0" encoding="utf-8"?>
-<ds:datastoreItem xmlns:ds="http://schemas.openxmlformats.org/officeDocument/2006/customXml" ds:itemID="{40B01907-E433-4243-9A3E-9E9101133288}">
+<ds:datastoreItem xmlns:ds="http://schemas.openxmlformats.org/officeDocument/2006/customXml" ds:itemID="{5313EA09-C0DC-4015-ABE0-A5612D75F864}">
   <ds:schemaRefs>
-    <ds:schemaRef ds:uri="http://schemas.microsoft.com/office/2006/metadata/contentType"/>
-    <ds:schemaRef ds:uri="http://schemas.microsoft.com/office/2006/metadata/properties/metaAttributes"/>
-    <ds:schemaRef ds:uri="http://www.w3.org/2001/XMLSchema"/>
-    <ds:schemaRef ds:uri="http://schemas.microsoft.com/office/2006/metadata/properties"/>
-    <ds:schemaRef ds:uri="a55c6545-c4b0-41ba-b65e-41037e7c803f"/>
-    <ds:schemaRef ds:uri="b048c077-1ef5-43d8-8cbe-0087f6733556"/>
-    <ds:schemaRef ds:uri="http://schemas.microsoft.com/office/2006/documentManagement/types"/>
-    <ds:schemaRef ds:uri="http://schemas.microsoft.com/office/infopath/2007/PartnerControls"/>
-    <ds:schemaRef ds:uri="http://schemas.openxmlformats.org/package/2006/metadata/core-properties"/>
-    <ds:schemaRef ds:uri="http://purl.org/dc/elements/1.1/"/>
-    <ds:schemaRef ds:uri="http://purl.org/dc/terms/"/>
-    <ds:schemaRef ds:uri="http://schemas.microsoft.com/internal/obd"/>
+    <ds:schemaRef ds:uri="http://schemas.microsoft.com/sharepoint/v3/contenttype/forms"/>
   </ds:schemaRefs>
 </ds:datastoreItem>
 </file>
@@ -21579,9 +21828,20 @@
 </file>
 
 <file path=customXml/itemProps3.xml><?xml version="1.0" encoding="utf-8"?>
-<ds:datastoreItem xmlns:ds="http://schemas.openxmlformats.org/officeDocument/2006/customXml" ds:itemID="{5313EA09-C0DC-4015-ABE0-A5612D75F864}">
+<ds:datastoreItem xmlns:ds="http://schemas.openxmlformats.org/officeDocument/2006/customXml" ds:itemID="{40B01907-E433-4243-9A3E-9E9101133288}">
   <ds:schemaRefs>
-    <ds:schemaRef ds:uri="http://schemas.microsoft.com/sharepoint/v3/contenttype/forms"/>
+    <ds:schemaRef ds:uri="http://schemas.microsoft.com/office/2006/metadata/contentType"/>
+    <ds:schemaRef ds:uri="http://schemas.microsoft.com/office/2006/metadata/properties/metaAttributes"/>
+    <ds:schemaRef ds:uri="http://www.w3.org/2001/XMLSchema"/>
+    <ds:schemaRef ds:uri="http://schemas.microsoft.com/office/2006/metadata/properties"/>
+    <ds:schemaRef ds:uri="a55c6545-c4b0-41ba-b65e-41037e7c803f"/>
+    <ds:schemaRef ds:uri="b048c077-1ef5-43d8-8cbe-0087f6733556"/>
+    <ds:schemaRef ds:uri="http://schemas.microsoft.com/office/2006/documentManagement/types"/>
+    <ds:schemaRef ds:uri="http://schemas.microsoft.com/office/infopath/2007/PartnerControls"/>
+    <ds:schemaRef ds:uri="http://schemas.openxmlformats.org/package/2006/metadata/core-properties"/>
+    <ds:schemaRef ds:uri="http://purl.org/dc/elements/1.1/"/>
+    <ds:schemaRef ds:uri="http://purl.org/dc/terms/"/>
+    <ds:schemaRef ds:uri="http://schemas.microsoft.com/internal/obd"/>
   </ds:schemaRefs>
 </ds:datastoreItem>
 </file>
--- a/resume.pptx
+++ b/resume.pptx
@@ -12,10 +12,10 @@
     <p:sldMasterId id="2147483696" r:id="rId11"/>
   </p:sldMasterIdLst>
   <p:notesMasterIdLst>
-    <p:notesMasterId r:id="rId29"/>
+    <p:notesMasterId r:id="rId39"/>
   </p:notesMasterIdLst>
   <p:handoutMasterIdLst>
-    <p:handoutMasterId r:id="rId30"/>
+    <p:handoutMasterId r:id="rId40"/>
   </p:handoutMasterIdLst>
   <p:sldIdLst>
     <p:sldId id="256" r:id="rId12"/>
@@ -34,7 +34,17 @@
     <p:sldId id="290" r:id="rId25"/>
     <p:sldId id="292" r:id="rId26"/>
     <p:sldId id="296" r:id="rId27"/>
-    <p:sldId id="272" r:id="rId28"/>
+    <p:sldId id="297" r:id="rId28"/>
+    <p:sldId id="298" r:id="rId29"/>
+    <p:sldId id="299" r:id="rId30"/>
+    <p:sldId id="300" r:id="rId31"/>
+    <p:sldId id="301" r:id="rId32"/>
+    <p:sldId id="302" r:id="rId33"/>
+    <p:sldId id="303" r:id="rId34"/>
+    <p:sldId id="304" r:id="rId35"/>
+    <p:sldId id="305" r:id="rId36"/>
+    <p:sldId id="306" r:id="rId37"/>
+    <p:sldId id="272" r:id="rId38"/>
   </p:sldIdLst>
   <p:sldSz cx="12192000" cy="6858000"/>
   <p:notesSz cx="6858000" cy="9144000"/>
@@ -135,7 +145,7 @@
   </p:defaultTextStyle>
   <p:extLst>
     <p:ext uri="{EFAFB233-063F-42B5-8137-9DF3F51BA10A}">
-      <p15:sldGuideLst xmlns:p15="http://schemas.microsoft.com/office/powerpoint/2012/main" xmlns="">
+      <p15:sldGuideLst xmlns="" xmlns:p15="http://schemas.microsoft.com/office/powerpoint/2012/main">
         <p15:guide id="1" orient="horz" pos="2160">
           <p15:clr>
             <a:srgbClr val="A4A3A4"/>
@@ -149,7 +159,7 @@
       </p15:sldGuideLst>
     </p:ext>
     <p:ext uri="{2D200454-40CA-4A62-9FC3-DE9A4176ACB9}">
-      <p15:notesGuideLst xmlns:p15="http://schemas.microsoft.com/office/powerpoint/2012/main" xmlns=""/>
+      <p15:notesGuideLst xmlns="" xmlns:p15="http://schemas.microsoft.com/office/powerpoint/2012/main"/>
     </p:ext>
   </p:extLst>
 </p:presentation>
@@ -15748,10 +15758,6 @@
               </a:rPr>
               <a:t>https://docs.npmjs.com/misc/scripts</a:t>
             </a:r>
-            <a:endParaRPr lang="en-US" sz="2200" dirty="0">
-              <a:latin typeface="Segoe UI Light" panose="020B0502040204020203" pitchFamily="34" charset="0"/>
-              <a:cs typeface="Segoe UI Light" panose="020B0502040204020203" pitchFamily="34" charset="0"/>
-            </a:endParaRPr>
           </a:p>
           <a:p>
             <a:pPr marL="457200" indent="-457200">
@@ -15917,10 +15923,6 @@
               </a:rPr>
               <a:t>https://docs.angularjs.org/guide/component </a:t>
             </a:r>
-            <a:endParaRPr lang="en-US" sz="2200" dirty="0">
-              <a:latin typeface="Segoe UI Light" panose="020B0502040204020203" pitchFamily="34" charset="0"/>
-              <a:cs typeface="Segoe UI Light" panose="020B0502040204020203" pitchFamily="34" charset="0"/>
-            </a:endParaRPr>
           </a:p>
         </p:txBody>
       </p:sp>
@@ -16590,21 +16592,7 @@
                 <a:latin typeface="Segoe UI Light" panose="020B0502040204020203" pitchFamily="34" charset="0"/>
                 <a:cs typeface="Segoe UI Light" panose="020B0502040204020203" pitchFamily="34" charset="0"/>
               </a:rPr>
-              <a:t>sets of one or more computer program modules </a:t>
-            </a:r>
-            <a:r>
-              <a:rPr lang="en-US" dirty="0">
-                <a:latin typeface="Segoe UI Light" panose="020B0502040204020203" pitchFamily="34" charset="0"/>
-                <a:cs typeface="Segoe UI Light" panose="020B0502040204020203" pitchFamily="34" charset="0"/>
-              </a:rPr>
-              <a:t>together, </a:t>
-            </a:r>
-            <a:r>
-              <a:rPr lang="en-US" dirty="0">
-                <a:latin typeface="Segoe UI Light" panose="020B0502040204020203" pitchFamily="34" charset="0"/>
-                <a:cs typeface="Segoe UI Light" panose="020B0502040204020203" pitchFamily="34" charset="0"/>
-              </a:rPr>
-              <a:t>are tested to determine whether they are fit for use</a:t>
+              <a:t>sets of one or more computer program modules together, are tested to determine whether they are fit for use</a:t>
             </a:r>
             <a:r>
               <a:rPr lang="en-US" dirty="0" smtClean="0">
@@ -16975,14 +16963,7 @@
                 <a:latin typeface="Segoe UI Light" panose="020B0502040204020203" pitchFamily="34" charset="0"/>
                 <a:cs typeface="Segoe UI Light" panose="020B0502040204020203" pitchFamily="34" charset="0"/>
               </a:rPr>
-              <a:t>Exercise 7b. </a:t>
-            </a:r>
-            <a:r>
-              <a:rPr lang="en-US" sz="2200" dirty="0" smtClean="0">
-                <a:latin typeface="Segoe UI Light" panose="020B0502040204020203" pitchFamily="34" charset="0"/>
-                <a:cs typeface="Segoe UI Light" panose="020B0502040204020203" pitchFamily="34" charset="0"/>
-              </a:rPr>
-              <a:t>Execute test create in exercise 7a to run through karma</a:t>
+              <a:t>Exercise 7b. Execute test create in exercise 7a to run through karma</a:t>
             </a:r>
           </a:p>
           <a:p>
@@ -17062,11 +17043,11 @@
               <a:t>Modify karma to load angular-mocks and jasmine </a:t>
             </a:r>
             <a:r>
-              <a:rPr lang="en-US" sz="2200" dirty="0" err="1" smtClean="0">
-                <a:latin typeface="Segoe UI Light" panose="020B0502040204020203" pitchFamily="34" charset="0"/>
-                <a:cs typeface="Segoe UI Light" panose="020B0502040204020203" pitchFamily="34" charset="0"/>
-              </a:rPr>
-              <a:t>lybrary</a:t>
+              <a:rPr lang="en-US" sz="2200" dirty="0" smtClean="0">
+                <a:latin typeface="Segoe UI Light" panose="020B0502040204020203" pitchFamily="34" charset="0"/>
+                <a:cs typeface="Segoe UI Light" panose="020B0502040204020203" pitchFamily="34" charset="0"/>
+              </a:rPr>
+              <a:t>library</a:t>
             </a:r>
             <a:endParaRPr lang="en-US" sz="2200" dirty="0" smtClean="0">
               <a:latin typeface="Segoe UI Light" panose="020B0502040204020203" pitchFamily="34" charset="0"/>
@@ -17122,70 +17103,812 @@
           <a:chExt cx="0" cy="0"/>
         </a:xfrm>
       </p:grpSpPr>
-      <p:pic>
-        <p:nvPicPr>
-          <p:cNvPr id="3" name="Picture 2"/>
-          <p:cNvPicPr>
-            <a:picLocks noChangeAspect="1"/>
-          </p:cNvPicPr>
+      <p:sp>
+        <p:nvSpPr>
+          <p:cNvPr id="2" name="Título 1"/>
+          <p:cNvSpPr>
+            <a:spLocks noGrp="1"/>
+          </p:cNvSpPr>
+          <p:nvPr>
+            <p:ph type="title"/>
+          </p:nvPr>
+        </p:nvSpPr>
+        <p:spPr/>
+        <p:txBody>
+          <a:bodyPr/>
+          <a:lstStyle/>
+          <a:p>
+            <a:r>
+              <a:rPr lang="en-US" dirty="0" smtClean="0"/>
+              <a:t>Components</a:t>
+            </a:r>
+            <a:endParaRPr lang="en-US" dirty="0"/>
+          </a:p>
+        </p:txBody>
+      </p:sp>
+      <p:sp>
+        <p:nvSpPr>
+          <p:cNvPr id="3" name="Rectángulo 2"/>
+          <p:cNvSpPr/>
           <p:nvPr/>
-        </p:nvPicPr>
-        <p:blipFill>
-          <a:blip r:embed="rId2"/>
-          <a:stretch>
-            <a:fillRect/>
-          </a:stretch>
-        </p:blipFill>
+        </p:nvSpPr>
         <p:spPr>
           <a:xfrm>
-            <a:off x="3193367" y="4344848"/>
-            <a:ext cx="6484838" cy="1403934"/>
+            <a:off x="1232647" y="1690688"/>
+            <a:ext cx="10291482" cy="1785104"/>
           </a:xfrm>
           <a:prstGeom prst="rect">
             <a:avLst/>
           </a:prstGeom>
         </p:spPr>
-      </p:pic>
-      <p:sp>
-        <p:nvSpPr>
-          <p:cNvPr id="5" name="Text Placeholder 4"/>
-          <p:cNvSpPr>
-            <a:spLocks noGrp="1"/>
-          </p:cNvSpPr>
-          <p:nvPr>
-            <p:ph type="body" sz="quarter" idx="11"/>
-          </p:nvPr>
-        </p:nvSpPr>
-        <p:spPr>
-          <a:xfrm>
-            <a:off x="945245" y="3465146"/>
-            <a:ext cx="10515600" cy="523875"/>
-          </a:xfrm>
-        </p:spPr>
         <p:txBody>
-          <a:bodyPr/>
+          <a:bodyPr wrap="square">
+            <a:spAutoFit/>
+          </a:bodyPr>
           <a:lstStyle/>
           <a:p>
-            <a:r>
-              <a:rPr lang="es-ES" sz="2400" dirty="0">
-                <a:latin typeface="Segoe UI Light" panose="020B0502040204020203" pitchFamily="34" charset="0"/>
-                <a:cs typeface="Segoe UI Light" panose="020B0502040204020203" pitchFamily="34" charset="0"/>
-              </a:rPr>
-              <a:t>Muchas gracias por tu confianza</a:t>
-            </a:r>
+            <a:pPr marL="342900" indent="-342900">
+              <a:buFont typeface="Arial" panose="020B0604020202020204" pitchFamily="34" charset="0"/>
+              <a:buChar char="•"/>
+            </a:pPr>
+            <a:r>
+              <a:rPr lang="en-US" sz="2200" dirty="0" smtClean="0">
+                <a:latin typeface="Segoe UI Light" panose="020B0502040204020203" pitchFamily="34" charset="0"/>
+                <a:cs typeface="Segoe UI Light" panose="020B0502040204020203" pitchFamily="34" charset="0"/>
+              </a:rPr>
+              <a:t>Angular is switching from a MVW architecture to another based in components.</a:t>
+            </a:r>
+          </a:p>
+          <a:p>
+            <a:pPr marL="342900" indent="-342900">
+              <a:buFont typeface="Arial" panose="020B0604020202020204" pitchFamily="34" charset="0"/>
+              <a:buChar char="•"/>
+            </a:pPr>
+            <a:r>
+              <a:rPr lang="en-US" sz="2200" dirty="0" smtClean="0">
+                <a:latin typeface="Segoe UI Light" panose="020B0502040204020203" pitchFamily="34" charset="0"/>
+                <a:cs typeface="Segoe UI Light" panose="020B0502040204020203" pitchFamily="34" charset="0"/>
+              </a:rPr>
+              <a:t>I angular 1.5 we had components that are basically simplified directives, that allow us to made a more easy transition to angular 2.0</a:t>
+            </a:r>
+          </a:p>
+          <a:p>
+            <a:pPr marL="342900" indent="-342900">
+              <a:buFont typeface="Arial" panose="020B0604020202020204" pitchFamily="34" charset="0"/>
+              <a:buChar char="•"/>
+            </a:pPr>
+            <a:r>
+              <a:rPr lang="es-ES" sz="2200" dirty="0" err="1" smtClean="0">
+                <a:latin typeface="Segoe UI Light" panose="020B0502040204020203" pitchFamily="34" charset="0"/>
+                <a:cs typeface="Segoe UI Light" panose="020B0502040204020203" pitchFamily="34" charset="0"/>
+              </a:rPr>
+              <a:t>Exercise</a:t>
+            </a:r>
+            <a:r>
+              <a:rPr lang="es-ES" sz="2200" dirty="0" smtClean="0">
+                <a:latin typeface="Segoe UI Light" panose="020B0502040204020203" pitchFamily="34" charset="0"/>
+                <a:cs typeface="Segoe UI Light" panose="020B0502040204020203" pitchFamily="34" charset="0"/>
+              </a:rPr>
+              <a:t> 8. </a:t>
+            </a:r>
+            <a:r>
+              <a:rPr lang="es-ES" sz="2200" dirty="0" err="1" smtClean="0">
+                <a:latin typeface="Segoe UI Light" panose="020B0502040204020203" pitchFamily="34" charset="0"/>
+                <a:cs typeface="Segoe UI Light" panose="020B0502040204020203" pitchFamily="34" charset="0"/>
+              </a:rPr>
+              <a:t>Refactor</a:t>
+            </a:r>
+            <a:r>
+              <a:rPr lang="es-ES" sz="2200" dirty="0" smtClean="0">
+                <a:latin typeface="Segoe UI Light" panose="020B0502040204020203" pitchFamily="34" charset="0"/>
+                <a:cs typeface="Segoe UI Light" panose="020B0502040204020203" pitchFamily="34" charset="0"/>
+              </a:rPr>
+              <a:t> </a:t>
+            </a:r>
+            <a:r>
+              <a:rPr lang="es-ES" sz="2200" dirty="0" err="1" smtClean="0">
+                <a:latin typeface="Segoe UI Light" panose="020B0502040204020203" pitchFamily="34" charset="0"/>
+                <a:cs typeface="Segoe UI Light" panose="020B0502040204020203" pitchFamily="34" charset="0"/>
+              </a:rPr>
+              <a:t>code</a:t>
+            </a:r>
+            <a:r>
+              <a:rPr lang="es-ES" sz="2200" dirty="0" smtClean="0">
+                <a:latin typeface="Segoe UI Light" panose="020B0502040204020203" pitchFamily="34" charset="0"/>
+                <a:cs typeface="Segoe UI Light" panose="020B0502040204020203" pitchFamily="34" charset="0"/>
+              </a:rPr>
+              <a:t> </a:t>
+            </a:r>
+            <a:r>
+              <a:rPr lang="es-ES" sz="2200" dirty="0" err="1" smtClean="0">
+                <a:latin typeface="Segoe UI Light" panose="020B0502040204020203" pitchFamily="34" charset="0"/>
+                <a:cs typeface="Segoe UI Light" panose="020B0502040204020203" pitchFamily="34" charset="0"/>
+              </a:rPr>
+              <a:t>into</a:t>
+            </a:r>
+            <a:r>
+              <a:rPr lang="es-ES" sz="2200" dirty="0" smtClean="0">
+                <a:latin typeface="Segoe UI Light" panose="020B0502040204020203" pitchFamily="34" charset="0"/>
+                <a:cs typeface="Segoe UI Light" panose="020B0502040204020203" pitchFamily="34" charset="0"/>
+              </a:rPr>
+              <a:t> </a:t>
+            </a:r>
+            <a:r>
+              <a:rPr lang="es-ES" sz="2200" dirty="0" err="1" smtClean="0">
+                <a:latin typeface="Segoe UI Light" panose="020B0502040204020203" pitchFamily="34" charset="0"/>
+                <a:cs typeface="Segoe UI Light" panose="020B0502040204020203" pitchFamily="34" charset="0"/>
+              </a:rPr>
+              <a:t>component</a:t>
+            </a:r>
+            <a:endParaRPr lang="es-ES" sz="2200" dirty="0" smtClean="0">
+              <a:latin typeface="Segoe UI Light" panose="020B0502040204020203" pitchFamily="34" charset="0"/>
+              <a:cs typeface="Segoe UI Light" panose="020B0502040204020203" pitchFamily="34" charset="0"/>
+            </a:endParaRPr>
+          </a:p>
+          <a:p>
+            <a:pPr marL="342900" indent="-342900">
+              <a:buFont typeface="Arial" panose="020B0604020202020204" pitchFamily="34" charset="0"/>
+              <a:buChar char="•"/>
+            </a:pPr>
+            <a:r>
+              <a:rPr lang="en-US" sz="2200" dirty="0">
+                <a:latin typeface="Segoe UI Light" panose="020B0502040204020203" pitchFamily="34" charset="0"/>
+                <a:cs typeface="Segoe UI Light" panose="020B0502040204020203" pitchFamily="34" charset="0"/>
+              </a:rPr>
+              <a:t>https://docs.angularjs.org/guide/component</a:t>
+            </a:r>
+            <a:endParaRPr lang="en-US" sz="2200" dirty="0" smtClean="0">
+              <a:latin typeface="Segoe UI Light" panose="020B0502040204020203" pitchFamily="34" charset="0"/>
+              <a:cs typeface="Segoe UI Light" panose="020B0502040204020203" pitchFamily="34" charset="0"/>
+            </a:endParaRPr>
           </a:p>
         </p:txBody>
       </p:sp>
     </p:spTree>
     <p:extLst>
       <p:ext uri="{BB962C8B-B14F-4D97-AF65-F5344CB8AC3E}">
-        <p14:creationId xmlns:p14="http://schemas.microsoft.com/office/powerpoint/2010/main" val="3345879006"/>
+        <p14:creationId xmlns:p14="http://schemas.microsoft.com/office/powerpoint/2010/main" val="2313316537"/>
       </p:ext>
     </p:extLst>
   </p:cSld>
   <p:clrMapOvr>
     <a:masterClrMapping/>
   </p:clrMapOvr>
+  <p:timing>
+    <p:tnLst>
+      <p:par>
+        <p:cTn id="1" dur="indefinite" restart="never" nodeType="tmRoot"/>
+      </p:par>
+    </p:tnLst>
+  </p:timing>
+</p:sld>
+</file>
+
+<file path=ppt/slides/slide18.xml><?xml version="1.0" encoding="utf-8"?>
+<p:sld xmlns:a="http://schemas.openxmlformats.org/drawingml/2006/main" xmlns:r="http://schemas.openxmlformats.org/officeDocument/2006/relationships" xmlns:p="http://schemas.openxmlformats.org/presentationml/2006/main">
+  <p:cSld>
+    <p:spTree>
+      <p:nvGrpSpPr>
+        <p:cNvPr id="1" name=""/>
+        <p:cNvGrpSpPr/>
+        <p:nvPr/>
+      </p:nvGrpSpPr>
+      <p:grpSpPr>
+        <a:xfrm>
+          <a:off x="0" y="0"/>
+          <a:ext cx="0" cy="0"/>
+          <a:chOff x="0" y="0"/>
+          <a:chExt cx="0" cy="0"/>
+        </a:xfrm>
+      </p:grpSpPr>
+      <p:sp>
+        <p:nvSpPr>
+          <p:cNvPr id="2" name="Título 1"/>
+          <p:cNvSpPr>
+            <a:spLocks noGrp="1"/>
+          </p:cNvSpPr>
+          <p:nvPr>
+            <p:ph type="title"/>
+          </p:nvPr>
+        </p:nvSpPr>
+        <p:spPr/>
+        <p:txBody>
+          <a:bodyPr/>
+          <a:lstStyle/>
+          <a:p>
+            <a:r>
+              <a:rPr lang="en-US" dirty="0" smtClean="0"/>
+              <a:t>Structuring app</a:t>
+            </a:r>
+            <a:endParaRPr lang="en-US" dirty="0"/>
+          </a:p>
+        </p:txBody>
+      </p:sp>
+      <p:sp>
+        <p:nvSpPr>
+          <p:cNvPr id="3" name="Rectángulo 2"/>
+          <p:cNvSpPr/>
+          <p:nvPr/>
+        </p:nvSpPr>
+        <p:spPr>
+          <a:xfrm>
+            <a:off x="1232647" y="1690688"/>
+            <a:ext cx="10291482" cy="6524863"/>
+          </a:xfrm>
+          <a:prstGeom prst="rect">
+            <a:avLst/>
+          </a:prstGeom>
+        </p:spPr>
+        <p:txBody>
+          <a:bodyPr wrap="square">
+            <a:spAutoFit/>
+          </a:bodyPr>
+          <a:lstStyle/>
+          <a:p>
+            <a:pPr marL="342900" indent="-342900">
+              <a:buFont typeface="Arial" panose="020B0604020202020204" pitchFamily="34" charset="0"/>
+              <a:buChar char="•"/>
+            </a:pPr>
+            <a:r>
+              <a:rPr lang="en-US" sz="2200" dirty="0" smtClean="0">
+                <a:latin typeface="Segoe UI Light" panose="020B0502040204020203" pitchFamily="34" charset="0"/>
+                <a:cs typeface="Segoe UI Light" panose="020B0502040204020203" pitchFamily="34" charset="0"/>
+              </a:rPr>
+              <a:t>The most popular guide for best practices in angular is</a:t>
+            </a:r>
+            <a:r>
+              <a:rPr lang="en-US" sz="2200" dirty="0" smtClean="0">
+                <a:latin typeface="Segoe UI Light" panose="020B0502040204020203" pitchFamily="34" charset="0"/>
+                <a:cs typeface="Segoe UI Light" panose="020B0502040204020203" pitchFamily="34" charset="0"/>
+              </a:rPr>
+              <a:t> </a:t>
+            </a:r>
+            <a:r>
+              <a:rPr lang="en-US" sz="2200" dirty="0" smtClean="0">
+                <a:latin typeface="Segoe UI Light" panose="020B0502040204020203" pitchFamily="34" charset="0"/>
+                <a:cs typeface="Segoe UI Light" panose="020B0502040204020203" pitchFamily="34" charset="0"/>
+                <a:hlinkClick r:id="rId2"/>
+              </a:rPr>
+              <a:t>https://github.com/johnpapa/angular-styleguide/blob/master/a1/README.md</a:t>
+            </a:r>
+            <a:endParaRPr lang="en-US" sz="2200" dirty="0" smtClean="0">
+              <a:latin typeface="Segoe UI Light" panose="020B0502040204020203" pitchFamily="34" charset="0"/>
+              <a:cs typeface="Segoe UI Light" panose="020B0502040204020203" pitchFamily="34" charset="0"/>
+            </a:endParaRPr>
+          </a:p>
+          <a:p>
+            <a:pPr marL="342900" indent="-342900">
+              <a:buFont typeface="Arial" panose="020B0604020202020204" pitchFamily="34" charset="0"/>
+              <a:buChar char="•"/>
+            </a:pPr>
+            <a:r>
+              <a:rPr lang="en-US" sz="2200" dirty="0" smtClean="0">
+                <a:latin typeface="Segoe UI Light" panose="020B0502040204020203" pitchFamily="34" charset="0"/>
+                <a:cs typeface="Segoe UI Light" panose="020B0502040204020203" pitchFamily="34" charset="0"/>
+              </a:rPr>
+              <a:t>The recommendation to structure the application is to do folders by feature structure (Y152)</a:t>
+            </a:r>
+          </a:p>
+          <a:p>
+            <a:pPr marL="342900" indent="-342900">
+              <a:buFont typeface="Arial" panose="020B0604020202020204" pitchFamily="34" charset="0"/>
+              <a:buChar char="•"/>
+            </a:pPr>
+            <a:r>
+              <a:rPr lang="en-US" sz="2200" dirty="0" smtClean="0">
+                <a:latin typeface="Segoe UI Light" panose="020B0502040204020203" pitchFamily="34" charset="0"/>
+                <a:cs typeface="Segoe UI Light" panose="020B0502040204020203" pitchFamily="34" charset="0"/>
+              </a:rPr>
+              <a:t>For typescript it is recommended to use “barrels” for exports https://angular.io/styleguide Style 04-10 </a:t>
+            </a:r>
+          </a:p>
+          <a:p>
+            <a:pPr marL="342900" indent="-342900">
+              <a:buFont typeface="Arial" panose="020B0604020202020204" pitchFamily="34" charset="0"/>
+              <a:buChar char="•"/>
+            </a:pPr>
+            <a:endParaRPr lang="en-US" sz="2200" dirty="0" smtClean="0">
+              <a:latin typeface="Segoe UI Light" panose="020B0502040204020203" pitchFamily="34" charset="0"/>
+              <a:cs typeface="Segoe UI Light" panose="020B0502040204020203" pitchFamily="34" charset="0"/>
+            </a:endParaRPr>
+          </a:p>
+          <a:p>
+            <a:pPr marL="342900" indent="-342900">
+              <a:buFont typeface="Arial" panose="020B0604020202020204" pitchFamily="34" charset="0"/>
+              <a:buChar char="•"/>
+            </a:pPr>
+            <a:r>
+              <a:rPr lang="en-US" sz="2200" dirty="0" smtClean="0">
+                <a:latin typeface="Segoe UI Light" panose="020B0502040204020203" pitchFamily="34" charset="0"/>
+                <a:cs typeface="Segoe UI Light" panose="020B0502040204020203" pitchFamily="34" charset="0"/>
+              </a:rPr>
+              <a:t>Exercise 9 restructure app to follow the structure</a:t>
+            </a:r>
+          </a:p>
+          <a:p>
+            <a:r>
+              <a:rPr lang="en-US" sz="2200" dirty="0" smtClean="0">
+                <a:latin typeface="Segoe UI Light" panose="020B0502040204020203" pitchFamily="34" charset="0"/>
+                <a:cs typeface="Segoe UI Light" panose="020B0502040204020203" pitchFamily="34" charset="0"/>
+              </a:rPr>
+              <a:t>	/Index.html</a:t>
+            </a:r>
+          </a:p>
+          <a:p>
+            <a:r>
+              <a:rPr lang="en-US" sz="2200" dirty="0" smtClean="0">
+                <a:latin typeface="Segoe UI Light" panose="020B0502040204020203" pitchFamily="34" charset="0"/>
+                <a:cs typeface="Segoe UI Light" panose="020B0502040204020203" pitchFamily="34" charset="0"/>
+              </a:rPr>
+              <a:t>	/app/</a:t>
+            </a:r>
+          </a:p>
+          <a:p>
+            <a:r>
+              <a:rPr lang="en-US" sz="2200" dirty="0" smtClean="0">
+                <a:latin typeface="Segoe UI Light" panose="020B0502040204020203" pitchFamily="34" charset="0"/>
+                <a:cs typeface="Segoe UI Light" panose="020B0502040204020203" pitchFamily="34" charset="0"/>
+              </a:rPr>
+              <a:t>		</a:t>
+            </a:r>
+            <a:r>
+              <a:rPr lang="en-US" sz="2200" dirty="0" err="1" smtClean="0">
+                <a:latin typeface="Segoe UI Light" panose="020B0502040204020203" pitchFamily="34" charset="0"/>
+                <a:cs typeface="Segoe UI Light" panose="020B0502040204020203" pitchFamily="34" charset="0"/>
+              </a:rPr>
+              <a:t>index.ts</a:t>
+            </a:r>
+            <a:endParaRPr lang="en-US" sz="2200" dirty="0" smtClean="0">
+              <a:latin typeface="Segoe UI Light" panose="020B0502040204020203" pitchFamily="34" charset="0"/>
+              <a:cs typeface="Segoe UI Light" panose="020B0502040204020203" pitchFamily="34" charset="0"/>
+            </a:endParaRPr>
+          </a:p>
+          <a:p>
+            <a:r>
+              <a:rPr lang="en-US" sz="2200" dirty="0" smtClean="0">
+                <a:latin typeface="Segoe UI Light" panose="020B0502040204020203" pitchFamily="34" charset="0"/>
+                <a:cs typeface="Segoe UI Light" panose="020B0502040204020203" pitchFamily="34" charset="0"/>
+              </a:rPr>
+              <a:t>		/movies-list/</a:t>
+            </a:r>
+          </a:p>
+          <a:p>
+            <a:pPr lvl="5"/>
+            <a:r>
+              <a:rPr lang="en-US" sz="2200" dirty="0" err="1" smtClean="0">
+                <a:latin typeface="Segoe UI Light" panose="020B0502040204020203" pitchFamily="34" charset="0"/>
+                <a:cs typeface="Segoe UI Light" panose="020B0502040204020203" pitchFamily="34" charset="0"/>
+              </a:rPr>
+              <a:t>Index.ts</a:t>
+            </a:r>
+            <a:endParaRPr lang="en-US" sz="2200" dirty="0" smtClean="0">
+              <a:latin typeface="Segoe UI Light" panose="020B0502040204020203" pitchFamily="34" charset="0"/>
+              <a:cs typeface="Segoe UI Light" panose="020B0502040204020203" pitchFamily="34" charset="0"/>
+            </a:endParaRPr>
+          </a:p>
+          <a:p>
+            <a:pPr lvl="5"/>
+            <a:r>
+              <a:rPr lang="en-US" sz="2200" dirty="0" smtClean="0">
+                <a:latin typeface="Segoe UI Light" panose="020B0502040204020203" pitchFamily="34" charset="0"/>
+                <a:cs typeface="Segoe UI Light" panose="020B0502040204020203" pitchFamily="34" charset="0"/>
+              </a:rPr>
+              <a:t>Movies-</a:t>
+            </a:r>
+            <a:r>
+              <a:rPr lang="en-US" sz="2200" dirty="0" err="1" smtClean="0">
+                <a:latin typeface="Segoe UI Light" panose="020B0502040204020203" pitchFamily="34" charset="0"/>
+                <a:cs typeface="Segoe UI Light" panose="020B0502040204020203" pitchFamily="34" charset="0"/>
+              </a:rPr>
+              <a:t>list.component.ts</a:t>
+            </a:r>
+            <a:endParaRPr lang="en-US" sz="2200" dirty="0" smtClean="0">
+              <a:latin typeface="Segoe UI Light" panose="020B0502040204020203" pitchFamily="34" charset="0"/>
+              <a:cs typeface="Segoe UI Light" panose="020B0502040204020203" pitchFamily="34" charset="0"/>
+            </a:endParaRPr>
+          </a:p>
+          <a:p>
+            <a:pPr lvl="5"/>
+            <a:r>
+              <a:rPr lang="en-US" sz="2200" dirty="0" smtClean="0">
+                <a:latin typeface="Segoe UI Light" panose="020B0502040204020203" pitchFamily="34" charset="0"/>
+                <a:cs typeface="Segoe UI Light" panose="020B0502040204020203" pitchFamily="34" charset="0"/>
+              </a:rPr>
+              <a:t>Movies-</a:t>
+            </a:r>
+            <a:r>
+              <a:rPr lang="en-US" sz="2200" dirty="0" err="1" smtClean="0">
+                <a:latin typeface="Segoe UI Light" panose="020B0502040204020203" pitchFamily="34" charset="0"/>
+                <a:cs typeface="Segoe UI Light" panose="020B0502040204020203" pitchFamily="34" charset="0"/>
+              </a:rPr>
+              <a:t>list.component.js.ts</a:t>
+            </a:r>
+            <a:endParaRPr lang="en-US" sz="2200" dirty="0" smtClean="0">
+              <a:latin typeface="Segoe UI Light" panose="020B0502040204020203" pitchFamily="34" charset="0"/>
+              <a:cs typeface="Segoe UI Light" panose="020B0502040204020203" pitchFamily="34" charset="0"/>
+            </a:endParaRPr>
+          </a:p>
+          <a:p>
+            <a:pPr lvl="5"/>
+            <a:endParaRPr lang="en-US" sz="2200" dirty="0" smtClean="0">
+              <a:latin typeface="Segoe UI Light" panose="020B0502040204020203" pitchFamily="34" charset="0"/>
+              <a:cs typeface="Segoe UI Light" panose="020B0502040204020203" pitchFamily="34" charset="0"/>
+            </a:endParaRPr>
+          </a:p>
+          <a:p>
+            <a:endParaRPr lang="en-US" sz="2200" dirty="0" smtClean="0">
+              <a:latin typeface="Segoe UI Light" panose="020B0502040204020203" pitchFamily="34" charset="0"/>
+              <a:cs typeface="Segoe UI Light" panose="020B0502040204020203" pitchFamily="34" charset="0"/>
+            </a:endParaRPr>
+          </a:p>
+          <a:p>
+            <a:pPr marL="342900" indent="-342900">
+              <a:buFont typeface="Arial" panose="020B0604020202020204" pitchFamily="34" charset="0"/>
+              <a:buChar char="•"/>
+            </a:pPr>
+            <a:endParaRPr lang="en-US" sz="2200" dirty="0" smtClean="0">
+              <a:latin typeface="Segoe UI Light" panose="020B0502040204020203" pitchFamily="34" charset="0"/>
+              <a:cs typeface="Segoe UI Light" panose="020B0502040204020203" pitchFamily="34" charset="0"/>
+            </a:endParaRPr>
+          </a:p>
+          <a:p>
+            <a:pPr marL="342900" indent="-342900">
+              <a:buFont typeface="Arial" panose="020B0604020202020204" pitchFamily="34" charset="0"/>
+              <a:buChar char="•"/>
+            </a:pPr>
+            <a:endParaRPr lang="en-US" sz="2200" dirty="0" smtClean="0">
+              <a:latin typeface="Segoe UI Light" panose="020B0502040204020203" pitchFamily="34" charset="0"/>
+              <a:cs typeface="Segoe UI Light" panose="020B0502040204020203" pitchFamily="34" charset="0"/>
+            </a:endParaRPr>
+          </a:p>
+        </p:txBody>
+      </p:sp>
+    </p:spTree>
+    <p:extLst>
+      <p:ext uri="{BB962C8B-B14F-4D97-AF65-F5344CB8AC3E}">
+        <p14:creationId xmlns:p14="http://schemas.microsoft.com/office/powerpoint/2010/main" val="3260770415"/>
+      </p:ext>
+    </p:extLst>
+  </p:cSld>
+  <p:clrMapOvr>
+    <a:masterClrMapping/>
+  </p:clrMapOvr>
+  <p:timing>
+    <p:tnLst>
+      <p:par>
+        <p:cTn id="1" dur="indefinite" restart="never" nodeType="tmRoot"/>
+      </p:par>
+    </p:tnLst>
+  </p:timing>
+</p:sld>
+</file>
+
+<file path=ppt/slides/slide19.xml><?xml version="1.0" encoding="utf-8"?>
+<p:sld xmlns:a="http://schemas.openxmlformats.org/drawingml/2006/main" xmlns:r="http://schemas.openxmlformats.org/officeDocument/2006/relationships" xmlns:p="http://schemas.openxmlformats.org/presentationml/2006/main">
+  <p:cSld>
+    <p:spTree>
+      <p:nvGrpSpPr>
+        <p:cNvPr id="1" name=""/>
+        <p:cNvGrpSpPr/>
+        <p:nvPr/>
+      </p:nvGrpSpPr>
+      <p:grpSpPr>
+        <a:xfrm>
+          <a:off x="0" y="0"/>
+          <a:ext cx="0" cy="0"/>
+          <a:chOff x="0" y="0"/>
+          <a:chExt cx="0" cy="0"/>
+        </a:xfrm>
+      </p:grpSpPr>
+      <p:sp>
+        <p:nvSpPr>
+          <p:cNvPr id="2" name="Título 1"/>
+          <p:cNvSpPr>
+            <a:spLocks noGrp="1"/>
+          </p:cNvSpPr>
+          <p:nvPr>
+            <p:ph type="title"/>
+          </p:nvPr>
+        </p:nvSpPr>
+        <p:spPr/>
+        <p:txBody>
+          <a:bodyPr/>
+          <a:lstStyle/>
+          <a:p>
+            <a:r>
+              <a:rPr lang="en-US" dirty="0" smtClean="0"/>
+              <a:t>XHR, promises</a:t>
+            </a:r>
+            <a:endParaRPr lang="en-US" dirty="0"/>
+          </a:p>
+        </p:txBody>
+      </p:sp>
+      <p:sp>
+        <p:nvSpPr>
+          <p:cNvPr id="3" name="Rectángulo 2"/>
+          <p:cNvSpPr/>
+          <p:nvPr/>
+        </p:nvSpPr>
+        <p:spPr>
+          <a:xfrm>
+            <a:off x="1232647" y="1690688"/>
+            <a:ext cx="10291482" cy="5170646"/>
+          </a:xfrm>
+          <a:prstGeom prst="rect">
+            <a:avLst/>
+          </a:prstGeom>
+        </p:spPr>
+        <p:txBody>
+          <a:bodyPr wrap="square">
+            <a:spAutoFit/>
+          </a:bodyPr>
+          <a:lstStyle/>
+          <a:p>
+            <a:pPr marL="342900" indent="-342900">
+              <a:buFont typeface="Arial" panose="020B0604020202020204" pitchFamily="34" charset="0"/>
+              <a:buChar char="•"/>
+            </a:pPr>
+            <a:r>
+              <a:rPr lang="en-US" sz="2200" b="1" dirty="0" err="1" smtClean="0">
+                <a:latin typeface="Segoe UI Light" panose="020B0502040204020203" pitchFamily="34" charset="0"/>
+                <a:cs typeface="Segoe UI Light" panose="020B0502040204020203" pitchFamily="34" charset="0"/>
+              </a:rPr>
+              <a:t>XmlHttpRequest</a:t>
+            </a:r>
+            <a:r>
+              <a:rPr lang="en-US" sz="2200" dirty="0" smtClean="0">
+                <a:latin typeface="Segoe UI Light" panose="020B0502040204020203" pitchFamily="34" charset="0"/>
+                <a:cs typeface="Segoe UI Light" panose="020B0502040204020203" pitchFamily="34" charset="0"/>
+              </a:rPr>
+              <a:t>: It is the way that we will ask data to </a:t>
+            </a:r>
+            <a:r>
+              <a:rPr lang="en-US" sz="2200" dirty="0">
+                <a:latin typeface="Segoe UI Light" panose="020B0502040204020203" pitchFamily="34" charset="0"/>
+                <a:cs typeface="Segoe UI Light" panose="020B0502040204020203" pitchFamily="34" charset="0"/>
+              </a:rPr>
+              <a:t>the servers https://en.wikipedia.org/wiki/XMLHttpRequest</a:t>
+            </a:r>
+            <a:endParaRPr lang="en-US" sz="2200" dirty="0" smtClean="0">
+              <a:latin typeface="Segoe UI Light" panose="020B0502040204020203" pitchFamily="34" charset="0"/>
+              <a:cs typeface="Segoe UI Light" panose="020B0502040204020203" pitchFamily="34" charset="0"/>
+            </a:endParaRPr>
+          </a:p>
+          <a:p>
+            <a:pPr marL="342900" indent="-342900">
+              <a:buFont typeface="Arial" panose="020B0604020202020204" pitchFamily="34" charset="0"/>
+              <a:buChar char="•"/>
+            </a:pPr>
+            <a:r>
+              <a:rPr lang="en-US" sz="2200" b="1" dirty="0" smtClean="0">
+                <a:latin typeface="Segoe UI Light" panose="020B0502040204020203" pitchFamily="34" charset="0"/>
+                <a:cs typeface="Segoe UI Light" panose="020B0502040204020203" pitchFamily="34" charset="0"/>
+              </a:rPr>
+              <a:t>Promises</a:t>
+            </a:r>
+            <a:r>
+              <a:rPr lang="en-US" sz="2200" dirty="0" smtClean="0">
+                <a:latin typeface="Segoe UI Light" panose="020B0502040204020203" pitchFamily="34" charset="0"/>
+                <a:cs typeface="Segoe UI Light" panose="020B0502040204020203" pitchFamily="34" charset="0"/>
+              </a:rPr>
+              <a:t>: a way to execute asynchronous </a:t>
+            </a:r>
+            <a:r>
+              <a:rPr lang="en-US" sz="2200" dirty="0">
+                <a:latin typeface="Segoe UI Light" panose="020B0502040204020203" pitchFamily="34" charset="0"/>
+                <a:cs typeface="Segoe UI Light" panose="020B0502040204020203" pitchFamily="34" charset="0"/>
+              </a:rPr>
+              <a:t>code </a:t>
+            </a:r>
+            <a:r>
+              <a:rPr lang="en-US" sz="2200" dirty="0">
+                <a:latin typeface="Segoe UI Light" panose="020B0502040204020203" pitchFamily="34" charset="0"/>
+                <a:cs typeface="Segoe UI Light" panose="020B0502040204020203" pitchFamily="34" charset="0"/>
+                <a:hlinkClick r:id="rId2"/>
+              </a:rPr>
+              <a:t>https://docs.angularjs.org/api/ng/service/$</a:t>
+            </a:r>
+            <a:r>
+              <a:rPr lang="en-US" sz="2200" dirty="0" smtClean="0">
+                <a:latin typeface="Segoe UI Light" panose="020B0502040204020203" pitchFamily="34" charset="0"/>
+                <a:cs typeface="Segoe UI Light" panose="020B0502040204020203" pitchFamily="34" charset="0"/>
+                <a:hlinkClick r:id="rId2"/>
+              </a:rPr>
+              <a:t>q</a:t>
+            </a:r>
+            <a:endParaRPr lang="en-US" sz="2200" dirty="0" smtClean="0">
+              <a:latin typeface="Segoe UI Light" panose="020B0502040204020203" pitchFamily="34" charset="0"/>
+              <a:cs typeface="Segoe UI Light" panose="020B0502040204020203" pitchFamily="34" charset="0"/>
+            </a:endParaRPr>
+          </a:p>
+          <a:p>
+            <a:pPr marL="342900" indent="-342900">
+              <a:buFont typeface="Arial" panose="020B0604020202020204" pitchFamily="34" charset="0"/>
+              <a:buChar char="•"/>
+            </a:pPr>
+            <a:endParaRPr lang="en-US" sz="2200" dirty="0">
+              <a:latin typeface="Segoe UI Light" panose="020B0502040204020203" pitchFamily="34" charset="0"/>
+              <a:cs typeface="Segoe UI Light" panose="020B0502040204020203" pitchFamily="34" charset="0"/>
+            </a:endParaRPr>
+          </a:p>
+          <a:p>
+            <a:pPr marL="342900" indent="-342900">
+              <a:buFont typeface="Arial" panose="020B0604020202020204" pitchFamily="34" charset="0"/>
+              <a:buChar char="•"/>
+            </a:pPr>
+            <a:r>
+              <a:rPr lang="en-US" sz="2200" dirty="0" smtClean="0">
+                <a:latin typeface="Segoe UI Light" panose="020B0502040204020203" pitchFamily="34" charset="0"/>
+                <a:cs typeface="Segoe UI Light" panose="020B0502040204020203" pitchFamily="34" charset="0"/>
+              </a:rPr>
+              <a:t>Exercise 10. Replace our </a:t>
+            </a:r>
+            <a:r>
+              <a:rPr lang="en-US" sz="2200" dirty="0" err="1" smtClean="0">
+                <a:latin typeface="Segoe UI Light" panose="020B0502040204020203" pitchFamily="34" charset="0"/>
+                <a:cs typeface="Segoe UI Light" panose="020B0502040204020203" pitchFamily="34" charset="0"/>
+              </a:rPr>
+              <a:t>json</a:t>
+            </a:r>
+            <a:r>
+              <a:rPr lang="en-US" sz="2200" dirty="0" smtClean="0">
+                <a:latin typeface="Segoe UI Light" panose="020B0502040204020203" pitchFamily="34" charset="0"/>
+                <a:cs typeface="Segoe UI Light" panose="020B0502040204020203" pitchFamily="34" charset="0"/>
+              </a:rPr>
+              <a:t> of movies to calls to </a:t>
+            </a:r>
+            <a:r>
+              <a:rPr lang="en-US" sz="2200" dirty="0">
+                <a:latin typeface="Segoe UI Light" panose="020B0502040204020203" pitchFamily="34" charset="0"/>
+                <a:cs typeface="Segoe UI Light" panose="020B0502040204020203" pitchFamily="34" charset="0"/>
+              </a:rPr>
+              <a:t>the themoviedb.org API </a:t>
+            </a:r>
+            <a:r>
+              <a:rPr lang="en-US" sz="2200" dirty="0">
+                <a:latin typeface="Segoe UI Light" panose="020B0502040204020203" pitchFamily="34" charset="0"/>
+                <a:cs typeface="Segoe UI Light" panose="020B0502040204020203" pitchFamily="34" charset="0"/>
+                <a:hlinkClick r:id="rId3"/>
+              </a:rPr>
+              <a:t>https://</a:t>
+            </a:r>
+            <a:r>
+              <a:rPr lang="en-US" sz="2200" dirty="0" smtClean="0">
+                <a:latin typeface="Segoe UI Light" panose="020B0502040204020203" pitchFamily="34" charset="0"/>
+                <a:cs typeface="Segoe UI Light" panose="020B0502040204020203" pitchFamily="34" charset="0"/>
+                <a:hlinkClick r:id="rId3"/>
+              </a:rPr>
+              <a:t>www.themoviedb.org/documentation/api</a:t>
+            </a:r>
+            <a:endParaRPr lang="en-US" sz="2200" dirty="0" smtClean="0">
+              <a:latin typeface="Segoe UI Light" panose="020B0502040204020203" pitchFamily="34" charset="0"/>
+              <a:cs typeface="Segoe UI Light" panose="020B0502040204020203" pitchFamily="34" charset="0"/>
+            </a:endParaRPr>
+          </a:p>
+          <a:p>
+            <a:pPr marL="800100" lvl="1" indent="-342900">
+              <a:buFont typeface="Arial" panose="020B0604020202020204" pitchFamily="34" charset="0"/>
+              <a:buChar char="•"/>
+            </a:pPr>
+            <a:r>
+              <a:rPr lang="en-US" sz="2200" dirty="0">
+                <a:latin typeface="Segoe UI Light" panose="020B0502040204020203" pitchFamily="34" charset="0"/>
+                <a:cs typeface="Segoe UI Light" panose="020B0502040204020203" pitchFamily="34" charset="0"/>
+                <a:hlinkClick r:id="rId4"/>
+              </a:rPr>
+              <a:t>http://</a:t>
+            </a:r>
+            <a:r>
+              <a:rPr lang="en-US" sz="2200" dirty="0" smtClean="0">
+                <a:latin typeface="Segoe UI Light" panose="020B0502040204020203" pitchFamily="34" charset="0"/>
+                <a:cs typeface="Segoe UI Light" panose="020B0502040204020203" pitchFamily="34" charset="0"/>
+                <a:hlinkClick r:id="rId4"/>
+              </a:rPr>
+              <a:t>api.themoviedb.org/3/discover/movie?sort_by=popularity.desc&amp;api_key=ba7dc0d5812ddda58e32b566e91d4688</a:t>
+            </a:r>
+            <a:endParaRPr lang="en-US" sz="2200" dirty="0" smtClean="0">
+              <a:latin typeface="Segoe UI Light" panose="020B0502040204020203" pitchFamily="34" charset="0"/>
+              <a:cs typeface="Segoe UI Light" panose="020B0502040204020203" pitchFamily="34" charset="0"/>
+            </a:endParaRPr>
+          </a:p>
+          <a:p>
+            <a:pPr marL="800100" lvl="1" indent="-342900">
+              <a:buFont typeface="Arial" panose="020B0604020202020204" pitchFamily="34" charset="0"/>
+              <a:buChar char="•"/>
+            </a:pPr>
+            <a:r>
+              <a:rPr lang="en-US" sz="2200" dirty="0" smtClean="0">
+                <a:latin typeface="Segoe UI Light" panose="020B0502040204020203" pitchFamily="34" charset="0"/>
+                <a:cs typeface="Segoe UI Light" panose="020B0502040204020203" pitchFamily="34" charset="0"/>
+              </a:rPr>
+              <a:t>We can use angular constants</a:t>
+            </a:r>
+          </a:p>
+          <a:p>
+            <a:pPr marL="800100" lvl="1" indent="-342900">
+              <a:buFont typeface="Arial" panose="020B0604020202020204" pitchFamily="34" charset="0"/>
+              <a:buChar char="•"/>
+            </a:pPr>
+            <a:r>
+              <a:rPr lang="en-US" sz="2200" dirty="0" smtClean="0">
+                <a:latin typeface="Segoe UI Light" panose="020B0502040204020203" pitchFamily="34" charset="0"/>
+                <a:cs typeface="Segoe UI Light" panose="020B0502040204020203" pitchFamily="34" charset="0"/>
+              </a:rPr>
+              <a:t>We can use typescript interfaces</a:t>
+            </a:r>
+            <a:endParaRPr lang="en-US" sz="2200" dirty="0" smtClean="0">
+              <a:latin typeface="Segoe UI Light" panose="020B0502040204020203" pitchFamily="34" charset="0"/>
+              <a:cs typeface="Segoe UI Light" panose="020B0502040204020203" pitchFamily="34" charset="0"/>
+            </a:endParaRPr>
+          </a:p>
+          <a:p>
+            <a:pPr marL="800100" lvl="1" indent="-342900">
+              <a:buFont typeface="Arial" panose="020B0604020202020204" pitchFamily="34" charset="0"/>
+              <a:buChar char="•"/>
+            </a:pPr>
+            <a:r>
+              <a:rPr lang="en-US" sz="2200" dirty="0" smtClean="0">
+                <a:latin typeface="Segoe UI Light" panose="020B0502040204020203" pitchFamily="34" charset="0"/>
+                <a:cs typeface="Segoe UI Light" panose="020B0502040204020203" pitchFamily="34" charset="0"/>
+              </a:rPr>
+              <a:t>We can create a shared folder with model and services that do the real calls</a:t>
+            </a:r>
+          </a:p>
+          <a:p>
+            <a:pPr marL="800100" lvl="1" indent="-342900">
+              <a:buFont typeface="Arial" panose="020B0604020202020204" pitchFamily="34" charset="0"/>
+              <a:buChar char="•"/>
+            </a:pPr>
+            <a:r>
+              <a:rPr lang="en-US" sz="2200" dirty="0" smtClean="0">
+                <a:latin typeface="Segoe UI Light" panose="020B0502040204020203" pitchFamily="34" charset="0"/>
+                <a:cs typeface="Segoe UI Light" panose="020B0502040204020203" pitchFamily="34" charset="0"/>
+              </a:rPr>
+              <a:t>Do mocks to fix old test</a:t>
+            </a:r>
+          </a:p>
+          <a:p>
+            <a:pPr marL="800100" lvl="1" indent="-342900">
+              <a:buFont typeface="Arial" panose="020B0604020202020204" pitchFamily="34" charset="0"/>
+              <a:buChar char="•"/>
+            </a:pPr>
+            <a:r>
+              <a:rPr lang="en-US" sz="2200" dirty="0" smtClean="0">
+                <a:latin typeface="Segoe UI Light" panose="020B0502040204020203" pitchFamily="34" charset="0"/>
+                <a:cs typeface="Segoe UI Light" panose="020B0502040204020203" pitchFamily="34" charset="0"/>
+              </a:rPr>
+              <a:t>Do a test that checks that the service is correct</a:t>
+            </a:r>
+          </a:p>
+          <a:p>
+            <a:pPr marL="800100" lvl="1" indent="-342900">
+              <a:buFont typeface="Arial" panose="020B0604020202020204" pitchFamily="34" charset="0"/>
+              <a:buChar char="•"/>
+            </a:pPr>
+            <a:endParaRPr lang="en-US" sz="2200" dirty="0" smtClean="0">
+              <a:latin typeface="Segoe UI Light" panose="020B0502040204020203" pitchFamily="34" charset="0"/>
+              <a:cs typeface="Segoe UI Light" panose="020B0502040204020203" pitchFamily="34" charset="0"/>
+            </a:endParaRPr>
+          </a:p>
+        </p:txBody>
+      </p:sp>
+    </p:spTree>
+    <p:extLst>
+      <p:ext uri="{BB962C8B-B14F-4D97-AF65-F5344CB8AC3E}">
+        <p14:creationId xmlns:p14="http://schemas.microsoft.com/office/powerpoint/2010/main" val="1746609737"/>
+      </p:ext>
+    </p:extLst>
+  </p:cSld>
+  <p:clrMapOvr>
+    <a:masterClrMapping/>
+  </p:clrMapOvr>
+  <p:timing>
+    <p:tnLst>
+      <p:par>
+        <p:cTn id="1" dur="indefinite" restart="never" nodeType="tmRoot"/>
+      </p:par>
+    </p:tnLst>
+  </p:timing>
 </p:sld>
 </file>
 
@@ -17560,6 +18283,1928 @@
     <p:extLst>
       <p:ext uri="{BB962C8B-B14F-4D97-AF65-F5344CB8AC3E}">
         <p14:creationId xmlns:p14="http://schemas.microsoft.com/office/powerpoint/2010/main" val="2959072080"/>
+      </p:ext>
+    </p:extLst>
+  </p:cSld>
+  <p:clrMapOvr>
+    <a:masterClrMapping/>
+  </p:clrMapOvr>
+</p:sld>
+</file>
+
+<file path=ppt/slides/slide20.xml><?xml version="1.0" encoding="utf-8"?>
+<p:sld xmlns:a="http://schemas.openxmlformats.org/drawingml/2006/main" xmlns:r="http://schemas.openxmlformats.org/officeDocument/2006/relationships" xmlns:p="http://schemas.openxmlformats.org/presentationml/2006/main">
+  <p:cSld>
+    <p:spTree>
+      <p:nvGrpSpPr>
+        <p:cNvPr id="1" name=""/>
+        <p:cNvGrpSpPr/>
+        <p:nvPr/>
+      </p:nvGrpSpPr>
+      <p:grpSpPr>
+        <a:xfrm>
+          <a:off x="0" y="0"/>
+          <a:ext cx="0" cy="0"/>
+          <a:chOff x="0" y="0"/>
+          <a:chExt cx="0" cy="0"/>
+        </a:xfrm>
+      </p:grpSpPr>
+      <p:sp>
+        <p:nvSpPr>
+          <p:cNvPr id="2" name="Título 1"/>
+          <p:cNvSpPr>
+            <a:spLocks noGrp="1"/>
+          </p:cNvSpPr>
+          <p:nvPr>
+            <p:ph type="title"/>
+          </p:nvPr>
+        </p:nvSpPr>
+        <p:spPr/>
+        <p:txBody>
+          <a:bodyPr/>
+          <a:lstStyle/>
+          <a:p>
+            <a:r>
+              <a:rPr lang="en-US" dirty="0" smtClean="0"/>
+              <a:t>Angular Filters</a:t>
+            </a:r>
+            <a:endParaRPr lang="en-US" dirty="0"/>
+          </a:p>
+        </p:txBody>
+      </p:sp>
+      <p:sp>
+        <p:nvSpPr>
+          <p:cNvPr id="3" name="Rectángulo 2"/>
+          <p:cNvSpPr/>
+          <p:nvPr/>
+        </p:nvSpPr>
+        <p:spPr>
+          <a:xfrm>
+            <a:off x="1232647" y="1690688"/>
+            <a:ext cx="10291482" cy="4154984"/>
+          </a:xfrm>
+          <a:prstGeom prst="rect">
+            <a:avLst/>
+          </a:prstGeom>
+        </p:spPr>
+        <p:txBody>
+          <a:bodyPr wrap="square">
+            <a:spAutoFit/>
+          </a:bodyPr>
+          <a:lstStyle/>
+          <a:p>
+            <a:pPr marL="342900" indent="-342900">
+              <a:buFont typeface="Arial" panose="020B0604020202020204" pitchFamily="34" charset="0"/>
+              <a:buChar char="•"/>
+            </a:pPr>
+            <a:r>
+              <a:rPr lang="en-US" sz="2200" dirty="0" smtClean="0">
+                <a:latin typeface="Segoe UI Light" panose="020B0502040204020203" pitchFamily="34" charset="0"/>
+                <a:cs typeface="Segoe UI Light" panose="020B0502040204020203" pitchFamily="34" charset="0"/>
+              </a:rPr>
+              <a:t>Filters are functions that transform an input to an output</a:t>
+            </a:r>
+          </a:p>
+          <a:p>
+            <a:pPr marL="342900" indent="-342900">
+              <a:buFont typeface="Arial" panose="020B0604020202020204" pitchFamily="34" charset="0"/>
+              <a:buChar char="•"/>
+            </a:pPr>
+            <a:r>
+              <a:rPr lang="en-US" sz="2200" dirty="0" smtClean="0">
+                <a:latin typeface="Segoe UI Light" panose="020B0502040204020203" pitchFamily="34" charset="0"/>
+                <a:cs typeface="Segoe UI Light" panose="020B0502040204020203" pitchFamily="34" charset="0"/>
+              </a:rPr>
+              <a:t>Angular comes with a </a:t>
+            </a:r>
+            <a:r>
+              <a:rPr lang="en-US" sz="2200" dirty="0" err="1" smtClean="0">
+                <a:latin typeface="Segoe UI Light" panose="020B0502040204020203" pitchFamily="34" charset="0"/>
+                <a:cs typeface="Segoe UI Light" panose="020B0502040204020203" pitchFamily="34" charset="0"/>
+              </a:rPr>
+              <a:t>serie</a:t>
+            </a:r>
+            <a:r>
+              <a:rPr lang="en-US" sz="2200" dirty="0" smtClean="0">
+                <a:latin typeface="Segoe UI Light" panose="020B0502040204020203" pitchFamily="34" charset="0"/>
+                <a:cs typeface="Segoe UI Light" panose="020B0502040204020203" pitchFamily="34" charset="0"/>
+              </a:rPr>
+              <a:t> of predefined filters but we can create new</a:t>
+            </a:r>
+          </a:p>
+          <a:p>
+            <a:pPr marL="342900" indent="-342900">
+              <a:buFont typeface="Arial" panose="020B0604020202020204" pitchFamily="34" charset="0"/>
+              <a:buChar char="•"/>
+            </a:pPr>
+            <a:r>
+              <a:rPr lang="en-US" sz="2200" dirty="0" smtClean="0">
+                <a:latin typeface="Segoe UI Light" panose="020B0502040204020203" pitchFamily="34" charset="0"/>
+                <a:cs typeface="Segoe UI Light" panose="020B0502040204020203" pitchFamily="34" charset="0"/>
+              </a:rPr>
+              <a:t>The filters can be concatenated through the pipe </a:t>
+            </a:r>
+          </a:p>
+          <a:p>
+            <a:pPr marL="342900" indent="-342900">
+              <a:buFont typeface="Arial" panose="020B0604020202020204" pitchFamily="34" charset="0"/>
+              <a:buChar char="•"/>
+            </a:pPr>
+            <a:r>
+              <a:rPr lang="en-US" sz="2200" dirty="0">
+                <a:latin typeface="Segoe UI Light" panose="020B0502040204020203" pitchFamily="34" charset="0"/>
+                <a:cs typeface="Segoe UI Light" panose="020B0502040204020203" pitchFamily="34" charset="0"/>
+                <a:hlinkClick r:id="rId2"/>
+              </a:rPr>
+              <a:t>https://</a:t>
+            </a:r>
+            <a:r>
+              <a:rPr lang="en-US" sz="2200" dirty="0" smtClean="0">
+                <a:latin typeface="Segoe UI Light" panose="020B0502040204020203" pitchFamily="34" charset="0"/>
+                <a:cs typeface="Segoe UI Light" panose="020B0502040204020203" pitchFamily="34" charset="0"/>
+                <a:hlinkClick r:id="rId2"/>
+              </a:rPr>
+              <a:t>docs.angularjs.org/guide/filter</a:t>
+            </a:r>
+            <a:endParaRPr lang="en-US" sz="2200" dirty="0" smtClean="0">
+              <a:latin typeface="Segoe UI Light" panose="020B0502040204020203" pitchFamily="34" charset="0"/>
+              <a:cs typeface="Segoe UI Light" panose="020B0502040204020203" pitchFamily="34" charset="0"/>
+            </a:endParaRPr>
+          </a:p>
+          <a:p>
+            <a:pPr marL="342900" indent="-342900">
+              <a:buFont typeface="Arial" panose="020B0604020202020204" pitchFamily="34" charset="0"/>
+              <a:buChar char="•"/>
+            </a:pPr>
+            <a:endParaRPr lang="en-US" sz="2200" dirty="0">
+              <a:latin typeface="Segoe UI Light" panose="020B0502040204020203" pitchFamily="34" charset="0"/>
+              <a:cs typeface="Segoe UI Light" panose="020B0502040204020203" pitchFamily="34" charset="0"/>
+            </a:endParaRPr>
+          </a:p>
+          <a:p>
+            <a:pPr marL="342900" indent="-342900">
+              <a:buFont typeface="Arial" panose="020B0604020202020204" pitchFamily="34" charset="0"/>
+              <a:buChar char="•"/>
+            </a:pPr>
+            <a:r>
+              <a:rPr lang="en-US" sz="2200" dirty="0" smtClean="0">
+                <a:latin typeface="Segoe UI Light" panose="020B0502040204020203" pitchFamily="34" charset="0"/>
+                <a:cs typeface="Segoe UI Light" panose="020B0502040204020203" pitchFamily="34" charset="0"/>
+              </a:rPr>
+              <a:t>Exercise 11. Add a search input box and a combo to sort by title, popularity and </a:t>
+            </a:r>
+            <a:r>
+              <a:rPr lang="en-US" sz="2200" dirty="0" err="1" smtClean="0">
+                <a:latin typeface="Segoe UI Light" panose="020B0502040204020203" pitchFamily="34" charset="0"/>
+                <a:cs typeface="Segoe UI Light" panose="020B0502040204020203" pitchFamily="34" charset="0"/>
+              </a:rPr>
+              <a:t>vote_average</a:t>
+            </a:r>
+            <a:r>
+              <a:rPr lang="en-US" sz="2200" dirty="0" smtClean="0">
+                <a:latin typeface="Segoe UI Light" panose="020B0502040204020203" pitchFamily="34" charset="0"/>
+                <a:cs typeface="Segoe UI Light" panose="020B0502040204020203" pitchFamily="34" charset="0"/>
+              </a:rPr>
+              <a:t>. Use filters to apply the changes that the user can made</a:t>
+            </a:r>
+          </a:p>
+          <a:p>
+            <a:pPr marL="342900" indent="-342900">
+              <a:buFont typeface="Arial" panose="020B0604020202020204" pitchFamily="34" charset="0"/>
+              <a:buChar char="•"/>
+            </a:pPr>
+            <a:endParaRPr lang="en-US" sz="2200" dirty="0" smtClean="0">
+              <a:latin typeface="Segoe UI Light" panose="020B0502040204020203" pitchFamily="34" charset="0"/>
+              <a:cs typeface="Segoe UI Light" panose="020B0502040204020203" pitchFamily="34" charset="0"/>
+            </a:endParaRPr>
+          </a:p>
+          <a:p>
+            <a:pPr lvl="5"/>
+            <a:endParaRPr lang="en-US" sz="2200" dirty="0" smtClean="0">
+              <a:latin typeface="Segoe UI Light" panose="020B0502040204020203" pitchFamily="34" charset="0"/>
+              <a:cs typeface="Segoe UI Light" panose="020B0502040204020203" pitchFamily="34" charset="0"/>
+            </a:endParaRPr>
+          </a:p>
+          <a:p>
+            <a:endParaRPr lang="en-US" sz="2200" dirty="0" smtClean="0">
+              <a:latin typeface="Segoe UI Light" panose="020B0502040204020203" pitchFamily="34" charset="0"/>
+              <a:cs typeface="Segoe UI Light" panose="020B0502040204020203" pitchFamily="34" charset="0"/>
+            </a:endParaRPr>
+          </a:p>
+          <a:p>
+            <a:pPr marL="342900" indent="-342900">
+              <a:buFont typeface="Arial" panose="020B0604020202020204" pitchFamily="34" charset="0"/>
+              <a:buChar char="•"/>
+            </a:pPr>
+            <a:endParaRPr lang="en-US" sz="2200" dirty="0" smtClean="0">
+              <a:latin typeface="Segoe UI Light" panose="020B0502040204020203" pitchFamily="34" charset="0"/>
+              <a:cs typeface="Segoe UI Light" panose="020B0502040204020203" pitchFamily="34" charset="0"/>
+            </a:endParaRPr>
+          </a:p>
+          <a:p>
+            <a:pPr marL="342900" indent="-342900">
+              <a:buFont typeface="Arial" panose="020B0604020202020204" pitchFamily="34" charset="0"/>
+              <a:buChar char="•"/>
+            </a:pPr>
+            <a:endParaRPr lang="en-US" sz="2200" dirty="0" smtClean="0">
+              <a:latin typeface="Segoe UI Light" panose="020B0502040204020203" pitchFamily="34" charset="0"/>
+              <a:cs typeface="Segoe UI Light" panose="020B0502040204020203" pitchFamily="34" charset="0"/>
+            </a:endParaRPr>
+          </a:p>
+        </p:txBody>
+      </p:sp>
+    </p:spTree>
+    <p:extLst>
+      <p:ext uri="{BB962C8B-B14F-4D97-AF65-F5344CB8AC3E}">
+        <p14:creationId xmlns:p14="http://schemas.microsoft.com/office/powerpoint/2010/main" val="1848048531"/>
+      </p:ext>
+    </p:extLst>
+  </p:cSld>
+  <p:clrMapOvr>
+    <a:masterClrMapping/>
+  </p:clrMapOvr>
+  <p:timing>
+    <p:tnLst>
+      <p:par>
+        <p:cTn id="1" dur="indefinite" restart="never" nodeType="tmRoot"/>
+      </p:par>
+    </p:tnLst>
+  </p:timing>
+</p:sld>
+</file>
+
+<file path=ppt/slides/slide21.xml><?xml version="1.0" encoding="utf-8"?>
+<p:sld xmlns:a="http://schemas.openxmlformats.org/drawingml/2006/main" xmlns:r="http://schemas.openxmlformats.org/officeDocument/2006/relationships" xmlns:p="http://schemas.openxmlformats.org/presentationml/2006/main">
+  <p:cSld>
+    <p:spTree>
+      <p:nvGrpSpPr>
+        <p:cNvPr id="1" name=""/>
+        <p:cNvGrpSpPr/>
+        <p:nvPr/>
+      </p:nvGrpSpPr>
+      <p:grpSpPr>
+        <a:xfrm>
+          <a:off x="0" y="0"/>
+          <a:ext cx="0" cy="0"/>
+          <a:chOff x="0" y="0"/>
+          <a:chExt cx="0" cy="0"/>
+        </a:xfrm>
+      </p:grpSpPr>
+      <p:sp>
+        <p:nvSpPr>
+          <p:cNvPr id="2" name="Título 1"/>
+          <p:cNvSpPr>
+            <a:spLocks noGrp="1"/>
+          </p:cNvSpPr>
+          <p:nvPr>
+            <p:ph type="title"/>
+          </p:nvPr>
+        </p:nvSpPr>
+        <p:spPr/>
+        <p:txBody>
+          <a:bodyPr/>
+          <a:lstStyle/>
+          <a:p>
+            <a:r>
+              <a:rPr lang="en-US" dirty="0" smtClean="0"/>
+              <a:t>Add pagination</a:t>
+            </a:r>
+            <a:endParaRPr lang="en-US" dirty="0"/>
+          </a:p>
+        </p:txBody>
+      </p:sp>
+      <p:sp>
+        <p:nvSpPr>
+          <p:cNvPr id="3" name="Rectángulo 2"/>
+          <p:cNvSpPr/>
+          <p:nvPr/>
+        </p:nvSpPr>
+        <p:spPr>
+          <a:xfrm>
+            <a:off x="1232647" y="1690688"/>
+            <a:ext cx="10291482" cy="4493538"/>
+          </a:xfrm>
+          <a:prstGeom prst="rect">
+            <a:avLst/>
+          </a:prstGeom>
+        </p:spPr>
+        <p:txBody>
+          <a:bodyPr wrap="square">
+            <a:spAutoFit/>
+          </a:bodyPr>
+          <a:lstStyle/>
+          <a:p>
+            <a:pPr marL="342900" indent="-342900">
+              <a:buFont typeface="Arial" panose="020B0604020202020204" pitchFamily="34" charset="0"/>
+              <a:buChar char="•"/>
+            </a:pPr>
+            <a:r>
+              <a:rPr lang="en-US" sz="2200" dirty="0" smtClean="0">
+                <a:latin typeface="Segoe UI Light" panose="020B0502040204020203" pitchFamily="34" charset="0"/>
+                <a:cs typeface="Segoe UI Light" panose="020B0502040204020203" pitchFamily="34" charset="0"/>
+              </a:rPr>
+              <a:t>Exercise 12. Add pagination</a:t>
+            </a:r>
+          </a:p>
+          <a:p>
+            <a:pPr marL="800100" lvl="1" indent="-342900">
+              <a:buFont typeface="Arial" panose="020B0604020202020204" pitchFamily="34" charset="0"/>
+              <a:buChar char="•"/>
+            </a:pPr>
+            <a:r>
+              <a:rPr lang="en-US" sz="2200" dirty="0" smtClean="0">
+                <a:latin typeface="Segoe UI Light" panose="020B0502040204020203" pitchFamily="34" charset="0"/>
+                <a:cs typeface="Segoe UI Light" panose="020B0502040204020203" pitchFamily="34" charset="0"/>
+              </a:rPr>
+              <a:t>Test that</a:t>
+            </a:r>
+          </a:p>
+          <a:p>
+            <a:pPr marL="1257300" lvl="2" indent="-342900">
+              <a:buFont typeface="Arial" panose="020B0604020202020204" pitchFamily="34" charset="0"/>
+              <a:buChar char="•"/>
+            </a:pPr>
+            <a:r>
+              <a:rPr lang="en-US" sz="2200" dirty="0" smtClean="0">
+                <a:latin typeface="Segoe UI Light" panose="020B0502040204020203" pitchFamily="34" charset="0"/>
+                <a:cs typeface="Segoe UI Light" panose="020B0502040204020203" pitchFamily="34" charset="0"/>
+              </a:rPr>
+              <a:t>When the app loads the page 1 is loaded</a:t>
+            </a:r>
+          </a:p>
+          <a:p>
+            <a:pPr marL="1257300" lvl="2" indent="-342900">
+              <a:buFont typeface="Arial" panose="020B0604020202020204" pitchFamily="34" charset="0"/>
+              <a:buChar char="•"/>
+            </a:pPr>
+            <a:r>
+              <a:rPr lang="en-US" sz="2200" dirty="0" smtClean="0">
+                <a:latin typeface="Segoe UI Light" panose="020B0502040204020203" pitchFamily="34" charset="0"/>
+                <a:cs typeface="Segoe UI Light" panose="020B0502040204020203" pitchFamily="34" charset="0"/>
+              </a:rPr>
+              <a:t>When call the </a:t>
+            </a:r>
+            <a:r>
+              <a:rPr lang="en-US" sz="2200" dirty="0" err="1" smtClean="0">
+                <a:latin typeface="Segoe UI Light" panose="020B0502040204020203" pitchFamily="34" charset="0"/>
+                <a:cs typeface="Segoe UI Light" panose="020B0502040204020203" pitchFamily="34" charset="0"/>
+              </a:rPr>
+              <a:t>nextPage</a:t>
+            </a:r>
+            <a:r>
+              <a:rPr lang="en-US" sz="2200" dirty="0" smtClean="0">
+                <a:latin typeface="Segoe UI Light" panose="020B0502040204020203" pitchFamily="34" charset="0"/>
+                <a:cs typeface="Segoe UI Light" panose="020B0502040204020203" pitchFamily="34" charset="0"/>
+              </a:rPr>
+              <a:t> the page 2 is loaded</a:t>
+            </a:r>
+          </a:p>
+          <a:p>
+            <a:pPr marL="1257300" lvl="2" indent="-342900">
+              <a:buFont typeface="Arial" panose="020B0604020202020204" pitchFamily="34" charset="0"/>
+              <a:buChar char="•"/>
+            </a:pPr>
+            <a:r>
+              <a:rPr lang="en-US" sz="2200" dirty="0">
+                <a:latin typeface="Segoe UI Light" panose="020B0502040204020203" pitchFamily="34" charset="0"/>
+                <a:cs typeface="Segoe UI Light" panose="020B0502040204020203" pitchFamily="34" charset="0"/>
+              </a:rPr>
+              <a:t>When </a:t>
+            </a:r>
+            <a:r>
+              <a:rPr lang="en-US" sz="2200" dirty="0" smtClean="0">
+                <a:latin typeface="Segoe UI Light" panose="020B0502040204020203" pitchFamily="34" charset="0"/>
+                <a:cs typeface="Segoe UI Light" panose="020B0502040204020203" pitchFamily="34" charset="0"/>
+              </a:rPr>
+              <a:t>call </a:t>
+            </a:r>
+            <a:r>
+              <a:rPr lang="en-US" sz="2200" dirty="0">
+                <a:latin typeface="Segoe UI Light" panose="020B0502040204020203" pitchFamily="34" charset="0"/>
+                <a:cs typeface="Segoe UI Light" panose="020B0502040204020203" pitchFamily="34" charset="0"/>
+              </a:rPr>
+              <a:t>the </a:t>
+            </a:r>
+            <a:r>
+              <a:rPr lang="en-US" sz="2200" dirty="0" err="1" smtClean="0">
+                <a:latin typeface="Segoe UI Light" panose="020B0502040204020203" pitchFamily="34" charset="0"/>
+                <a:cs typeface="Segoe UI Light" panose="020B0502040204020203" pitchFamily="34" charset="0"/>
+              </a:rPr>
+              <a:t>previousButton</a:t>
+            </a:r>
+            <a:r>
+              <a:rPr lang="en-US" sz="2200" dirty="0" smtClean="0">
+                <a:latin typeface="Segoe UI Light" panose="020B0502040204020203" pitchFamily="34" charset="0"/>
+                <a:cs typeface="Segoe UI Light" panose="020B0502040204020203" pitchFamily="34" charset="0"/>
+              </a:rPr>
+              <a:t> </a:t>
+            </a:r>
+            <a:r>
+              <a:rPr lang="en-US" sz="2200" dirty="0">
+                <a:latin typeface="Segoe UI Light" panose="020B0502040204020203" pitchFamily="34" charset="0"/>
+                <a:cs typeface="Segoe UI Light" panose="020B0502040204020203" pitchFamily="34" charset="0"/>
+              </a:rPr>
+              <a:t>the page </a:t>
+            </a:r>
+            <a:r>
+              <a:rPr lang="en-US" sz="2200" dirty="0" smtClean="0">
+                <a:latin typeface="Segoe UI Light" panose="020B0502040204020203" pitchFamily="34" charset="0"/>
+                <a:cs typeface="Segoe UI Light" panose="020B0502040204020203" pitchFamily="34" charset="0"/>
+              </a:rPr>
+              <a:t>0 </a:t>
+            </a:r>
+            <a:r>
+              <a:rPr lang="en-US" sz="2200" dirty="0">
+                <a:latin typeface="Segoe UI Light" panose="020B0502040204020203" pitchFamily="34" charset="0"/>
+                <a:cs typeface="Segoe UI Light" panose="020B0502040204020203" pitchFamily="34" charset="0"/>
+              </a:rPr>
+              <a:t>is loaded</a:t>
+            </a:r>
+          </a:p>
+          <a:p>
+            <a:pPr marL="1257300" lvl="2" indent="-342900">
+              <a:buFont typeface="Arial" panose="020B0604020202020204" pitchFamily="34" charset="0"/>
+              <a:buChar char="•"/>
+            </a:pPr>
+            <a:endParaRPr lang="en-US" sz="2200" dirty="0" smtClean="0">
+              <a:latin typeface="Segoe UI Light" panose="020B0502040204020203" pitchFamily="34" charset="0"/>
+              <a:cs typeface="Segoe UI Light" panose="020B0502040204020203" pitchFamily="34" charset="0"/>
+            </a:endParaRPr>
+          </a:p>
+          <a:p>
+            <a:pPr marL="1257300" lvl="2" indent="-342900">
+              <a:buFont typeface="Arial" panose="020B0604020202020204" pitchFamily="34" charset="0"/>
+              <a:buChar char="•"/>
+            </a:pPr>
+            <a:endParaRPr lang="en-US" sz="2200" dirty="0" smtClean="0">
+              <a:latin typeface="Segoe UI Light" panose="020B0502040204020203" pitchFamily="34" charset="0"/>
+              <a:cs typeface="Segoe UI Light" panose="020B0502040204020203" pitchFamily="34" charset="0"/>
+            </a:endParaRPr>
+          </a:p>
+          <a:p>
+            <a:pPr marL="1257300" lvl="2" indent="-342900">
+              <a:buFont typeface="Arial" panose="020B0604020202020204" pitchFamily="34" charset="0"/>
+              <a:buChar char="•"/>
+            </a:pPr>
+            <a:endParaRPr lang="en-US" sz="2200" dirty="0" smtClean="0">
+              <a:latin typeface="Segoe UI Light" panose="020B0502040204020203" pitchFamily="34" charset="0"/>
+              <a:cs typeface="Segoe UI Light" panose="020B0502040204020203" pitchFamily="34" charset="0"/>
+            </a:endParaRPr>
+          </a:p>
+          <a:p>
+            <a:pPr marL="342900" indent="-342900">
+              <a:buFont typeface="Arial" panose="020B0604020202020204" pitchFamily="34" charset="0"/>
+              <a:buChar char="•"/>
+            </a:pPr>
+            <a:endParaRPr lang="en-US" sz="2200" dirty="0" smtClean="0">
+              <a:latin typeface="Segoe UI Light" panose="020B0502040204020203" pitchFamily="34" charset="0"/>
+              <a:cs typeface="Segoe UI Light" panose="020B0502040204020203" pitchFamily="34" charset="0"/>
+            </a:endParaRPr>
+          </a:p>
+          <a:p>
+            <a:pPr lvl="5"/>
+            <a:endParaRPr lang="en-US" sz="2200" dirty="0" smtClean="0">
+              <a:latin typeface="Segoe UI Light" panose="020B0502040204020203" pitchFamily="34" charset="0"/>
+              <a:cs typeface="Segoe UI Light" panose="020B0502040204020203" pitchFamily="34" charset="0"/>
+            </a:endParaRPr>
+          </a:p>
+          <a:p>
+            <a:endParaRPr lang="en-US" sz="2200" dirty="0" smtClean="0">
+              <a:latin typeface="Segoe UI Light" panose="020B0502040204020203" pitchFamily="34" charset="0"/>
+              <a:cs typeface="Segoe UI Light" panose="020B0502040204020203" pitchFamily="34" charset="0"/>
+            </a:endParaRPr>
+          </a:p>
+          <a:p>
+            <a:pPr marL="342900" indent="-342900">
+              <a:buFont typeface="Arial" panose="020B0604020202020204" pitchFamily="34" charset="0"/>
+              <a:buChar char="•"/>
+            </a:pPr>
+            <a:endParaRPr lang="en-US" sz="2200" dirty="0" smtClean="0">
+              <a:latin typeface="Segoe UI Light" panose="020B0502040204020203" pitchFamily="34" charset="0"/>
+              <a:cs typeface="Segoe UI Light" panose="020B0502040204020203" pitchFamily="34" charset="0"/>
+            </a:endParaRPr>
+          </a:p>
+          <a:p>
+            <a:pPr marL="342900" indent="-342900">
+              <a:buFont typeface="Arial" panose="020B0604020202020204" pitchFamily="34" charset="0"/>
+              <a:buChar char="•"/>
+            </a:pPr>
+            <a:endParaRPr lang="en-US" sz="2200" dirty="0" smtClean="0">
+              <a:latin typeface="Segoe UI Light" panose="020B0502040204020203" pitchFamily="34" charset="0"/>
+              <a:cs typeface="Segoe UI Light" panose="020B0502040204020203" pitchFamily="34" charset="0"/>
+            </a:endParaRPr>
+          </a:p>
+        </p:txBody>
+      </p:sp>
+    </p:spTree>
+    <p:extLst>
+      <p:ext uri="{BB962C8B-B14F-4D97-AF65-F5344CB8AC3E}">
+        <p14:creationId xmlns:p14="http://schemas.microsoft.com/office/powerpoint/2010/main" val="3561618737"/>
+      </p:ext>
+    </p:extLst>
+  </p:cSld>
+  <p:clrMapOvr>
+    <a:masterClrMapping/>
+  </p:clrMapOvr>
+  <p:timing>
+    <p:tnLst>
+      <p:par>
+        <p:cTn id="1" dur="indefinite" restart="never" nodeType="tmRoot"/>
+      </p:par>
+    </p:tnLst>
+  </p:timing>
+</p:sld>
+</file>
+
+<file path=ppt/slides/slide22.xml><?xml version="1.0" encoding="utf-8"?>
+<p:sld xmlns:a="http://schemas.openxmlformats.org/drawingml/2006/main" xmlns:r="http://schemas.openxmlformats.org/officeDocument/2006/relationships" xmlns:p="http://schemas.openxmlformats.org/presentationml/2006/main">
+  <p:cSld>
+    <p:spTree>
+      <p:nvGrpSpPr>
+        <p:cNvPr id="1" name=""/>
+        <p:cNvGrpSpPr/>
+        <p:nvPr/>
+      </p:nvGrpSpPr>
+      <p:grpSpPr>
+        <a:xfrm>
+          <a:off x="0" y="0"/>
+          <a:ext cx="0" cy="0"/>
+          <a:chOff x="0" y="0"/>
+          <a:chExt cx="0" cy="0"/>
+        </a:xfrm>
+      </p:grpSpPr>
+      <p:sp>
+        <p:nvSpPr>
+          <p:cNvPr id="2" name="Título 1"/>
+          <p:cNvSpPr>
+            <a:spLocks noGrp="1"/>
+          </p:cNvSpPr>
+          <p:nvPr>
+            <p:ph type="title"/>
+          </p:nvPr>
+        </p:nvSpPr>
+        <p:spPr/>
+        <p:txBody>
+          <a:bodyPr/>
+          <a:lstStyle/>
+          <a:p>
+            <a:r>
+              <a:rPr lang="en-US" dirty="0" smtClean="0"/>
+              <a:t>Add styles</a:t>
+            </a:r>
+            <a:endParaRPr lang="en-US" dirty="0"/>
+          </a:p>
+        </p:txBody>
+      </p:sp>
+      <p:sp>
+        <p:nvSpPr>
+          <p:cNvPr id="3" name="Rectángulo 2"/>
+          <p:cNvSpPr/>
+          <p:nvPr/>
+        </p:nvSpPr>
+        <p:spPr>
+          <a:xfrm>
+            <a:off x="1232647" y="1690688"/>
+            <a:ext cx="10291482" cy="4493538"/>
+          </a:xfrm>
+          <a:prstGeom prst="rect">
+            <a:avLst/>
+          </a:prstGeom>
+        </p:spPr>
+        <p:txBody>
+          <a:bodyPr wrap="square">
+            <a:spAutoFit/>
+          </a:bodyPr>
+          <a:lstStyle/>
+          <a:p>
+            <a:pPr marL="342900" indent="-342900">
+              <a:buFont typeface="Arial" panose="020B0604020202020204" pitchFamily="34" charset="0"/>
+              <a:buChar char="•"/>
+            </a:pPr>
+            <a:r>
+              <a:rPr lang="en-US" sz="2200" dirty="0" smtClean="0">
+                <a:latin typeface="Segoe UI Light" panose="020B0502040204020203" pitchFamily="34" charset="0"/>
+                <a:cs typeface="Segoe UI Light" panose="020B0502040204020203" pitchFamily="34" charset="0"/>
+              </a:rPr>
+              <a:t>Exercise 13. Add custom styles</a:t>
+            </a:r>
+          </a:p>
+          <a:p>
+            <a:pPr marL="1257300" lvl="2" indent="-342900">
+              <a:buFont typeface="Arial" panose="020B0604020202020204" pitchFamily="34" charset="0"/>
+              <a:buChar char="•"/>
+            </a:pPr>
+            <a:r>
+              <a:rPr lang="en-US" sz="2200" dirty="0" smtClean="0">
+                <a:latin typeface="Segoe UI Light" panose="020B0502040204020203" pitchFamily="34" charset="0"/>
+                <a:cs typeface="Segoe UI Light" panose="020B0502040204020203" pitchFamily="34" charset="0"/>
+              </a:rPr>
+              <a:t>Create a </a:t>
+            </a:r>
+            <a:r>
+              <a:rPr lang="en-US" sz="2200" dirty="0" err="1" smtClean="0">
+                <a:latin typeface="Segoe UI Light" panose="020B0502040204020203" pitchFamily="34" charset="0"/>
+                <a:cs typeface="Segoe UI Light" panose="020B0502040204020203" pitchFamily="34" charset="0"/>
+              </a:rPr>
+              <a:t>css</a:t>
+            </a:r>
+            <a:r>
+              <a:rPr lang="en-US" sz="2200" dirty="0" smtClean="0">
+                <a:latin typeface="Segoe UI Light" panose="020B0502040204020203" pitchFamily="34" charset="0"/>
+                <a:cs typeface="Segoe UI Light" panose="020B0502040204020203" pitchFamily="34" charset="0"/>
+              </a:rPr>
+              <a:t> with styles and load through </a:t>
+            </a:r>
+            <a:r>
+              <a:rPr lang="en-US" sz="2200" dirty="0" err="1" smtClean="0">
+                <a:latin typeface="Segoe UI Light" panose="020B0502040204020203" pitchFamily="34" charset="0"/>
+                <a:cs typeface="Segoe UI Light" panose="020B0502040204020203" pitchFamily="34" charset="0"/>
+              </a:rPr>
+              <a:t>webpack</a:t>
+            </a:r>
+            <a:r>
+              <a:rPr lang="en-US" sz="2200" dirty="0">
+                <a:latin typeface="Segoe UI Light" panose="020B0502040204020203" pitchFamily="34" charset="0"/>
+                <a:cs typeface="Segoe UI Light" panose="020B0502040204020203" pitchFamily="34" charset="0"/>
+              </a:rPr>
+              <a:t>. </a:t>
+            </a:r>
+            <a:r>
+              <a:rPr lang="en-US" sz="2200" dirty="0">
+                <a:latin typeface="Segoe UI Light" panose="020B0502040204020203" pitchFamily="34" charset="0"/>
+                <a:cs typeface="Segoe UI Light" panose="020B0502040204020203" pitchFamily="34" charset="0"/>
+                <a:hlinkClick r:id="rId2"/>
+              </a:rPr>
+              <a:t>https://</a:t>
+            </a:r>
+            <a:r>
+              <a:rPr lang="en-US" sz="2200" dirty="0" smtClean="0">
+                <a:latin typeface="Segoe UI Light" panose="020B0502040204020203" pitchFamily="34" charset="0"/>
+                <a:cs typeface="Segoe UI Light" panose="020B0502040204020203" pitchFamily="34" charset="0"/>
+                <a:hlinkClick r:id="rId2"/>
+              </a:rPr>
+              <a:t>webpack.github.io/docs/stylesheets.html</a:t>
+            </a:r>
+            <a:endParaRPr lang="en-US" sz="2200" dirty="0" smtClean="0">
+              <a:latin typeface="Segoe UI Light" panose="020B0502040204020203" pitchFamily="34" charset="0"/>
+              <a:cs typeface="Segoe UI Light" panose="020B0502040204020203" pitchFamily="34" charset="0"/>
+            </a:endParaRPr>
+          </a:p>
+          <a:p>
+            <a:pPr marL="1257300" lvl="2" indent="-342900">
+              <a:buFont typeface="Arial" panose="020B0604020202020204" pitchFamily="34" charset="0"/>
+              <a:buChar char="•"/>
+            </a:pPr>
+            <a:r>
+              <a:rPr lang="en-US" sz="2200" dirty="0" smtClean="0">
+                <a:latin typeface="Segoe UI Light" panose="020B0502040204020203" pitchFamily="34" charset="0"/>
+                <a:cs typeface="Segoe UI Light" panose="020B0502040204020203" pitchFamily="34" charset="0"/>
+              </a:rPr>
+              <a:t>Add </a:t>
+            </a:r>
+            <a:r>
+              <a:rPr lang="en-US" sz="2200" dirty="0">
+                <a:latin typeface="Segoe UI Light" panose="020B0502040204020203" pitchFamily="34" charset="0"/>
+                <a:cs typeface="Segoe UI Light" panose="020B0502040204020203" pitchFamily="34" charset="0"/>
+              </a:rPr>
+              <a:t>font </a:t>
+            </a:r>
+            <a:r>
+              <a:rPr lang="en-US" sz="2200" dirty="0" smtClean="0">
+                <a:latin typeface="Segoe UI Light" panose="020B0502040204020203" pitchFamily="34" charset="0"/>
+                <a:cs typeface="Segoe UI Light" panose="020B0502040204020203" pitchFamily="34" charset="0"/>
+              </a:rPr>
+              <a:t>awesome </a:t>
+            </a:r>
+            <a:r>
+              <a:rPr lang="en-US" sz="2200" dirty="0" smtClean="0">
+                <a:latin typeface="Segoe UI Light" panose="020B0502040204020203" pitchFamily="34" charset="0"/>
+                <a:cs typeface="Segoe UI Light" panose="020B0502040204020203" pitchFamily="34" charset="0"/>
+                <a:hlinkClick r:id="rId3"/>
+              </a:rPr>
+              <a:t>https</a:t>
+            </a:r>
+            <a:r>
+              <a:rPr lang="en-US" sz="2200" dirty="0">
+                <a:latin typeface="Segoe UI Light" panose="020B0502040204020203" pitchFamily="34" charset="0"/>
+                <a:cs typeface="Segoe UI Light" panose="020B0502040204020203" pitchFamily="34" charset="0"/>
+                <a:hlinkClick r:id="rId3"/>
+              </a:rPr>
+              <a:t>://</a:t>
+            </a:r>
+            <a:r>
+              <a:rPr lang="en-US" sz="2200" dirty="0" smtClean="0">
+                <a:latin typeface="Segoe UI Light" panose="020B0502040204020203" pitchFamily="34" charset="0"/>
+                <a:cs typeface="Segoe UI Light" panose="020B0502040204020203" pitchFamily="34" charset="0"/>
+                <a:hlinkClick r:id="rId3"/>
+              </a:rPr>
+              <a:t>gist.github.com/Turbo87/e8e941e68308d3b40ef6</a:t>
+            </a:r>
+            <a:endParaRPr lang="en-US" sz="2200" dirty="0" smtClean="0">
+              <a:latin typeface="Segoe UI Light" panose="020B0502040204020203" pitchFamily="34" charset="0"/>
+              <a:cs typeface="Segoe UI Light" panose="020B0502040204020203" pitchFamily="34" charset="0"/>
+            </a:endParaRPr>
+          </a:p>
+          <a:p>
+            <a:pPr marL="1257300" lvl="2" indent="-342900">
+              <a:buFont typeface="Arial" panose="020B0604020202020204" pitchFamily="34" charset="0"/>
+              <a:buChar char="•"/>
+            </a:pPr>
+            <a:r>
+              <a:rPr lang="en-US" sz="2200" dirty="0" smtClean="0">
+                <a:latin typeface="Segoe UI Light" panose="020B0502040204020203" pitchFamily="34" charset="0"/>
+                <a:cs typeface="Segoe UI Light" panose="020B0502040204020203" pitchFamily="34" charset="0"/>
+              </a:rPr>
+              <a:t>Add bootstrap</a:t>
+            </a:r>
+          </a:p>
+          <a:p>
+            <a:pPr marL="1257300" lvl="2" indent="-342900">
+              <a:buFont typeface="Arial" panose="020B0604020202020204" pitchFamily="34" charset="0"/>
+              <a:buChar char="•"/>
+            </a:pPr>
+            <a:endParaRPr lang="en-US" sz="2200" dirty="0" smtClean="0">
+              <a:latin typeface="Segoe UI Light" panose="020B0502040204020203" pitchFamily="34" charset="0"/>
+              <a:cs typeface="Segoe UI Light" panose="020B0502040204020203" pitchFamily="34" charset="0"/>
+            </a:endParaRPr>
+          </a:p>
+          <a:p>
+            <a:pPr marL="1257300" lvl="2" indent="-342900">
+              <a:buFont typeface="Arial" panose="020B0604020202020204" pitchFamily="34" charset="0"/>
+              <a:buChar char="•"/>
+            </a:pPr>
+            <a:endParaRPr lang="en-US" sz="2200" dirty="0" smtClean="0">
+              <a:latin typeface="Segoe UI Light" panose="020B0502040204020203" pitchFamily="34" charset="0"/>
+              <a:cs typeface="Segoe UI Light" panose="020B0502040204020203" pitchFamily="34" charset="0"/>
+            </a:endParaRPr>
+          </a:p>
+          <a:p>
+            <a:pPr marL="342900" indent="-342900">
+              <a:buFont typeface="Arial" panose="020B0604020202020204" pitchFamily="34" charset="0"/>
+              <a:buChar char="•"/>
+            </a:pPr>
+            <a:endParaRPr lang="en-US" sz="2200" dirty="0" smtClean="0">
+              <a:latin typeface="Segoe UI Light" panose="020B0502040204020203" pitchFamily="34" charset="0"/>
+              <a:cs typeface="Segoe UI Light" panose="020B0502040204020203" pitchFamily="34" charset="0"/>
+            </a:endParaRPr>
+          </a:p>
+          <a:p>
+            <a:pPr lvl="5"/>
+            <a:endParaRPr lang="en-US" sz="2200" dirty="0" smtClean="0">
+              <a:latin typeface="Segoe UI Light" panose="020B0502040204020203" pitchFamily="34" charset="0"/>
+              <a:cs typeface="Segoe UI Light" panose="020B0502040204020203" pitchFamily="34" charset="0"/>
+            </a:endParaRPr>
+          </a:p>
+          <a:p>
+            <a:endParaRPr lang="en-US" sz="2200" dirty="0" smtClean="0">
+              <a:latin typeface="Segoe UI Light" panose="020B0502040204020203" pitchFamily="34" charset="0"/>
+              <a:cs typeface="Segoe UI Light" panose="020B0502040204020203" pitchFamily="34" charset="0"/>
+            </a:endParaRPr>
+          </a:p>
+          <a:p>
+            <a:pPr marL="342900" indent="-342900">
+              <a:buFont typeface="Arial" panose="020B0604020202020204" pitchFamily="34" charset="0"/>
+              <a:buChar char="•"/>
+            </a:pPr>
+            <a:endParaRPr lang="en-US" sz="2200" dirty="0" smtClean="0">
+              <a:latin typeface="Segoe UI Light" panose="020B0502040204020203" pitchFamily="34" charset="0"/>
+              <a:cs typeface="Segoe UI Light" panose="020B0502040204020203" pitchFamily="34" charset="0"/>
+            </a:endParaRPr>
+          </a:p>
+          <a:p>
+            <a:pPr marL="342900" indent="-342900">
+              <a:buFont typeface="Arial" panose="020B0604020202020204" pitchFamily="34" charset="0"/>
+              <a:buChar char="•"/>
+            </a:pPr>
+            <a:endParaRPr lang="en-US" sz="2200" dirty="0" smtClean="0">
+              <a:latin typeface="Segoe UI Light" panose="020B0502040204020203" pitchFamily="34" charset="0"/>
+              <a:cs typeface="Segoe UI Light" panose="020B0502040204020203" pitchFamily="34" charset="0"/>
+            </a:endParaRPr>
+          </a:p>
+        </p:txBody>
+      </p:sp>
+    </p:spTree>
+    <p:extLst>
+      <p:ext uri="{BB962C8B-B14F-4D97-AF65-F5344CB8AC3E}">
+        <p14:creationId xmlns:p14="http://schemas.microsoft.com/office/powerpoint/2010/main" val="2800856959"/>
+      </p:ext>
+    </p:extLst>
+  </p:cSld>
+  <p:clrMapOvr>
+    <a:masterClrMapping/>
+  </p:clrMapOvr>
+  <p:timing>
+    <p:tnLst>
+      <p:par>
+        <p:cTn id="1" dur="indefinite" restart="never" nodeType="tmRoot"/>
+      </p:par>
+    </p:tnLst>
+  </p:timing>
+</p:sld>
+</file>
+
+<file path=ppt/slides/slide23.xml><?xml version="1.0" encoding="utf-8"?>
+<p:sld xmlns:a="http://schemas.openxmlformats.org/drawingml/2006/main" xmlns:r="http://schemas.openxmlformats.org/officeDocument/2006/relationships" xmlns:p="http://schemas.openxmlformats.org/presentationml/2006/main">
+  <p:cSld>
+    <p:spTree>
+      <p:nvGrpSpPr>
+        <p:cNvPr id="1" name=""/>
+        <p:cNvGrpSpPr/>
+        <p:nvPr/>
+      </p:nvGrpSpPr>
+      <p:grpSpPr>
+        <a:xfrm>
+          <a:off x="0" y="0"/>
+          <a:ext cx="0" cy="0"/>
+          <a:chOff x="0" y="0"/>
+          <a:chExt cx="0" cy="0"/>
+        </a:xfrm>
+      </p:grpSpPr>
+      <p:sp>
+        <p:nvSpPr>
+          <p:cNvPr id="2" name="Título 1"/>
+          <p:cNvSpPr>
+            <a:spLocks noGrp="1"/>
+          </p:cNvSpPr>
+          <p:nvPr>
+            <p:ph type="title"/>
+          </p:nvPr>
+        </p:nvSpPr>
+        <p:spPr/>
+        <p:txBody>
+          <a:bodyPr/>
+          <a:lstStyle/>
+          <a:p>
+            <a:r>
+              <a:rPr lang="en-US" dirty="0" smtClean="0"/>
+              <a:t>Create master/summary page</a:t>
+            </a:r>
+            <a:endParaRPr lang="en-US" dirty="0"/>
+          </a:p>
+        </p:txBody>
+      </p:sp>
+      <p:sp>
+        <p:nvSpPr>
+          <p:cNvPr id="3" name="Rectángulo 2"/>
+          <p:cNvSpPr/>
+          <p:nvPr/>
+        </p:nvSpPr>
+        <p:spPr>
+          <a:xfrm>
+            <a:off x="1232647" y="1690688"/>
+            <a:ext cx="10291482" cy="7171194"/>
+          </a:xfrm>
+          <a:prstGeom prst="rect">
+            <a:avLst/>
+          </a:prstGeom>
+        </p:spPr>
+        <p:txBody>
+          <a:bodyPr wrap="square">
+            <a:spAutoFit/>
+          </a:bodyPr>
+          <a:lstStyle/>
+          <a:p>
+            <a:pPr marL="342900" indent="-342900">
+              <a:buFont typeface="Arial" panose="020B0604020202020204" pitchFamily="34" charset="0"/>
+              <a:buChar char="•"/>
+            </a:pPr>
+            <a:r>
+              <a:rPr lang="en-US" dirty="0" smtClean="0">
+                <a:latin typeface="Segoe UI Light" panose="020B0502040204020203" pitchFamily="34" charset="0"/>
+                <a:cs typeface="Segoe UI Light" panose="020B0502040204020203" pitchFamily="34" charset="0"/>
+              </a:rPr>
+              <a:t>Exercise 14. Create another component to show a brief summary of the selected movie</a:t>
+            </a:r>
+          </a:p>
+          <a:p>
+            <a:pPr marL="1257300" lvl="2" indent="-342900">
+              <a:buFont typeface="Arial" panose="020B0604020202020204" pitchFamily="34" charset="0"/>
+              <a:buChar char="•"/>
+            </a:pPr>
+            <a:r>
+              <a:rPr lang="en-US" dirty="0" smtClean="0">
+                <a:latin typeface="Segoe UI Light" panose="020B0502040204020203" pitchFamily="34" charset="0"/>
+                <a:cs typeface="Segoe UI Light" panose="020B0502040204020203" pitchFamily="34" charset="0"/>
+              </a:rPr>
+              <a:t>Modify the data service to get data of a unique movie </a:t>
+            </a:r>
+            <a:r>
+              <a:rPr lang="en-US" dirty="0">
+                <a:latin typeface="Segoe UI Light" panose="020B0502040204020203" pitchFamily="34" charset="0"/>
+                <a:cs typeface="Segoe UI Light" panose="020B0502040204020203" pitchFamily="34" charset="0"/>
+              </a:rPr>
+              <a:t>http://api.themoviedb.org/3/movie/271110?api_key=ba7dc0d5812ddda58e32b566e91d4688</a:t>
+            </a:r>
+            <a:endParaRPr lang="en-US" dirty="0">
+              <a:latin typeface="Segoe UI Light" panose="020B0502040204020203" pitchFamily="34" charset="0"/>
+              <a:cs typeface="Segoe UI Light" panose="020B0502040204020203" pitchFamily="34" charset="0"/>
+            </a:endParaRPr>
+          </a:p>
+          <a:p>
+            <a:pPr marL="1257300" lvl="2" indent="-342900">
+              <a:buFont typeface="Arial" panose="020B0604020202020204" pitchFamily="34" charset="0"/>
+              <a:buChar char="•"/>
+            </a:pPr>
+            <a:r>
+              <a:rPr lang="en-US" dirty="0" smtClean="0">
+                <a:latin typeface="Segoe UI Light" panose="020B0502040204020203" pitchFamily="34" charset="0"/>
+                <a:cs typeface="Segoe UI Light" panose="020B0502040204020203" pitchFamily="34" charset="0"/>
+              </a:rPr>
+              <a:t>Communicate between components through subscriptions </a:t>
+            </a:r>
+            <a:r>
+              <a:rPr lang="en-US" dirty="0">
+                <a:latin typeface="Segoe UI Light" panose="020B0502040204020203" pitchFamily="34" charset="0"/>
+                <a:cs typeface="Segoe UI Light" panose="020B0502040204020203" pitchFamily="34" charset="0"/>
+              </a:rPr>
+              <a:t>https://docs.angularjs.org/guide/component</a:t>
+            </a:r>
+          </a:p>
+          <a:p>
+            <a:pPr marL="1257300" lvl="2" indent="-342900">
+              <a:buFont typeface="Arial" panose="020B0604020202020204" pitchFamily="34" charset="0"/>
+              <a:buChar char="•"/>
+            </a:pPr>
+            <a:endParaRPr lang="en-US" dirty="0" smtClean="0">
+              <a:latin typeface="Segoe UI Light" panose="020B0502040204020203" pitchFamily="34" charset="0"/>
+              <a:cs typeface="Segoe UI Light" panose="020B0502040204020203" pitchFamily="34" charset="0"/>
+            </a:endParaRPr>
+          </a:p>
+          <a:p>
+            <a:pPr marL="1257300" lvl="2" indent="-342900">
+              <a:buFont typeface="Arial" panose="020B0604020202020204" pitchFamily="34" charset="0"/>
+              <a:buChar char="•"/>
+            </a:pPr>
+            <a:r>
+              <a:rPr lang="en-US" dirty="0" smtClean="0">
+                <a:latin typeface="Segoe UI Light" panose="020B0502040204020203" pitchFamily="34" charset="0"/>
+                <a:cs typeface="Segoe UI Light" panose="020B0502040204020203" pitchFamily="34" charset="0"/>
+              </a:rPr>
+              <a:t>Test that</a:t>
+            </a:r>
+          </a:p>
+          <a:p>
+            <a:pPr marL="1714500" lvl="3" indent="-342900">
+              <a:buFont typeface="Arial" panose="020B0604020202020204" pitchFamily="34" charset="0"/>
+              <a:buChar char="•"/>
+            </a:pPr>
+            <a:r>
+              <a:rPr lang="en-US" dirty="0" smtClean="0">
+                <a:latin typeface="Segoe UI Light" panose="020B0502040204020203" pitchFamily="34" charset="0"/>
+                <a:cs typeface="Segoe UI Light" panose="020B0502040204020203" pitchFamily="34" charset="0"/>
+              </a:rPr>
+              <a:t>The </a:t>
+            </a:r>
+            <a:r>
+              <a:rPr lang="en-US" dirty="0" err="1" smtClean="0">
+                <a:latin typeface="Segoe UI Light" panose="020B0502040204020203" pitchFamily="34" charset="0"/>
+                <a:cs typeface="Segoe UI Light" panose="020B0502040204020203" pitchFamily="34" charset="0"/>
+              </a:rPr>
+              <a:t>dataservice</a:t>
+            </a:r>
+            <a:r>
+              <a:rPr lang="en-US" dirty="0" smtClean="0">
+                <a:latin typeface="Segoe UI Light" panose="020B0502040204020203" pitchFamily="34" charset="0"/>
+                <a:cs typeface="Segoe UI Light" panose="020B0502040204020203" pitchFamily="34" charset="0"/>
+              </a:rPr>
+              <a:t> call the </a:t>
+            </a:r>
+            <a:r>
+              <a:rPr lang="en-US" dirty="0" err="1" smtClean="0">
+                <a:latin typeface="Segoe UI Light" panose="020B0502040204020203" pitchFamily="34" charset="0"/>
+                <a:cs typeface="Segoe UI Light" panose="020B0502040204020203" pitchFamily="34" charset="0"/>
+              </a:rPr>
+              <a:t>api</a:t>
+            </a:r>
+            <a:endParaRPr lang="en-US" dirty="0" smtClean="0">
+              <a:latin typeface="Segoe UI Light" panose="020B0502040204020203" pitchFamily="34" charset="0"/>
+              <a:cs typeface="Segoe UI Light" panose="020B0502040204020203" pitchFamily="34" charset="0"/>
+            </a:endParaRPr>
+          </a:p>
+          <a:p>
+            <a:pPr marL="1714500" lvl="3" indent="-342900">
+              <a:buFont typeface="Arial" panose="020B0604020202020204" pitchFamily="34" charset="0"/>
+              <a:buChar char="•"/>
+            </a:pPr>
+            <a:r>
+              <a:rPr lang="en-US" dirty="0" smtClean="0">
+                <a:latin typeface="Segoe UI Light" panose="020B0502040204020203" pitchFamily="34" charset="0"/>
+                <a:cs typeface="Segoe UI Light" panose="020B0502040204020203" pitchFamily="34" charset="0"/>
+              </a:rPr>
+              <a:t>List</a:t>
+            </a:r>
+          </a:p>
+          <a:p>
+            <a:pPr marL="2171700" lvl="4" indent="-342900">
+              <a:buFont typeface="Arial" panose="020B0604020202020204" pitchFamily="34" charset="0"/>
+              <a:buChar char="•"/>
+            </a:pPr>
+            <a:r>
+              <a:rPr lang="en-US" dirty="0" smtClean="0">
+                <a:latin typeface="Segoe UI Light" panose="020B0502040204020203" pitchFamily="34" charset="0"/>
+                <a:cs typeface="Segoe UI Light" panose="020B0502040204020203" pitchFamily="34" charset="0"/>
+              </a:rPr>
+              <a:t>The subscriber to the list are called when a </a:t>
+            </a:r>
+            <a:r>
+              <a:rPr lang="en-US" dirty="0" err="1" smtClean="0">
+                <a:latin typeface="Segoe UI Light" panose="020B0502040204020203" pitchFamily="34" charset="0"/>
+                <a:cs typeface="Segoe UI Light" panose="020B0502040204020203" pitchFamily="34" charset="0"/>
+              </a:rPr>
+              <a:t>pagePrevious</a:t>
+            </a:r>
+            <a:r>
+              <a:rPr lang="en-US" dirty="0" smtClean="0">
+                <a:latin typeface="Segoe UI Light" panose="020B0502040204020203" pitchFamily="34" charset="0"/>
+                <a:cs typeface="Segoe UI Light" panose="020B0502040204020203" pitchFamily="34" charset="0"/>
+              </a:rPr>
+              <a:t> or </a:t>
+            </a:r>
+            <a:r>
+              <a:rPr lang="en-US" dirty="0" err="1" smtClean="0">
+                <a:latin typeface="Segoe UI Light" panose="020B0502040204020203" pitchFamily="34" charset="0"/>
+                <a:cs typeface="Segoe UI Light" panose="020B0502040204020203" pitchFamily="34" charset="0"/>
+              </a:rPr>
+              <a:t>pageNext</a:t>
+            </a:r>
+            <a:r>
+              <a:rPr lang="en-US" dirty="0" smtClean="0">
+                <a:latin typeface="Segoe UI Light" panose="020B0502040204020203" pitchFamily="34" charset="0"/>
+                <a:cs typeface="Segoe UI Light" panose="020B0502040204020203" pitchFamily="34" charset="0"/>
+              </a:rPr>
+              <a:t> is called and has data</a:t>
+            </a:r>
+          </a:p>
+          <a:p>
+            <a:pPr marL="2171700" lvl="4" indent="-342900">
+              <a:buFont typeface="Arial" panose="020B0604020202020204" pitchFamily="34" charset="0"/>
+              <a:buChar char="•"/>
+            </a:pPr>
+            <a:r>
+              <a:rPr lang="en-US" dirty="0">
+                <a:latin typeface="Segoe UI Light" panose="020B0502040204020203" pitchFamily="34" charset="0"/>
+                <a:cs typeface="Segoe UI Light" panose="020B0502040204020203" pitchFamily="34" charset="0"/>
+              </a:rPr>
+              <a:t>The subscriber to the list </a:t>
+            </a:r>
+            <a:r>
+              <a:rPr lang="en-US" dirty="0" smtClean="0">
+                <a:latin typeface="Segoe UI Light" panose="020B0502040204020203" pitchFamily="34" charset="0"/>
+                <a:cs typeface="Segoe UI Light" panose="020B0502040204020203" pitchFamily="34" charset="0"/>
+              </a:rPr>
+              <a:t>aren’t </a:t>
+            </a:r>
+            <a:r>
+              <a:rPr lang="en-US" dirty="0">
+                <a:latin typeface="Segoe UI Light" panose="020B0502040204020203" pitchFamily="34" charset="0"/>
+                <a:cs typeface="Segoe UI Light" panose="020B0502040204020203" pitchFamily="34" charset="0"/>
+              </a:rPr>
+              <a:t>called when a </a:t>
+            </a:r>
+            <a:r>
+              <a:rPr lang="en-US" dirty="0" err="1">
+                <a:latin typeface="Segoe UI Light" panose="020B0502040204020203" pitchFamily="34" charset="0"/>
+                <a:cs typeface="Segoe UI Light" panose="020B0502040204020203" pitchFamily="34" charset="0"/>
+              </a:rPr>
+              <a:t>pagePrevious</a:t>
+            </a:r>
+            <a:r>
+              <a:rPr lang="en-US" dirty="0">
+                <a:latin typeface="Segoe UI Light" panose="020B0502040204020203" pitchFamily="34" charset="0"/>
+                <a:cs typeface="Segoe UI Light" panose="020B0502040204020203" pitchFamily="34" charset="0"/>
+              </a:rPr>
+              <a:t> or </a:t>
+            </a:r>
+            <a:r>
+              <a:rPr lang="en-US" dirty="0" err="1">
+                <a:latin typeface="Segoe UI Light" panose="020B0502040204020203" pitchFamily="34" charset="0"/>
+                <a:cs typeface="Segoe UI Light" panose="020B0502040204020203" pitchFamily="34" charset="0"/>
+              </a:rPr>
+              <a:t>pageNext</a:t>
+            </a:r>
+            <a:r>
+              <a:rPr lang="en-US" dirty="0">
+                <a:latin typeface="Segoe UI Light" panose="020B0502040204020203" pitchFamily="34" charset="0"/>
+                <a:cs typeface="Segoe UI Light" panose="020B0502040204020203" pitchFamily="34" charset="0"/>
+              </a:rPr>
+              <a:t> is called and </a:t>
+            </a:r>
+            <a:r>
+              <a:rPr lang="en-US" dirty="0" smtClean="0">
+                <a:latin typeface="Segoe UI Light" panose="020B0502040204020203" pitchFamily="34" charset="0"/>
+                <a:cs typeface="Segoe UI Light" panose="020B0502040204020203" pitchFamily="34" charset="0"/>
+              </a:rPr>
+              <a:t>there are no data</a:t>
+            </a:r>
+          </a:p>
+          <a:p>
+            <a:pPr marL="1714500" lvl="3" indent="-342900">
+              <a:buFont typeface="Arial" panose="020B0604020202020204" pitchFamily="34" charset="0"/>
+              <a:buChar char="•"/>
+            </a:pPr>
+            <a:r>
+              <a:rPr lang="en-US" dirty="0" smtClean="0">
+                <a:latin typeface="Segoe UI Light" panose="020B0502040204020203" pitchFamily="34" charset="0"/>
+                <a:cs typeface="Segoe UI Light" panose="020B0502040204020203" pitchFamily="34" charset="0"/>
+              </a:rPr>
+              <a:t>Summary</a:t>
+            </a:r>
+          </a:p>
+          <a:p>
+            <a:pPr marL="2171700" lvl="4" indent="-342900">
+              <a:buFont typeface="Arial" panose="020B0604020202020204" pitchFamily="34" charset="0"/>
+              <a:buChar char="•"/>
+            </a:pPr>
+            <a:r>
+              <a:rPr lang="en-US" dirty="0" smtClean="0">
+                <a:latin typeface="Segoe UI Light" panose="020B0502040204020203" pitchFamily="34" charset="0"/>
+                <a:cs typeface="Segoe UI Light" panose="020B0502040204020203" pitchFamily="34" charset="0"/>
+              </a:rPr>
+              <a:t>is </a:t>
+            </a:r>
+            <a:r>
+              <a:rPr lang="en-US" dirty="0" err="1" smtClean="0">
+                <a:latin typeface="Segoe UI Light" panose="020B0502040204020203" pitchFamily="34" charset="0"/>
+                <a:cs typeface="Segoe UI Light" panose="020B0502040204020203" pitchFamily="34" charset="0"/>
+              </a:rPr>
+              <a:t>suscribed</a:t>
+            </a:r>
+            <a:r>
+              <a:rPr lang="en-US" dirty="0" smtClean="0">
+                <a:latin typeface="Segoe UI Light" panose="020B0502040204020203" pitchFamily="34" charset="0"/>
+                <a:cs typeface="Segoe UI Light" panose="020B0502040204020203" pitchFamily="34" charset="0"/>
+              </a:rPr>
+              <a:t> to the list</a:t>
+            </a:r>
+          </a:p>
+          <a:p>
+            <a:pPr marL="2171700" lvl="4" indent="-342900">
+              <a:buFont typeface="Arial" panose="020B0604020202020204" pitchFamily="34" charset="0"/>
+              <a:buChar char="•"/>
+            </a:pPr>
+            <a:r>
+              <a:rPr lang="en-US" dirty="0" smtClean="0">
+                <a:latin typeface="Segoe UI Light" panose="020B0502040204020203" pitchFamily="34" charset="0"/>
+                <a:cs typeface="Segoe UI Light" panose="020B0502040204020203" pitchFamily="34" charset="0"/>
+              </a:rPr>
+              <a:t>When movie is loaded the data service is called</a:t>
+            </a:r>
+            <a:endParaRPr lang="en-US" dirty="0">
+              <a:latin typeface="Segoe UI Light" panose="020B0502040204020203" pitchFamily="34" charset="0"/>
+              <a:cs typeface="Segoe UI Light" panose="020B0502040204020203" pitchFamily="34" charset="0"/>
+            </a:endParaRPr>
+          </a:p>
+          <a:p>
+            <a:pPr marL="1714500" lvl="3" indent="-342900">
+              <a:buFont typeface="Arial" panose="020B0604020202020204" pitchFamily="34" charset="0"/>
+              <a:buChar char="•"/>
+            </a:pPr>
+            <a:endParaRPr lang="en-US" sz="2200" dirty="0" smtClean="0">
+              <a:latin typeface="Segoe UI Light" panose="020B0502040204020203" pitchFamily="34" charset="0"/>
+              <a:cs typeface="Segoe UI Light" panose="020B0502040204020203" pitchFamily="34" charset="0"/>
+            </a:endParaRPr>
+          </a:p>
+          <a:p>
+            <a:pPr marL="1257300" lvl="2" indent="-342900">
+              <a:buFont typeface="Arial" panose="020B0604020202020204" pitchFamily="34" charset="0"/>
+              <a:buChar char="•"/>
+            </a:pPr>
+            <a:endParaRPr lang="en-US" sz="2200" dirty="0" smtClean="0">
+              <a:latin typeface="Segoe UI Light" panose="020B0502040204020203" pitchFamily="34" charset="0"/>
+              <a:cs typeface="Segoe UI Light" panose="020B0502040204020203" pitchFamily="34" charset="0"/>
+            </a:endParaRPr>
+          </a:p>
+          <a:p>
+            <a:pPr marL="342900" indent="-342900">
+              <a:buFont typeface="Arial" panose="020B0604020202020204" pitchFamily="34" charset="0"/>
+              <a:buChar char="•"/>
+            </a:pPr>
+            <a:endParaRPr lang="en-US" sz="2200" dirty="0" smtClean="0">
+              <a:latin typeface="Segoe UI Light" panose="020B0502040204020203" pitchFamily="34" charset="0"/>
+              <a:cs typeface="Segoe UI Light" panose="020B0502040204020203" pitchFamily="34" charset="0"/>
+            </a:endParaRPr>
+          </a:p>
+          <a:p>
+            <a:pPr lvl="5"/>
+            <a:endParaRPr lang="en-US" sz="2200" dirty="0" smtClean="0">
+              <a:latin typeface="Segoe UI Light" panose="020B0502040204020203" pitchFamily="34" charset="0"/>
+              <a:cs typeface="Segoe UI Light" panose="020B0502040204020203" pitchFamily="34" charset="0"/>
+            </a:endParaRPr>
+          </a:p>
+          <a:p>
+            <a:endParaRPr lang="en-US" sz="2200" dirty="0" smtClean="0">
+              <a:latin typeface="Segoe UI Light" panose="020B0502040204020203" pitchFamily="34" charset="0"/>
+              <a:cs typeface="Segoe UI Light" panose="020B0502040204020203" pitchFamily="34" charset="0"/>
+            </a:endParaRPr>
+          </a:p>
+          <a:p>
+            <a:pPr marL="342900" indent="-342900">
+              <a:buFont typeface="Arial" panose="020B0604020202020204" pitchFamily="34" charset="0"/>
+              <a:buChar char="•"/>
+            </a:pPr>
+            <a:endParaRPr lang="en-US" sz="2200" dirty="0" smtClean="0">
+              <a:latin typeface="Segoe UI Light" panose="020B0502040204020203" pitchFamily="34" charset="0"/>
+              <a:cs typeface="Segoe UI Light" panose="020B0502040204020203" pitchFamily="34" charset="0"/>
+            </a:endParaRPr>
+          </a:p>
+          <a:p>
+            <a:pPr marL="342900" indent="-342900">
+              <a:buFont typeface="Arial" panose="020B0604020202020204" pitchFamily="34" charset="0"/>
+              <a:buChar char="•"/>
+            </a:pPr>
+            <a:endParaRPr lang="en-US" sz="2200" dirty="0" smtClean="0">
+              <a:latin typeface="Segoe UI Light" panose="020B0502040204020203" pitchFamily="34" charset="0"/>
+              <a:cs typeface="Segoe UI Light" panose="020B0502040204020203" pitchFamily="34" charset="0"/>
+            </a:endParaRPr>
+          </a:p>
+        </p:txBody>
+      </p:sp>
+    </p:spTree>
+    <p:extLst>
+      <p:ext uri="{BB962C8B-B14F-4D97-AF65-F5344CB8AC3E}">
+        <p14:creationId xmlns:p14="http://schemas.microsoft.com/office/powerpoint/2010/main" val="3891143469"/>
+      </p:ext>
+    </p:extLst>
+  </p:cSld>
+  <p:clrMapOvr>
+    <a:masterClrMapping/>
+  </p:clrMapOvr>
+  <p:timing>
+    <p:tnLst>
+      <p:par>
+        <p:cTn id="1" dur="indefinite" restart="never" nodeType="tmRoot"/>
+      </p:par>
+    </p:tnLst>
+  </p:timing>
+</p:sld>
+</file>
+
+<file path=ppt/slides/slide24.xml><?xml version="1.0" encoding="utf-8"?>
+<p:sld xmlns:a="http://schemas.openxmlformats.org/drawingml/2006/main" xmlns:r="http://schemas.openxmlformats.org/officeDocument/2006/relationships" xmlns:p="http://schemas.openxmlformats.org/presentationml/2006/main">
+  <p:cSld>
+    <p:spTree>
+      <p:nvGrpSpPr>
+        <p:cNvPr id="1" name=""/>
+        <p:cNvGrpSpPr/>
+        <p:nvPr/>
+      </p:nvGrpSpPr>
+      <p:grpSpPr>
+        <a:xfrm>
+          <a:off x="0" y="0"/>
+          <a:ext cx="0" cy="0"/>
+          <a:chOff x="0" y="0"/>
+          <a:chExt cx="0" cy="0"/>
+        </a:xfrm>
+      </p:grpSpPr>
+      <p:sp>
+        <p:nvSpPr>
+          <p:cNvPr id="2" name="Título 1"/>
+          <p:cNvSpPr>
+            <a:spLocks noGrp="1"/>
+          </p:cNvSpPr>
+          <p:nvPr>
+            <p:ph type="title"/>
+          </p:nvPr>
+        </p:nvSpPr>
+        <p:spPr/>
+        <p:txBody>
+          <a:bodyPr/>
+          <a:lstStyle/>
+          <a:p>
+            <a:r>
+              <a:rPr lang="en-US" dirty="0" smtClean="0"/>
+              <a:t>Add styles</a:t>
+            </a:r>
+            <a:endParaRPr lang="en-US" dirty="0"/>
+          </a:p>
+        </p:txBody>
+      </p:sp>
+      <p:sp>
+        <p:nvSpPr>
+          <p:cNvPr id="3" name="Rectángulo 2"/>
+          <p:cNvSpPr/>
+          <p:nvPr/>
+        </p:nvSpPr>
+        <p:spPr>
+          <a:xfrm>
+            <a:off x="1232647" y="1690688"/>
+            <a:ext cx="10291482" cy="4493538"/>
+          </a:xfrm>
+          <a:prstGeom prst="rect">
+            <a:avLst/>
+          </a:prstGeom>
+        </p:spPr>
+        <p:txBody>
+          <a:bodyPr wrap="square">
+            <a:spAutoFit/>
+          </a:bodyPr>
+          <a:lstStyle/>
+          <a:p>
+            <a:pPr marL="342900" indent="-342900">
+              <a:buFont typeface="Arial" panose="020B0604020202020204" pitchFamily="34" charset="0"/>
+              <a:buChar char="•"/>
+            </a:pPr>
+            <a:r>
+              <a:rPr lang="en-US" sz="2200" dirty="0" smtClean="0">
+                <a:latin typeface="Segoe UI Light" panose="020B0502040204020203" pitchFamily="34" charset="0"/>
+                <a:cs typeface="Segoe UI Light" panose="020B0502040204020203" pitchFamily="34" charset="0"/>
+              </a:rPr>
+              <a:t>Exercise 15. Add routing</a:t>
+            </a:r>
+          </a:p>
+          <a:p>
+            <a:pPr marL="1257300" lvl="2" indent="-342900">
+              <a:buFont typeface="Arial" panose="020B0604020202020204" pitchFamily="34" charset="0"/>
+              <a:buChar char="•"/>
+            </a:pPr>
+            <a:r>
+              <a:rPr lang="en-US" sz="2200" dirty="0" smtClean="0">
+                <a:latin typeface="Segoe UI Light" panose="020B0502040204020203" pitchFamily="34" charset="0"/>
+                <a:cs typeface="Segoe UI Light" panose="020B0502040204020203" pitchFamily="34" charset="0"/>
+              </a:rPr>
+              <a:t>Create a new detail page </a:t>
+            </a:r>
+          </a:p>
+          <a:p>
+            <a:pPr marL="1257300" lvl="2" indent="-342900">
+              <a:buFont typeface="Arial" panose="020B0604020202020204" pitchFamily="34" charset="0"/>
+              <a:buChar char="•"/>
+            </a:pPr>
+            <a:r>
+              <a:rPr lang="en-US" sz="2200" dirty="0" smtClean="0">
+                <a:latin typeface="Segoe UI Light" panose="020B0502040204020203" pitchFamily="34" charset="0"/>
+                <a:cs typeface="Segoe UI Light" panose="020B0502040204020203" pitchFamily="34" charset="0"/>
+              </a:rPr>
+              <a:t>Add angular-route</a:t>
+            </a:r>
+          </a:p>
+          <a:p>
+            <a:pPr marL="1257300" lvl="2" indent="-342900">
+              <a:buFont typeface="Arial" panose="020B0604020202020204" pitchFamily="34" charset="0"/>
+              <a:buChar char="•"/>
+            </a:pPr>
+            <a:r>
+              <a:rPr lang="en-US" sz="2200" dirty="0" smtClean="0">
+                <a:latin typeface="Segoe UI Light" panose="020B0502040204020203" pitchFamily="34" charset="0"/>
+                <a:cs typeface="Segoe UI Light" panose="020B0502040204020203" pitchFamily="34" charset="0"/>
+              </a:rPr>
+              <a:t>Documentation https</a:t>
+            </a:r>
+            <a:r>
+              <a:rPr lang="en-US" sz="2200" dirty="0">
+                <a:latin typeface="Segoe UI Light" panose="020B0502040204020203" pitchFamily="34" charset="0"/>
+                <a:cs typeface="Segoe UI Light" panose="020B0502040204020203" pitchFamily="34" charset="0"/>
+              </a:rPr>
+              <a:t>://docs.angularjs.org/api/ngRoute</a:t>
+            </a:r>
+            <a:endParaRPr lang="en-US" sz="2200" dirty="0" smtClean="0">
+              <a:latin typeface="Segoe UI Light" panose="020B0502040204020203" pitchFamily="34" charset="0"/>
+              <a:cs typeface="Segoe UI Light" panose="020B0502040204020203" pitchFamily="34" charset="0"/>
+            </a:endParaRPr>
+          </a:p>
+          <a:p>
+            <a:pPr marL="1257300" lvl="2" indent="-342900">
+              <a:buFont typeface="Arial" panose="020B0604020202020204" pitchFamily="34" charset="0"/>
+              <a:buChar char="•"/>
+            </a:pPr>
+            <a:r>
+              <a:rPr lang="en-US" sz="2200" dirty="0" smtClean="0">
+                <a:latin typeface="Segoe UI Light" panose="020B0502040204020203" pitchFamily="34" charset="0"/>
+                <a:cs typeface="Segoe UI Light" panose="020B0502040204020203" pitchFamily="34" charset="0"/>
+              </a:rPr>
+              <a:t>Test</a:t>
+            </a:r>
+          </a:p>
+          <a:p>
+            <a:pPr marL="1714500" lvl="3" indent="-342900">
+              <a:buFont typeface="Arial" panose="020B0604020202020204" pitchFamily="34" charset="0"/>
+              <a:buChar char="•"/>
+            </a:pPr>
+            <a:r>
+              <a:rPr lang="en-US" sz="2200" dirty="0" smtClean="0">
+                <a:latin typeface="Segoe UI Light" panose="020B0502040204020203" pitchFamily="34" charset="0"/>
+                <a:cs typeface="Segoe UI Light" panose="020B0502040204020203" pitchFamily="34" charset="0"/>
+              </a:rPr>
+              <a:t>That when detail is loaded the data service is called and the movie loaded</a:t>
+            </a:r>
+          </a:p>
+          <a:p>
+            <a:pPr marL="1257300" lvl="2" indent="-342900">
+              <a:buFont typeface="Arial" panose="020B0604020202020204" pitchFamily="34" charset="0"/>
+              <a:buChar char="•"/>
+            </a:pPr>
+            <a:endParaRPr lang="en-US" sz="2200" dirty="0" smtClean="0">
+              <a:latin typeface="Segoe UI Light" panose="020B0502040204020203" pitchFamily="34" charset="0"/>
+              <a:cs typeface="Segoe UI Light" panose="020B0502040204020203" pitchFamily="34" charset="0"/>
+            </a:endParaRPr>
+          </a:p>
+          <a:p>
+            <a:pPr marL="342900" indent="-342900">
+              <a:buFont typeface="Arial" panose="020B0604020202020204" pitchFamily="34" charset="0"/>
+              <a:buChar char="•"/>
+            </a:pPr>
+            <a:endParaRPr lang="en-US" sz="2200" dirty="0" smtClean="0">
+              <a:latin typeface="Segoe UI Light" panose="020B0502040204020203" pitchFamily="34" charset="0"/>
+              <a:cs typeface="Segoe UI Light" panose="020B0502040204020203" pitchFamily="34" charset="0"/>
+            </a:endParaRPr>
+          </a:p>
+          <a:p>
+            <a:pPr lvl="5"/>
+            <a:endParaRPr lang="en-US" sz="2200" dirty="0" smtClean="0">
+              <a:latin typeface="Segoe UI Light" panose="020B0502040204020203" pitchFamily="34" charset="0"/>
+              <a:cs typeface="Segoe UI Light" panose="020B0502040204020203" pitchFamily="34" charset="0"/>
+            </a:endParaRPr>
+          </a:p>
+          <a:p>
+            <a:endParaRPr lang="en-US" sz="2200" dirty="0" smtClean="0">
+              <a:latin typeface="Segoe UI Light" panose="020B0502040204020203" pitchFamily="34" charset="0"/>
+              <a:cs typeface="Segoe UI Light" panose="020B0502040204020203" pitchFamily="34" charset="0"/>
+            </a:endParaRPr>
+          </a:p>
+          <a:p>
+            <a:pPr marL="342900" indent="-342900">
+              <a:buFont typeface="Arial" panose="020B0604020202020204" pitchFamily="34" charset="0"/>
+              <a:buChar char="•"/>
+            </a:pPr>
+            <a:endParaRPr lang="en-US" sz="2200" dirty="0" smtClean="0">
+              <a:latin typeface="Segoe UI Light" panose="020B0502040204020203" pitchFamily="34" charset="0"/>
+              <a:cs typeface="Segoe UI Light" panose="020B0502040204020203" pitchFamily="34" charset="0"/>
+            </a:endParaRPr>
+          </a:p>
+          <a:p>
+            <a:pPr marL="342900" indent="-342900">
+              <a:buFont typeface="Arial" panose="020B0604020202020204" pitchFamily="34" charset="0"/>
+              <a:buChar char="•"/>
+            </a:pPr>
+            <a:endParaRPr lang="en-US" sz="2200" dirty="0" smtClean="0">
+              <a:latin typeface="Segoe UI Light" panose="020B0502040204020203" pitchFamily="34" charset="0"/>
+              <a:cs typeface="Segoe UI Light" panose="020B0502040204020203" pitchFamily="34" charset="0"/>
+            </a:endParaRPr>
+          </a:p>
+        </p:txBody>
+      </p:sp>
+    </p:spTree>
+    <p:extLst>
+      <p:ext uri="{BB962C8B-B14F-4D97-AF65-F5344CB8AC3E}">
+        <p14:creationId xmlns:p14="http://schemas.microsoft.com/office/powerpoint/2010/main" val="1200627347"/>
+      </p:ext>
+    </p:extLst>
+  </p:cSld>
+  <p:clrMapOvr>
+    <a:masterClrMapping/>
+  </p:clrMapOvr>
+  <p:timing>
+    <p:tnLst>
+      <p:par>
+        <p:cTn id="1" dur="indefinite" restart="never" nodeType="tmRoot"/>
+      </p:par>
+    </p:tnLst>
+  </p:timing>
+</p:sld>
+</file>
+
+<file path=ppt/slides/slide25.xml><?xml version="1.0" encoding="utf-8"?>
+<p:sld xmlns:a="http://schemas.openxmlformats.org/drawingml/2006/main" xmlns:r="http://schemas.openxmlformats.org/officeDocument/2006/relationships" xmlns:p="http://schemas.openxmlformats.org/presentationml/2006/main">
+  <p:cSld>
+    <p:spTree>
+      <p:nvGrpSpPr>
+        <p:cNvPr id="1" name=""/>
+        <p:cNvGrpSpPr/>
+        <p:nvPr/>
+      </p:nvGrpSpPr>
+      <p:grpSpPr>
+        <a:xfrm>
+          <a:off x="0" y="0"/>
+          <a:ext cx="0" cy="0"/>
+          <a:chOff x="0" y="0"/>
+          <a:chExt cx="0" cy="0"/>
+        </a:xfrm>
+      </p:grpSpPr>
+      <p:sp>
+        <p:nvSpPr>
+          <p:cNvPr id="2" name="Título 1"/>
+          <p:cNvSpPr>
+            <a:spLocks noGrp="1"/>
+          </p:cNvSpPr>
+          <p:nvPr>
+            <p:ph type="title"/>
+          </p:nvPr>
+        </p:nvSpPr>
+        <p:spPr/>
+        <p:txBody>
+          <a:bodyPr/>
+          <a:lstStyle/>
+          <a:p>
+            <a:r>
+              <a:rPr lang="en-US" dirty="0" smtClean="0"/>
+              <a:t>Deploy</a:t>
+            </a:r>
+            <a:endParaRPr lang="en-US" dirty="0"/>
+          </a:p>
+        </p:txBody>
+      </p:sp>
+      <p:sp>
+        <p:nvSpPr>
+          <p:cNvPr id="3" name="Rectángulo 2"/>
+          <p:cNvSpPr/>
+          <p:nvPr/>
+        </p:nvSpPr>
+        <p:spPr>
+          <a:xfrm>
+            <a:off x="1232647" y="1690688"/>
+            <a:ext cx="10291482" cy="3139321"/>
+          </a:xfrm>
+          <a:prstGeom prst="rect">
+            <a:avLst/>
+          </a:prstGeom>
+        </p:spPr>
+        <p:txBody>
+          <a:bodyPr wrap="square">
+            <a:spAutoFit/>
+          </a:bodyPr>
+          <a:lstStyle/>
+          <a:p>
+            <a:pPr marL="342900" indent="-342900">
+              <a:buFont typeface="Arial" panose="020B0604020202020204" pitchFamily="34" charset="0"/>
+              <a:buChar char="•"/>
+            </a:pPr>
+            <a:r>
+              <a:rPr lang="en-US" sz="2200" dirty="0" smtClean="0">
+                <a:latin typeface="Segoe UI Light" panose="020B0502040204020203" pitchFamily="34" charset="0"/>
+                <a:cs typeface="Segoe UI Light" panose="020B0502040204020203" pitchFamily="34" charset="0"/>
+              </a:rPr>
+              <a:t>Exercise 16. </a:t>
+            </a:r>
+            <a:r>
+              <a:rPr lang="en-US" sz="2200" dirty="0" smtClean="0">
+                <a:latin typeface="Segoe UI Light" panose="020B0502040204020203" pitchFamily="34" charset="0"/>
+                <a:cs typeface="Segoe UI Light" panose="020B0502040204020203" pitchFamily="34" charset="0"/>
+              </a:rPr>
+              <a:t>Use </a:t>
+            </a:r>
+            <a:r>
+              <a:rPr lang="en-US" sz="2200" dirty="0" err="1" smtClean="0">
+                <a:latin typeface="Segoe UI Light" panose="020B0502040204020203" pitchFamily="34" charset="0"/>
+                <a:cs typeface="Segoe UI Light" panose="020B0502040204020203" pitchFamily="34" charset="0"/>
+              </a:rPr>
+              <a:t>webpack</a:t>
+            </a:r>
+            <a:r>
+              <a:rPr lang="en-US" sz="2200" dirty="0" smtClean="0">
+                <a:latin typeface="Segoe UI Light" panose="020B0502040204020203" pitchFamily="34" charset="0"/>
+                <a:cs typeface="Segoe UI Light" panose="020B0502040204020203" pitchFamily="34" charset="0"/>
+              </a:rPr>
+              <a:t> to create a deploy version</a:t>
+            </a:r>
+            <a:endParaRPr lang="en-US" sz="2200" dirty="0" smtClean="0">
+              <a:latin typeface="Segoe UI Light" panose="020B0502040204020203" pitchFamily="34" charset="0"/>
+              <a:cs typeface="Segoe UI Light" panose="020B0502040204020203" pitchFamily="34" charset="0"/>
+            </a:endParaRPr>
+          </a:p>
+          <a:p>
+            <a:pPr marL="1257300" lvl="2" indent="-342900">
+              <a:buFont typeface="Arial" panose="020B0604020202020204" pitchFamily="34" charset="0"/>
+              <a:buChar char="•"/>
+            </a:pPr>
+            <a:r>
+              <a:rPr lang="en-US" sz="2200" dirty="0" smtClean="0">
+                <a:latin typeface="Segoe UI Light" panose="020B0502040204020203" pitchFamily="34" charset="0"/>
+                <a:cs typeface="Segoe UI Light" panose="020B0502040204020203" pitchFamily="34" charset="0"/>
+              </a:rPr>
+              <a:t>Copy files</a:t>
+            </a:r>
+          </a:p>
+          <a:p>
+            <a:pPr marL="1257300" lvl="2" indent="-342900">
+              <a:buFont typeface="Arial" panose="020B0604020202020204" pitchFamily="34" charset="0"/>
+              <a:buChar char="•"/>
+            </a:pPr>
+            <a:r>
+              <a:rPr lang="en-US" sz="2200" dirty="0" smtClean="0">
+                <a:latin typeface="Segoe UI Light" panose="020B0502040204020203" pitchFamily="34" charset="0"/>
+                <a:cs typeface="Segoe UI Light" panose="020B0502040204020203" pitchFamily="34" charset="0"/>
+              </a:rPr>
+              <a:t>Use </a:t>
+            </a:r>
+            <a:r>
+              <a:rPr lang="en-US" sz="2200" dirty="0" err="1" smtClean="0">
+                <a:latin typeface="Segoe UI Light" panose="020B0502040204020203" pitchFamily="34" charset="0"/>
+                <a:cs typeface="Segoe UI Light" panose="020B0502040204020203" pitchFamily="34" charset="0"/>
+              </a:rPr>
+              <a:t>mimification</a:t>
+            </a:r>
+            <a:r>
+              <a:rPr lang="en-US" sz="2200" dirty="0">
+                <a:latin typeface="Segoe UI Light" panose="020B0502040204020203" pitchFamily="34" charset="0"/>
+                <a:cs typeface="Segoe UI Light" panose="020B0502040204020203" pitchFamily="34" charset="0"/>
+              </a:rPr>
+              <a:t> http://webpack.github.io/docs/list-of-plugins.html#uglifyjsplugin</a:t>
+            </a:r>
+            <a:endParaRPr lang="en-US" sz="2200" dirty="0" smtClean="0">
+              <a:latin typeface="Segoe UI Light" panose="020B0502040204020203" pitchFamily="34" charset="0"/>
+              <a:cs typeface="Segoe UI Light" panose="020B0502040204020203" pitchFamily="34" charset="0"/>
+            </a:endParaRPr>
+          </a:p>
+          <a:p>
+            <a:pPr marL="342900" indent="-342900">
+              <a:buFont typeface="Arial" panose="020B0604020202020204" pitchFamily="34" charset="0"/>
+              <a:buChar char="•"/>
+            </a:pPr>
+            <a:endParaRPr lang="en-US" sz="2200" dirty="0" smtClean="0">
+              <a:latin typeface="Segoe UI Light" panose="020B0502040204020203" pitchFamily="34" charset="0"/>
+              <a:cs typeface="Segoe UI Light" panose="020B0502040204020203" pitchFamily="34" charset="0"/>
+            </a:endParaRPr>
+          </a:p>
+          <a:p>
+            <a:pPr lvl="5"/>
+            <a:endParaRPr lang="en-US" sz="2200" dirty="0" smtClean="0">
+              <a:latin typeface="Segoe UI Light" panose="020B0502040204020203" pitchFamily="34" charset="0"/>
+              <a:cs typeface="Segoe UI Light" panose="020B0502040204020203" pitchFamily="34" charset="0"/>
+            </a:endParaRPr>
+          </a:p>
+          <a:p>
+            <a:endParaRPr lang="en-US" sz="2200" dirty="0" smtClean="0">
+              <a:latin typeface="Segoe UI Light" panose="020B0502040204020203" pitchFamily="34" charset="0"/>
+              <a:cs typeface="Segoe UI Light" panose="020B0502040204020203" pitchFamily="34" charset="0"/>
+            </a:endParaRPr>
+          </a:p>
+          <a:p>
+            <a:pPr marL="342900" indent="-342900">
+              <a:buFont typeface="Arial" panose="020B0604020202020204" pitchFamily="34" charset="0"/>
+              <a:buChar char="•"/>
+            </a:pPr>
+            <a:endParaRPr lang="en-US" sz="2200" dirty="0" smtClean="0">
+              <a:latin typeface="Segoe UI Light" panose="020B0502040204020203" pitchFamily="34" charset="0"/>
+              <a:cs typeface="Segoe UI Light" panose="020B0502040204020203" pitchFamily="34" charset="0"/>
+            </a:endParaRPr>
+          </a:p>
+          <a:p>
+            <a:pPr marL="342900" indent="-342900">
+              <a:buFont typeface="Arial" panose="020B0604020202020204" pitchFamily="34" charset="0"/>
+              <a:buChar char="•"/>
+            </a:pPr>
+            <a:endParaRPr lang="en-US" sz="2200" dirty="0" smtClean="0">
+              <a:latin typeface="Segoe UI Light" panose="020B0502040204020203" pitchFamily="34" charset="0"/>
+              <a:cs typeface="Segoe UI Light" panose="020B0502040204020203" pitchFamily="34" charset="0"/>
+            </a:endParaRPr>
+          </a:p>
+        </p:txBody>
+      </p:sp>
+    </p:spTree>
+    <p:extLst>
+      <p:ext uri="{BB962C8B-B14F-4D97-AF65-F5344CB8AC3E}">
+        <p14:creationId xmlns:p14="http://schemas.microsoft.com/office/powerpoint/2010/main" val="1686912870"/>
+      </p:ext>
+    </p:extLst>
+  </p:cSld>
+  <p:clrMapOvr>
+    <a:masterClrMapping/>
+  </p:clrMapOvr>
+  <p:timing>
+    <p:tnLst>
+      <p:par>
+        <p:cTn id="1" dur="indefinite" restart="never" nodeType="tmRoot"/>
+      </p:par>
+    </p:tnLst>
+  </p:timing>
+</p:sld>
+</file>
+
+<file path=ppt/slides/slide26.xml><?xml version="1.0" encoding="utf-8"?>
+<p:sld xmlns:a="http://schemas.openxmlformats.org/drawingml/2006/main" xmlns:r="http://schemas.openxmlformats.org/officeDocument/2006/relationships" xmlns:p="http://schemas.openxmlformats.org/presentationml/2006/main">
+  <p:cSld>
+    <p:spTree>
+      <p:nvGrpSpPr>
+        <p:cNvPr id="1" name=""/>
+        <p:cNvGrpSpPr/>
+        <p:nvPr/>
+      </p:nvGrpSpPr>
+      <p:grpSpPr>
+        <a:xfrm>
+          <a:off x="0" y="0"/>
+          <a:ext cx="0" cy="0"/>
+          <a:chOff x="0" y="0"/>
+          <a:chExt cx="0" cy="0"/>
+        </a:xfrm>
+      </p:grpSpPr>
+      <p:sp>
+        <p:nvSpPr>
+          <p:cNvPr id="2" name="Title 1"/>
+          <p:cNvSpPr>
+            <a:spLocks noGrp="1"/>
+          </p:cNvSpPr>
+          <p:nvPr>
+            <p:ph type="title"/>
+          </p:nvPr>
+        </p:nvSpPr>
+        <p:spPr/>
+        <p:txBody>
+          <a:bodyPr/>
+          <a:lstStyle/>
+          <a:p>
+            <a:r>
+              <a:rPr lang="en-US" dirty="0" smtClean="0"/>
+              <a:t>Summary</a:t>
+            </a:r>
+            <a:endParaRPr lang="en-US" dirty="0"/>
+          </a:p>
+        </p:txBody>
+      </p:sp>
+      <p:sp>
+        <p:nvSpPr>
+          <p:cNvPr id="3" name="Rectangle 2"/>
+          <p:cNvSpPr/>
+          <p:nvPr/>
+        </p:nvSpPr>
+        <p:spPr>
+          <a:xfrm>
+            <a:off x="1385455" y="1650199"/>
+            <a:ext cx="9992590" cy="2462213"/>
+          </a:xfrm>
+          <a:prstGeom prst="rect">
+            <a:avLst/>
+          </a:prstGeom>
+        </p:spPr>
+        <p:txBody>
+          <a:bodyPr wrap="square">
+            <a:spAutoFit/>
+          </a:bodyPr>
+          <a:lstStyle/>
+          <a:p>
+            <a:pPr marL="342900" indent="-342900">
+              <a:buFont typeface="Arial" panose="020B0604020202020204" pitchFamily="34" charset="0"/>
+              <a:buChar char="•"/>
+            </a:pPr>
+            <a:r>
+              <a:rPr lang="en-US" sz="2200" dirty="0" smtClean="0">
+                <a:latin typeface="Segoe UI Light" panose="020B0502040204020203" pitchFamily="34" charset="0"/>
+                <a:cs typeface="Segoe UI Light" panose="020B0502040204020203" pitchFamily="34" charset="0"/>
+              </a:rPr>
+              <a:t>The frontend scene is changing at </a:t>
+            </a:r>
+            <a:r>
+              <a:rPr lang="en-US" sz="2200" dirty="0">
+                <a:latin typeface="Segoe UI Light" panose="020B0502040204020203" pitchFamily="34" charset="0"/>
+                <a:cs typeface="Segoe UI Light" panose="020B0502040204020203" pitchFamily="34" charset="0"/>
+              </a:rPr>
+              <a:t>g</a:t>
+            </a:r>
+            <a:r>
+              <a:rPr lang="en-US" sz="2200" dirty="0" smtClean="0">
+                <a:latin typeface="Segoe UI Light" panose="020B0502040204020203" pitchFamily="34" charset="0"/>
+                <a:cs typeface="Segoe UI Light" panose="020B0502040204020203" pitchFamily="34" charset="0"/>
+              </a:rPr>
+              <a:t>reat speed at we cannot be attached to the oldest browsers that our user can use</a:t>
+            </a:r>
+          </a:p>
+          <a:p>
+            <a:pPr marL="342900" indent="-342900">
+              <a:buFont typeface="Arial" panose="020B0604020202020204" pitchFamily="34" charset="0"/>
+              <a:buChar char="•"/>
+            </a:pPr>
+            <a:r>
+              <a:rPr lang="en-US" sz="2200" dirty="0" smtClean="0">
+                <a:latin typeface="Segoe UI Light" panose="020B0502040204020203" pitchFamily="34" charset="0"/>
+                <a:cs typeface="Segoe UI Light" panose="020B0502040204020203" pitchFamily="34" charset="0"/>
+              </a:rPr>
+              <a:t>Typescript it is a great option for large </a:t>
+            </a:r>
+            <a:r>
+              <a:rPr lang="en-US" sz="2200" dirty="0" err="1" smtClean="0">
+                <a:latin typeface="Segoe UI Light" panose="020B0502040204020203" pitchFamily="34" charset="0"/>
+                <a:cs typeface="Segoe UI Light" panose="020B0502040204020203" pitchFamily="34" charset="0"/>
+              </a:rPr>
+              <a:t>proyects</a:t>
+            </a:r>
+            <a:r>
+              <a:rPr lang="en-US" sz="2200" dirty="0" smtClean="0">
+                <a:latin typeface="Segoe UI Light" panose="020B0502040204020203" pitchFamily="34" charset="0"/>
+                <a:cs typeface="Segoe UI Light" panose="020B0502040204020203" pitchFamily="34" charset="0"/>
+              </a:rPr>
+              <a:t> as it </a:t>
+            </a:r>
+            <a:r>
+              <a:rPr lang="en-US" sz="2200" dirty="0" err="1" smtClean="0">
+                <a:latin typeface="Segoe UI Light" panose="020B0502040204020203" pitchFamily="34" charset="0"/>
+                <a:cs typeface="Segoe UI Light" panose="020B0502040204020203" pitchFamily="34" charset="0"/>
+              </a:rPr>
+              <a:t>facitate</a:t>
+            </a:r>
+            <a:r>
+              <a:rPr lang="en-US" sz="2200" dirty="0" smtClean="0">
+                <a:latin typeface="Segoe UI Light" panose="020B0502040204020203" pitchFamily="34" charset="0"/>
+                <a:cs typeface="Segoe UI Light" panose="020B0502040204020203" pitchFamily="34" charset="0"/>
+              </a:rPr>
+              <a:t> the use of tools for refactor</a:t>
+            </a:r>
+          </a:p>
+          <a:p>
+            <a:pPr marL="342900" indent="-342900">
+              <a:buFont typeface="Arial" panose="020B0604020202020204" pitchFamily="34" charset="0"/>
+              <a:buChar char="•"/>
+            </a:pPr>
+            <a:r>
+              <a:rPr lang="en-US" sz="2200" dirty="0" smtClean="0">
+                <a:latin typeface="Segoe UI Light" panose="020B0502040204020203" pitchFamily="34" charset="0"/>
+                <a:cs typeface="Segoe UI Light" panose="020B0502040204020203" pitchFamily="34" charset="0"/>
+              </a:rPr>
+              <a:t>With ECMA6 the modules aren’t an external tool but they are integrated in the language and we can use tools in order to analyze the code and do code splitting and optimizations</a:t>
+            </a:r>
+            <a:endParaRPr lang="en-US" sz="2200" dirty="0">
+              <a:latin typeface="Segoe UI Light" panose="020B0502040204020203" pitchFamily="34" charset="0"/>
+              <a:cs typeface="Segoe UI Light" panose="020B0502040204020203" pitchFamily="34" charset="0"/>
+            </a:endParaRPr>
+          </a:p>
+        </p:txBody>
+      </p:sp>
+    </p:spTree>
+    <p:extLst>
+      <p:ext uri="{BB962C8B-B14F-4D97-AF65-F5344CB8AC3E}">
+        <p14:creationId xmlns:p14="http://schemas.microsoft.com/office/powerpoint/2010/main" val="3551530095"/>
+      </p:ext>
+    </p:extLst>
+  </p:cSld>
+  <p:clrMapOvr>
+    <a:masterClrMapping/>
+  </p:clrMapOvr>
+</p:sld>
+</file>
+
+<file path=ppt/slides/slide27.xml><?xml version="1.0" encoding="utf-8"?>
+<p:sld xmlns:a="http://schemas.openxmlformats.org/drawingml/2006/main" xmlns:r="http://schemas.openxmlformats.org/officeDocument/2006/relationships" xmlns:p="http://schemas.openxmlformats.org/presentationml/2006/main">
+  <p:cSld>
+    <p:spTree>
+      <p:nvGrpSpPr>
+        <p:cNvPr id="1" name=""/>
+        <p:cNvGrpSpPr/>
+        <p:nvPr/>
+      </p:nvGrpSpPr>
+      <p:grpSpPr>
+        <a:xfrm>
+          <a:off x="0" y="0"/>
+          <a:ext cx="0" cy="0"/>
+          <a:chOff x="0" y="0"/>
+          <a:chExt cx="0" cy="0"/>
+        </a:xfrm>
+      </p:grpSpPr>
+      <p:pic>
+        <p:nvPicPr>
+          <p:cNvPr id="3" name="Picture 2"/>
+          <p:cNvPicPr>
+            <a:picLocks noChangeAspect="1"/>
+          </p:cNvPicPr>
+          <p:nvPr/>
+        </p:nvPicPr>
+        <p:blipFill>
+          <a:blip r:embed="rId2"/>
+          <a:stretch>
+            <a:fillRect/>
+          </a:stretch>
+        </p:blipFill>
+        <p:spPr>
+          <a:xfrm>
+            <a:off x="3193367" y="4344848"/>
+            <a:ext cx="6484838" cy="1403934"/>
+          </a:xfrm>
+          <a:prstGeom prst="rect">
+            <a:avLst/>
+          </a:prstGeom>
+        </p:spPr>
+      </p:pic>
+      <p:sp>
+        <p:nvSpPr>
+          <p:cNvPr id="5" name="Text Placeholder 4"/>
+          <p:cNvSpPr>
+            <a:spLocks noGrp="1"/>
+          </p:cNvSpPr>
+          <p:nvPr>
+            <p:ph type="body" sz="quarter" idx="11"/>
+          </p:nvPr>
+        </p:nvSpPr>
+        <p:spPr>
+          <a:xfrm>
+            <a:off x="945245" y="3465146"/>
+            <a:ext cx="10515600" cy="523875"/>
+          </a:xfrm>
+        </p:spPr>
+        <p:txBody>
+          <a:bodyPr/>
+          <a:lstStyle/>
+          <a:p>
+            <a:r>
+              <a:rPr lang="es-ES" sz="2400" dirty="0">
+                <a:latin typeface="Segoe UI Light" panose="020B0502040204020203" pitchFamily="34" charset="0"/>
+                <a:cs typeface="Segoe UI Light" panose="020B0502040204020203" pitchFamily="34" charset="0"/>
+              </a:rPr>
+              <a:t>Muchas gracias por tu confianza</a:t>
+            </a:r>
+          </a:p>
+        </p:txBody>
+      </p:sp>
+    </p:spTree>
+    <p:extLst>
+      <p:ext uri="{BB962C8B-B14F-4D97-AF65-F5344CB8AC3E}">
+        <p14:creationId xmlns:p14="http://schemas.microsoft.com/office/powerpoint/2010/main" val="3345879006"/>
       </p:ext>
     </p:extLst>
   </p:cSld>
@@ -19252,7 +21897,7 @@
   <a:extraClrSchemeLst/>
   <a:extLst>
     <a:ext uri="{05A4C25C-085E-4340-85A3-A5531E510DB2}">
-      <thm15:themeFamily xmlns:thm15="http://schemas.microsoft.com/office/thememl/2012/main" xmlns="" name="Office Theme" id="{62F939B6-93AF-4DB8-9C6B-D6C7DFDC589F}" vid="{4A3C46E8-61CC-4603-A589-7422A47A8E4A}"/>
+      <thm15:themeFamily xmlns="" xmlns:thm15="http://schemas.microsoft.com/office/thememl/2012/main" name="Office Theme" id="{62F939B6-93AF-4DB8-9C6B-D6C7DFDC589F}" vid="{4A3C46E8-61CC-4603-A589-7422A47A8E4A}"/>
     </a:ext>
   </a:extLst>
 </a:theme>
@@ -19513,7 +22158,7 @@
   <a:extraClrSchemeLst/>
   <a:extLst>
     <a:ext uri="{05A4C25C-085E-4340-85A3-A5531E510DB2}">
-      <thm15:themeFamily xmlns:thm15="http://schemas.microsoft.com/office/thememl/2012/main" xmlns="" name="Office Theme" id="{62F939B6-93AF-4DB8-9C6B-D6C7DFDC589F}" vid="{4A3C46E8-61CC-4603-A589-7422A47A8E4A}"/>
+      <thm15:themeFamily xmlns="" xmlns:thm15="http://schemas.microsoft.com/office/thememl/2012/main" name="Office Theme" id="{62F939B6-93AF-4DB8-9C6B-D6C7DFDC589F}" vid="{4A3C46E8-61CC-4603-A589-7422A47A8E4A}"/>
     </a:ext>
   </a:extLst>
 </a:theme>
@@ -19774,7 +22419,7 @@
   <a:extraClrSchemeLst/>
   <a:extLst>
     <a:ext uri="{05A4C25C-085E-4340-85A3-A5531E510DB2}">
-      <thm15:themeFamily xmlns:thm15="http://schemas.microsoft.com/office/thememl/2012/main" xmlns="" name="Office Theme" id="{62F939B6-93AF-4DB8-9C6B-D6C7DFDC589F}" vid="{4A3C46E8-61CC-4603-A589-7422A47A8E4A}"/>
+      <thm15:themeFamily xmlns="" xmlns:thm15="http://schemas.microsoft.com/office/thememl/2012/main" name="Office Theme" id="{62F939B6-93AF-4DB8-9C6B-D6C7DFDC589F}" vid="{4A3C46E8-61CC-4603-A589-7422A47A8E4A}"/>
     </a:ext>
   </a:extLst>
 </a:theme>
@@ -20035,7 +22680,7 @@
   <a:extraClrSchemeLst/>
   <a:extLst>
     <a:ext uri="{05A4C25C-085E-4340-85A3-A5531E510DB2}">
-      <thm15:themeFamily xmlns:thm15="http://schemas.microsoft.com/office/thememl/2012/main" xmlns="" name="Office Theme" id="{62F939B6-93AF-4DB8-9C6B-D6C7DFDC589F}" vid="{4A3C46E8-61CC-4603-A589-7422A47A8E4A}"/>
+      <thm15:themeFamily xmlns="" xmlns:thm15="http://schemas.microsoft.com/office/thememl/2012/main" name="Office Theme" id="{62F939B6-93AF-4DB8-9C6B-D6C7DFDC589F}" vid="{4A3C46E8-61CC-4603-A589-7422A47A8E4A}"/>
     </a:ext>
   </a:extLst>
 </a:theme>
@@ -20296,7 +22941,7 @@
   <a:extraClrSchemeLst/>
   <a:extLst>
     <a:ext uri="{05A4C25C-085E-4340-85A3-A5531E510DB2}">
-      <thm15:themeFamily xmlns:thm15="http://schemas.microsoft.com/office/thememl/2012/main" xmlns="" name="Office Theme" id="{62F939B6-93AF-4DB8-9C6B-D6C7DFDC589F}" vid="{4A3C46E8-61CC-4603-A589-7422A47A8E4A}"/>
+      <thm15:themeFamily xmlns="" xmlns:thm15="http://schemas.microsoft.com/office/thememl/2012/main" name="Office Theme" id="{62F939B6-93AF-4DB8-9C6B-D6C7DFDC589F}" vid="{4A3C46E8-61CC-4603-A589-7422A47A8E4A}"/>
     </a:ext>
   </a:extLst>
 </a:theme>
@@ -20557,7 +23202,7 @@
   <a:extraClrSchemeLst/>
   <a:extLst>
     <a:ext uri="{05A4C25C-085E-4340-85A3-A5531E510DB2}">
-      <thm15:themeFamily xmlns:thm15="http://schemas.microsoft.com/office/thememl/2012/main" xmlns="" name="Office Theme" id="{62F939B6-93AF-4DB8-9C6B-D6C7DFDC589F}" vid="{4A3C46E8-61CC-4603-A589-7422A47A8E4A}"/>
+      <thm15:themeFamily xmlns="" xmlns:thm15="http://schemas.microsoft.com/office/thememl/2012/main" name="Office Theme" id="{62F939B6-93AF-4DB8-9C6B-D6C7DFDC589F}" vid="{4A3C46E8-61CC-4603-A589-7422A47A8E4A}"/>
     </a:ext>
   </a:extLst>
 </a:theme>
@@ -20818,7 +23463,7 @@
   <a:extraClrSchemeLst/>
   <a:extLst>
     <a:ext uri="{05A4C25C-085E-4340-85A3-A5531E510DB2}">
-      <thm15:themeFamily xmlns:thm15="http://schemas.microsoft.com/office/thememl/2012/main" xmlns="" name="Office Theme" id="{62F939B6-93AF-4DB8-9C6B-D6C7DFDC589F}" vid="{4A3C46E8-61CC-4603-A589-7422A47A8E4A}"/>
+      <thm15:themeFamily xmlns="" xmlns:thm15="http://schemas.microsoft.com/office/thememl/2012/main" name="Office Theme" id="{62F939B6-93AF-4DB8-9C6B-D6C7DFDC589F}" vid="{4A3C46E8-61CC-4603-A589-7422A47A8E4A}"/>
     </a:ext>
   </a:extLst>
 </a:theme>
@@ -21079,7 +23724,7 @@
   <a:extraClrSchemeLst/>
   <a:extLst>
     <a:ext uri="{05A4C25C-085E-4340-85A3-A5531E510DB2}">
-      <thm15:themeFamily xmlns:thm15="http://schemas.microsoft.com/office/thememl/2012/main" xmlns="" name="Office Theme" id="{62F939B6-93AF-4DB8-9C6B-D6C7DFDC589F}" vid="{4A3C46E8-61CC-4603-A589-7422A47A8E4A}"/>
+      <thm15:themeFamily xmlns="" xmlns:thm15="http://schemas.microsoft.com/office/thememl/2012/main" name="Office Theme" id="{62F939B6-93AF-4DB8-9C6B-D6C7DFDC589F}" vid="{4A3C46E8-61CC-4603-A589-7422A47A8E4A}"/>
     </a:ext>
   </a:extLst>
 </a:theme>
@@ -21340,7 +23985,7 @@
   <a:extraClrSchemeLst/>
   <a:extLst>
     <a:ext uri="{05A4C25C-085E-4340-85A3-A5531E510DB2}">
-      <thm15:themeFamily xmlns:thm15="http://schemas.microsoft.com/office/thememl/2012/main" xmlns="" name="Office Theme" id="{62F939B6-93AF-4DB8-9C6B-D6C7DFDC589F}" vid="{4A3C46E8-61CC-4603-A589-7422A47A8E4A}"/>
+      <thm15:themeFamily xmlns="" xmlns:thm15="http://schemas.microsoft.com/office/thememl/2012/main" name="Office Theme" id="{62F939B6-93AF-4DB8-9C6B-D6C7DFDC589F}" vid="{4A3C46E8-61CC-4603-A589-7422A47A8E4A}"/>
     </a:ext>
   </a:extLst>
 </a:theme>
@@ -21601,37 +24246,13 @@
   <a:extraClrSchemeLst/>
   <a:extLst>
     <a:ext uri="{05A4C25C-085E-4340-85A3-A5531E510DB2}">
-      <thm15:themeFamily xmlns:thm15="http://schemas.microsoft.com/office/thememl/2012/main" xmlns="" name="Office Theme" id="{62F939B6-93AF-4DB8-9C6B-D6C7DFDC589F}" vid="{4A3C46E8-61CC-4603-A589-7422A47A8E4A}"/>
+      <thm15:themeFamily xmlns="" xmlns:thm15="http://schemas.microsoft.com/office/thememl/2012/main" name="Office Theme" id="{62F939B6-93AF-4DB8-9C6B-D6C7DFDC589F}" vid="{4A3C46E8-61CC-4603-A589-7422A47A8E4A}"/>
     </a:ext>
   </a:extLst>
 </a:theme>
 </file>
 
 <file path=customXml/item1.xml><?xml version="1.0" encoding="utf-8"?>
-<?mso-contentType ?>
-<FormTemplates xmlns="http://schemas.microsoft.com/sharepoint/v3/contenttype/forms">
-  <Display>DocumentLibraryForm</Display>
-  <Edit>DocumentLibraryForm</Edit>
-  <New>DocumentLibraryForm</New>
-</FormTemplates>
-</file>
-
-<file path=customXml/item2.xml><?xml version="1.0" encoding="utf-8"?>
-<p:properties xmlns:p="http://schemas.microsoft.com/office/2006/metadata/properties" xmlns:xsi="http://www.w3.org/2001/XMLSchema-instance" xmlns:pc="http://schemas.microsoft.com/office/infopath/2007/PartnerControls">
-  <documentManagement>
-    <TaxCatchAll xmlns="a55c6545-c4b0-41ba-b65e-41037e7c803f"/>
-    <SharedWithUsers xmlns="b048c077-1ef5-43d8-8cbe-0087f6733556">
-      <UserInfo>
-        <DisplayName>Todos excepto los usuarios externos</DisplayName>
-        <AccountId>181</AccountId>
-        <AccountType/>
-      </UserInfo>
-    </SharedWithUsers>
-  </documentManagement>
-</p:properties>
-</file>
-
-<file path=customXml/item3.xml><?xml version="1.0" encoding="utf-8"?>
 <ct:contentTypeSchema xmlns:ct="http://schemas.microsoft.com/office/2006/metadata/contentType" xmlns:ma="http://schemas.microsoft.com/office/2006/metadata/properties/metaAttributes" ct:_="" ma:_="" ma:contentTypeName="Documento" ma:contentTypeID="0x01010011374B617ED0E840AAD9696600400A02" ma:contentTypeVersion="9" ma:contentTypeDescription="Crear nuevo documento." ma:contentTypeScope="" ma:versionID="250dcc0a2ebb02d44b4ddffdd32b7dd2">
   <xsd:schema xmlns:xsd="http://www.w3.org/2001/XMLSchema" xmlns:xs="http://www.w3.org/2001/XMLSchema" xmlns:p="http://schemas.microsoft.com/office/2006/metadata/properties" xmlns:ns2="a55c6545-c4b0-41ba-b65e-41037e7c803f" xmlns:ns3="b048c077-1ef5-43d8-8cbe-0087f6733556" targetNamespace="http://schemas.microsoft.com/office/2006/metadata/properties" ma:root="true" ma:fieldsID="7a367e56634011d3948e6870b2482d1c" ns2:_="" ns3:_="">
     <xsd:import namespace="a55c6545-c4b0-41ba-b65e-41037e7c803f"/>
@@ -21802,10 +24423,45 @@
 </ct:contentTypeSchema>
 </file>
 
+<file path=customXml/item2.xml><?xml version="1.0" encoding="utf-8"?>
+<p:properties xmlns:p="http://schemas.microsoft.com/office/2006/metadata/properties" xmlns:xsi="http://www.w3.org/2001/XMLSchema-instance" xmlns:pc="http://schemas.microsoft.com/office/infopath/2007/PartnerControls">
+  <documentManagement>
+    <TaxCatchAll xmlns="a55c6545-c4b0-41ba-b65e-41037e7c803f"/>
+    <SharedWithUsers xmlns="b048c077-1ef5-43d8-8cbe-0087f6733556">
+      <UserInfo>
+        <DisplayName>Todos excepto los usuarios externos</DisplayName>
+        <AccountId>181</AccountId>
+        <AccountType/>
+      </UserInfo>
+    </SharedWithUsers>
+  </documentManagement>
+</p:properties>
+</file>
+
+<file path=customXml/item3.xml><?xml version="1.0" encoding="utf-8"?>
+<?mso-contentType ?>
+<FormTemplates xmlns="http://schemas.microsoft.com/sharepoint/v3/contenttype/forms">
+  <Display>DocumentLibraryForm</Display>
+  <Edit>DocumentLibraryForm</Edit>
+  <New>DocumentLibraryForm</New>
+</FormTemplates>
+</file>
+
 <file path=customXml/itemProps1.xml><?xml version="1.0" encoding="utf-8"?>
-<ds:datastoreItem xmlns:ds="http://schemas.openxmlformats.org/officeDocument/2006/customXml" ds:itemID="{5313EA09-C0DC-4015-ABE0-A5612D75F864}">
+<ds:datastoreItem xmlns:ds="http://schemas.openxmlformats.org/officeDocument/2006/customXml" ds:itemID="{40B01907-E433-4243-9A3E-9E9101133288}">
   <ds:schemaRefs>
-    <ds:schemaRef ds:uri="http://schemas.microsoft.com/sharepoint/v3/contenttype/forms"/>
+    <ds:schemaRef ds:uri="http://schemas.microsoft.com/office/2006/metadata/contentType"/>
+    <ds:schemaRef ds:uri="http://schemas.microsoft.com/office/2006/metadata/properties/metaAttributes"/>
+    <ds:schemaRef ds:uri="http://www.w3.org/2001/XMLSchema"/>
+    <ds:schemaRef ds:uri="http://schemas.microsoft.com/office/2006/metadata/properties"/>
+    <ds:schemaRef ds:uri="a55c6545-c4b0-41ba-b65e-41037e7c803f"/>
+    <ds:schemaRef ds:uri="b048c077-1ef5-43d8-8cbe-0087f6733556"/>
+    <ds:schemaRef ds:uri="http://schemas.microsoft.com/office/2006/documentManagement/types"/>
+    <ds:schemaRef ds:uri="http://schemas.microsoft.com/office/infopath/2007/PartnerControls"/>
+    <ds:schemaRef ds:uri="http://schemas.openxmlformats.org/package/2006/metadata/core-properties"/>
+    <ds:schemaRef ds:uri="http://purl.org/dc/elements/1.1/"/>
+    <ds:schemaRef ds:uri="http://purl.org/dc/terms/"/>
+    <ds:schemaRef ds:uri="http://schemas.microsoft.com/internal/obd"/>
   </ds:schemaRefs>
 </ds:datastoreItem>
 </file>
@@ -21828,20 +24484,9 @@
 </file>
 
 <file path=customXml/itemProps3.xml><?xml version="1.0" encoding="utf-8"?>
-<ds:datastoreItem xmlns:ds="http://schemas.openxmlformats.org/officeDocument/2006/customXml" ds:itemID="{40B01907-E433-4243-9A3E-9E9101133288}">
+<ds:datastoreItem xmlns:ds="http://schemas.openxmlformats.org/officeDocument/2006/customXml" ds:itemID="{5313EA09-C0DC-4015-ABE0-A5612D75F864}">
   <ds:schemaRefs>
-    <ds:schemaRef ds:uri="http://schemas.microsoft.com/office/2006/metadata/contentType"/>
-    <ds:schemaRef ds:uri="http://schemas.microsoft.com/office/2006/metadata/properties/metaAttributes"/>
-    <ds:schemaRef ds:uri="http://www.w3.org/2001/XMLSchema"/>
-    <ds:schemaRef ds:uri="http://schemas.microsoft.com/office/2006/metadata/properties"/>
-    <ds:schemaRef ds:uri="a55c6545-c4b0-41ba-b65e-41037e7c803f"/>
-    <ds:schemaRef ds:uri="b048c077-1ef5-43d8-8cbe-0087f6733556"/>
-    <ds:schemaRef ds:uri="http://schemas.microsoft.com/office/2006/documentManagement/types"/>
-    <ds:schemaRef ds:uri="http://schemas.microsoft.com/office/infopath/2007/PartnerControls"/>
-    <ds:schemaRef ds:uri="http://schemas.openxmlformats.org/package/2006/metadata/core-properties"/>
-    <ds:schemaRef ds:uri="http://purl.org/dc/elements/1.1/"/>
-    <ds:schemaRef ds:uri="http://purl.org/dc/terms/"/>
-    <ds:schemaRef ds:uri="http://schemas.microsoft.com/internal/obd"/>
+    <ds:schemaRef ds:uri="http://schemas.microsoft.com/sharepoint/v3/contenttype/forms"/>
   </ds:schemaRefs>
 </ds:datastoreItem>
 </file>